--- a/转正答辩.pptx
+++ b/转正答辩.pptx
@@ -16,19 +16,23 @@
     <p:sldId id="312" r:id="rId11"/>
     <p:sldId id="310" r:id="rId12"/>
     <p:sldId id="299" r:id="rId13"/>
-    <p:sldId id="308" r:id="rId14"/>
-    <p:sldId id="301" r:id="rId15"/>
-    <p:sldId id="302" r:id="rId16"/>
-    <p:sldId id="303" r:id="rId17"/>
-    <p:sldId id="305" r:id="rId18"/>
-    <p:sldId id="306" r:id="rId19"/>
-    <p:sldId id="307" r:id="rId20"/>
-    <p:sldId id="267" r:id="rId21"/>
+    <p:sldId id="331" r:id="rId14"/>
+    <p:sldId id="332" r:id="rId15"/>
+    <p:sldId id="335" r:id="rId16"/>
+    <p:sldId id="333" r:id="rId17"/>
+    <p:sldId id="334" r:id="rId18"/>
+    <p:sldId id="301" r:id="rId19"/>
+    <p:sldId id="302" r:id="rId20"/>
+    <p:sldId id="303" r:id="rId21"/>
+    <p:sldId id="305" r:id="rId22"/>
+    <p:sldId id="306" r:id="rId23"/>
+    <p:sldId id="307" r:id="rId24"/>
+    <p:sldId id="267" r:id="rId25"/>
   </p:sldIdLst>
   <p:sldSz cx="12192000" cy="6858000"/>
   <p:notesSz cx="6858000" cy="9144000"/>
   <p:custDataLst>
-    <p:tags r:id="rId25"/>
+    <p:tags r:id="rId29"/>
   </p:custDataLst>
   <p:defaultTextStyle>
     <a:defPPr>
@@ -3873,7 +3877,7 @@
                 <a:cs typeface="+mn-ea"/>
                 <a:sym typeface="+mn-lt"/>
               </a:rPr>
-              <a:t>试用期工作收获</a:t>
+              <a:t>试用期学习收获</a:t>
             </a:r>
             <a:endParaRPr lang="zh-CN" altLang="en-US" sz="2400" b="1" dirty="0">
               <a:solidFill>
@@ -4009,7 +4013,7 @@
         <p:spPr>
           <a:xfrm>
             <a:off x="972185" y="1805940"/>
-            <a:ext cx="6782435" cy="1814830"/>
+            <a:ext cx="6782435" cy="1568450"/>
           </a:xfrm>
           <a:prstGeom prst="rect">
             <a:avLst/>
@@ -4021,21 +4025,6 @@
             <a:spAutoFit/>
           </a:bodyPr>
           <a:p>
-            <a:r>
-              <a:rPr lang="zh-CN" sz="1600" b="1" dirty="0">
-                <a:solidFill>
-                  <a:schemeClr val="tx1">
-                    <a:lumMod val="75000"/>
-                    <a:lumOff val="25000"/>
-                  </a:schemeClr>
-                </a:solidFill>
-                <a:latin typeface="等线 Light" panose="02010600030101010101" charset="-122"/>
-                <a:ea typeface="等线 Light" panose="02010600030101010101" charset="-122"/>
-                <a:cs typeface="等线 Light" panose="02010600030101010101" charset="-122"/>
-                <a:sym typeface="+mn-lt"/>
-              </a:rPr>
-              <a:t>一、学习语音识别。</a:t>
-            </a:r>
             <a:endParaRPr lang="zh-CN" sz="1600" b="1" dirty="0">
               <a:solidFill>
                 <a:schemeClr val="tx1">
@@ -4050,6 +4039,66 @@
             </a:endParaRPr>
           </a:p>
           <a:p>
+            <a:r>
+              <a:rPr lang="zh-CN" sz="1600" b="1" dirty="0">
+                <a:solidFill>
+                  <a:schemeClr val="tx1">
+                    <a:lumMod val="75000"/>
+                    <a:lumOff val="25000"/>
+                  </a:schemeClr>
+                </a:solidFill>
+                <a:latin typeface="等线 Light" panose="02010600030101010101" charset="-122"/>
+                <a:ea typeface="等线 Light" panose="02010600030101010101" charset="-122"/>
+                <a:cs typeface="等线 Light" panose="02010600030101010101" charset="-122"/>
+                <a:sym typeface="+mn-lt"/>
+              </a:rPr>
+              <a:t>一、业务功能</a:t>
+            </a:r>
+            <a:r>
+              <a:rPr lang="en-US" altLang="zh-CN" sz="1600" b="1" dirty="0">
+                <a:solidFill>
+                  <a:schemeClr val="tx1">
+                    <a:lumMod val="75000"/>
+                    <a:lumOff val="25000"/>
+                  </a:schemeClr>
+                </a:solidFill>
+                <a:latin typeface="等线 Light" panose="02010600030101010101" charset="-122"/>
+                <a:ea typeface="等线 Light" panose="02010600030101010101" charset="-122"/>
+                <a:cs typeface="等线 Light" panose="02010600030101010101" charset="-122"/>
+                <a:sym typeface="+mn-lt"/>
+              </a:rPr>
+              <a:t>SDK</a:t>
+            </a:r>
+            <a:r>
+              <a:rPr lang="zh-CN" altLang="en-US" sz="1600" b="1" dirty="0">
+                <a:solidFill>
+                  <a:schemeClr val="tx1">
+                    <a:lumMod val="75000"/>
+                    <a:lumOff val="25000"/>
+                  </a:schemeClr>
+                </a:solidFill>
+                <a:latin typeface="等线 Light" panose="02010600030101010101" charset="-122"/>
+                <a:ea typeface="等线 Light" panose="02010600030101010101" charset="-122"/>
+                <a:cs typeface="等线 Light" panose="02010600030101010101" charset="-122"/>
+                <a:sym typeface="+mn-lt"/>
+              </a:rPr>
+              <a:t>接口封装</a:t>
+            </a:r>
+            <a:r>
+              <a:rPr lang="zh-CN" altLang="en-US" sz="1600" b="1" dirty="0">
+                <a:solidFill>
+                  <a:schemeClr val="tx1">
+                    <a:lumMod val="75000"/>
+                    <a:lumOff val="25000"/>
+                  </a:schemeClr>
+                </a:solidFill>
+                <a:latin typeface="等线 Light" panose="02010600030101010101" charset="-122"/>
+                <a:ea typeface="等线 Light" panose="02010600030101010101" charset="-122"/>
+                <a:cs typeface="等线 Light" panose="02010600030101010101" charset="-122"/>
+                <a:sym typeface="+mn-lt"/>
+              </a:rPr>
+              <a:t>。</a:t>
+            </a:r>
             <a:endParaRPr lang="zh-CN" sz="1600" b="1" dirty="0">
               <a:solidFill>
                 <a:schemeClr val="tx1">
@@ -4064,51 +4113,6 @@
             </a:endParaRPr>
           </a:p>
           <a:p>
-            <a:r>
-              <a:rPr lang="zh-CN" sz="1600" b="1" dirty="0">
-                <a:solidFill>
-                  <a:schemeClr val="tx1">
-                    <a:lumMod val="75000"/>
-                    <a:lumOff val="25000"/>
-                  </a:schemeClr>
-                </a:solidFill>
-                <a:latin typeface="等线 Light" panose="02010600030101010101" charset="-122"/>
-                <a:ea typeface="等线 Light" panose="02010600030101010101" charset="-122"/>
-                <a:cs typeface="等线 Light" panose="02010600030101010101" charset="-122"/>
-                <a:sym typeface="+mn-lt"/>
-              </a:rPr>
-              <a:t>二、</a:t>
-            </a:r>
-            <a:r>
-              <a:rPr lang="en-US" altLang="zh-CN" sz="1600" b="1" dirty="0">
-                <a:solidFill>
-                  <a:schemeClr val="tx1">
-                    <a:lumMod val="75000"/>
-                    <a:lumOff val="25000"/>
-                  </a:schemeClr>
-                </a:solidFill>
-                <a:latin typeface="等线 Light" panose="02010600030101010101" charset="-122"/>
-                <a:ea typeface="等线 Light" panose="02010600030101010101" charset="-122"/>
-                <a:cs typeface="等线 Light" panose="02010600030101010101" charset="-122"/>
-                <a:sym typeface="+mn-lt"/>
-              </a:rPr>
-              <a:t>GS</a:t>
-            </a:r>
-            <a:r>
-              <a:rPr lang="zh-CN" altLang="en-US" sz="1600" b="1" dirty="0">
-                <a:solidFill>
-                  <a:schemeClr val="tx1">
-                    <a:lumMod val="75000"/>
-                    <a:lumOff val="25000"/>
-                  </a:schemeClr>
-                </a:solidFill>
-                <a:latin typeface="等线 Light" panose="02010600030101010101" charset="-122"/>
-                <a:ea typeface="等线 Light" panose="02010600030101010101" charset="-122"/>
-                <a:cs typeface="等线 Light" panose="02010600030101010101" charset="-122"/>
-                <a:sym typeface="+mn-lt"/>
-              </a:rPr>
-              <a:t>框架学习。</a:t>
-            </a:r>
             <a:endParaRPr lang="zh-CN" sz="1600" b="1" dirty="0">
               <a:solidFill>
                 <a:schemeClr val="tx1">
@@ -4123,7 +4127,67 @@
             </a:endParaRPr>
           </a:p>
           <a:p>
-            <a:endParaRPr lang="zh-CN" sz="1600" b="1" dirty="0">
+            <a:r>
+              <a:rPr lang="zh-CN" sz="1600" b="1" dirty="0">
+                <a:solidFill>
+                  <a:schemeClr val="tx1">
+                    <a:lumMod val="75000"/>
+                    <a:lumOff val="25000"/>
+                  </a:schemeClr>
+                </a:solidFill>
+                <a:latin typeface="等线 Light" panose="02010600030101010101" charset="-122"/>
+                <a:ea typeface="等线 Light" panose="02010600030101010101" charset="-122"/>
+                <a:cs typeface="等线 Light" panose="02010600030101010101" charset="-122"/>
+                <a:sym typeface="+mn-lt"/>
+              </a:rPr>
+              <a:t>二、</a:t>
+            </a:r>
+            <a:r>
+              <a:rPr lang="en-US" altLang="zh-CN" sz="1600" b="1" dirty="0">
+                <a:solidFill>
+                  <a:schemeClr val="tx1">
+                    <a:lumMod val="75000"/>
+                    <a:lumOff val="25000"/>
+                  </a:schemeClr>
+                </a:solidFill>
+                <a:latin typeface="等线 Light" panose="02010600030101010101" charset="-122"/>
+                <a:ea typeface="等线 Light" panose="02010600030101010101" charset="-122"/>
+                <a:cs typeface="等线 Light" panose="02010600030101010101" charset="-122"/>
+                <a:sym typeface="+mn-lt"/>
+              </a:rPr>
+              <a:t>GS</a:t>
+            </a:r>
+            <a:r>
+              <a:rPr lang="zh-CN" altLang="en-US" sz="1600" b="1" dirty="0">
+                <a:solidFill>
+                  <a:schemeClr val="tx1">
+                    <a:lumMod val="75000"/>
+                    <a:lumOff val="25000"/>
+                  </a:schemeClr>
+                </a:solidFill>
+                <a:latin typeface="等线 Light" panose="02010600030101010101" charset="-122"/>
+                <a:ea typeface="等线 Light" panose="02010600030101010101" charset="-122"/>
+                <a:cs typeface="等线 Light" panose="02010600030101010101" charset="-122"/>
+                <a:sym typeface="+mn-lt"/>
+              </a:rPr>
+              <a:t>框架学习</a:t>
+            </a:r>
+            <a:r>
+              <a:rPr lang="zh-CN" altLang="en-US" sz="1600" b="1" dirty="0">
+                <a:solidFill>
+                  <a:schemeClr val="tx1">
+                    <a:lumMod val="75000"/>
+                    <a:lumOff val="25000"/>
+                  </a:schemeClr>
+                </a:solidFill>
+                <a:latin typeface="等线 Light" panose="02010600030101010101" charset="-122"/>
+                <a:ea typeface="等线 Light" panose="02010600030101010101" charset="-122"/>
+                <a:cs typeface="等线 Light" panose="02010600030101010101" charset="-122"/>
+                <a:sym typeface="+mn-lt"/>
+              </a:rPr>
+              <a:t>。</a:t>
+            </a:r>
+            <a:endParaRPr lang="zh-CN" altLang="en-US" sz="1600" b="1" dirty="0">
               <a:solidFill>
                 <a:schemeClr val="tx1">
                   <a:lumMod val="75000"/>
@@ -4137,51 +4201,6 @@
             </a:endParaRPr>
           </a:p>
           <a:p>
-            <a:r>
-              <a:rPr lang="zh-CN" sz="1600" b="1" dirty="0">
-                <a:solidFill>
-                  <a:schemeClr val="tx1">
-                    <a:lumMod val="75000"/>
-                    <a:lumOff val="25000"/>
-                  </a:schemeClr>
-                </a:solidFill>
-                <a:latin typeface="等线 Light" panose="02010600030101010101" charset="-122"/>
-                <a:ea typeface="等线 Light" panose="02010600030101010101" charset="-122"/>
-                <a:cs typeface="等线 Light" panose="02010600030101010101" charset="-122"/>
-                <a:sym typeface="+mn-lt"/>
-              </a:rPr>
-              <a:t>三、</a:t>
-            </a:r>
-            <a:r>
-              <a:rPr lang="en-US" altLang="zh-CN" sz="1600" b="1" dirty="0">
-                <a:solidFill>
-                  <a:schemeClr val="tx1">
-                    <a:lumMod val="75000"/>
-                    <a:lumOff val="25000"/>
-                  </a:schemeClr>
-                </a:solidFill>
-                <a:latin typeface="等线 Light" panose="02010600030101010101" charset="-122"/>
-                <a:ea typeface="等线 Light" panose="02010600030101010101" charset="-122"/>
-                <a:cs typeface="等线 Light" panose="02010600030101010101" charset="-122"/>
-                <a:sym typeface="+mn-lt"/>
-              </a:rPr>
-              <a:t>USB</a:t>
-            </a:r>
-            <a:r>
-              <a:rPr lang="zh-CN" altLang="en-US" sz="1600" b="1" dirty="0">
-                <a:solidFill>
-                  <a:schemeClr val="tx1">
-                    <a:lumMod val="75000"/>
-                    <a:lumOff val="25000"/>
-                  </a:schemeClr>
-                </a:solidFill>
-                <a:latin typeface="等线 Light" panose="02010600030101010101" charset="-122"/>
-                <a:ea typeface="等线 Light" panose="02010600030101010101" charset="-122"/>
-                <a:cs typeface="等线 Light" panose="02010600030101010101" charset="-122"/>
-                <a:sym typeface="+mn-lt"/>
-              </a:rPr>
-              <a:t>协议学习。</a:t>
-            </a:r>
             <a:endParaRPr lang="zh-CN" altLang="en-US" sz="1600" b="1" dirty="0">
               <a:solidFill>
                 <a:schemeClr val="tx1">
@@ -4196,20 +4215,6 @@
             </a:endParaRPr>
           </a:p>
           <a:p>
-            <a:endParaRPr lang="zh-CN" altLang="en-US" sz="1600" b="1" dirty="0">
-              <a:solidFill>
-                <a:schemeClr val="tx1">
-                  <a:lumMod val="75000"/>
-                  <a:lumOff val="25000"/>
-                </a:schemeClr>
-              </a:solidFill>
-              <a:latin typeface="等线 Light" panose="02010600030101010101" charset="-122"/>
-              <a:ea typeface="等线 Light" panose="02010600030101010101" charset="-122"/>
-              <a:cs typeface="等线 Light" panose="02010600030101010101" charset="-122"/>
-              <a:sym typeface="+mn-lt"/>
-            </a:endParaRPr>
-          </a:p>
-          <a:p>
             <a:r>
               <a:rPr lang="zh-CN" altLang="en-US" sz="1600" b="1" dirty="0">
                 <a:solidFill>
@@ -4223,7 +4228,37 @@
                 <a:cs typeface="等线 Light" panose="02010600030101010101" charset="-122"/>
                 <a:sym typeface="+mn-lt"/>
               </a:rPr>
-              <a:t>四、设计模式。</a:t>
+              <a:t>三、</a:t>
+            </a:r>
+            <a:r>
+              <a:rPr lang="zh-CN" sz="1600" b="1" dirty="0">
+                <a:solidFill>
+                  <a:schemeClr val="tx1">
+                    <a:lumMod val="75000"/>
+                    <a:lumOff val="25000"/>
+                  </a:schemeClr>
+                </a:solidFill>
+                <a:latin typeface="等线 Light" panose="02010600030101010101" charset="-122"/>
+                <a:ea typeface="等线 Light" panose="02010600030101010101" charset="-122"/>
+                <a:cs typeface="等线 Light" panose="02010600030101010101" charset="-122"/>
+                <a:sym typeface="+mn-lt"/>
+              </a:rPr>
+              <a:t>科大讯飞语音识别</a:t>
+            </a:r>
+            <a:r>
+              <a:rPr lang="zh-CN" altLang="en-US" sz="1600" b="1" dirty="0">
+                <a:solidFill>
+                  <a:schemeClr val="tx1">
+                    <a:lumMod val="75000"/>
+                    <a:lumOff val="25000"/>
+                  </a:schemeClr>
+                </a:solidFill>
+                <a:latin typeface="等线 Light" panose="02010600030101010101" charset="-122"/>
+                <a:ea typeface="等线 Light" panose="02010600030101010101" charset="-122"/>
+                <a:cs typeface="等线 Light" panose="02010600030101010101" charset="-122"/>
+                <a:sym typeface="+mn-lt"/>
+              </a:rPr>
+              <a:t>。</a:t>
             </a:r>
             <a:endParaRPr lang="zh-CN" altLang="en-US" sz="1600" b="1" dirty="0">
               <a:solidFill>
@@ -4291,22 +4326,20 @@
       <p:grpSpPr/>
       <p:sp>
         <p:nvSpPr>
-          <p:cNvPr id="7" name="椭圆 6"/>
+          <p:cNvPr id="4" name="矩形 3"/>
           <p:cNvSpPr/>
           <p:nvPr/>
         </p:nvSpPr>
         <p:spPr>
           <a:xfrm>
-            <a:off x="4008120" y="3082290"/>
-            <a:ext cx="691515" cy="691515"/>
-          </a:xfrm>
-          <a:prstGeom prst="ellipse">
+            <a:off x="972185" y="1101090"/>
+            <a:ext cx="3168000" cy="18000"/>
+          </a:xfrm>
+          <a:prstGeom prst="rect">
             <a:avLst/>
           </a:prstGeom>
           <a:solidFill>
-            <a:srgbClr val="659594">
-              <a:alpha val="62000"/>
-            </a:srgbClr>
+            <a:srgbClr val="659594"/>
           </a:solidFill>
           <a:ln>
             <a:noFill/>
@@ -4330,36 +4363,20 @@
           <a:bodyPr rtlCol="0" anchor="ctr"/>
           <a:p>
             <a:pPr algn="ctr"/>
-            <a:r>
-              <a:rPr lang="en-US" altLang="zh-CN" sz="2000">
-                <a:solidFill>
-                  <a:schemeClr val="bg1"/>
-                </a:solidFill>
-                <a:latin typeface="等线 Light" panose="02010600030101010101" charset="-122"/>
-                <a:ea typeface="等线 Light" panose="02010600030101010101" charset="-122"/>
-              </a:rPr>
-              <a:t>04</a:t>
-            </a:r>
-            <a:endParaRPr lang="en-US" altLang="zh-CN" sz="2000">
-              <a:solidFill>
-                <a:schemeClr val="bg1"/>
-              </a:solidFill>
-              <a:latin typeface="等线 Light" panose="02010600030101010101" charset="-122"/>
-              <a:ea typeface="等线 Light" panose="02010600030101010101" charset="-122"/>
-            </a:endParaRPr>
-          </a:p>
-        </p:txBody>
-      </p:sp>
-      <p:sp>
-        <p:nvSpPr>
-          <p:cNvPr id="4" name="文本框 3"/>
+            <a:endParaRPr lang="zh-CN" altLang="en-US"/>
+          </a:p>
+        </p:txBody>
+      </p:sp>
+      <p:sp>
+        <p:nvSpPr>
+          <p:cNvPr id="7" name="文本框 6"/>
           <p:cNvSpPr txBox="1"/>
           <p:nvPr/>
         </p:nvSpPr>
         <p:spPr>
           <a:xfrm>
-            <a:off x="4887595" y="3197860"/>
-            <a:ext cx="3760470" cy="460375"/>
+            <a:off x="972185" y="530225"/>
+            <a:ext cx="4893945" cy="460375"/>
           </a:xfrm>
           <a:prstGeom prst="rect">
             <a:avLst/>
@@ -4371,36 +4388,183 @@
             <a:spAutoFit/>
           </a:bodyPr>
           <a:p>
-            <a:r>
-              <a:rPr lang="zh-CN" altLang="en-US" sz="2400" b="1" dirty="0">
-                <a:solidFill>
-                  <a:schemeClr val="tx1">
-                    <a:lumMod val="75000"/>
-                    <a:lumOff val="25000"/>
-                  </a:schemeClr>
-                </a:solidFill>
-                <a:latin typeface="等线 Light" panose="02010600030101010101" charset="-122"/>
-                <a:ea typeface="等线 Light" panose="02010600030101010101" charset="-122"/>
-                <a:cs typeface="+mn-ea"/>
-                <a:sym typeface="+mn-lt"/>
-              </a:rPr>
-              <a:t>自身不足与改进</a:t>
-            </a:r>
-            <a:endParaRPr lang="zh-CN" altLang="en-US" sz="2400" b="1" dirty="0">
-              <a:solidFill>
-                <a:schemeClr val="tx1">
-                  <a:lumMod val="75000"/>
-                  <a:lumOff val="25000"/>
-                </a:schemeClr>
-              </a:solidFill>
-              <a:latin typeface="等线 Light" panose="02010600030101010101" charset="-122"/>
-              <a:ea typeface="等线 Light" panose="02010600030101010101" charset="-122"/>
-              <a:cs typeface="+mn-ea"/>
+            <a:pPr algn="l">
+              <a:buClrTx/>
+              <a:buSzTx/>
+              <a:buFontTx/>
+            </a:pPr>
+            <a:r>
+              <a:rPr lang="zh-CN" altLang="en-US" sz="2400" dirty="0">
+                <a:solidFill>
+                  <a:schemeClr val="tx1">
+                    <a:lumMod val="75000"/>
+                    <a:lumOff val="25000"/>
+                  </a:schemeClr>
+                </a:solidFill>
+                <a:latin typeface="等线 Light" panose="02010600030101010101" charset="-122"/>
+                <a:ea typeface="等线 Light" panose="02010600030101010101" charset="-122"/>
+                <a:sym typeface="+mn-lt"/>
+              </a:rPr>
+              <a:t>业务功能SDK</a:t>
+            </a:r>
+            <a:r>
+              <a:rPr lang="zh-CN" altLang="en-US" sz="2400" dirty="0">
+                <a:solidFill>
+                  <a:schemeClr val="tx1">
+                    <a:lumMod val="75000"/>
+                    <a:lumOff val="25000"/>
+                  </a:schemeClr>
+                </a:solidFill>
+                <a:latin typeface="等线 Light" panose="02010600030101010101" charset="-122"/>
+                <a:ea typeface="等线 Light" panose="02010600030101010101" charset="-122"/>
+                <a:sym typeface="+mn-lt"/>
+              </a:rPr>
+              <a:t>接口封装</a:t>
+            </a:r>
+            <a:endParaRPr lang="zh-CN" altLang="en-US" sz="2400" dirty="0">
+              <a:solidFill>
+                <a:schemeClr val="tx1">
+                  <a:lumMod val="75000"/>
+                  <a:lumOff val="25000"/>
+                </a:schemeClr>
+              </a:solidFill>
+              <a:latin typeface="等线 Light" panose="02010600030101010101" charset="-122"/>
+              <a:ea typeface="等线 Light" panose="02010600030101010101" charset="-122"/>
+              <a:sym typeface="+mn-ea"/>
+            </a:endParaRPr>
+          </a:p>
+        </p:txBody>
+      </p:sp>
+      <p:pic>
+        <p:nvPicPr>
+          <p:cNvPr id="3" name="图片 2" descr="c216c8765727774aa9342bbc185b1845"/>
+          <p:cNvPicPr>
+            <a:picLocks noChangeAspect="1"/>
+          </p:cNvPicPr>
+          <p:nvPr>
+            <p:custDataLst>
+              <p:tags r:id="rId1"/>
+            </p:custDataLst>
+          </p:nvPr>
+        </p:nvPicPr>
+        <p:blipFill>
+          <a:blip r:embed="rId2">
+            <a:lum bright="24000" contrast="-30000"/>
+          </a:blip>
+          <a:srcRect l="-2021" r="2425" b="74848"/>
+          <a:stretch>
+            <a:fillRect/>
+          </a:stretch>
+        </p:blipFill>
+        <p:spPr>
+          <a:xfrm>
+            <a:off x="6471285" y="0"/>
+            <a:ext cx="5720715" cy="3854450"/>
+          </a:xfrm>
+          <a:prstGeom prst="rect">
+            <a:avLst/>
+          </a:prstGeom>
+        </p:spPr>
+      </p:pic>
+      <p:sp>
+        <p:nvSpPr>
+          <p:cNvPr id="6" name="文本框 5"/>
+          <p:cNvSpPr txBox="1"/>
+          <p:nvPr/>
+        </p:nvSpPr>
+        <p:spPr>
+          <a:xfrm>
+            <a:off x="972185" y="1805940"/>
+            <a:ext cx="4023995" cy="1383665"/>
+          </a:xfrm>
+          <a:prstGeom prst="rect">
+            <a:avLst/>
+          </a:prstGeom>
+          <a:noFill/>
+        </p:spPr>
+        <p:txBody>
+          <a:bodyPr wrap="square" rtlCol="0">
+            <a:spAutoFit/>
+          </a:bodyPr>
+          <a:p>
+            <a:r>
+              <a:rPr sz="1400" b="1" dirty="0">
+                <a:solidFill>
+                  <a:schemeClr val="tx1">
+                    <a:lumMod val="75000"/>
+                    <a:lumOff val="25000"/>
+                  </a:schemeClr>
+                </a:solidFill>
+                <a:latin typeface="等线 Light" panose="02010600030101010101" charset="-122"/>
+                <a:ea typeface="等线 Light" panose="02010600030101010101" charset="-122"/>
+                <a:cs typeface="等线 Light" panose="02010600030101010101" charset="-122"/>
+                <a:sym typeface="+mn-lt"/>
+              </a:rPr>
+              <a:t>CG03 充当 USB 摄像头，使用 HDMI - USB 转接线连接到机顶盒，机顶盒再通过显示器输出 CG03 画面内容。使用安卓 Camera2 以及 AudioRecord 和 AudioTrack 完成视频和音频的传输；通过 GPUImage 对相机预览画面添加锐化效果，改善图像质量。</a:t>
+            </a:r>
+            <a:endParaRPr sz="1400" b="1" dirty="0">
+              <a:solidFill>
+                <a:schemeClr val="tx1">
+                  <a:lumMod val="75000"/>
+                  <a:lumOff val="25000"/>
+                </a:schemeClr>
+              </a:solidFill>
+              <a:latin typeface="等线 Light" panose="02010600030101010101" charset="-122"/>
+              <a:ea typeface="等线 Light" panose="02010600030101010101" charset="-122"/>
+              <a:cs typeface="等线 Light" panose="02010600030101010101" charset="-122"/>
               <a:sym typeface="+mn-lt"/>
             </a:endParaRPr>
           </a:p>
         </p:txBody>
       </p:sp>
+      <p:pic>
+        <p:nvPicPr>
+          <p:cNvPr id="10" name="图片 9"/>
+          <p:cNvPicPr>
+            <a:picLocks noChangeAspect="1"/>
+          </p:cNvPicPr>
+          <p:nvPr/>
+        </p:nvPicPr>
+        <p:blipFill>
+          <a:blip r:embed="rId3"/>
+          <a:stretch>
+            <a:fillRect/>
+          </a:stretch>
+        </p:blipFill>
+        <p:spPr>
+          <a:xfrm>
+            <a:off x="972185" y="3854450"/>
+            <a:ext cx="7696200" cy="1356360"/>
+          </a:xfrm>
+          <a:prstGeom prst="rect">
+            <a:avLst/>
+          </a:prstGeom>
+        </p:spPr>
+      </p:pic>
+      <p:pic>
+        <p:nvPicPr>
+          <p:cNvPr id="11" name="图片 10" descr="操作方法"/>
+          <p:cNvPicPr>
+            <a:picLocks noChangeAspect="1"/>
+          </p:cNvPicPr>
+          <p:nvPr/>
+        </p:nvPicPr>
+        <p:blipFill>
+          <a:blip r:embed="rId4"/>
+          <a:stretch>
+            <a:fillRect/>
+          </a:stretch>
+        </p:blipFill>
+        <p:spPr>
+          <a:xfrm>
+            <a:off x="5228590" y="1459230"/>
+            <a:ext cx="3124200" cy="2076450"/>
+          </a:xfrm>
+          <a:prstGeom prst="rect">
+            <a:avLst/>
+          </a:prstGeom>
+        </p:spPr>
+      </p:pic>
     </p:spTree>
   </p:cSld>
   <p:clrMapOvr>
@@ -4410,6 +4574,608 @@
 </file>
 
 <file path=ppt/slides/slide14.xml><?xml version="1.0" encoding="utf-8"?>
+<p:sld xmlns:a="http://schemas.openxmlformats.org/drawingml/2006/main" xmlns:r="http://schemas.openxmlformats.org/officeDocument/2006/relationships" xmlns:p="http://schemas.openxmlformats.org/presentationml/2006/main">
+  <p:cSld>
+    <p:spTree>
+      <p:nvGrpSpPr>
+        <p:cNvPr id="1" name=""/>
+        <p:cNvGrpSpPr/>
+        <p:nvPr/>
+      </p:nvGrpSpPr>
+      <p:grpSpPr/>
+      <p:sp>
+        <p:nvSpPr>
+          <p:cNvPr id="2" name="文本框 1"/>
+          <p:cNvSpPr txBox="1"/>
+          <p:nvPr/>
+        </p:nvSpPr>
+        <p:spPr>
+          <a:xfrm>
+            <a:off x="972185" y="1805940"/>
+            <a:ext cx="6782435" cy="337185"/>
+          </a:xfrm>
+          <a:prstGeom prst="rect">
+            <a:avLst/>
+          </a:prstGeom>
+          <a:noFill/>
+        </p:spPr>
+        <p:txBody>
+          <a:bodyPr wrap="square" rtlCol="0">
+            <a:spAutoFit/>
+          </a:bodyPr>
+          <a:p>
+            <a:endParaRPr lang="zh-CN" altLang="en-US" sz="1600" b="1" dirty="0">
+              <a:solidFill>
+                <a:schemeClr val="tx1">
+                  <a:lumMod val="75000"/>
+                  <a:lumOff val="25000"/>
+                </a:schemeClr>
+              </a:solidFill>
+              <a:latin typeface="等线 Light" panose="02010600030101010101" charset="-122"/>
+              <a:ea typeface="等线 Light" panose="02010600030101010101" charset="-122"/>
+              <a:cs typeface="等线 Light" panose="02010600030101010101" charset="-122"/>
+              <a:sym typeface="+mn-lt"/>
+            </a:endParaRPr>
+          </a:p>
+        </p:txBody>
+      </p:sp>
+      <p:pic>
+        <p:nvPicPr>
+          <p:cNvPr id="5" name="图片 4" descr="SDK接口封装"/>
+          <p:cNvPicPr>
+            <a:picLocks noChangeAspect="1"/>
+          </p:cNvPicPr>
+          <p:nvPr/>
+        </p:nvPicPr>
+        <p:blipFill>
+          <a:blip r:embed="rId1"/>
+          <a:stretch>
+            <a:fillRect/>
+          </a:stretch>
+        </p:blipFill>
+        <p:spPr>
+          <a:xfrm>
+            <a:off x="0" y="348615"/>
+            <a:ext cx="12192000" cy="6160770"/>
+          </a:xfrm>
+          <a:prstGeom prst="rect">
+            <a:avLst/>
+          </a:prstGeom>
+        </p:spPr>
+      </p:pic>
+    </p:spTree>
+  </p:cSld>
+  <p:clrMapOvr>
+    <a:masterClrMapping/>
+  </p:clrMapOvr>
+</p:sld>
+</file>
+
+<file path=ppt/slides/slide15.xml><?xml version="1.0" encoding="utf-8"?>
+<p:sld xmlns:a="http://schemas.openxmlformats.org/drawingml/2006/main" xmlns:r="http://schemas.openxmlformats.org/officeDocument/2006/relationships" xmlns:p="http://schemas.openxmlformats.org/presentationml/2006/main">
+  <p:cSld>
+    <p:spTree>
+      <p:nvGrpSpPr>
+        <p:cNvPr id="1" name=""/>
+        <p:cNvGrpSpPr/>
+        <p:nvPr/>
+      </p:nvGrpSpPr>
+      <p:grpSpPr/>
+      <p:sp>
+        <p:nvSpPr>
+          <p:cNvPr id="4" name="矩形 3"/>
+          <p:cNvSpPr/>
+          <p:nvPr/>
+        </p:nvSpPr>
+        <p:spPr>
+          <a:xfrm>
+            <a:off x="972185" y="1101090"/>
+            <a:ext cx="1764000" cy="18000"/>
+          </a:xfrm>
+          <a:prstGeom prst="rect">
+            <a:avLst/>
+          </a:prstGeom>
+          <a:solidFill>
+            <a:srgbClr val="659594"/>
+          </a:solidFill>
+          <a:ln>
+            <a:noFill/>
+          </a:ln>
+        </p:spPr>
+        <p:style>
+          <a:lnRef idx="2">
+            <a:schemeClr val="accent6"/>
+          </a:lnRef>
+          <a:fillRef idx="1">
+            <a:schemeClr val="lt1"/>
+          </a:fillRef>
+          <a:effectRef idx="0">
+            <a:schemeClr val="accent6"/>
+          </a:effectRef>
+          <a:fontRef idx="minor">
+            <a:schemeClr val="dk1"/>
+          </a:fontRef>
+        </p:style>
+        <p:txBody>
+          <a:bodyPr rtlCol="0" anchor="ctr"/>
+          <a:p>
+            <a:pPr algn="ctr"/>
+            <a:endParaRPr lang="zh-CN" altLang="en-US"/>
+          </a:p>
+        </p:txBody>
+      </p:sp>
+      <p:sp>
+        <p:nvSpPr>
+          <p:cNvPr id="7" name="文本框 6"/>
+          <p:cNvSpPr txBox="1"/>
+          <p:nvPr/>
+        </p:nvSpPr>
+        <p:spPr>
+          <a:xfrm>
+            <a:off x="972185" y="530225"/>
+            <a:ext cx="4893945" cy="460375"/>
+          </a:xfrm>
+          <a:prstGeom prst="rect">
+            <a:avLst/>
+          </a:prstGeom>
+          <a:noFill/>
+        </p:spPr>
+        <p:txBody>
+          <a:bodyPr wrap="square" rtlCol="0">
+            <a:spAutoFit/>
+          </a:bodyPr>
+          <a:p>
+            <a:pPr algn="l">
+              <a:buClrTx/>
+              <a:buSzTx/>
+              <a:buFontTx/>
+            </a:pPr>
+            <a:r>
+              <a:rPr lang="zh-CN" altLang="en-US" sz="2400" dirty="0">
+                <a:solidFill>
+                  <a:schemeClr val="tx1">
+                    <a:lumMod val="75000"/>
+                    <a:lumOff val="25000"/>
+                  </a:schemeClr>
+                </a:solidFill>
+                <a:latin typeface="等线 Light" panose="02010600030101010101" charset="-122"/>
+                <a:ea typeface="等线 Light" panose="02010600030101010101" charset="-122"/>
+                <a:sym typeface="+mn-lt"/>
+              </a:rPr>
+              <a:t>GS框架学习</a:t>
+            </a:r>
+            <a:endParaRPr lang="zh-CN" altLang="en-US" sz="2400" dirty="0">
+              <a:solidFill>
+                <a:schemeClr val="tx1">
+                  <a:lumMod val="75000"/>
+                  <a:lumOff val="25000"/>
+                </a:schemeClr>
+              </a:solidFill>
+              <a:latin typeface="等线 Light" panose="02010600030101010101" charset="-122"/>
+              <a:ea typeface="等线 Light" panose="02010600030101010101" charset="-122"/>
+              <a:sym typeface="+mn-ea"/>
+            </a:endParaRPr>
+          </a:p>
+        </p:txBody>
+      </p:sp>
+      <p:sp>
+        <p:nvSpPr>
+          <p:cNvPr id="2" name="文本框 1"/>
+          <p:cNvSpPr txBox="1"/>
+          <p:nvPr/>
+        </p:nvSpPr>
+        <p:spPr>
+          <a:xfrm>
+            <a:off x="972185" y="1805940"/>
+            <a:ext cx="6782435" cy="337185"/>
+          </a:xfrm>
+          <a:prstGeom prst="rect">
+            <a:avLst/>
+          </a:prstGeom>
+          <a:noFill/>
+        </p:spPr>
+        <p:txBody>
+          <a:bodyPr wrap="square" rtlCol="0">
+            <a:spAutoFit/>
+          </a:bodyPr>
+          <a:p>
+            <a:r>
+              <a:rPr lang="zh-CN" sz="1600" b="1" dirty="0">
+                <a:solidFill>
+                  <a:schemeClr val="tx1">
+                    <a:lumMod val="75000"/>
+                    <a:lumOff val="25000"/>
+                  </a:schemeClr>
+                </a:solidFill>
+                <a:latin typeface="等线 Light" panose="02010600030101010101" charset="-122"/>
+                <a:ea typeface="等线 Light" panose="02010600030101010101" charset="-122"/>
+                <a:cs typeface="等线 Light" panose="02010600030101010101" charset="-122"/>
+                <a:sym typeface="+mn-lt"/>
+              </a:rPr>
+              <a:t>一</a:t>
+            </a:r>
+            <a:endParaRPr lang="zh-CN" altLang="en-US" sz="1600" b="1" dirty="0">
+              <a:solidFill>
+                <a:schemeClr val="tx1">
+                  <a:lumMod val="75000"/>
+                  <a:lumOff val="25000"/>
+                </a:schemeClr>
+              </a:solidFill>
+              <a:latin typeface="等线 Light" panose="02010600030101010101" charset="-122"/>
+              <a:ea typeface="等线 Light" panose="02010600030101010101" charset="-122"/>
+              <a:cs typeface="等线 Light" panose="02010600030101010101" charset="-122"/>
+              <a:sym typeface="+mn-lt"/>
+            </a:endParaRPr>
+          </a:p>
+        </p:txBody>
+      </p:sp>
+      <p:pic>
+        <p:nvPicPr>
+          <p:cNvPr id="3" name="图片 2" descr="c216c8765727774aa9342bbc185b1845"/>
+          <p:cNvPicPr>
+            <a:picLocks noChangeAspect="1"/>
+          </p:cNvPicPr>
+          <p:nvPr>
+            <p:custDataLst>
+              <p:tags r:id="rId1"/>
+            </p:custDataLst>
+          </p:nvPr>
+        </p:nvPicPr>
+        <p:blipFill>
+          <a:blip r:embed="rId2">
+            <a:lum bright="24000" contrast="-30000"/>
+          </a:blip>
+          <a:srcRect l="-2021" r="2425" b="74848"/>
+          <a:stretch>
+            <a:fillRect/>
+          </a:stretch>
+        </p:blipFill>
+        <p:spPr>
+          <a:xfrm>
+            <a:off x="6471285" y="0"/>
+            <a:ext cx="5720715" cy="3854450"/>
+          </a:xfrm>
+          <a:prstGeom prst="rect">
+            <a:avLst/>
+          </a:prstGeom>
+        </p:spPr>
+      </p:pic>
+    </p:spTree>
+  </p:cSld>
+  <p:clrMapOvr>
+    <a:masterClrMapping/>
+  </p:clrMapOvr>
+</p:sld>
+</file>
+
+<file path=ppt/slides/slide16.xml><?xml version="1.0" encoding="utf-8"?>
+<p:sld xmlns:a="http://schemas.openxmlformats.org/drawingml/2006/main" xmlns:r="http://schemas.openxmlformats.org/officeDocument/2006/relationships" xmlns:p="http://schemas.openxmlformats.org/presentationml/2006/main">
+  <p:cSld>
+    <p:spTree>
+      <p:nvGrpSpPr>
+        <p:cNvPr id="1" name=""/>
+        <p:cNvGrpSpPr/>
+        <p:nvPr/>
+      </p:nvGrpSpPr>
+      <p:grpSpPr/>
+      <p:sp>
+        <p:nvSpPr>
+          <p:cNvPr id="4" name="矩形 3"/>
+          <p:cNvSpPr/>
+          <p:nvPr/>
+        </p:nvSpPr>
+        <p:spPr>
+          <a:xfrm>
+            <a:off x="972185" y="1101090"/>
+            <a:ext cx="2664000" cy="18000"/>
+          </a:xfrm>
+          <a:prstGeom prst="rect">
+            <a:avLst/>
+          </a:prstGeom>
+          <a:solidFill>
+            <a:srgbClr val="659594"/>
+          </a:solidFill>
+          <a:ln>
+            <a:noFill/>
+          </a:ln>
+        </p:spPr>
+        <p:style>
+          <a:lnRef idx="2">
+            <a:schemeClr val="accent6"/>
+          </a:lnRef>
+          <a:fillRef idx="1">
+            <a:schemeClr val="lt1"/>
+          </a:fillRef>
+          <a:effectRef idx="0">
+            <a:schemeClr val="accent6"/>
+          </a:effectRef>
+          <a:fontRef idx="minor">
+            <a:schemeClr val="dk1"/>
+          </a:fontRef>
+        </p:style>
+        <p:txBody>
+          <a:bodyPr rtlCol="0" anchor="ctr"/>
+          <a:p>
+            <a:pPr algn="ctr"/>
+            <a:endParaRPr lang="zh-CN" altLang="en-US"/>
+          </a:p>
+        </p:txBody>
+      </p:sp>
+      <p:sp>
+        <p:nvSpPr>
+          <p:cNvPr id="7" name="文本框 6"/>
+          <p:cNvSpPr txBox="1"/>
+          <p:nvPr/>
+        </p:nvSpPr>
+        <p:spPr>
+          <a:xfrm>
+            <a:off x="972185" y="530225"/>
+            <a:ext cx="4893945" cy="460375"/>
+          </a:xfrm>
+          <a:prstGeom prst="rect">
+            <a:avLst/>
+          </a:prstGeom>
+          <a:noFill/>
+        </p:spPr>
+        <p:txBody>
+          <a:bodyPr wrap="square" rtlCol="0">
+            <a:spAutoFit/>
+          </a:bodyPr>
+          <a:p>
+            <a:pPr algn="l">
+              <a:buClrTx/>
+              <a:buSzTx/>
+              <a:buFontTx/>
+            </a:pPr>
+            <a:r>
+              <a:rPr lang="zh-CN" altLang="en-US" sz="2400" dirty="0">
+                <a:solidFill>
+                  <a:schemeClr val="tx1">
+                    <a:lumMod val="75000"/>
+                    <a:lumOff val="25000"/>
+                  </a:schemeClr>
+                </a:solidFill>
+                <a:latin typeface="等线 Light" panose="02010600030101010101" charset="-122"/>
+                <a:ea typeface="等线 Light" panose="02010600030101010101" charset="-122"/>
+                <a:sym typeface="+mn-lt"/>
+              </a:rPr>
+              <a:t>科大讯飞语音识别</a:t>
+            </a:r>
+            <a:endParaRPr lang="zh-CN" altLang="en-US" sz="2400" dirty="0">
+              <a:solidFill>
+                <a:schemeClr val="tx1">
+                  <a:lumMod val="75000"/>
+                  <a:lumOff val="25000"/>
+                </a:schemeClr>
+              </a:solidFill>
+              <a:latin typeface="等线 Light" panose="02010600030101010101" charset="-122"/>
+              <a:ea typeface="等线 Light" panose="02010600030101010101" charset="-122"/>
+              <a:sym typeface="+mn-ea"/>
+            </a:endParaRPr>
+          </a:p>
+        </p:txBody>
+      </p:sp>
+      <p:sp>
+        <p:nvSpPr>
+          <p:cNvPr id="2" name="文本框 1"/>
+          <p:cNvSpPr txBox="1"/>
+          <p:nvPr/>
+        </p:nvSpPr>
+        <p:spPr>
+          <a:xfrm>
+            <a:off x="972185" y="1805940"/>
+            <a:ext cx="6782435" cy="337185"/>
+          </a:xfrm>
+          <a:prstGeom prst="rect">
+            <a:avLst/>
+          </a:prstGeom>
+          <a:noFill/>
+        </p:spPr>
+        <p:txBody>
+          <a:bodyPr wrap="square" rtlCol="0">
+            <a:spAutoFit/>
+          </a:bodyPr>
+          <a:p>
+            <a:r>
+              <a:rPr lang="zh-CN" sz="1600" b="1" dirty="0">
+                <a:solidFill>
+                  <a:schemeClr val="tx1">
+                    <a:lumMod val="75000"/>
+                    <a:lumOff val="25000"/>
+                  </a:schemeClr>
+                </a:solidFill>
+                <a:latin typeface="等线 Light" panose="02010600030101010101" charset="-122"/>
+                <a:ea typeface="等线 Light" panose="02010600030101010101" charset="-122"/>
+                <a:cs typeface="等线 Light" panose="02010600030101010101" charset="-122"/>
+                <a:sym typeface="+mn-lt"/>
+              </a:rPr>
+              <a:t>一</a:t>
+            </a:r>
+            <a:endParaRPr lang="zh-CN" altLang="en-US" sz="1600" b="1" dirty="0">
+              <a:solidFill>
+                <a:schemeClr val="tx1">
+                  <a:lumMod val="75000"/>
+                  <a:lumOff val="25000"/>
+                </a:schemeClr>
+              </a:solidFill>
+              <a:latin typeface="等线 Light" panose="02010600030101010101" charset="-122"/>
+              <a:ea typeface="等线 Light" panose="02010600030101010101" charset="-122"/>
+              <a:cs typeface="等线 Light" panose="02010600030101010101" charset="-122"/>
+              <a:sym typeface="+mn-lt"/>
+            </a:endParaRPr>
+          </a:p>
+        </p:txBody>
+      </p:sp>
+      <p:pic>
+        <p:nvPicPr>
+          <p:cNvPr id="3" name="图片 2" descr="c216c8765727774aa9342bbc185b1845"/>
+          <p:cNvPicPr>
+            <a:picLocks noChangeAspect="1"/>
+          </p:cNvPicPr>
+          <p:nvPr>
+            <p:custDataLst>
+              <p:tags r:id="rId1"/>
+            </p:custDataLst>
+          </p:nvPr>
+        </p:nvPicPr>
+        <p:blipFill>
+          <a:blip r:embed="rId2">
+            <a:lum bright="24000" contrast="-30000"/>
+          </a:blip>
+          <a:srcRect l="-2021" r="2425" b="74848"/>
+          <a:stretch>
+            <a:fillRect/>
+          </a:stretch>
+        </p:blipFill>
+        <p:spPr>
+          <a:xfrm>
+            <a:off x="6471285" y="0"/>
+            <a:ext cx="5720715" cy="3854450"/>
+          </a:xfrm>
+          <a:prstGeom prst="rect">
+            <a:avLst/>
+          </a:prstGeom>
+        </p:spPr>
+      </p:pic>
+    </p:spTree>
+  </p:cSld>
+  <p:clrMapOvr>
+    <a:masterClrMapping/>
+  </p:clrMapOvr>
+</p:sld>
+</file>
+
+<file path=ppt/slides/slide17.xml><?xml version="1.0" encoding="utf-8"?>
+<p:sld xmlns:a="http://schemas.openxmlformats.org/drawingml/2006/main" xmlns:r="http://schemas.openxmlformats.org/officeDocument/2006/relationships" xmlns:p="http://schemas.openxmlformats.org/presentationml/2006/main">
+  <p:cSld>
+    <p:spTree>
+      <p:nvGrpSpPr>
+        <p:cNvPr id="1" name=""/>
+        <p:cNvGrpSpPr/>
+        <p:nvPr/>
+      </p:nvGrpSpPr>
+      <p:grpSpPr/>
+      <p:sp>
+        <p:nvSpPr>
+          <p:cNvPr id="7" name="椭圆 6"/>
+          <p:cNvSpPr/>
+          <p:nvPr/>
+        </p:nvSpPr>
+        <p:spPr>
+          <a:xfrm>
+            <a:off x="4008120" y="3082290"/>
+            <a:ext cx="691515" cy="691515"/>
+          </a:xfrm>
+          <a:prstGeom prst="ellipse">
+            <a:avLst/>
+          </a:prstGeom>
+          <a:solidFill>
+            <a:srgbClr val="659594">
+              <a:alpha val="62000"/>
+            </a:srgbClr>
+          </a:solidFill>
+          <a:ln>
+            <a:noFill/>
+          </a:ln>
+        </p:spPr>
+        <p:style>
+          <a:lnRef idx="2">
+            <a:schemeClr val="accent6"/>
+          </a:lnRef>
+          <a:fillRef idx="1">
+            <a:schemeClr val="lt1"/>
+          </a:fillRef>
+          <a:effectRef idx="0">
+            <a:schemeClr val="accent6"/>
+          </a:effectRef>
+          <a:fontRef idx="minor">
+            <a:schemeClr val="dk1"/>
+          </a:fontRef>
+        </p:style>
+        <p:txBody>
+          <a:bodyPr rtlCol="0" anchor="ctr"/>
+          <a:p>
+            <a:pPr algn="ctr"/>
+            <a:r>
+              <a:rPr lang="en-US" altLang="zh-CN" sz="2000">
+                <a:solidFill>
+                  <a:schemeClr val="bg1"/>
+                </a:solidFill>
+                <a:latin typeface="等线 Light" panose="02010600030101010101" charset="-122"/>
+                <a:ea typeface="等线 Light" panose="02010600030101010101" charset="-122"/>
+              </a:rPr>
+              <a:t>04</a:t>
+            </a:r>
+            <a:endParaRPr lang="en-US" altLang="zh-CN" sz="2000">
+              <a:solidFill>
+                <a:schemeClr val="bg1"/>
+              </a:solidFill>
+              <a:latin typeface="等线 Light" panose="02010600030101010101" charset="-122"/>
+              <a:ea typeface="等线 Light" panose="02010600030101010101" charset="-122"/>
+            </a:endParaRPr>
+          </a:p>
+        </p:txBody>
+      </p:sp>
+      <p:sp>
+        <p:nvSpPr>
+          <p:cNvPr id="4" name="文本框 3"/>
+          <p:cNvSpPr txBox="1"/>
+          <p:nvPr/>
+        </p:nvSpPr>
+        <p:spPr>
+          <a:xfrm>
+            <a:off x="4887595" y="3197860"/>
+            <a:ext cx="3760470" cy="460375"/>
+          </a:xfrm>
+          <a:prstGeom prst="rect">
+            <a:avLst/>
+          </a:prstGeom>
+          <a:noFill/>
+        </p:spPr>
+        <p:txBody>
+          <a:bodyPr wrap="square" rtlCol="0">
+            <a:spAutoFit/>
+          </a:bodyPr>
+          <a:p>
+            <a:r>
+              <a:rPr lang="zh-CN" altLang="en-US" sz="2400" b="1" dirty="0">
+                <a:solidFill>
+                  <a:schemeClr val="tx1">
+                    <a:lumMod val="75000"/>
+                    <a:lumOff val="25000"/>
+                  </a:schemeClr>
+                </a:solidFill>
+                <a:latin typeface="等线 Light" panose="02010600030101010101" charset="-122"/>
+                <a:ea typeface="等线 Light" panose="02010600030101010101" charset="-122"/>
+                <a:cs typeface="+mn-ea"/>
+                <a:sym typeface="+mn-lt"/>
+              </a:rPr>
+              <a:t>自身不足与改进</a:t>
+            </a:r>
+            <a:endParaRPr lang="zh-CN" altLang="en-US" sz="2400" b="1" dirty="0">
+              <a:solidFill>
+                <a:schemeClr val="tx1">
+                  <a:lumMod val="75000"/>
+                  <a:lumOff val="25000"/>
+                </a:schemeClr>
+              </a:solidFill>
+              <a:latin typeface="等线 Light" panose="02010600030101010101" charset="-122"/>
+              <a:ea typeface="等线 Light" panose="02010600030101010101" charset="-122"/>
+              <a:cs typeface="+mn-ea"/>
+              <a:sym typeface="+mn-lt"/>
+            </a:endParaRPr>
+          </a:p>
+        </p:txBody>
+      </p:sp>
+    </p:spTree>
+  </p:cSld>
+  <p:clrMapOvr>
+    <a:masterClrMapping/>
+  </p:clrMapOvr>
+</p:sld>
+</file>
+
+<file path=ppt/slides/slide18.xml><?xml version="1.0" encoding="utf-8"?>
 <p:sld xmlns:a="http://schemas.openxmlformats.org/drawingml/2006/main" xmlns:r="http://schemas.openxmlformats.org/officeDocument/2006/relationships" xmlns:p="http://schemas.openxmlformats.org/presentationml/2006/main">
   <p:cSld>
     <p:spTree>
@@ -4916,7 +5682,7 @@
 </p:sld>
 </file>
 
-<file path=ppt/slides/slide15.xml><?xml version="1.0" encoding="utf-8"?>
+<file path=ppt/slides/slide19.xml><?xml version="1.0" encoding="utf-8"?>
 <p:sld xmlns:a="http://schemas.openxmlformats.org/drawingml/2006/main" xmlns:r="http://schemas.openxmlformats.org/officeDocument/2006/relationships" xmlns:p="http://schemas.openxmlformats.org/presentationml/2006/main">
   <p:cSld>
     <p:spTree>
@@ -5035,894 +5801,6 @@
               <a:cs typeface="+mn-ea"/>
               <a:sym typeface="+mn-lt"/>
             </a:endParaRPr>
-          </a:p>
-        </p:txBody>
-      </p:sp>
-    </p:spTree>
-  </p:cSld>
-  <p:clrMapOvr>
-    <a:masterClrMapping/>
-  </p:clrMapOvr>
-</p:sld>
-</file>
-
-<file path=ppt/slides/slide16.xml><?xml version="1.0" encoding="utf-8"?>
-<p:sld xmlns:a="http://schemas.openxmlformats.org/drawingml/2006/main" xmlns:r="http://schemas.openxmlformats.org/officeDocument/2006/relationships" xmlns:p="http://schemas.openxmlformats.org/presentationml/2006/main">
-  <p:cSld>
-    <p:spTree>
-      <p:nvGrpSpPr>
-        <p:cNvPr id="1" name=""/>
-        <p:cNvGrpSpPr/>
-        <p:nvPr/>
-      </p:nvGrpSpPr>
-      <p:grpSpPr/>
-      <p:sp>
-        <p:nvSpPr>
-          <p:cNvPr id="4" name="矩形 3"/>
-          <p:cNvSpPr/>
-          <p:nvPr/>
-        </p:nvSpPr>
-        <p:spPr>
-          <a:xfrm>
-            <a:off x="972185" y="1101090"/>
-            <a:ext cx="1404000" cy="18000"/>
-          </a:xfrm>
-          <a:prstGeom prst="rect">
-            <a:avLst/>
-          </a:prstGeom>
-          <a:solidFill>
-            <a:srgbClr val="659594"/>
-          </a:solidFill>
-          <a:ln>
-            <a:noFill/>
-          </a:ln>
-        </p:spPr>
-        <p:style>
-          <a:lnRef idx="2">
-            <a:schemeClr val="accent6"/>
-          </a:lnRef>
-          <a:fillRef idx="1">
-            <a:schemeClr val="lt1"/>
-          </a:fillRef>
-          <a:effectRef idx="0">
-            <a:schemeClr val="accent6"/>
-          </a:effectRef>
-          <a:fontRef idx="minor">
-            <a:schemeClr val="dk1"/>
-          </a:fontRef>
-        </p:style>
-        <p:txBody>
-          <a:bodyPr rtlCol="0" anchor="ctr"/>
-          <a:p>
-            <a:pPr algn="ctr"/>
-            <a:endParaRPr lang="zh-CN" altLang="en-US"/>
-          </a:p>
-        </p:txBody>
-      </p:sp>
-      <p:sp>
-        <p:nvSpPr>
-          <p:cNvPr id="7" name="文本框 6"/>
-          <p:cNvSpPr txBox="1"/>
-          <p:nvPr/>
-        </p:nvSpPr>
-        <p:spPr>
-          <a:xfrm>
-            <a:off x="972185" y="530225"/>
-            <a:ext cx="4893945" cy="460375"/>
-          </a:xfrm>
-          <a:prstGeom prst="rect">
-            <a:avLst/>
-          </a:prstGeom>
-          <a:noFill/>
-        </p:spPr>
-        <p:txBody>
-          <a:bodyPr wrap="square" rtlCol="0">
-            <a:spAutoFit/>
-          </a:bodyPr>
-          <a:p>
-            <a:r>
-              <a:rPr lang="zh-CN" altLang="en-US" sz="2400" dirty="0">
-                <a:solidFill>
-                  <a:schemeClr val="tx1">
-                    <a:lumMod val="75000"/>
-                    <a:lumOff val="25000"/>
-                  </a:schemeClr>
-                </a:solidFill>
-                <a:latin typeface="等线 Light" panose="02010600030101010101" charset="-122"/>
-                <a:ea typeface="等线 Light" panose="02010600030101010101" charset="-122"/>
-                <a:sym typeface="+mn-ea"/>
-              </a:rPr>
-              <a:t>个人规划</a:t>
-            </a:r>
-            <a:endParaRPr lang="zh-CN" altLang="en-US" sz="2400" dirty="0">
-              <a:solidFill>
-                <a:schemeClr val="tx1">
-                  <a:lumMod val="75000"/>
-                  <a:lumOff val="25000"/>
-                </a:schemeClr>
-              </a:solidFill>
-              <a:latin typeface="等线 Light" panose="02010600030101010101" charset="-122"/>
-              <a:ea typeface="等线 Light" panose="02010600030101010101" charset="-122"/>
-              <a:sym typeface="+mn-ea"/>
-            </a:endParaRPr>
-          </a:p>
-        </p:txBody>
-      </p:sp>
-      <p:sp>
-        <p:nvSpPr>
-          <p:cNvPr id="2" name="文本框 1"/>
-          <p:cNvSpPr txBox="1"/>
-          <p:nvPr/>
-        </p:nvSpPr>
-        <p:spPr>
-          <a:xfrm>
-            <a:off x="972185" y="1805940"/>
-            <a:ext cx="6782435" cy="2061210"/>
-          </a:xfrm>
-          <a:prstGeom prst="rect">
-            <a:avLst/>
-          </a:prstGeom>
-          <a:noFill/>
-        </p:spPr>
-        <p:txBody>
-          <a:bodyPr wrap="square" rtlCol="0">
-            <a:spAutoFit/>
-          </a:bodyPr>
-          <a:p>
-            <a:r>
-              <a:rPr lang="zh-CN" altLang="en-US" sz="1600" b="1" dirty="0">
-                <a:solidFill>
-                  <a:schemeClr val="tx1">
-                    <a:lumMod val="75000"/>
-                    <a:lumOff val="25000"/>
-                  </a:schemeClr>
-                </a:solidFill>
-                <a:latin typeface="等线 Light" panose="02010600030101010101" charset="-122"/>
-                <a:ea typeface="等线 Light" panose="02010600030101010101" charset="-122"/>
-                <a:cs typeface="等线 Light" panose="02010600030101010101" charset="-122"/>
-                <a:sym typeface="+mn-lt"/>
-              </a:rPr>
-              <a:t>一年：熟悉Cmcc业务框架部分模块的开发和维护，理解</a:t>
-            </a:r>
-            <a:r>
-              <a:rPr lang="en-US" altLang="zh-CN" sz="1600" b="1" dirty="0">
-                <a:solidFill>
-                  <a:schemeClr val="tx1">
-                    <a:lumMod val="75000"/>
-                    <a:lumOff val="25000"/>
-                  </a:schemeClr>
-                </a:solidFill>
-                <a:latin typeface="等线 Light" panose="02010600030101010101" charset="-122"/>
-                <a:ea typeface="等线 Light" panose="02010600030101010101" charset="-122"/>
-                <a:cs typeface="等线 Light" panose="02010600030101010101" charset="-122"/>
-                <a:sym typeface="+mn-lt"/>
-              </a:rPr>
-              <a:t>GS框架的具体实现，成为初级开发工程师。</a:t>
-            </a:r>
-            <a:endParaRPr lang="en-US" altLang="zh-CN" sz="1600" b="1" dirty="0">
-              <a:solidFill>
-                <a:schemeClr val="tx1">
-                  <a:lumMod val="75000"/>
-                  <a:lumOff val="25000"/>
-                </a:schemeClr>
-              </a:solidFill>
-              <a:latin typeface="等线 Light" panose="02010600030101010101" charset="-122"/>
-              <a:ea typeface="等线 Light" panose="02010600030101010101" charset="-122"/>
-              <a:cs typeface="等线 Light" panose="02010600030101010101" charset="-122"/>
-              <a:sym typeface="+mn-lt"/>
-            </a:endParaRPr>
-          </a:p>
-          <a:p>
-            <a:endParaRPr lang="en-US" altLang="zh-CN" sz="1600" b="1" dirty="0">
-              <a:solidFill>
-                <a:schemeClr val="tx1">
-                  <a:lumMod val="75000"/>
-                  <a:lumOff val="25000"/>
-                </a:schemeClr>
-              </a:solidFill>
-              <a:latin typeface="等线 Light" panose="02010600030101010101" charset="-122"/>
-              <a:ea typeface="等线 Light" panose="02010600030101010101" charset="-122"/>
-              <a:cs typeface="等线 Light" panose="02010600030101010101" charset="-122"/>
-              <a:sym typeface="+mn-lt"/>
-            </a:endParaRPr>
-          </a:p>
-          <a:p>
-            <a:r>
-              <a:rPr lang="zh-CN" altLang="en-US" sz="1600" b="1" dirty="0">
-                <a:solidFill>
-                  <a:schemeClr val="tx1">
-                    <a:lumMod val="75000"/>
-                    <a:lumOff val="25000"/>
-                  </a:schemeClr>
-                </a:solidFill>
-                <a:latin typeface="等线 Light" panose="02010600030101010101" charset="-122"/>
-                <a:ea typeface="等线 Light" panose="02010600030101010101" charset="-122"/>
-                <a:cs typeface="等线 Light" panose="02010600030101010101" charset="-122"/>
-                <a:sym typeface="+mn-lt"/>
-              </a:rPr>
-              <a:t>三年：能够快速定位分析自己所负责模块出现的问题，并提出良好解决方案，成为中级开发工程师。</a:t>
-            </a:r>
-            <a:endParaRPr lang="zh-CN" altLang="en-US" sz="1600" b="1" dirty="0">
-              <a:solidFill>
-                <a:schemeClr val="tx1">
-                  <a:lumMod val="75000"/>
-                  <a:lumOff val="25000"/>
-                </a:schemeClr>
-              </a:solidFill>
-              <a:latin typeface="等线 Light" panose="02010600030101010101" charset="-122"/>
-              <a:ea typeface="等线 Light" panose="02010600030101010101" charset="-122"/>
-              <a:cs typeface="等线 Light" panose="02010600030101010101" charset="-122"/>
-              <a:sym typeface="+mn-lt"/>
-            </a:endParaRPr>
-          </a:p>
-          <a:p>
-            <a:endParaRPr lang="zh-CN" altLang="en-US" sz="1600" b="1" dirty="0">
-              <a:solidFill>
-                <a:schemeClr val="tx1">
-                  <a:lumMod val="75000"/>
-                  <a:lumOff val="25000"/>
-                </a:schemeClr>
-              </a:solidFill>
-              <a:latin typeface="等线 Light" panose="02010600030101010101" charset="-122"/>
-              <a:ea typeface="等线 Light" panose="02010600030101010101" charset="-122"/>
-              <a:cs typeface="等线 Light" panose="02010600030101010101" charset="-122"/>
-              <a:sym typeface="+mn-lt"/>
-            </a:endParaRPr>
-          </a:p>
-          <a:p>
-            <a:r>
-              <a:rPr lang="zh-CN" altLang="en-US" sz="1600" b="1" dirty="0">
-                <a:solidFill>
-                  <a:schemeClr val="tx1">
-                    <a:lumMod val="75000"/>
-                    <a:lumOff val="25000"/>
-                  </a:schemeClr>
-                </a:solidFill>
-                <a:latin typeface="等线 Light" panose="02010600030101010101" charset="-122"/>
-                <a:ea typeface="等线 Light" panose="02010600030101010101" charset="-122"/>
-                <a:cs typeface="等线 Light" panose="02010600030101010101" charset="-122"/>
-                <a:sym typeface="+mn-lt"/>
-              </a:rPr>
-              <a:t>五年：理解公司部分产品的架构开发设计，能够具备架构设计思想，成为高级开发工程师。</a:t>
-            </a:r>
-            <a:endParaRPr lang="zh-CN" altLang="en-US" sz="1600" b="1" dirty="0">
-              <a:solidFill>
-                <a:schemeClr val="tx1">
-                  <a:lumMod val="75000"/>
-                  <a:lumOff val="25000"/>
-                </a:schemeClr>
-              </a:solidFill>
-              <a:latin typeface="等线 Light" panose="02010600030101010101" charset="-122"/>
-              <a:ea typeface="等线 Light" panose="02010600030101010101" charset="-122"/>
-              <a:cs typeface="等线 Light" panose="02010600030101010101" charset="-122"/>
-              <a:sym typeface="+mn-lt"/>
-            </a:endParaRPr>
-          </a:p>
-        </p:txBody>
-      </p:sp>
-      <p:pic>
-        <p:nvPicPr>
-          <p:cNvPr id="3" name="图片 2" descr="c216c8765727774aa9342bbc185b1845"/>
-          <p:cNvPicPr>
-            <a:picLocks noChangeAspect="1"/>
-          </p:cNvPicPr>
-          <p:nvPr>
-            <p:custDataLst>
-              <p:tags r:id="rId1"/>
-            </p:custDataLst>
-          </p:nvPr>
-        </p:nvPicPr>
-        <p:blipFill>
-          <a:blip r:embed="rId2">
-            <a:lum bright="24000" contrast="-30000"/>
-          </a:blip>
-          <a:srcRect l="-2021" r="2425" b="74848"/>
-          <a:stretch>
-            <a:fillRect/>
-          </a:stretch>
-        </p:blipFill>
-        <p:spPr>
-          <a:xfrm>
-            <a:off x="6471285" y="0"/>
-            <a:ext cx="5720715" cy="3854450"/>
-          </a:xfrm>
-          <a:prstGeom prst="rect">
-            <a:avLst/>
-          </a:prstGeom>
-        </p:spPr>
-      </p:pic>
-    </p:spTree>
-  </p:cSld>
-  <p:clrMapOvr>
-    <a:masterClrMapping/>
-  </p:clrMapOvr>
-</p:sld>
-</file>
-
-<file path=ppt/slides/slide17.xml><?xml version="1.0" encoding="utf-8"?>
-<p:sld xmlns:a="http://schemas.openxmlformats.org/drawingml/2006/main" xmlns:r="http://schemas.openxmlformats.org/officeDocument/2006/relationships" xmlns:p="http://schemas.openxmlformats.org/presentationml/2006/main">
-  <p:cSld>
-    <p:spTree>
-      <p:nvGrpSpPr>
-        <p:cNvPr id="1" name=""/>
-        <p:cNvGrpSpPr/>
-        <p:nvPr/>
-      </p:nvGrpSpPr>
-      <p:grpSpPr/>
-      <p:sp>
-        <p:nvSpPr>
-          <p:cNvPr id="7" name="椭圆 6"/>
-          <p:cNvSpPr/>
-          <p:nvPr/>
-        </p:nvSpPr>
-        <p:spPr>
-          <a:xfrm>
-            <a:off x="4008120" y="3082290"/>
-            <a:ext cx="691515" cy="691515"/>
-          </a:xfrm>
-          <a:prstGeom prst="ellipse">
-            <a:avLst/>
-          </a:prstGeom>
-          <a:solidFill>
-            <a:srgbClr val="659594">
-              <a:alpha val="62000"/>
-            </a:srgbClr>
-          </a:solidFill>
-          <a:ln>
-            <a:noFill/>
-          </a:ln>
-        </p:spPr>
-        <p:style>
-          <a:lnRef idx="2">
-            <a:schemeClr val="accent6"/>
-          </a:lnRef>
-          <a:fillRef idx="1">
-            <a:schemeClr val="lt1"/>
-          </a:fillRef>
-          <a:effectRef idx="0">
-            <a:schemeClr val="accent6"/>
-          </a:effectRef>
-          <a:fontRef idx="minor">
-            <a:schemeClr val="dk1"/>
-          </a:fontRef>
-        </p:style>
-        <p:txBody>
-          <a:bodyPr rtlCol="0" anchor="ctr"/>
-          <a:p>
-            <a:pPr algn="ctr"/>
-            <a:r>
-              <a:rPr lang="en-US" altLang="zh-CN" sz="2000">
-                <a:solidFill>
-                  <a:schemeClr val="bg1"/>
-                </a:solidFill>
-                <a:latin typeface="等线 Light" panose="02010600030101010101" charset="-122"/>
-                <a:ea typeface="等线 Light" panose="02010600030101010101" charset="-122"/>
-              </a:rPr>
-              <a:t>06</a:t>
-            </a:r>
-            <a:endParaRPr lang="en-US" altLang="zh-CN" sz="2000">
-              <a:solidFill>
-                <a:schemeClr val="bg1"/>
-              </a:solidFill>
-              <a:latin typeface="等线 Light" panose="02010600030101010101" charset="-122"/>
-              <a:ea typeface="等线 Light" panose="02010600030101010101" charset="-122"/>
-            </a:endParaRPr>
-          </a:p>
-        </p:txBody>
-      </p:sp>
-      <p:sp>
-        <p:nvSpPr>
-          <p:cNvPr id="4" name="文本框 3"/>
-          <p:cNvSpPr txBox="1"/>
-          <p:nvPr/>
-        </p:nvSpPr>
-        <p:spPr>
-          <a:xfrm>
-            <a:off x="4887595" y="3197860"/>
-            <a:ext cx="3760470" cy="460375"/>
-          </a:xfrm>
-          <a:prstGeom prst="rect">
-            <a:avLst/>
-          </a:prstGeom>
-          <a:noFill/>
-        </p:spPr>
-        <p:txBody>
-          <a:bodyPr wrap="square" rtlCol="0">
-            <a:spAutoFit/>
-          </a:bodyPr>
-          <a:p>
-            <a:r>
-              <a:rPr lang="zh-CN" altLang="en-US" sz="2400" b="1" dirty="0">
-                <a:solidFill>
-                  <a:schemeClr val="tx1">
-                    <a:lumMod val="75000"/>
-                    <a:lumOff val="25000"/>
-                  </a:schemeClr>
-                </a:solidFill>
-                <a:latin typeface="等线 Light" panose="02010600030101010101" charset="-122"/>
-                <a:ea typeface="等线 Light" panose="02010600030101010101" charset="-122"/>
-                <a:cs typeface="+mn-ea"/>
-                <a:sym typeface="+mn-lt"/>
-              </a:rPr>
-              <a:t>对公司的展望与建议</a:t>
-            </a:r>
-            <a:endParaRPr lang="zh-CN" altLang="en-US" sz="2400" b="1" dirty="0">
-              <a:solidFill>
-                <a:schemeClr val="tx1">
-                  <a:lumMod val="75000"/>
-                  <a:lumOff val="25000"/>
-                </a:schemeClr>
-              </a:solidFill>
-              <a:latin typeface="等线 Light" panose="02010600030101010101" charset="-122"/>
-              <a:ea typeface="等线 Light" panose="02010600030101010101" charset="-122"/>
-              <a:cs typeface="+mn-ea"/>
-              <a:sym typeface="+mn-lt"/>
-            </a:endParaRPr>
-          </a:p>
-        </p:txBody>
-      </p:sp>
-    </p:spTree>
-  </p:cSld>
-  <p:clrMapOvr>
-    <a:masterClrMapping/>
-  </p:clrMapOvr>
-</p:sld>
-</file>
-
-<file path=ppt/slides/slide18.xml><?xml version="1.0" encoding="utf-8"?>
-<p:sld xmlns:a="http://schemas.openxmlformats.org/drawingml/2006/main" xmlns:r="http://schemas.openxmlformats.org/officeDocument/2006/relationships" xmlns:p="http://schemas.openxmlformats.org/presentationml/2006/main">
-  <p:cSld>
-    <p:spTree>
-      <p:nvGrpSpPr>
-        <p:cNvPr id="1" name=""/>
-        <p:cNvGrpSpPr/>
-        <p:nvPr/>
-      </p:nvGrpSpPr>
-      <p:grpSpPr/>
-      <p:sp>
-        <p:nvSpPr>
-          <p:cNvPr id="4" name="矩形 3"/>
-          <p:cNvSpPr/>
-          <p:nvPr/>
-        </p:nvSpPr>
-        <p:spPr>
-          <a:xfrm>
-            <a:off x="972185" y="1101090"/>
-            <a:ext cx="1728000" cy="18000"/>
-          </a:xfrm>
-          <a:prstGeom prst="rect">
-            <a:avLst/>
-          </a:prstGeom>
-          <a:solidFill>
-            <a:srgbClr val="659594"/>
-          </a:solidFill>
-          <a:ln>
-            <a:noFill/>
-          </a:ln>
-        </p:spPr>
-        <p:style>
-          <a:lnRef idx="2">
-            <a:schemeClr val="accent6"/>
-          </a:lnRef>
-          <a:fillRef idx="1">
-            <a:schemeClr val="lt1"/>
-          </a:fillRef>
-          <a:effectRef idx="0">
-            <a:schemeClr val="accent6"/>
-          </a:effectRef>
-          <a:fontRef idx="minor">
-            <a:schemeClr val="dk1"/>
-          </a:fontRef>
-        </p:style>
-        <p:txBody>
-          <a:bodyPr rtlCol="0" anchor="ctr"/>
-          <a:p>
-            <a:pPr algn="ctr"/>
-            <a:endParaRPr lang="zh-CN" altLang="en-US"/>
-          </a:p>
-        </p:txBody>
-      </p:sp>
-      <p:sp>
-        <p:nvSpPr>
-          <p:cNvPr id="7" name="文本框 6"/>
-          <p:cNvSpPr txBox="1"/>
-          <p:nvPr/>
-        </p:nvSpPr>
-        <p:spPr>
-          <a:xfrm>
-            <a:off x="972185" y="530225"/>
-            <a:ext cx="4893945" cy="460375"/>
-          </a:xfrm>
-          <a:prstGeom prst="rect">
-            <a:avLst/>
-          </a:prstGeom>
-          <a:noFill/>
-        </p:spPr>
-        <p:txBody>
-          <a:bodyPr wrap="square" rtlCol="0">
-            <a:spAutoFit/>
-          </a:bodyPr>
-          <a:p>
-            <a:r>
-              <a:rPr lang="zh-CN" altLang="en-US" sz="2400" dirty="0">
-                <a:solidFill>
-                  <a:schemeClr val="tx1">
-                    <a:lumMod val="75000"/>
-                    <a:lumOff val="25000"/>
-                  </a:schemeClr>
-                </a:solidFill>
-                <a:latin typeface="等线 Light" panose="02010600030101010101" charset="-122"/>
-                <a:ea typeface="等线 Light" panose="02010600030101010101" charset="-122"/>
-                <a:sym typeface="+mn-ea"/>
-              </a:rPr>
-              <a:t>意见和建议</a:t>
-            </a:r>
-            <a:endParaRPr lang="zh-CN" altLang="en-US" sz="2400" dirty="0">
-              <a:solidFill>
-                <a:schemeClr val="tx1">
-                  <a:lumMod val="75000"/>
-                  <a:lumOff val="25000"/>
-                </a:schemeClr>
-              </a:solidFill>
-              <a:latin typeface="等线 Light" panose="02010600030101010101" charset="-122"/>
-              <a:ea typeface="等线 Light" panose="02010600030101010101" charset="-122"/>
-              <a:sym typeface="+mn-ea"/>
-            </a:endParaRPr>
-          </a:p>
-        </p:txBody>
-      </p:sp>
-      <p:sp>
-        <p:nvSpPr>
-          <p:cNvPr id="2" name="文本框 1"/>
-          <p:cNvSpPr txBox="1"/>
-          <p:nvPr/>
-        </p:nvSpPr>
-        <p:spPr>
-          <a:xfrm>
-            <a:off x="972185" y="1805940"/>
-            <a:ext cx="5149850" cy="2553335"/>
-          </a:xfrm>
-          <a:prstGeom prst="rect">
-            <a:avLst/>
-          </a:prstGeom>
-          <a:noFill/>
-        </p:spPr>
-        <p:txBody>
-          <a:bodyPr wrap="square" rtlCol="0">
-            <a:spAutoFit/>
-          </a:bodyPr>
-          <a:p>
-            <a:r>
-              <a:rPr lang="zh-CN" sz="1600" b="1" dirty="0">
-                <a:solidFill>
-                  <a:schemeClr val="tx1">
-                    <a:lumMod val="75000"/>
-                    <a:lumOff val="25000"/>
-                  </a:schemeClr>
-                </a:solidFill>
-                <a:latin typeface="等线 Light" panose="02010600030101010101" charset="-122"/>
-                <a:ea typeface="等线 Light" panose="02010600030101010101" charset="-122"/>
-                <a:cs typeface="等线 Light" panose="02010600030101010101" charset="-122"/>
-                <a:sym typeface="+mn-lt"/>
-              </a:rPr>
-              <a:t>一、</a:t>
-            </a:r>
-            <a:r>
-              <a:rPr sz="1600" b="1" dirty="0">
-                <a:solidFill>
-                  <a:schemeClr val="tx1">
-                    <a:lumMod val="75000"/>
-                    <a:lumOff val="25000"/>
-                  </a:schemeClr>
-                </a:solidFill>
-                <a:latin typeface="等线 Light" panose="02010600030101010101" charset="-122"/>
-                <a:ea typeface="等线 Light" panose="02010600030101010101" charset="-122"/>
-                <a:cs typeface="等线 Light" panose="02010600030101010101" charset="-122"/>
-                <a:sym typeface="+mn-lt"/>
-              </a:rPr>
-              <a:t>更加注重代码编写规范，开发过程中的冗长无用代码可以去除，另外重要方法添加适当注释，很多代码由于没有注释，造成后期理解和维护困难。</a:t>
-            </a:r>
-            <a:endParaRPr sz="1600" b="1" dirty="0">
-              <a:solidFill>
-                <a:schemeClr val="tx1">
-                  <a:lumMod val="75000"/>
-                  <a:lumOff val="25000"/>
-                </a:schemeClr>
-              </a:solidFill>
-              <a:latin typeface="等线 Light" panose="02010600030101010101" charset="-122"/>
-              <a:ea typeface="等线 Light" panose="02010600030101010101" charset="-122"/>
-              <a:cs typeface="等线 Light" panose="02010600030101010101" charset="-122"/>
-              <a:sym typeface="+mn-lt"/>
-            </a:endParaRPr>
-          </a:p>
-          <a:p>
-            <a:endParaRPr sz="1600" b="1" dirty="0">
-              <a:solidFill>
-                <a:schemeClr val="tx1">
-                  <a:lumMod val="75000"/>
-                  <a:lumOff val="25000"/>
-                </a:schemeClr>
-              </a:solidFill>
-              <a:latin typeface="等线 Light" panose="02010600030101010101" charset="-122"/>
-              <a:ea typeface="等线 Light" panose="02010600030101010101" charset="-122"/>
-              <a:cs typeface="等线 Light" panose="02010600030101010101" charset="-122"/>
-              <a:sym typeface="+mn-lt"/>
-            </a:endParaRPr>
-          </a:p>
-          <a:p>
-            <a:endParaRPr sz="1600" b="1" dirty="0">
-              <a:solidFill>
-                <a:schemeClr val="tx1">
-                  <a:lumMod val="75000"/>
-                  <a:lumOff val="25000"/>
-                </a:schemeClr>
-              </a:solidFill>
-              <a:latin typeface="等线 Light" panose="02010600030101010101" charset="-122"/>
-              <a:ea typeface="等线 Light" panose="02010600030101010101" charset="-122"/>
-              <a:cs typeface="等线 Light" panose="02010600030101010101" charset="-122"/>
-              <a:sym typeface="+mn-lt"/>
-            </a:endParaRPr>
-          </a:p>
-          <a:p>
-            <a:endParaRPr sz="1600" b="1" dirty="0">
-              <a:solidFill>
-                <a:schemeClr val="tx1">
-                  <a:lumMod val="75000"/>
-                  <a:lumOff val="25000"/>
-                </a:schemeClr>
-              </a:solidFill>
-              <a:latin typeface="等线 Light" panose="02010600030101010101" charset="-122"/>
-              <a:ea typeface="等线 Light" panose="02010600030101010101" charset="-122"/>
-              <a:cs typeface="等线 Light" panose="02010600030101010101" charset="-122"/>
-              <a:sym typeface="+mn-lt"/>
-            </a:endParaRPr>
-          </a:p>
-          <a:p>
-            <a:r>
-              <a:rPr lang="zh-CN" sz="1600" b="1" dirty="0">
-                <a:solidFill>
-                  <a:schemeClr val="tx1">
-                    <a:lumMod val="75000"/>
-                    <a:lumOff val="25000"/>
-                  </a:schemeClr>
-                </a:solidFill>
-                <a:latin typeface="等线 Light" panose="02010600030101010101" charset="-122"/>
-                <a:ea typeface="等线 Light" panose="02010600030101010101" charset="-122"/>
-                <a:cs typeface="等线 Light" panose="02010600030101010101" charset="-122"/>
-                <a:sym typeface="+mn-lt"/>
-              </a:rPr>
-              <a:t>二、可以在公司内网上建立一个模块，用来介绍杭州部门情况以及部门内部小组具体开发和维护的内容，很多时候不太了解其他部门的职责，希望对公司的产品开发更加了解。</a:t>
-            </a:r>
-            <a:endParaRPr lang="zh-CN" sz="1600" b="1" dirty="0">
-              <a:solidFill>
-                <a:schemeClr val="tx1">
-                  <a:lumMod val="75000"/>
-                  <a:lumOff val="25000"/>
-                </a:schemeClr>
-              </a:solidFill>
-              <a:latin typeface="等线 Light" panose="02010600030101010101" charset="-122"/>
-              <a:ea typeface="等线 Light" panose="02010600030101010101" charset="-122"/>
-              <a:cs typeface="等线 Light" panose="02010600030101010101" charset="-122"/>
-              <a:sym typeface="+mn-lt"/>
-            </a:endParaRPr>
-          </a:p>
-        </p:txBody>
-      </p:sp>
-      <p:pic>
-        <p:nvPicPr>
-          <p:cNvPr id="3" name="图片 2" descr="c216c8765727774aa9342bbc185b1845"/>
-          <p:cNvPicPr>
-            <a:picLocks noChangeAspect="1"/>
-          </p:cNvPicPr>
-          <p:nvPr>
-            <p:custDataLst>
-              <p:tags r:id="rId1"/>
-            </p:custDataLst>
-          </p:nvPr>
-        </p:nvPicPr>
-        <p:blipFill>
-          <a:blip r:embed="rId2">
-            <a:lum bright="24000" contrast="-30000"/>
-          </a:blip>
-          <a:srcRect l="-2021" r="2425" b="74848"/>
-          <a:stretch>
-            <a:fillRect/>
-          </a:stretch>
-        </p:blipFill>
-        <p:spPr>
-          <a:xfrm>
-            <a:off x="6471285" y="0"/>
-            <a:ext cx="5720715" cy="3854450"/>
-          </a:xfrm>
-          <a:prstGeom prst="rect">
-            <a:avLst/>
-          </a:prstGeom>
-        </p:spPr>
-      </p:pic>
-    </p:spTree>
-  </p:cSld>
-  <p:clrMapOvr>
-    <a:masterClrMapping/>
-  </p:clrMapOvr>
-</p:sld>
-</file>
-
-<file path=ppt/slides/slide19.xml><?xml version="1.0" encoding="utf-8"?>
-<p:sld xmlns:a="http://schemas.openxmlformats.org/drawingml/2006/main" xmlns:r="http://schemas.openxmlformats.org/officeDocument/2006/relationships" xmlns:p="http://schemas.openxmlformats.org/presentationml/2006/main">
-  <p:cSld>
-    <p:spTree>
-      <p:nvGrpSpPr>
-        <p:cNvPr id="1" name=""/>
-        <p:cNvGrpSpPr/>
-        <p:nvPr/>
-      </p:nvGrpSpPr>
-      <p:grpSpPr/>
-      <p:sp>
-        <p:nvSpPr>
-          <p:cNvPr id="2" name="标题 1"/>
-          <p:cNvSpPr>
-            <a:spLocks noGrp="1"/>
-          </p:cNvSpPr>
-          <p:nvPr>
-            <p:ph type="ctrTitle"/>
-          </p:nvPr>
-        </p:nvSpPr>
-        <p:spPr/>
-        <p:txBody>
-          <a:bodyPr/>
-          <a:p>
-            <a:r>
-              <a:rPr lang="en-US" altLang="zh-CN" sz="4400">
-                <a:solidFill>
-                  <a:schemeClr val="tx1">
-                    <a:lumMod val="75000"/>
-                    <a:lumOff val="25000"/>
-                  </a:schemeClr>
-                </a:solidFill>
-                <a:latin typeface="等线 Light" panose="02010600030101010101" charset="-122"/>
-                <a:ea typeface="等线 Light" panose="02010600030101010101" charset="-122"/>
-              </a:rPr>
-              <a:t>THANKS</a:t>
-            </a:r>
-            <a:endParaRPr lang="en-US" altLang="zh-CN" sz="4400">
-              <a:solidFill>
-                <a:schemeClr val="tx1">
-                  <a:lumMod val="75000"/>
-                  <a:lumOff val="25000"/>
-                </a:schemeClr>
-              </a:solidFill>
-              <a:latin typeface="等线 Light" panose="02010600030101010101" charset="-122"/>
-              <a:ea typeface="等线 Light" panose="02010600030101010101" charset="-122"/>
-            </a:endParaRPr>
-          </a:p>
-        </p:txBody>
-      </p:sp>
-      <p:sp>
-        <p:nvSpPr>
-          <p:cNvPr id="4" name="矩形 3"/>
-          <p:cNvSpPr/>
-          <p:nvPr/>
-        </p:nvSpPr>
-        <p:spPr>
-          <a:xfrm>
-            <a:off x="4509135" y="3510280"/>
-            <a:ext cx="936000" cy="43200"/>
-          </a:xfrm>
-          <a:prstGeom prst="rect">
-            <a:avLst/>
-          </a:prstGeom>
-          <a:solidFill>
-            <a:srgbClr val="659594"/>
-          </a:solidFill>
-          <a:ln>
-            <a:noFill/>
-          </a:ln>
-        </p:spPr>
-        <p:style>
-          <a:lnRef idx="2">
-            <a:schemeClr val="accent6"/>
-          </a:lnRef>
-          <a:fillRef idx="1">
-            <a:schemeClr val="lt1"/>
-          </a:fillRef>
-          <a:effectRef idx="0">
-            <a:schemeClr val="accent6"/>
-          </a:effectRef>
-          <a:fontRef idx="minor">
-            <a:schemeClr val="dk1"/>
-          </a:fontRef>
-        </p:style>
-        <p:txBody>
-          <a:bodyPr rtlCol="0" anchor="ctr"/>
-          <a:p>
-            <a:pPr algn="ctr"/>
-            <a:endParaRPr lang="zh-CN" altLang="en-US"/>
-          </a:p>
-        </p:txBody>
-      </p:sp>
-      <p:sp>
-        <p:nvSpPr>
-          <p:cNvPr id="5" name="矩形 4"/>
-          <p:cNvSpPr/>
-          <p:nvPr/>
-        </p:nvSpPr>
-        <p:spPr>
-          <a:xfrm>
-            <a:off x="5628005" y="3510280"/>
-            <a:ext cx="936000" cy="43200"/>
-          </a:xfrm>
-          <a:prstGeom prst="rect">
-            <a:avLst/>
-          </a:prstGeom>
-          <a:solidFill>
-            <a:srgbClr val="EB6464"/>
-          </a:solidFill>
-          <a:ln>
-            <a:noFill/>
-          </a:ln>
-        </p:spPr>
-        <p:style>
-          <a:lnRef idx="2">
-            <a:schemeClr val="accent6"/>
-          </a:lnRef>
-          <a:fillRef idx="1">
-            <a:schemeClr val="lt1"/>
-          </a:fillRef>
-          <a:effectRef idx="0">
-            <a:schemeClr val="accent6"/>
-          </a:effectRef>
-          <a:fontRef idx="minor">
-            <a:schemeClr val="dk1"/>
-          </a:fontRef>
-        </p:style>
-        <p:txBody>
-          <a:bodyPr rtlCol="0" anchor="ctr"/>
-          <a:p>
-            <a:pPr algn="ctr"/>
-            <a:endParaRPr lang="zh-CN" altLang="en-US"/>
-          </a:p>
-        </p:txBody>
-      </p:sp>
-      <p:sp>
-        <p:nvSpPr>
-          <p:cNvPr id="6" name="矩形 5"/>
-          <p:cNvSpPr/>
-          <p:nvPr/>
-        </p:nvSpPr>
-        <p:spPr>
-          <a:xfrm>
-            <a:off x="6746875" y="3510280"/>
-            <a:ext cx="936000" cy="43200"/>
-          </a:xfrm>
-          <a:prstGeom prst="rect">
-            <a:avLst/>
-          </a:prstGeom>
-          <a:solidFill>
-            <a:srgbClr val="F4C520"/>
-          </a:solidFill>
-          <a:ln>
-            <a:noFill/>
-          </a:ln>
-        </p:spPr>
-        <p:style>
-          <a:lnRef idx="2">
-            <a:schemeClr val="accent6"/>
-          </a:lnRef>
-          <a:fillRef idx="1">
-            <a:schemeClr val="lt1"/>
-          </a:fillRef>
-          <a:effectRef idx="0">
-            <a:schemeClr val="accent6"/>
-          </a:effectRef>
-          <a:fontRef idx="minor">
-            <a:schemeClr val="dk1"/>
-          </a:fontRef>
-        </p:style>
-        <p:txBody>
-          <a:bodyPr rtlCol="0" anchor="ctr"/>
-          <a:p>
-            <a:pPr algn="ctr"/>
-            <a:endParaRPr lang="zh-CN" altLang="en-US"/>
           </a:p>
         </p:txBody>
       </p:sp>
@@ -6376,6 +6254,894 @@
 </p:sld>
 </file>
 
+<file path=ppt/slides/slide20.xml><?xml version="1.0" encoding="utf-8"?>
+<p:sld xmlns:a="http://schemas.openxmlformats.org/drawingml/2006/main" xmlns:r="http://schemas.openxmlformats.org/officeDocument/2006/relationships" xmlns:p="http://schemas.openxmlformats.org/presentationml/2006/main">
+  <p:cSld>
+    <p:spTree>
+      <p:nvGrpSpPr>
+        <p:cNvPr id="1" name=""/>
+        <p:cNvGrpSpPr/>
+        <p:nvPr/>
+      </p:nvGrpSpPr>
+      <p:grpSpPr/>
+      <p:sp>
+        <p:nvSpPr>
+          <p:cNvPr id="4" name="矩形 3"/>
+          <p:cNvSpPr/>
+          <p:nvPr/>
+        </p:nvSpPr>
+        <p:spPr>
+          <a:xfrm>
+            <a:off x="972185" y="1101090"/>
+            <a:ext cx="1404000" cy="18000"/>
+          </a:xfrm>
+          <a:prstGeom prst="rect">
+            <a:avLst/>
+          </a:prstGeom>
+          <a:solidFill>
+            <a:srgbClr val="659594"/>
+          </a:solidFill>
+          <a:ln>
+            <a:noFill/>
+          </a:ln>
+        </p:spPr>
+        <p:style>
+          <a:lnRef idx="2">
+            <a:schemeClr val="accent6"/>
+          </a:lnRef>
+          <a:fillRef idx="1">
+            <a:schemeClr val="lt1"/>
+          </a:fillRef>
+          <a:effectRef idx="0">
+            <a:schemeClr val="accent6"/>
+          </a:effectRef>
+          <a:fontRef idx="minor">
+            <a:schemeClr val="dk1"/>
+          </a:fontRef>
+        </p:style>
+        <p:txBody>
+          <a:bodyPr rtlCol="0" anchor="ctr"/>
+          <a:p>
+            <a:pPr algn="ctr"/>
+            <a:endParaRPr lang="zh-CN" altLang="en-US"/>
+          </a:p>
+        </p:txBody>
+      </p:sp>
+      <p:sp>
+        <p:nvSpPr>
+          <p:cNvPr id="7" name="文本框 6"/>
+          <p:cNvSpPr txBox="1"/>
+          <p:nvPr/>
+        </p:nvSpPr>
+        <p:spPr>
+          <a:xfrm>
+            <a:off x="972185" y="530225"/>
+            <a:ext cx="4893945" cy="460375"/>
+          </a:xfrm>
+          <a:prstGeom prst="rect">
+            <a:avLst/>
+          </a:prstGeom>
+          <a:noFill/>
+        </p:spPr>
+        <p:txBody>
+          <a:bodyPr wrap="square" rtlCol="0">
+            <a:spAutoFit/>
+          </a:bodyPr>
+          <a:p>
+            <a:r>
+              <a:rPr lang="zh-CN" altLang="en-US" sz="2400" dirty="0">
+                <a:solidFill>
+                  <a:schemeClr val="tx1">
+                    <a:lumMod val="75000"/>
+                    <a:lumOff val="25000"/>
+                  </a:schemeClr>
+                </a:solidFill>
+                <a:latin typeface="等线 Light" panose="02010600030101010101" charset="-122"/>
+                <a:ea typeface="等线 Light" panose="02010600030101010101" charset="-122"/>
+                <a:sym typeface="+mn-ea"/>
+              </a:rPr>
+              <a:t>个人规划</a:t>
+            </a:r>
+            <a:endParaRPr lang="zh-CN" altLang="en-US" sz="2400" dirty="0">
+              <a:solidFill>
+                <a:schemeClr val="tx1">
+                  <a:lumMod val="75000"/>
+                  <a:lumOff val="25000"/>
+                </a:schemeClr>
+              </a:solidFill>
+              <a:latin typeface="等线 Light" panose="02010600030101010101" charset="-122"/>
+              <a:ea typeface="等线 Light" panose="02010600030101010101" charset="-122"/>
+              <a:sym typeface="+mn-ea"/>
+            </a:endParaRPr>
+          </a:p>
+        </p:txBody>
+      </p:sp>
+      <p:sp>
+        <p:nvSpPr>
+          <p:cNvPr id="2" name="文本框 1"/>
+          <p:cNvSpPr txBox="1"/>
+          <p:nvPr/>
+        </p:nvSpPr>
+        <p:spPr>
+          <a:xfrm>
+            <a:off x="972185" y="1805940"/>
+            <a:ext cx="6782435" cy="2061210"/>
+          </a:xfrm>
+          <a:prstGeom prst="rect">
+            <a:avLst/>
+          </a:prstGeom>
+          <a:noFill/>
+        </p:spPr>
+        <p:txBody>
+          <a:bodyPr wrap="square" rtlCol="0">
+            <a:spAutoFit/>
+          </a:bodyPr>
+          <a:p>
+            <a:r>
+              <a:rPr lang="zh-CN" altLang="en-US" sz="1600" b="1" dirty="0">
+                <a:solidFill>
+                  <a:schemeClr val="tx1">
+                    <a:lumMod val="75000"/>
+                    <a:lumOff val="25000"/>
+                  </a:schemeClr>
+                </a:solidFill>
+                <a:latin typeface="等线 Light" panose="02010600030101010101" charset="-122"/>
+                <a:ea typeface="等线 Light" panose="02010600030101010101" charset="-122"/>
+                <a:cs typeface="等线 Light" panose="02010600030101010101" charset="-122"/>
+                <a:sym typeface="+mn-lt"/>
+              </a:rPr>
+              <a:t>一年：熟悉Cmcc业务框架部分模块的开发和维护，理解</a:t>
+            </a:r>
+            <a:r>
+              <a:rPr lang="en-US" altLang="zh-CN" sz="1600" b="1" dirty="0">
+                <a:solidFill>
+                  <a:schemeClr val="tx1">
+                    <a:lumMod val="75000"/>
+                    <a:lumOff val="25000"/>
+                  </a:schemeClr>
+                </a:solidFill>
+                <a:latin typeface="等线 Light" panose="02010600030101010101" charset="-122"/>
+                <a:ea typeface="等线 Light" panose="02010600030101010101" charset="-122"/>
+                <a:cs typeface="等线 Light" panose="02010600030101010101" charset="-122"/>
+                <a:sym typeface="+mn-lt"/>
+              </a:rPr>
+              <a:t>GS框架的具体实现，成为初级开发工程师。</a:t>
+            </a:r>
+            <a:endParaRPr lang="en-US" altLang="zh-CN" sz="1600" b="1" dirty="0">
+              <a:solidFill>
+                <a:schemeClr val="tx1">
+                  <a:lumMod val="75000"/>
+                  <a:lumOff val="25000"/>
+                </a:schemeClr>
+              </a:solidFill>
+              <a:latin typeface="等线 Light" panose="02010600030101010101" charset="-122"/>
+              <a:ea typeface="等线 Light" panose="02010600030101010101" charset="-122"/>
+              <a:cs typeface="等线 Light" panose="02010600030101010101" charset="-122"/>
+              <a:sym typeface="+mn-lt"/>
+            </a:endParaRPr>
+          </a:p>
+          <a:p>
+            <a:endParaRPr lang="en-US" altLang="zh-CN" sz="1600" b="1" dirty="0">
+              <a:solidFill>
+                <a:schemeClr val="tx1">
+                  <a:lumMod val="75000"/>
+                  <a:lumOff val="25000"/>
+                </a:schemeClr>
+              </a:solidFill>
+              <a:latin typeface="等线 Light" panose="02010600030101010101" charset="-122"/>
+              <a:ea typeface="等线 Light" panose="02010600030101010101" charset="-122"/>
+              <a:cs typeface="等线 Light" panose="02010600030101010101" charset="-122"/>
+              <a:sym typeface="+mn-lt"/>
+            </a:endParaRPr>
+          </a:p>
+          <a:p>
+            <a:r>
+              <a:rPr lang="zh-CN" altLang="en-US" sz="1600" b="1" dirty="0">
+                <a:solidFill>
+                  <a:schemeClr val="tx1">
+                    <a:lumMod val="75000"/>
+                    <a:lumOff val="25000"/>
+                  </a:schemeClr>
+                </a:solidFill>
+                <a:latin typeface="等线 Light" panose="02010600030101010101" charset="-122"/>
+                <a:ea typeface="等线 Light" panose="02010600030101010101" charset="-122"/>
+                <a:cs typeface="等线 Light" panose="02010600030101010101" charset="-122"/>
+                <a:sym typeface="+mn-lt"/>
+              </a:rPr>
+              <a:t>三年：能够快速定位分析自己所负责模块出现的问题，并提出良好解决方案，成为中级开发工程师。</a:t>
+            </a:r>
+            <a:endParaRPr lang="zh-CN" altLang="en-US" sz="1600" b="1" dirty="0">
+              <a:solidFill>
+                <a:schemeClr val="tx1">
+                  <a:lumMod val="75000"/>
+                  <a:lumOff val="25000"/>
+                </a:schemeClr>
+              </a:solidFill>
+              <a:latin typeface="等线 Light" panose="02010600030101010101" charset="-122"/>
+              <a:ea typeface="等线 Light" panose="02010600030101010101" charset="-122"/>
+              <a:cs typeface="等线 Light" panose="02010600030101010101" charset="-122"/>
+              <a:sym typeface="+mn-lt"/>
+            </a:endParaRPr>
+          </a:p>
+          <a:p>
+            <a:endParaRPr lang="zh-CN" altLang="en-US" sz="1600" b="1" dirty="0">
+              <a:solidFill>
+                <a:schemeClr val="tx1">
+                  <a:lumMod val="75000"/>
+                  <a:lumOff val="25000"/>
+                </a:schemeClr>
+              </a:solidFill>
+              <a:latin typeface="等线 Light" panose="02010600030101010101" charset="-122"/>
+              <a:ea typeface="等线 Light" panose="02010600030101010101" charset="-122"/>
+              <a:cs typeface="等线 Light" panose="02010600030101010101" charset="-122"/>
+              <a:sym typeface="+mn-lt"/>
+            </a:endParaRPr>
+          </a:p>
+          <a:p>
+            <a:r>
+              <a:rPr lang="zh-CN" altLang="en-US" sz="1600" b="1" dirty="0">
+                <a:solidFill>
+                  <a:schemeClr val="tx1">
+                    <a:lumMod val="75000"/>
+                    <a:lumOff val="25000"/>
+                  </a:schemeClr>
+                </a:solidFill>
+                <a:latin typeface="等线 Light" panose="02010600030101010101" charset="-122"/>
+                <a:ea typeface="等线 Light" panose="02010600030101010101" charset="-122"/>
+                <a:cs typeface="等线 Light" panose="02010600030101010101" charset="-122"/>
+                <a:sym typeface="+mn-lt"/>
+              </a:rPr>
+              <a:t>五年：理解公司部分产品的架构开发设计，能够具备架构设计思想，成为高级开发工程师。</a:t>
+            </a:r>
+            <a:endParaRPr lang="zh-CN" altLang="en-US" sz="1600" b="1" dirty="0">
+              <a:solidFill>
+                <a:schemeClr val="tx1">
+                  <a:lumMod val="75000"/>
+                  <a:lumOff val="25000"/>
+                </a:schemeClr>
+              </a:solidFill>
+              <a:latin typeface="等线 Light" panose="02010600030101010101" charset="-122"/>
+              <a:ea typeface="等线 Light" panose="02010600030101010101" charset="-122"/>
+              <a:cs typeface="等线 Light" panose="02010600030101010101" charset="-122"/>
+              <a:sym typeface="+mn-lt"/>
+            </a:endParaRPr>
+          </a:p>
+        </p:txBody>
+      </p:sp>
+      <p:pic>
+        <p:nvPicPr>
+          <p:cNvPr id="3" name="图片 2" descr="c216c8765727774aa9342bbc185b1845"/>
+          <p:cNvPicPr>
+            <a:picLocks noChangeAspect="1"/>
+          </p:cNvPicPr>
+          <p:nvPr>
+            <p:custDataLst>
+              <p:tags r:id="rId1"/>
+            </p:custDataLst>
+          </p:nvPr>
+        </p:nvPicPr>
+        <p:blipFill>
+          <a:blip r:embed="rId2">
+            <a:lum bright="24000" contrast="-30000"/>
+          </a:blip>
+          <a:srcRect l="-2021" r="2425" b="74848"/>
+          <a:stretch>
+            <a:fillRect/>
+          </a:stretch>
+        </p:blipFill>
+        <p:spPr>
+          <a:xfrm>
+            <a:off x="6471285" y="0"/>
+            <a:ext cx="5720715" cy="3854450"/>
+          </a:xfrm>
+          <a:prstGeom prst="rect">
+            <a:avLst/>
+          </a:prstGeom>
+        </p:spPr>
+      </p:pic>
+    </p:spTree>
+  </p:cSld>
+  <p:clrMapOvr>
+    <a:masterClrMapping/>
+  </p:clrMapOvr>
+</p:sld>
+</file>
+
+<file path=ppt/slides/slide21.xml><?xml version="1.0" encoding="utf-8"?>
+<p:sld xmlns:a="http://schemas.openxmlformats.org/drawingml/2006/main" xmlns:r="http://schemas.openxmlformats.org/officeDocument/2006/relationships" xmlns:p="http://schemas.openxmlformats.org/presentationml/2006/main">
+  <p:cSld>
+    <p:spTree>
+      <p:nvGrpSpPr>
+        <p:cNvPr id="1" name=""/>
+        <p:cNvGrpSpPr/>
+        <p:nvPr/>
+      </p:nvGrpSpPr>
+      <p:grpSpPr/>
+      <p:sp>
+        <p:nvSpPr>
+          <p:cNvPr id="7" name="椭圆 6"/>
+          <p:cNvSpPr/>
+          <p:nvPr/>
+        </p:nvSpPr>
+        <p:spPr>
+          <a:xfrm>
+            <a:off x="4008120" y="3082290"/>
+            <a:ext cx="691515" cy="691515"/>
+          </a:xfrm>
+          <a:prstGeom prst="ellipse">
+            <a:avLst/>
+          </a:prstGeom>
+          <a:solidFill>
+            <a:srgbClr val="659594">
+              <a:alpha val="62000"/>
+            </a:srgbClr>
+          </a:solidFill>
+          <a:ln>
+            <a:noFill/>
+          </a:ln>
+        </p:spPr>
+        <p:style>
+          <a:lnRef idx="2">
+            <a:schemeClr val="accent6"/>
+          </a:lnRef>
+          <a:fillRef idx="1">
+            <a:schemeClr val="lt1"/>
+          </a:fillRef>
+          <a:effectRef idx="0">
+            <a:schemeClr val="accent6"/>
+          </a:effectRef>
+          <a:fontRef idx="minor">
+            <a:schemeClr val="dk1"/>
+          </a:fontRef>
+        </p:style>
+        <p:txBody>
+          <a:bodyPr rtlCol="0" anchor="ctr"/>
+          <a:p>
+            <a:pPr algn="ctr"/>
+            <a:r>
+              <a:rPr lang="en-US" altLang="zh-CN" sz="2000">
+                <a:solidFill>
+                  <a:schemeClr val="bg1"/>
+                </a:solidFill>
+                <a:latin typeface="等线 Light" panose="02010600030101010101" charset="-122"/>
+                <a:ea typeface="等线 Light" panose="02010600030101010101" charset="-122"/>
+              </a:rPr>
+              <a:t>06</a:t>
+            </a:r>
+            <a:endParaRPr lang="en-US" altLang="zh-CN" sz="2000">
+              <a:solidFill>
+                <a:schemeClr val="bg1"/>
+              </a:solidFill>
+              <a:latin typeface="等线 Light" panose="02010600030101010101" charset="-122"/>
+              <a:ea typeface="等线 Light" panose="02010600030101010101" charset="-122"/>
+            </a:endParaRPr>
+          </a:p>
+        </p:txBody>
+      </p:sp>
+      <p:sp>
+        <p:nvSpPr>
+          <p:cNvPr id="4" name="文本框 3"/>
+          <p:cNvSpPr txBox="1"/>
+          <p:nvPr/>
+        </p:nvSpPr>
+        <p:spPr>
+          <a:xfrm>
+            <a:off x="4887595" y="3197860"/>
+            <a:ext cx="3760470" cy="460375"/>
+          </a:xfrm>
+          <a:prstGeom prst="rect">
+            <a:avLst/>
+          </a:prstGeom>
+          <a:noFill/>
+        </p:spPr>
+        <p:txBody>
+          <a:bodyPr wrap="square" rtlCol="0">
+            <a:spAutoFit/>
+          </a:bodyPr>
+          <a:p>
+            <a:r>
+              <a:rPr lang="zh-CN" altLang="en-US" sz="2400" b="1" dirty="0">
+                <a:solidFill>
+                  <a:schemeClr val="tx1">
+                    <a:lumMod val="75000"/>
+                    <a:lumOff val="25000"/>
+                  </a:schemeClr>
+                </a:solidFill>
+                <a:latin typeface="等线 Light" panose="02010600030101010101" charset="-122"/>
+                <a:ea typeface="等线 Light" panose="02010600030101010101" charset="-122"/>
+                <a:cs typeface="+mn-ea"/>
+                <a:sym typeface="+mn-lt"/>
+              </a:rPr>
+              <a:t>对公司的展望与建议</a:t>
+            </a:r>
+            <a:endParaRPr lang="zh-CN" altLang="en-US" sz="2400" b="1" dirty="0">
+              <a:solidFill>
+                <a:schemeClr val="tx1">
+                  <a:lumMod val="75000"/>
+                  <a:lumOff val="25000"/>
+                </a:schemeClr>
+              </a:solidFill>
+              <a:latin typeface="等线 Light" panose="02010600030101010101" charset="-122"/>
+              <a:ea typeface="等线 Light" panose="02010600030101010101" charset="-122"/>
+              <a:cs typeface="+mn-ea"/>
+              <a:sym typeface="+mn-lt"/>
+            </a:endParaRPr>
+          </a:p>
+        </p:txBody>
+      </p:sp>
+    </p:spTree>
+  </p:cSld>
+  <p:clrMapOvr>
+    <a:masterClrMapping/>
+  </p:clrMapOvr>
+</p:sld>
+</file>
+
+<file path=ppt/slides/slide22.xml><?xml version="1.0" encoding="utf-8"?>
+<p:sld xmlns:a="http://schemas.openxmlformats.org/drawingml/2006/main" xmlns:r="http://schemas.openxmlformats.org/officeDocument/2006/relationships" xmlns:p="http://schemas.openxmlformats.org/presentationml/2006/main">
+  <p:cSld>
+    <p:spTree>
+      <p:nvGrpSpPr>
+        <p:cNvPr id="1" name=""/>
+        <p:cNvGrpSpPr/>
+        <p:nvPr/>
+      </p:nvGrpSpPr>
+      <p:grpSpPr/>
+      <p:sp>
+        <p:nvSpPr>
+          <p:cNvPr id="4" name="矩形 3"/>
+          <p:cNvSpPr/>
+          <p:nvPr/>
+        </p:nvSpPr>
+        <p:spPr>
+          <a:xfrm>
+            <a:off x="972185" y="1101090"/>
+            <a:ext cx="1728000" cy="18000"/>
+          </a:xfrm>
+          <a:prstGeom prst="rect">
+            <a:avLst/>
+          </a:prstGeom>
+          <a:solidFill>
+            <a:srgbClr val="659594"/>
+          </a:solidFill>
+          <a:ln>
+            <a:noFill/>
+          </a:ln>
+        </p:spPr>
+        <p:style>
+          <a:lnRef idx="2">
+            <a:schemeClr val="accent6"/>
+          </a:lnRef>
+          <a:fillRef idx="1">
+            <a:schemeClr val="lt1"/>
+          </a:fillRef>
+          <a:effectRef idx="0">
+            <a:schemeClr val="accent6"/>
+          </a:effectRef>
+          <a:fontRef idx="minor">
+            <a:schemeClr val="dk1"/>
+          </a:fontRef>
+        </p:style>
+        <p:txBody>
+          <a:bodyPr rtlCol="0" anchor="ctr"/>
+          <a:p>
+            <a:pPr algn="ctr"/>
+            <a:endParaRPr lang="zh-CN" altLang="en-US"/>
+          </a:p>
+        </p:txBody>
+      </p:sp>
+      <p:sp>
+        <p:nvSpPr>
+          <p:cNvPr id="7" name="文本框 6"/>
+          <p:cNvSpPr txBox="1"/>
+          <p:nvPr/>
+        </p:nvSpPr>
+        <p:spPr>
+          <a:xfrm>
+            <a:off x="972185" y="530225"/>
+            <a:ext cx="4893945" cy="460375"/>
+          </a:xfrm>
+          <a:prstGeom prst="rect">
+            <a:avLst/>
+          </a:prstGeom>
+          <a:noFill/>
+        </p:spPr>
+        <p:txBody>
+          <a:bodyPr wrap="square" rtlCol="0">
+            <a:spAutoFit/>
+          </a:bodyPr>
+          <a:p>
+            <a:r>
+              <a:rPr lang="zh-CN" altLang="en-US" sz="2400" dirty="0">
+                <a:solidFill>
+                  <a:schemeClr val="tx1">
+                    <a:lumMod val="75000"/>
+                    <a:lumOff val="25000"/>
+                  </a:schemeClr>
+                </a:solidFill>
+                <a:latin typeface="等线 Light" panose="02010600030101010101" charset="-122"/>
+                <a:ea typeface="等线 Light" panose="02010600030101010101" charset="-122"/>
+                <a:sym typeface="+mn-ea"/>
+              </a:rPr>
+              <a:t>意见和建议</a:t>
+            </a:r>
+            <a:endParaRPr lang="zh-CN" altLang="en-US" sz="2400" dirty="0">
+              <a:solidFill>
+                <a:schemeClr val="tx1">
+                  <a:lumMod val="75000"/>
+                  <a:lumOff val="25000"/>
+                </a:schemeClr>
+              </a:solidFill>
+              <a:latin typeface="等线 Light" panose="02010600030101010101" charset="-122"/>
+              <a:ea typeface="等线 Light" panose="02010600030101010101" charset="-122"/>
+              <a:sym typeface="+mn-ea"/>
+            </a:endParaRPr>
+          </a:p>
+        </p:txBody>
+      </p:sp>
+      <p:sp>
+        <p:nvSpPr>
+          <p:cNvPr id="2" name="文本框 1"/>
+          <p:cNvSpPr txBox="1"/>
+          <p:nvPr/>
+        </p:nvSpPr>
+        <p:spPr>
+          <a:xfrm>
+            <a:off x="972185" y="1805940"/>
+            <a:ext cx="5149850" cy="2553335"/>
+          </a:xfrm>
+          <a:prstGeom prst="rect">
+            <a:avLst/>
+          </a:prstGeom>
+          <a:noFill/>
+        </p:spPr>
+        <p:txBody>
+          <a:bodyPr wrap="square" rtlCol="0">
+            <a:spAutoFit/>
+          </a:bodyPr>
+          <a:p>
+            <a:r>
+              <a:rPr lang="zh-CN" sz="1600" b="1" dirty="0">
+                <a:solidFill>
+                  <a:schemeClr val="tx1">
+                    <a:lumMod val="75000"/>
+                    <a:lumOff val="25000"/>
+                  </a:schemeClr>
+                </a:solidFill>
+                <a:latin typeface="等线 Light" panose="02010600030101010101" charset="-122"/>
+                <a:ea typeface="等线 Light" panose="02010600030101010101" charset="-122"/>
+                <a:cs typeface="等线 Light" panose="02010600030101010101" charset="-122"/>
+                <a:sym typeface="+mn-lt"/>
+              </a:rPr>
+              <a:t>一、</a:t>
+            </a:r>
+            <a:r>
+              <a:rPr sz="1600" b="1" dirty="0">
+                <a:solidFill>
+                  <a:schemeClr val="tx1">
+                    <a:lumMod val="75000"/>
+                    <a:lumOff val="25000"/>
+                  </a:schemeClr>
+                </a:solidFill>
+                <a:latin typeface="等线 Light" panose="02010600030101010101" charset="-122"/>
+                <a:ea typeface="等线 Light" panose="02010600030101010101" charset="-122"/>
+                <a:cs typeface="等线 Light" panose="02010600030101010101" charset="-122"/>
+                <a:sym typeface="+mn-lt"/>
+              </a:rPr>
+              <a:t>更加注重代码编写规范，开发过程中的冗长无用代码可以去除，另外重要方法添加适当注释，很多代码由于没有注释，造成后期理解和维护困难。</a:t>
+            </a:r>
+            <a:endParaRPr sz="1600" b="1" dirty="0">
+              <a:solidFill>
+                <a:schemeClr val="tx1">
+                  <a:lumMod val="75000"/>
+                  <a:lumOff val="25000"/>
+                </a:schemeClr>
+              </a:solidFill>
+              <a:latin typeface="等线 Light" panose="02010600030101010101" charset="-122"/>
+              <a:ea typeface="等线 Light" panose="02010600030101010101" charset="-122"/>
+              <a:cs typeface="等线 Light" panose="02010600030101010101" charset="-122"/>
+              <a:sym typeface="+mn-lt"/>
+            </a:endParaRPr>
+          </a:p>
+          <a:p>
+            <a:endParaRPr sz="1600" b="1" dirty="0">
+              <a:solidFill>
+                <a:schemeClr val="tx1">
+                  <a:lumMod val="75000"/>
+                  <a:lumOff val="25000"/>
+                </a:schemeClr>
+              </a:solidFill>
+              <a:latin typeface="等线 Light" panose="02010600030101010101" charset="-122"/>
+              <a:ea typeface="等线 Light" panose="02010600030101010101" charset="-122"/>
+              <a:cs typeface="等线 Light" panose="02010600030101010101" charset="-122"/>
+              <a:sym typeface="+mn-lt"/>
+            </a:endParaRPr>
+          </a:p>
+          <a:p>
+            <a:endParaRPr sz="1600" b="1" dirty="0">
+              <a:solidFill>
+                <a:schemeClr val="tx1">
+                  <a:lumMod val="75000"/>
+                  <a:lumOff val="25000"/>
+                </a:schemeClr>
+              </a:solidFill>
+              <a:latin typeface="等线 Light" panose="02010600030101010101" charset="-122"/>
+              <a:ea typeface="等线 Light" panose="02010600030101010101" charset="-122"/>
+              <a:cs typeface="等线 Light" panose="02010600030101010101" charset="-122"/>
+              <a:sym typeface="+mn-lt"/>
+            </a:endParaRPr>
+          </a:p>
+          <a:p>
+            <a:endParaRPr sz="1600" b="1" dirty="0">
+              <a:solidFill>
+                <a:schemeClr val="tx1">
+                  <a:lumMod val="75000"/>
+                  <a:lumOff val="25000"/>
+                </a:schemeClr>
+              </a:solidFill>
+              <a:latin typeface="等线 Light" panose="02010600030101010101" charset="-122"/>
+              <a:ea typeface="等线 Light" panose="02010600030101010101" charset="-122"/>
+              <a:cs typeface="等线 Light" panose="02010600030101010101" charset="-122"/>
+              <a:sym typeface="+mn-lt"/>
+            </a:endParaRPr>
+          </a:p>
+          <a:p>
+            <a:r>
+              <a:rPr lang="zh-CN" sz="1600" b="1" dirty="0">
+                <a:solidFill>
+                  <a:schemeClr val="tx1">
+                    <a:lumMod val="75000"/>
+                    <a:lumOff val="25000"/>
+                  </a:schemeClr>
+                </a:solidFill>
+                <a:latin typeface="等线 Light" panose="02010600030101010101" charset="-122"/>
+                <a:ea typeface="等线 Light" panose="02010600030101010101" charset="-122"/>
+                <a:cs typeface="等线 Light" panose="02010600030101010101" charset="-122"/>
+                <a:sym typeface="+mn-lt"/>
+              </a:rPr>
+              <a:t>二、可以在公司内网上建立一个模块，用来介绍杭州部门情况以及部门内部小组具体开发和维护的内容，很多时候不太了解其他部门的职责，希望对公司的产品开发更加了解。</a:t>
+            </a:r>
+            <a:endParaRPr lang="zh-CN" sz="1600" b="1" dirty="0">
+              <a:solidFill>
+                <a:schemeClr val="tx1">
+                  <a:lumMod val="75000"/>
+                  <a:lumOff val="25000"/>
+                </a:schemeClr>
+              </a:solidFill>
+              <a:latin typeface="等线 Light" panose="02010600030101010101" charset="-122"/>
+              <a:ea typeface="等线 Light" panose="02010600030101010101" charset="-122"/>
+              <a:cs typeface="等线 Light" panose="02010600030101010101" charset="-122"/>
+              <a:sym typeface="+mn-lt"/>
+            </a:endParaRPr>
+          </a:p>
+        </p:txBody>
+      </p:sp>
+      <p:pic>
+        <p:nvPicPr>
+          <p:cNvPr id="3" name="图片 2" descr="c216c8765727774aa9342bbc185b1845"/>
+          <p:cNvPicPr>
+            <a:picLocks noChangeAspect="1"/>
+          </p:cNvPicPr>
+          <p:nvPr>
+            <p:custDataLst>
+              <p:tags r:id="rId1"/>
+            </p:custDataLst>
+          </p:nvPr>
+        </p:nvPicPr>
+        <p:blipFill>
+          <a:blip r:embed="rId2">
+            <a:lum bright="24000" contrast="-30000"/>
+          </a:blip>
+          <a:srcRect l="-2021" r="2425" b="74848"/>
+          <a:stretch>
+            <a:fillRect/>
+          </a:stretch>
+        </p:blipFill>
+        <p:spPr>
+          <a:xfrm>
+            <a:off x="6471285" y="0"/>
+            <a:ext cx="5720715" cy="3854450"/>
+          </a:xfrm>
+          <a:prstGeom prst="rect">
+            <a:avLst/>
+          </a:prstGeom>
+        </p:spPr>
+      </p:pic>
+    </p:spTree>
+  </p:cSld>
+  <p:clrMapOvr>
+    <a:masterClrMapping/>
+  </p:clrMapOvr>
+</p:sld>
+</file>
+
+<file path=ppt/slides/slide23.xml><?xml version="1.0" encoding="utf-8"?>
+<p:sld xmlns:a="http://schemas.openxmlformats.org/drawingml/2006/main" xmlns:r="http://schemas.openxmlformats.org/officeDocument/2006/relationships" xmlns:p="http://schemas.openxmlformats.org/presentationml/2006/main">
+  <p:cSld>
+    <p:spTree>
+      <p:nvGrpSpPr>
+        <p:cNvPr id="1" name=""/>
+        <p:cNvGrpSpPr/>
+        <p:nvPr/>
+      </p:nvGrpSpPr>
+      <p:grpSpPr/>
+      <p:sp>
+        <p:nvSpPr>
+          <p:cNvPr id="2" name="标题 1"/>
+          <p:cNvSpPr>
+            <a:spLocks noGrp="1"/>
+          </p:cNvSpPr>
+          <p:nvPr>
+            <p:ph type="ctrTitle"/>
+          </p:nvPr>
+        </p:nvSpPr>
+        <p:spPr/>
+        <p:txBody>
+          <a:bodyPr/>
+          <a:p>
+            <a:r>
+              <a:rPr lang="en-US" altLang="zh-CN" sz="4400">
+                <a:solidFill>
+                  <a:schemeClr val="tx1">
+                    <a:lumMod val="75000"/>
+                    <a:lumOff val="25000"/>
+                  </a:schemeClr>
+                </a:solidFill>
+                <a:latin typeface="等线 Light" panose="02010600030101010101" charset="-122"/>
+                <a:ea typeface="等线 Light" panose="02010600030101010101" charset="-122"/>
+              </a:rPr>
+              <a:t>THANKS</a:t>
+            </a:r>
+            <a:endParaRPr lang="en-US" altLang="zh-CN" sz="4400">
+              <a:solidFill>
+                <a:schemeClr val="tx1">
+                  <a:lumMod val="75000"/>
+                  <a:lumOff val="25000"/>
+                </a:schemeClr>
+              </a:solidFill>
+              <a:latin typeface="等线 Light" panose="02010600030101010101" charset="-122"/>
+              <a:ea typeface="等线 Light" panose="02010600030101010101" charset="-122"/>
+            </a:endParaRPr>
+          </a:p>
+        </p:txBody>
+      </p:sp>
+      <p:sp>
+        <p:nvSpPr>
+          <p:cNvPr id="4" name="矩形 3"/>
+          <p:cNvSpPr/>
+          <p:nvPr/>
+        </p:nvSpPr>
+        <p:spPr>
+          <a:xfrm>
+            <a:off x="4509135" y="3510280"/>
+            <a:ext cx="936000" cy="43200"/>
+          </a:xfrm>
+          <a:prstGeom prst="rect">
+            <a:avLst/>
+          </a:prstGeom>
+          <a:solidFill>
+            <a:srgbClr val="659594"/>
+          </a:solidFill>
+          <a:ln>
+            <a:noFill/>
+          </a:ln>
+        </p:spPr>
+        <p:style>
+          <a:lnRef idx="2">
+            <a:schemeClr val="accent6"/>
+          </a:lnRef>
+          <a:fillRef idx="1">
+            <a:schemeClr val="lt1"/>
+          </a:fillRef>
+          <a:effectRef idx="0">
+            <a:schemeClr val="accent6"/>
+          </a:effectRef>
+          <a:fontRef idx="minor">
+            <a:schemeClr val="dk1"/>
+          </a:fontRef>
+        </p:style>
+        <p:txBody>
+          <a:bodyPr rtlCol="0" anchor="ctr"/>
+          <a:p>
+            <a:pPr algn="ctr"/>
+            <a:endParaRPr lang="zh-CN" altLang="en-US"/>
+          </a:p>
+        </p:txBody>
+      </p:sp>
+      <p:sp>
+        <p:nvSpPr>
+          <p:cNvPr id="5" name="矩形 4"/>
+          <p:cNvSpPr/>
+          <p:nvPr/>
+        </p:nvSpPr>
+        <p:spPr>
+          <a:xfrm>
+            <a:off x="5628005" y="3510280"/>
+            <a:ext cx="936000" cy="43200"/>
+          </a:xfrm>
+          <a:prstGeom prst="rect">
+            <a:avLst/>
+          </a:prstGeom>
+          <a:solidFill>
+            <a:srgbClr val="EB6464"/>
+          </a:solidFill>
+          <a:ln>
+            <a:noFill/>
+          </a:ln>
+        </p:spPr>
+        <p:style>
+          <a:lnRef idx="2">
+            <a:schemeClr val="accent6"/>
+          </a:lnRef>
+          <a:fillRef idx="1">
+            <a:schemeClr val="lt1"/>
+          </a:fillRef>
+          <a:effectRef idx="0">
+            <a:schemeClr val="accent6"/>
+          </a:effectRef>
+          <a:fontRef idx="minor">
+            <a:schemeClr val="dk1"/>
+          </a:fontRef>
+        </p:style>
+        <p:txBody>
+          <a:bodyPr rtlCol="0" anchor="ctr"/>
+          <a:p>
+            <a:pPr algn="ctr"/>
+            <a:endParaRPr lang="zh-CN" altLang="en-US"/>
+          </a:p>
+        </p:txBody>
+      </p:sp>
+      <p:sp>
+        <p:nvSpPr>
+          <p:cNvPr id="6" name="矩形 5"/>
+          <p:cNvSpPr/>
+          <p:nvPr/>
+        </p:nvSpPr>
+        <p:spPr>
+          <a:xfrm>
+            <a:off x="6746875" y="3510280"/>
+            <a:ext cx="936000" cy="43200"/>
+          </a:xfrm>
+          <a:prstGeom prst="rect">
+            <a:avLst/>
+          </a:prstGeom>
+          <a:solidFill>
+            <a:srgbClr val="F4C520"/>
+          </a:solidFill>
+          <a:ln>
+            <a:noFill/>
+          </a:ln>
+        </p:spPr>
+        <p:style>
+          <a:lnRef idx="2">
+            <a:schemeClr val="accent6"/>
+          </a:lnRef>
+          <a:fillRef idx="1">
+            <a:schemeClr val="lt1"/>
+          </a:fillRef>
+          <a:effectRef idx="0">
+            <a:schemeClr val="accent6"/>
+          </a:effectRef>
+          <a:fontRef idx="minor">
+            <a:schemeClr val="dk1"/>
+          </a:fontRef>
+        </p:style>
+        <p:txBody>
+          <a:bodyPr rtlCol="0" anchor="ctr"/>
+          <a:p>
+            <a:pPr algn="ctr"/>
+            <a:endParaRPr lang="zh-CN" altLang="en-US"/>
+          </a:p>
+        </p:txBody>
+      </p:sp>
+    </p:spTree>
+  </p:cSld>
+  <p:clrMapOvr>
+    <a:masterClrMapping/>
+  </p:clrMapOvr>
+</p:sld>
+</file>
+
 <file path=ppt/slides/slide3.xml><?xml version="1.0" encoding="utf-8"?>
 <p:sld xmlns:a="http://schemas.openxmlformats.org/drawingml/2006/main" xmlns:r="http://schemas.openxmlformats.org/officeDocument/2006/relationships" xmlns:p="http://schemas.openxmlformats.org/presentationml/2006/main">
   <p:cSld>
@@ -9752,7 +10518,25 @@
 
 <file path=ppt/tags/tag10.xml><?xml version="1.0" encoding="utf-8"?>
 <p:tagLst xmlns:p="http://schemas.openxmlformats.org/presentationml/2006/main">
-  <p:tag name="COMMONDATA" val="eyJjb3VudCI6OTYsImhkaWQiOiIzN2JhNjVjMzM2ZGE2YTYwOWQ5MDcxMGMxZWEwNmQyNCIsInVzZXJDb3VudCI6OTZ9"/>
+  <p:tag name="KSO_WM_UNIT_PLACING_PICTURE_USER_VIEWPORT" val="{&quot;height&quot;:6070,&quot;width&quot;:9009}"/>
+</p:tagLst>
+</file>
+
+<file path=ppt/tags/tag11.xml><?xml version="1.0" encoding="utf-8"?>
+<p:tagLst xmlns:p="http://schemas.openxmlformats.org/presentationml/2006/main">
+  <p:tag name="KSO_WM_UNIT_PLACING_PICTURE_USER_VIEWPORT" val="{&quot;height&quot;:6070,&quot;width&quot;:9009}"/>
+</p:tagLst>
+</file>
+
+<file path=ppt/tags/tag12.xml><?xml version="1.0" encoding="utf-8"?>
+<p:tagLst xmlns:p="http://schemas.openxmlformats.org/presentationml/2006/main">
+  <p:tag name="KSO_WM_UNIT_PLACING_PICTURE_USER_VIEWPORT" val="{&quot;height&quot;:6070,&quot;width&quot;:9009}"/>
+</p:tagLst>
+</file>
+
+<file path=ppt/tags/tag13.xml><?xml version="1.0" encoding="utf-8"?>
+<p:tagLst xmlns:p="http://schemas.openxmlformats.org/presentationml/2006/main">
+  <p:tag name="COMMONDATA" val="eyJjb3VudCI6MTIzLCJoZGlkIjoiMzdiYTY1YzMzNmRhNmE2MDlkOTA3MTBjMWVhMDZkMjQiLCJ1c2VyQ291bnQiOjEyM30="/>
 </p:tagLst>
 </file>
 

--- a/转正答辩.pptx
+++ b/转正答辩.pptx
@@ -20,19 +20,20 @@
     <p:sldId id="332" r:id="rId15"/>
     <p:sldId id="335" r:id="rId16"/>
     <p:sldId id="333" r:id="rId17"/>
-    <p:sldId id="334" r:id="rId18"/>
-    <p:sldId id="301" r:id="rId19"/>
-    <p:sldId id="302" r:id="rId20"/>
-    <p:sldId id="303" r:id="rId21"/>
-    <p:sldId id="305" r:id="rId22"/>
-    <p:sldId id="306" r:id="rId23"/>
-    <p:sldId id="307" r:id="rId24"/>
-    <p:sldId id="267" r:id="rId25"/>
+    <p:sldId id="345" r:id="rId18"/>
+    <p:sldId id="334" r:id="rId19"/>
+    <p:sldId id="301" r:id="rId20"/>
+    <p:sldId id="302" r:id="rId21"/>
+    <p:sldId id="303" r:id="rId22"/>
+    <p:sldId id="305" r:id="rId23"/>
+    <p:sldId id="306" r:id="rId24"/>
+    <p:sldId id="307" r:id="rId25"/>
+    <p:sldId id="267" r:id="rId26"/>
   </p:sldIdLst>
   <p:sldSz cx="12192000" cy="6858000"/>
   <p:notesSz cx="6858000" cy="9144000"/>
   <p:custDataLst>
-    <p:tags r:id="rId29"/>
+    <p:tags r:id="rId30"/>
   </p:custDataLst>
   <p:defaultTextStyle>
     <a:defPPr>
@@ -3303,7 +3304,7 @@
         <p:spPr>
           <a:xfrm>
             <a:off x="972185" y="1420495"/>
-            <a:ext cx="5320030" cy="368300"/>
+            <a:ext cx="5320030" cy="337185"/>
           </a:xfrm>
           <a:prstGeom prst="rect">
             <a:avLst/>
@@ -3316,7 +3317,7 @@
           </a:bodyPr>
           <a:p>
             <a:r>
-              <a:rPr lang="en-US" b="1" dirty="0">
+              <a:rPr lang="en-US" sz="1600" b="1" dirty="0">
                 <a:solidFill>
                   <a:schemeClr val="tx1">
                     <a:lumMod val="75000"/>
@@ -3331,7 +3332,7 @@
               <a:t>04.21-06.01</a:t>
             </a:r>
             <a:r>
-              <a:rPr lang="zh-CN" altLang="en-US" b="1" dirty="0">
+              <a:rPr lang="zh-CN" altLang="en-US" sz="1600" b="1" dirty="0">
                 <a:solidFill>
                   <a:schemeClr val="tx1">
                     <a:lumMod val="75000"/>
@@ -3345,7 +3346,7 @@
               </a:rPr>
               <a:t>，Gs框架及Cmcc业务框架学习。</a:t>
             </a:r>
-            <a:endParaRPr lang="zh-CN" altLang="en-US" b="1" dirty="0">
+            <a:endParaRPr lang="zh-CN" altLang="en-US" sz="1600" b="1" dirty="0">
               <a:solidFill>
                 <a:schemeClr val="tx1">
                   <a:lumMod val="75000"/>
@@ -4013,7 +4014,7 @@
         <p:spPr>
           <a:xfrm>
             <a:off x="972185" y="1805940"/>
-            <a:ext cx="6782435" cy="1568450"/>
+            <a:ext cx="6782435" cy="1168400"/>
           </a:xfrm>
           <a:prstGeom prst="rect">
             <a:avLst/>
@@ -4025,7 +4026,52 @@
             <a:spAutoFit/>
           </a:bodyPr>
           <a:p>
-            <a:endParaRPr lang="zh-CN" sz="1600" b="1" dirty="0">
+            <a:r>
+              <a:rPr lang="zh-CN" sz="1400" b="1" dirty="0">
+                <a:solidFill>
+                  <a:schemeClr val="tx1">
+                    <a:lumMod val="75000"/>
+                    <a:lumOff val="25000"/>
+                  </a:schemeClr>
+                </a:solidFill>
+                <a:latin typeface="等线 Light" panose="02010600030101010101" charset="-122"/>
+                <a:ea typeface="等线 Light" panose="02010600030101010101" charset="-122"/>
+                <a:cs typeface="等线 Light" panose="02010600030101010101" charset="-122"/>
+                <a:sym typeface="+mn-lt"/>
+              </a:rPr>
+              <a:t>一、业务功能</a:t>
+            </a:r>
+            <a:r>
+              <a:rPr lang="en-US" altLang="zh-CN" sz="1400" b="1" dirty="0">
+                <a:solidFill>
+                  <a:schemeClr val="tx1">
+                    <a:lumMod val="75000"/>
+                    <a:lumOff val="25000"/>
+                  </a:schemeClr>
+                </a:solidFill>
+                <a:latin typeface="等线 Light" panose="02010600030101010101" charset="-122"/>
+                <a:ea typeface="等线 Light" panose="02010600030101010101" charset="-122"/>
+                <a:cs typeface="等线 Light" panose="02010600030101010101" charset="-122"/>
+                <a:sym typeface="+mn-lt"/>
+              </a:rPr>
+              <a:t>SDK</a:t>
+            </a:r>
+            <a:r>
+              <a:rPr lang="zh-CN" altLang="en-US" sz="1400" b="1" dirty="0">
+                <a:solidFill>
+                  <a:schemeClr val="tx1">
+                    <a:lumMod val="75000"/>
+                    <a:lumOff val="25000"/>
+                  </a:schemeClr>
+                </a:solidFill>
+                <a:latin typeface="等线 Light" panose="02010600030101010101" charset="-122"/>
+                <a:ea typeface="等线 Light" panose="02010600030101010101" charset="-122"/>
+                <a:cs typeface="等线 Light" panose="02010600030101010101" charset="-122"/>
+                <a:sym typeface="+mn-lt"/>
+              </a:rPr>
+              <a:t>接口封装。</a:t>
+            </a:r>
+            <a:endParaRPr lang="zh-CN" sz="1400" b="1" dirty="0">
               <a:solidFill>
                 <a:schemeClr val="tx1">
                   <a:lumMod val="75000"/>
@@ -4039,67 +4085,7 @@
             </a:endParaRPr>
           </a:p>
           <a:p>
-            <a:r>
-              <a:rPr lang="zh-CN" sz="1600" b="1" dirty="0">
-                <a:solidFill>
-                  <a:schemeClr val="tx1">
-                    <a:lumMod val="75000"/>
-                    <a:lumOff val="25000"/>
-                  </a:schemeClr>
-                </a:solidFill>
-                <a:latin typeface="等线 Light" panose="02010600030101010101" charset="-122"/>
-                <a:ea typeface="等线 Light" panose="02010600030101010101" charset="-122"/>
-                <a:cs typeface="等线 Light" panose="02010600030101010101" charset="-122"/>
-                <a:sym typeface="+mn-lt"/>
-              </a:rPr>
-              <a:t>一、业务功能</a:t>
-            </a:r>
-            <a:r>
-              <a:rPr lang="en-US" altLang="zh-CN" sz="1600" b="1" dirty="0">
-                <a:solidFill>
-                  <a:schemeClr val="tx1">
-                    <a:lumMod val="75000"/>
-                    <a:lumOff val="25000"/>
-                  </a:schemeClr>
-                </a:solidFill>
-                <a:latin typeface="等线 Light" panose="02010600030101010101" charset="-122"/>
-                <a:ea typeface="等线 Light" panose="02010600030101010101" charset="-122"/>
-                <a:cs typeface="等线 Light" panose="02010600030101010101" charset="-122"/>
-                <a:sym typeface="+mn-lt"/>
-              </a:rPr>
-              <a:t>SDK</a:t>
-            </a:r>
-            <a:r>
-              <a:rPr lang="zh-CN" altLang="en-US" sz="1600" b="1" dirty="0">
-                <a:solidFill>
-                  <a:schemeClr val="tx1">
-                    <a:lumMod val="75000"/>
-                    <a:lumOff val="25000"/>
-                  </a:schemeClr>
-                </a:solidFill>
-                <a:latin typeface="等线 Light" panose="02010600030101010101" charset="-122"/>
-                <a:ea typeface="等线 Light" panose="02010600030101010101" charset="-122"/>
-                <a:cs typeface="等线 Light" panose="02010600030101010101" charset="-122"/>
-                <a:sym typeface="+mn-lt"/>
-              </a:rPr>
-              <a:t>接口封装</a:t>
-            </a:r>
-            <a:r>
-              <a:rPr lang="zh-CN" altLang="en-US" sz="1600" b="1" dirty="0">
-                <a:solidFill>
-                  <a:schemeClr val="tx1">
-                    <a:lumMod val="75000"/>
-                    <a:lumOff val="25000"/>
-                  </a:schemeClr>
-                </a:solidFill>
-                <a:latin typeface="等线 Light" panose="02010600030101010101" charset="-122"/>
-                <a:ea typeface="等线 Light" panose="02010600030101010101" charset="-122"/>
-                <a:cs typeface="等线 Light" panose="02010600030101010101" charset="-122"/>
-                <a:sym typeface="+mn-lt"/>
-              </a:rPr>
-              <a:t>。</a:t>
-            </a:r>
-            <a:endParaRPr lang="zh-CN" sz="1600" b="1" dirty="0">
+            <a:endParaRPr lang="zh-CN" sz="1400" b="1" dirty="0">
               <a:solidFill>
                 <a:schemeClr val="tx1">
                   <a:lumMod val="75000"/>
@@ -4113,7 +4099,67 @@
             </a:endParaRPr>
           </a:p>
           <a:p>
-            <a:endParaRPr lang="zh-CN" sz="1600" b="1" dirty="0">
+            <a:r>
+              <a:rPr lang="zh-CN" sz="1400" b="1" dirty="0">
+                <a:solidFill>
+                  <a:schemeClr val="tx1">
+                    <a:lumMod val="75000"/>
+                    <a:lumOff val="25000"/>
+                  </a:schemeClr>
+                </a:solidFill>
+                <a:latin typeface="等线 Light" panose="02010600030101010101" charset="-122"/>
+                <a:ea typeface="等线 Light" panose="02010600030101010101" charset="-122"/>
+                <a:cs typeface="等线 Light" panose="02010600030101010101" charset="-122"/>
+                <a:sym typeface="+mn-lt"/>
+              </a:rPr>
+              <a:t>二、</a:t>
+            </a:r>
+            <a:r>
+              <a:rPr lang="en-US" altLang="zh-CN" sz="1400" b="1" dirty="0">
+                <a:solidFill>
+                  <a:schemeClr val="tx1">
+                    <a:lumMod val="75000"/>
+                    <a:lumOff val="25000"/>
+                  </a:schemeClr>
+                </a:solidFill>
+                <a:latin typeface="等线 Light" panose="02010600030101010101" charset="-122"/>
+                <a:ea typeface="等线 Light" panose="02010600030101010101" charset="-122"/>
+                <a:cs typeface="等线 Light" panose="02010600030101010101" charset="-122"/>
+                <a:sym typeface="+mn-lt"/>
+              </a:rPr>
+              <a:t>GS</a:t>
+            </a:r>
+            <a:r>
+              <a:rPr lang="zh-CN" altLang="en-US" sz="1400" b="1" dirty="0">
+                <a:solidFill>
+                  <a:schemeClr val="tx1">
+                    <a:lumMod val="75000"/>
+                    <a:lumOff val="25000"/>
+                  </a:schemeClr>
+                </a:solidFill>
+                <a:latin typeface="等线 Light" panose="02010600030101010101" charset="-122"/>
+                <a:ea typeface="等线 Light" panose="02010600030101010101" charset="-122"/>
+                <a:cs typeface="等线 Light" panose="02010600030101010101" charset="-122"/>
+                <a:sym typeface="+mn-lt"/>
+              </a:rPr>
+              <a:t>框架学习</a:t>
+            </a:r>
+            <a:r>
+              <a:rPr lang="zh-CN" altLang="en-US" sz="1400" b="1" dirty="0">
+                <a:solidFill>
+                  <a:schemeClr val="tx1">
+                    <a:lumMod val="75000"/>
+                    <a:lumOff val="25000"/>
+                  </a:schemeClr>
+                </a:solidFill>
+                <a:latin typeface="等线 Light" panose="02010600030101010101" charset="-122"/>
+                <a:ea typeface="等线 Light" panose="02010600030101010101" charset="-122"/>
+                <a:cs typeface="等线 Light" panose="02010600030101010101" charset="-122"/>
+                <a:sym typeface="+mn-lt"/>
+              </a:rPr>
+              <a:t>。</a:t>
+            </a:r>
+            <a:endParaRPr lang="zh-CN" altLang="en-US" sz="1400" b="1" dirty="0">
               <a:solidFill>
                 <a:schemeClr val="tx1">
                   <a:lumMod val="75000"/>
@@ -4127,67 +4173,7 @@
             </a:endParaRPr>
           </a:p>
           <a:p>
-            <a:r>
-              <a:rPr lang="zh-CN" sz="1600" b="1" dirty="0">
-                <a:solidFill>
-                  <a:schemeClr val="tx1">
-                    <a:lumMod val="75000"/>
-                    <a:lumOff val="25000"/>
-                  </a:schemeClr>
-                </a:solidFill>
-                <a:latin typeface="等线 Light" panose="02010600030101010101" charset="-122"/>
-                <a:ea typeface="等线 Light" panose="02010600030101010101" charset="-122"/>
-                <a:cs typeface="等线 Light" panose="02010600030101010101" charset="-122"/>
-                <a:sym typeface="+mn-lt"/>
-              </a:rPr>
-              <a:t>二、</a:t>
-            </a:r>
-            <a:r>
-              <a:rPr lang="en-US" altLang="zh-CN" sz="1600" b="1" dirty="0">
-                <a:solidFill>
-                  <a:schemeClr val="tx1">
-                    <a:lumMod val="75000"/>
-                    <a:lumOff val="25000"/>
-                  </a:schemeClr>
-                </a:solidFill>
-                <a:latin typeface="等线 Light" panose="02010600030101010101" charset="-122"/>
-                <a:ea typeface="等线 Light" panose="02010600030101010101" charset="-122"/>
-                <a:cs typeface="等线 Light" panose="02010600030101010101" charset="-122"/>
-                <a:sym typeface="+mn-lt"/>
-              </a:rPr>
-              <a:t>GS</a:t>
-            </a:r>
-            <a:r>
-              <a:rPr lang="zh-CN" altLang="en-US" sz="1600" b="1" dirty="0">
-                <a:solidFill>
-                  <a:schemeClr val="tx1">
-                    <a:lumMod val="75000"/>
-                    <a:lumOff val="25000"/>
-                  </a:schemeClr>
-                </a:solidFill>
-                <a:latin typeface="等线 Light" panose="02010600030101010101" charset="-122"/>
-                <a:ea typeface="等线 Light" panose="02010600030101010101" charset="-122"/>
-                <a:cs typeface="等线 Light" panose="02010600030101010101" charset="-122"/>
-                <a:sym typeface="+mn-lt"/>
-              </a:rPr>
-              <a:t>框架学习</a:t>
-            </a:r>
-            <a:r>
-              <a:rPr lang="zh-CN" altLang="en-US" sz="1600" b="1" dirty="0">
-                <a:solidFill>
-                  <a:schemeClr val="tx1">
-                    <a:lumMod val="75000"/>
-                    <a:lumOff val="25000"/>
-                  </a:schemeClr>
-                </a:solidFill>
-                <a:latin typeface="等线 Light" panose="02010600030101010101" charset="-122"/>
-                <a:ea typeface="等线 Light" panose="02010600030101010101" charset="-122"/>
-                <a:cs typeface="等线 Light" panose="02010600030101010101" charset="-122"/>
-                <a:sym typeface="+mn-lt"/>
-              </a:rPr>
-              <a:t>。</a:t>
-            </a:r>
-            <a:endParaRPr lang="zh-CN" altLang="en-US" sz="1600" b="1" dirty="0">
+            <a:endParaRPr lang="zh-CN" altLang="en-US" sz="1400" b="1" dirty="0">
               <a:solidFill>
                 <a:schemeClr val="tx1">
                   <a:lumMod val="75000"/>
@@ -4201,22 +4187,8 @@
             </a:endParaRPr>
           </a:p>
           <a:p>
-            <a:endParaRPr lang="zh-CN" altLang="en-US" sz="1600" b="1" dirty="0">
-              <a:solidFill>
-                <a:schemeClr val="tx1">
-                  <a:lumMod val="75000"/>
-                  <a:lumOff val="25000"/>
-                </a:schemeClr>
-              </a:solidFill>
-              <a:latin typeface="等线 Light" panose="02010600030101010101" charset="-122"/>
-              <a:ea typeface="等线 Light" panose="02010600030101010101" charset="-122"/>
-              <a:cs typeface="等线 Light" panose="02010600030101010101" charset="-122"/>
-              <a:sym typeface="+mn-lt"/>
-            </a:endParaRPr>
-          </a:p>
-          <a:p>
-            <a:r>
-              <a:rPr lang="zh-CN" altLang="en-US" sz="1600" b="1" dirty="0">
+            <a:r>
+              <a:rPr lang="zh-CN" altLang="en-US" sz="1400" b="1" dirty="0">
                 <a:solidFill>
                   <a:schemeClr val="tx1">
                     <a:lumMod val="75000"/>
@@ -4231,7 +4203,7 @@
               <a:t>三、</a:t>
             </a:r>
             <a:r>
-              <a:rPr lang="zh-CN" sz="1600" b="1" dirty="0">
+              <a:rPr lang="zh-CN" sz="1400" b="1" dirty="0">
                 <a:solidFill>
                   <a:schemeClr val="tx1">
                     <a:lumMod val="75000"/>
@@ -4246,7 +4218,7 @@
               <a:t>科大讯飞语音识别</a:t>
             </a:r>
             <a:r>
-              <a:rPr lang="zh-CN" altLang="en-US" sz="1600" b="1" dirty="0">
+              <a:rPr lang="zh-CN" altLang="en-US" sz="1400" b="1" dirty="0">
                 <a:solidFill>
                   <a:schemeClr val="tx1">
                     <a:lumMod val="75000"/>
@@ -4260,7 +4232,7 @@
               </a:rPr>
               <a:t>。</a:t>
             </a:r>
-            <a:endParaRPr lang="zh-CN" altLang="en-US" sz="1600" b="1" dirty="0">
+            <a:endParaRPr lang="zh-CN" altLang="en-US" sz="1400" b="1" dirty="0">
               <a:solidFill>
                 <a:schemeClr val="tx1">
                   <a:lumMod val="75000"/>
@@ -4621,7 +4593,7 @@
       </p:sp>
       <p:pic>
         <p:nvPicPr>
-          <p:cNvPr id="5" name="图片 4" descr="SDK接口封装"/>
+          <p:cNvPr id="3" name="图片 2" descr="SDK接口封装"/>
           <p:cNvPicPr>
             <a:picLocks noChangeAspect="1"/>
           </p:cNvPicPr>
@@ -4767,7 +4739,7 @@
         <p:spPr>
           <a:xfrm>
             <a:off x="972185" y="1805940"/>
-            <a:ext cx="6782435" cy="337185"/>
+            <a:ext cx="6782435" cy="1168400"/>
           </a:xfrm>
           <a:prstGeom prst="rect">
             <a:avLst/>
@@ -4780,21 +4752,21 @@
           </a:bodyPr>
           <a:p>
             <a:r>
-              <a:rPr lang="zh-CN" sz="1600" b="1" dirty="0">
-                <a:solidFill>
-                  <a:schemeClr val="tx1">
-                    <a:lumMod val="75000"/>
-                    <a:lumOff val="25000"/>
-                  </a:schemeClr>
-                </a:solidFill>
-                <a:latin typeface="等线 Light" panose="02010600030101010101" charset="-122"/>
-                <a:ea typeface="等线 Light" panose="02010600030101010101" charset="-122"/>
-                <a:cs typeface="等线 Light" panose="02010600030101010101" charset="-122"/>
-                <a:sym typeface="+mn-lt"/>
-              </a:rPr>
-              <a:t>一</a:t>
-            </a:r>
-            <a:endParaRPr lang="zh-CN" altLang="en-US" sz="1600" b="1" dirty="0">
+              <a:rPr lang="zh-CN" altLang="en-US" sz="1400" b="1" dirty="0">
+                <a:solidFill>
+                  <a:schemeClr val="tx1">
+                    <a:lumMod val="75000"/>
+                    <a:lumOff val="25000"/>
+                  </a:schemeClr>
+                </a:solidFill>
+                <a:latin typeface="等线 Light" panose="02010600030101010101" charset="-122"/>
+                <a:ea typeface="等线 Light" panose="02010600030101010101" charset="-122"/>
+                <a:cs typeface="等线 Light" panose="02010600030101010101" charset="-122"/>
+                <a:sym typeface="+mn-lt"/>
+              </a:rPr>
+              <a:t>为了能够让Gs核心业务与交互彻底的分离。设计GsService.apk服务模块，该模块主要实现了核心业务和不同产品直接的兼容性，通过addService将服务添加到系统服务管理中；设计API模块，提供服务功能的不同组合接口，从而达到不同产品可以使用同一套API，该模块通过getService与GsService服务实现连接，从而可以调用内部业务功能。</a:t>
+            </a:r>
+            <a:endParaRPr lang="zh-CN" altLang="en-US" sz="1400" b="1" dirty="0">
               <a:solidFill>
                 <a:schemeClr val="tx1">
                   <a:lumMod val="75000"/>
@@ -4840,6 +4812,34 @@
           </a:prstGeom>
         </p:spPr>
       </p:pic>
+      <p:pic>
+        <p:nvPicPr>
+          <p:cNvPr id="5" name="图片 4" descr="GS应用层架构"/>
+          <p:cNvPicPr>
+            <a:picLocks noChangeAspect="1"/>
+          </p:cNvPicPr>
+          <p:nvPr>
+            <p:custDataLst>
+              <p:tags r:id="rId3"/>
+            </p:custDataLst>
+          </p:nvPr>
+        </p:nvPicPr>
+        <p:blipFill>
+          <a:blip r:embed="rId4"/>
+          <a:stretch>
+            <a:fillRect/>
+          </a:stretch>
+        </p:blipFill>
+        <p:spPr>
+          <a:xfrm>
+            <a:off x="858520" y="2974340"/>
+            <a:ext cx="3943350" cy="3343275"/>
+          </a:xfrm>
+          <a:prstGeom prst="rect">
+            <a:avLst/>
+          </a:prstGeom>
+        </p:spPr>
+      </p:pic>
     </p:spTree>
   </p:cSld>
   <p:clrMapOvr>
@@ -4860,6 +4860,84 @@
       <p:grpSpPr/>
       <p:sp>
         <p:nvSpPr>
+          <p:cNvPr id="2" name="文本框 1"/>
+          <p:cNvSpPr txBox="1"/>
+          <p:nvPr/>
+        </p:nvSpPr>
+        <p:spPr>
+          <a:xfrm>
+            <a:off x="972185" y="1805940"/>
+            <a:ext cx="6782435" cy="337185"/>
+          </a:xfrm>
+          <a:prstGeom prst="rect">
+            <a:avLst/>
+          </a:prstGeom>
+          <a:noFill/>
+        </p:spPr>
+        <p:txBody>
+          <a:bodyPr wrap="square" rtlCol="0">
+            <a:spAutoFit/>
+          </a:bodyPr>
+          <a:p>
+            <a:endParaRPr lang="zh-CN" altLang="en-US" sz="1600" b="1" dirty="0">
+              <a:solidFill>
+                <a:schemeClr val="tx1">
+                  <a:lumMod val="75000"/>
+                  <a:lumOff val="25000"/>
+                </a:schemeClr>
+              </a:solidFill>
+              <a:latin typeface="等线 Light" panose="02010600030101010101" charset="-122"/>
+              <a:ea typeface="等线 Light" panose="02010600030101010101" charset="-122"/>
+              <a:cs typeface="等线 Light" panose="02010600030101010101" charset="-122"/>
+              <a:sym typeface="+mn-lt"/>
+            </a:endParaRPr>
+          </a:p>
+        </p:txBody>
+      </p:sp>
+      <p:pic>
+        <p:nvPicPr>
+          <p:cNvPr id="3" name="图片 2" descr="GS框架"/>
+          <p:cNvPicPr>
+            <a:picLocks noChangeAspect="1"/>
+          </p:cNvPicPr>
+          <p:nvPr/>
+        </p:nvPicPr>
+        <p:blipFill>
+          <a:blip r:embed="rId1"/>
+          <a:stretch>
+            <a:fillRect/>
+          </a:stretch>
+        </p:blipFill>
+        <p:spPr>
+          <a:xfrm>
+            <a:off x="0" y="1204595"/>
+            <a:ext cx="12192000" cy="4448810"/>
+          </a:xfrm>
+          <a:prstGeom prst="rect">
+            <a:avLst/>
+          </a:prstGeom>
+        </p:spPr>
+      </p:pic>
+    </p:spTree>
+  </p:cSld>
+  <p:clrMapOvr>
+    <a:masterClrMapping/>
+  </p:clrMapOvr>
+</p:sld>
+</file>
+
+<file path=ppt/slides/slide17.xml><?xml version="1.0" encoding="utf-8"?>
+<p:sld xmlns:a="http://schemas.openxmlformats.org/drawingml/2006/main" xmlns:r="http://schemas.openxmlformats.org/officeDocument/2006/relationships" xmlns:p="http://schemas.openxmlformats.org/presentationml/2006/main">
+  <p:cSld>
+    <p:spTree>
+      <p:nvGrpSpPr>
+        <p:cNvPr id="1" name=""/>
+        <p:cNvGrpSpPr/>
+        <p:nvPr/>
+      </p:nvGrpSpPr>
+      <p:grpSpPr/>
+      <p:sp>
+        <p:nvSpPr>
           <p:cNvPr id="4" name="矩形 3"/>
           <p:cNvSpPr/>
           <p:nvPr/>
@@ -4964,7 +5042,7 @@
         <p:spPr>
           <a:xfrm>
             <a:off x="972185" y="1805940"/>
-            <a:ext cx="6782435" cy="337185"/>
+            <a:ext cx="6782435" cy="2030095"/>
           </a:xfrm>
           <a:prstGeom prst="rect">
             <a:avLst/>
@@ -4977,21 +5055,268 @@
           </a:bodyPr>
           <a:p>
             <a:r>
-              <a:rPr lang="zh-CN" sz="1600" b="1" dirty="0">
-                <a:solidFill>
-                  <a:schemeClr val="tx1">
-                    <a:lumMod val="75000"/>
-                    <a:lumOff val="25000"/>
-                  </a:schemeClr>
-                </a:solidFill>
-                <a:latin typeface="等线 Light" panose="02010600030101010101" charset="-122"/>
-                <a:ea typeface="等线 Light" panose="02010600030101010101" charset="-122"/>
-                <a:cs typeface="等线 Light" panose="02010600030101010101" charset="-122"/>
-                <a:sym typeface="+mn-lt"/>
-              </a:rPr>
-              <a:t>一</a:t>
-            </a:r>
-            <a:endParaRPr lang="zh-CN" altLang="en-US" sz="1600" b="1" dirty="0">
+              <a:rPr lang="en-US" altLang="zh-CN" sz="1400" b="1" dirty="0">
+                <a:solidFill>
+                  <a:schemeClr val="tx1">
+                    <a:lumMod val="75000"/>
+                    <a:lumOff val="25000"/>
+                  </a:schemeClr>
+                </a:solidFill>
+                <a:latin typeface="等线 Light" panose="02010600030101010101" charset="-122"/>
+                <a:ea typeface="等线 Light" panose="02010600030101010101" charset="-122"/>
+                <a:cs typeface="等线 Light" panose="02010600030101010101" charset="-122"/>
+                <a:sym typeface="+mn-lt"/>
+              </a:rPr>
+              <a:t>1</a:t>
+            </a:r>
+            <a:r>
+              <a:rPr lang="zh-CN" altLang="en-US" sz="1400" b="1" dirty="0">
+                <a:solidFill>
+                  <a:schemeClr val="tx1">
+                    <a:lumMod val="75000"/>
+                    <a:lumOff val="25000"/>
+                  </a:schemeClr>
+                </a:solidFill>
+                <a:latin typeface="等线 Light" panose="02010600030101010101" charset="-122"/>
+                <a:ea typeface="等线 Light" panose="02010600030101010101" charset="-122"/>
+                <a:cs typeface="等线 Light" panose="02010600030101010101" charset="-122"/>
+                <a:sym typeface="+mn-lt"/>
+              </a:rPr>
+              <a:t>、语音唤醒。</a:t>
+            </a:r>
+            <a:endParaRPr lang="zh-CN" altLang="en-US" sz="1400" b="1" dirty="0">
+              <a:solidFill>
+                <a:schemeClr val="tx1">
+                  <a:lumMod val="75000"/>
+                  <a:lumOff val="25000"/>
+                </a:schemeClr>
+              </a:solidFill>
+              <a:latin typeface="等线 Light" panose="02010600030101010101" charset="-122"/>
+              <a:ea typeface="等线 Light" panose="02010600030101010101" charset="-122"/>
+              <a:cs typeface="等线 Light" panose="02010600030101010101" charset="-122"/>
+              <a:sym typeface="+mn-lt"/>
+            </a:endParaRPr>
+          </a:p>
+          <a:p>
+            <a:endParaRPr lang="en-US" altLang="zh-CN" sz="1400" b="1" dirty="0">
+              <a:solidFill>
+                <a:schemeClr val="tx1">
+                  <a:lumMod val="75000"/>
+                  <a:lumOff val="25000"/>
+                </a:schemeClr>
+              </a:solidFill>
+              <a:latin typeface="等线 Light" panose="02010600030101010101" charset="-122"/>
+              <a:ea typeface="等线 Light" panose="02010600030101010101" charset="-122"/>
+              <a:cs typeface="等线 Light" panose="02010600030101010101" charset="-122"/>
+              <a:sym typeface="+mn-lt"/>
+            </a:endParaRPr>
+          </a:p>
+          <a:p>
+            <a:r>
+              <a:rPr lang="en-US" altLang="zh-CN" sz="1400" b="1" dirty="0">
+                <a:solidFill>
+                  <a:schemeClr val="tx1">
+                    <a:lumMod val="75000"/>
+                    <a:lumOff val="25000"/>
+                  </a:schemeClr>
+                </a:solidFill>
+                <a:latin typeface="等线 Light" panose="02010600030101010101" charset="-122"/>
+                <a:ea typeface="等线 Light" panose="02010600030101010101" charset="-122"/>
+                <a:cs typeface="等线 Light" panose="02010600030101010101" charset="-122"/>
+                <a:sym typeface="+mn-lt"/>
+              </a:rPr>
+              <a:t>2</a:t>
+            </a:r>
+            <a:r>
+              <a:rPr lang="zh-CN" altLang="en-US" sz="1400" b="1" dirty="0">
+                <a:solidFill>
+                  <a:schemeClr val="tx1">
+                    <a:lumMod val="75000"/>
+                    <a:lumOff val="25000"/>
+                  </a:schemeClr>
+                </a:solidFill>
+                <a:latin typeface="等线 Light" panose="02010600030101010101" charset="-122"/>
+                <a:ea typeface="等线 Light" panose="02010600030101010101" charset="-122"/>
+                <a:cs typeface="等线 Light" panose="02010600030101010101" charset="-122"/>
+                <a:sym typeface="+mn-lt"/>
+              </a:rPr>
+              <a:t>、语法构建。</a:t>
+            </a:r>
+            <a:endParaRPr lang="zh-CN" altLang="en-US" sz="1400" b="1" dirty="0">
+              <a:solidFill>
+                <a:schemeClr val="tx1">
+                  <a:lumMod val="75000"/>
+                  <a:lumOff val="25000"/>
+                </a:schemeClr>
+              </a:solidFill>
+              <a:latin typeface="等线 Light" panose="02010600030101010101" charset="-122"/>
+              <a:ea typeface="等线 Light" panose="02010600030101010101" charset="-122"/>
+              <a:cs typeface="等线 Light" panose="02010600030101010101" charset="-122"/>
+              <a:sym typeface="+mn-lt"/>
+            </a:endParaRPr>
+          </a:p>
+          <a:p>
+            <a:endParaRPr lang="zh-CN" altLang="en-US" sz="1400" b="1" dirty="0">
+              <a:solidFill>
+                <a:schemeClr val="tx1">
+                  <a:lumMod val="75000"/>
+                  <a:lumOff val="25000"/>
+                </a:schemeClr>
+              </a:solidFill>
+              <a:latin typeface="等线 Light" panose="02010600030101010101" charset="-122"/>
+              <a:ea typeface="等线 Light" panose="02010600030101010101" charset="-122"/>
+              <a:cs typeface="等线 Light" panose="02010600030101010101" charset="-122"/>
+              <a:sym typeface="+mn-lt"/>
+            </a:endParaRPr>
+          </a:p>
+          <a:p>
+            <a:r>
+              <a:rPr lang="en-US" altLang="zh-CN" sz="1400" b="1" dirty="0">
+                <a:solidFill>
+                  <a:schemeClr val="tx1">
+                    <a:lumMod val="75000"/>
+                    <a:lumOff val="25000"/>
+                  </a:schemeClr>
+                </a:solidFill>
+                <a:latin typeface="等线 Light" panose="02010600030101010101" charset="-122"/>
+                <a:ea typeface="等线 Light" panose="02010600030101010101" charset="-122"/>
+                <a:cs typeface="等线 Light" panose="02010600030101010101" charset="-122"/>
+                <a:sym typeface="+mn-lt"/>
+              </a:rPr>
+              <a:t>3</a:t>
+            </a:r>
+            <a:r>
+              <a:rPr lang="zh-CN" altLang="en-US" sz="1400" b="1" dirty="0">
+                <a:solidFill>
+                  <a:schemeClr val="tx1">
+                    <a:lumMod val="75000"/>
+                    <a:lumOff val="25000"/>
+                  </a:schemeClr>
+                </a:solidFill>
+                <a:latin typeface="等线 Light" panose="02010600030101010101" charset="-122"/>
+                <a:ea typeface="等线 Light" panose="02010600030101010101" charset="-122"/>
+                <a:cs typeface="等线 Light" panose="02010600030101010101" charset="-122"/>
+                <a:sym typeface="+mn-lt"/>
+              </a:rPr>
+              <a:t>、语音合成。</a:t>
+            </a:r>
+            <a:endParaRPr lang="zh-CN" altLang="en-US" sz="1400" b="1" dirty="0">
+              <a:solidFill>
+                <a:schemeClr val="tx1">
+                  <a:lumMod val="75000"/>
+                  <a:lumOff val="25000"/>
+                </a:schemeClr>
+              </a:solidFill>
+              <a:latin typeface="等线 Light" panose="02010600030101010101" charset="-122"/>
+              <a:ea typeface="等线 Light" panose="02010600030101010101" charset="-122"/>
+              <a:cs typeface="等线 Light" panose="02010600030101010101" charset="-122"/>
+              <a:sym typeface="+mn-lt"/>
+            </a:endParaRPr>
+          </a:p>
+          <a:p>
+            <a:endParaRPr lang="zh-CN" altLang="en-US" sz="1400" b="1" dirty="0">
+              <a:solidFill>
+                <a:schemeClr val="tx1">
+                  <a:lumMod val="75000"/>
+                  <a:lumOff val="25000"/>
+                </a:schemeClr>
+              </a:solidFill>
+              <a:latin typeface="等线 Light" panose="02010600030101010101" charset="-122"/>
+              <a:ea typeface="等线 Light" panose="02010600030101010101" charset="-122"/>
+              <a:cs typeface="等线 Light" panose="02010600030101010101" charset="-122"/>
+              <a:sym typeface="+mn-lt"/>
+            </a:endParaRPr>
+          </a:p>
+          <a:p>
+            <a:r>
+              <a:rPr lang="en-US" altLang="zh-CN" sz="1400" b="1" dirty="0">
+                <a:solidFill>
+                  <a:schemeClr val="tx1">
+                    <a:lumMod val="75000"/>
+                    <a:lumOff val="25000"/>
+                  </a:schemeClr>
+                </a:solidFill>
+                <a:latin typeface="等线 Light" panose="02010600030101010101" charset="-122"/>
+                <a:ea typeface="等线 Light" panose="02010600030101010101" charset="-122"/>
+                <a:cs typeface="等线 Light" panose="02010600030101010101" charset="-122"/>
+                <a:sym typeface="+mn-lt"/>
+              </a:rPr>
+              <a:t>4</a:t>
+            </a:r>
+            <a:r>
+              <a:rPr lang="zh-CN" altLang="en-US" sz="1400" b="1" dirty="0">
+                <a:solidFill>
+                  <a:schemeClr val="tx1">
+                    <a:lumMod val="75000"/>
+                    <a:lumOff val="25000"/>
+                  </a:schemeClr>
+                </a:solidFill>
+                <a:latin typeface="等线 Light" panose="02010600030101010101" charset="-122"/>
+                <a:ea typeface="等线 Light" panose="02010600030101010101" charset="-122"/>
+                <a:cs typeface="等线 Light" panose="02010600030101010101" charset="-122"/>
+                <a:sym typeface="+mn-lt"/>
+              </a:rPr>
+              <a:t>、语音识别。</a:t>
+            </a:r>
+            <a:endParaRPr lang="zh-CN" altLang="en-US" sz="1400" b="1" dirty="0">
+              <a:solidFill>
+                <a:schemeClr val="tx1">
+                  <a:lumMod val="75000"/>
+                  <a:lumOff val="25000"/>
+                </a:schemeClr>
+              </a:solidFill>
+              <a:latin typeface="等线 Light" panose="02010600030101010101" charset="-122"/>
+              <a:ea typeface="等线 Light" panose="02010600030101010101" charset="-122"/>
+              <a:cs typeface="等线 Light" panose="02010600030101010101" charset="-122"/>
+              <a:sym typeface="+mn-lt"/>
+            </a:endParaRPr>
+          </a:p>
+          <a:p>
+            <a:endParaRPr lang="zh-CN" altLang="en-US" sz="1400" b="1" dirty="0">
+              <a:solidFill>
+                <a:schemeClr val="tx1">
+                  <a:lumMod val="75000"/>
+                  <a:lumOff val="25000"/>
+                </a:schemeClr>
+              </a:solidFill>
+              <a:latin typeface="等线 Light" panose="02010600030101010101" charset="-122"/>
+              <a:ea typeface="等线 Light" panose="02010600030101010101" charset="-122"/>
+              <a:cs typeface="等线 Light" panose="02010600030101010101" charset="-122"/>
+              <a:sym typeface="+mn-lt"/>
+            </a:endParaRPr>
+          </a:p>
+          <a:p>
+            <a:r>
+              <a:rPr lang="en-US" altLang="zh-CN" sz="1400" b="1" dirty="0">
+                <a:solidFill>
+                  <a:schemeClr val="tx1">
+                    <a:lumMod val="75000"/>
+                    <a:lumOff val="25000"/>
+                  </a:schemeClr>
+                </a:solidFill>
+                <a:latin typeface="等线 Light" panose="02010600030101010101" charset="-122"/>
+                <a:ea typeface="等线 Light" panose="02010600030101010101" charset="-122"/>
+                <a:cs typeface="等线 Light" panose="02010600030101010101" charset="-122"/>
+                <a:sym typeface="+mn-lt"/>
+              </a:rPr>
+              <a:t>5</a:t>
+            </a:r>
+            <a:r>
+              <a:rPr lang="zh-CN" altLang="en-US" sz="1400" b="1" dirty="0">
+                <a:solidFill>
+                  <a:schemeClr val="tx1">
+                    <a:lumMod val="75000"/>
+                    <a:lumOff val="25000"/>
+                  </a:schemeClr>
+                </a:solidFill>
+                <a:latin typeface="等线 Light" panose="02010600030101010101" charset="-122"/>
+                <a:ea typeface="等线 Light" panose="02010600030101010101" charset="-122"/>
+                <a:cs typeface="等线 Light" panose="02010600030101010101" charset="-122"/>
+                <a:sym typeface="+mn-lt"/>
+              </a:rPr>
+              <a:t>、音频识别。</a:t>
+            </a:r>
+            <a:endParaRPr lang="zh-CN" altLang="en-US" sz="1400" b="1" dirty="0">
               <a:solidFill>
                 <a:schemeClr val="tx1">
                   <a:lumMod val="75000"/>
@@ -5045,7 +5370,7 @@
 </p:sld>
 </file>
 
-<file path=ppt/slides/slide17.xml><?xml version="1.0" encoding="utf-8"?>
+<file path=ppt/slides/slide18.xml><?xml version="1.0" encoding="utf-8"?>
 <p:sld xmlns:a="http://schemas.openxmlformats.org/drawingml/2006/main" xmlns:r="http://schemas.openxmlformats.org/officeDocument/2006/relationships" xmlns:p="http://schemas.openxmlformats.org/presentationml/2006/main">
   <p:cSld>
     <p:spTree>
@@ -5175,7 +5500,7 @@
 </p:sld>
 </file>
 
-<file path=ppt/slides/slide18.xml><?xml version="1.0" encoding="utf-8"?>
+<file path=ppt/slides/slide19.xml><?xml version="1.0" encoding="utf-8"?>
 <p:sld xmlns:a="http://schemas.openxmlformats.org/drawingml/2006/main" xmlns:r="http://schemas.openxmlformats.org/officeDocument/2006/relationships" xmlns:p="http://schemas.openxmlformats.org/presentationml/2006/main">
   <p:cSld>
     <p:spTree>
@@ -5286,7 +5611,7 @@
         <p:spPr>
           <a:xfrm>
             <a:off x="972185" y="1370330"/>
-            <a:ext cx="6257290" cy="2061210"/>
+            <a:ext cx="6257290" cy="1599565"/>
           </a:xfrm>
           <a:prstGeom prst="rect">
             <a:avLst/>
@@ -5299,7 +5624,7 @@
           </a:bodyPr>
           <a:p>
             <a:r>
-              <a:rPr lang="en-US" altLang="zh-CN" sz="1600" b="1" dirty="0">
+              <a:rPr lang="en-US" altLang="zh-CN" sz="1400" b="1" dirty="0">
                 <a:solidFill>
                   <a:schemeClr val="tx1">
                     <a:lumMod val="75000"/>
@@ -5313,7 +5638,7 @@
               </a:rPr>
               <a:t>1、对开发过程中技术的理解不够深入，通常只是停留在会用的阶段，很多原理没有进一步去了解。</a:t>
             </a:r>
-            <a:endParaRPr lang="en-US" altLang="zh-CN" sz="1600" b="1" dirty="0">
+            <a:endParaRPr lang="en-US" altLang="zh-CN" sz="1400" b="1" dirty="0">
               <a:solidFill>
                 <a:schemeClr val="tx1">
                   <a:lumMod val="75000"/>
@@ -5327,7 +5652,7 @@
             </a:endParaRPr>
           </a:p>
           <a:p>
-            <a:endParaRPr lang="en-US" altLang="zh-CN" sz="1600" b="1" dirty="0">
+            <a:endParaRPr lang="en-US" altLang="zh-CN" sz="1400" b="1" dirty="0">
               <a:solidFill>
                 <a:schemeClr val="tx1">
                   <a:lumMod val="75000"/>
@@ -5342,7 +5667,7 @@
           </a:p>
           <a:p>
             <a:r>
-              <a:rPr lang="en-US" altLang="zh-CN" sz="1600" b="1" dirty="0">
+              <a:rPr lang="en-US" altLang="zh-CN" sz="1400" b="1" dirty="0">
                 <a:solidFill>
                   <a:schemeClr val="tx1">
                     <a:lumMod val="75000"/>
@@ -5356,7 +5681,7 @@
               </a:rPr>
               <a:t>2、工作过程中沟通较少，沟通能力存在不足，对问题的表述这方面不是很好。</a:t>
             </a:r>
-            <a:endParaRPr lang="en-US" altLang="zh-CN" sz="1600" b="1" dirty="0">
+            <a:endParaRPr lang="en-US" altLang="zh-CN" sz="1400" b="1" dirty="0">
               <a:solidFill>
                 <a:schemeClr val="tx1">
                   <a:lumMod val="75000"/>
@@ -5370,7 +5695,7 @@
             </a:endParaRPr>
           </a:p>
           <a:p>
-            <a:endParaRPr lang="en-US" altLang="zh-CN" sz="1600" b="1" dirty="0">
+            <a:endParaRPr lang="en-US" altLang="zh-CN" sz="1400" b="1" dirty="0">
               <a:solidFill>
                 <a:schemeClr val="tx1">
                   <a:lumMod val="75000"/>
@@ -5385,7 +5710,7 @@
           </a:p>
           <a:p>
             <a:r>
-              <a:rPr lang="en-US" altLang="zh-CN" sz="1600" b="1" dirty="0">
+              <a:rPr lang="en-US" altLang="zh-CN" sz="1400" b="1" dirty="0">
                 <a:solidFill>
                   <a:schemeClr val="tx1">
                     <a:lumMod val="75000"/>
@@ -5399,7 +5724,7 @@
               </a:rPr>
               <a:t>3、处理任务过于着急，在接到新的任务时只是一心想完成好，并没有很好的规划。</a:t>
             </a:r>
-            <a:endParaRPr lang="en-US" altLang="zh-CN" sz="1600" b="1" dirty="0">
+            <a:endParaRPr lang="en-US" altLang="zh-CN" sz="1400" b="1" dirty="0">
               <a:solidFill>
                 <a:schemeClr val="tx1">
                   <a:lumMod val="75000"/>
@@ -5472,7 +5797,7 @@
         <p:spPr>
           <a:xfrm>
             <a:off x="972185" y="4393565"/>
-            <a:ext cx="6257290" cy="2061210"/>
+            <a:ext cx="6257290" cy="1814830"/>
           </a:xfrm>
           <a:prstGeom prst="rect">
             <a:avLst/>
@@ -5485,7 +5810,7 @@
           </a:bodyPr>
           <a:p>
             <a:r>
-              <a:rPr lang="en-US" altLang="zh-CN" sz="1600" b="1" dirty="0">
+              <a:rPr lang="en-US" altLang="zh-CN" sz="1400" b="1" dirty="0">
                 <a:solidFill>
                   <a:schemeClr val="tx1">
                     <a:lumMod val="75000"/>
@@ -5499,7 +5824,7 @@
               </a:rPr>
               <a:t>1、在工作之余努力提升自身水平，借助技术博客、官方文档来扩充自己的知识库，养成阅读源码的习惯。</a:t>
             </a:r>
-            <a:endParaRPr lang="en-US" altLang="zh-CN" sz="1600" b="1" dirty="0">
+            <a:endParaRPr lang="en-US" altLang="zh-CN" sz="1400" b="1" dirty="0">
               <a:solidFill>
                 <a:schemeClr val="tx1">
                   <a:lumMod val="75000"/>
@@ -5513,7 +5838,7 @@
             </a:endParaRPr>
           </a:p>
           <a:p>
-            <a:endParaRPr lang="en-US" altLang="zh-CN" sz="1600" b="1" dirty="0">
+            <a:endParaRPr lang="en-US" altLang="zh-CN" sz="1400" b="1" dirty="0">
               <a:solidFill>
                 <a:schemeClr val="tx1">
                   <a:lumMod val="75000"/>
@@ -5528,7 +5853,7 @@
           </a:p>
           <a:p>
             <a:r>
-              <a:rPr lang="en-US" altLang="zh-CN" sz="1600" b="1" dirty="0">
+              <a:rPr lang="en-US" altLang="zh-CN" sz="1400" b="1" dirty="0">
                 <a:solidFill>
                   <a:schemeClr val="tx1">
                     <a:lumMod val="75000"/>
@@ -5542,7 +5867,7 @@
               </a:rPr>
               <a:t>2、处理不了的工作问题及时和部门同事沟通，沟通解决方案，加强对问题的表述能力。</a:t>
             </a:r>
-            <a:endParaRPr lang="en-US" altLang="zh-CN" sz="1600" b="1" dirty="0">
+            <a:endParaRPr lang="en-US" altLang="zh-CN" sz="1400" b="1" dirty="0">
               <a:solidFill>
                 <a:schemeClr val="tx1">
                   <a:lumMod val="75000"/>
@@ -5556,7 +5881,7 @@
             </a:endParaRPr>
           </a:p>
           <a:p>
-            <a:endParaRPr lang="en-US" altLang="zh-CN" sz="1600" b="1" dirty="0">
+            <a:endParaRPr lang="en-US" altLang="zh-CN" sz="1400" b="1" dirty="0">
               <a:solidFill>
                 <a:schemeClr val="tx1">
                   <a:lumMod val="75000"/>
@@ -5571,7 +5896,7 @@
           </a:p>
           <a:p>
             <a:r>
-              <a:rPr lang="en-US" altLang="zh-CN" sz="1600" b="1" dirty="0">
+              <a:rPr lang="en-US" altLang="zh-CN" sz="1400" b="1" dirty="0">
                 <a:solidFill>
                   <a:schemeClr val="tx1">
                     <a:lumMod val="75000"/>
@@ -5585,7 +5910,7 @@
               </a:rPr>
               <a:t>3、不管是处理需求还是解决故障，都应该静下心来，先仔细分析好任务的具体流程，做到不急不躁。</a:t>
             </a:r>
-            <a:endParaRPr lang="en-US" altLang="zh-CN" sz="1600" b="1" dirty="0">
+            <a:endParaRPr lang="en-US" altLang="zh-CN" sz="1400" b="1" dirty="0">
               <a:solidFill>
                 <a:schemeClr val="tx1">
                   <a:lumMod val="75000"/>
@@ -5674,136 +5999,6 @@
           </a:prstGeom>
         </p:spPr>
       </p:pic>
-    </p:spTree>
-  </p:cSld>
-  <p:clrMapOvr>
-    <a:masterClrMapping/>
-  </p:clrMapOvr>
-</p:sld>
-</file>
-
-<file path=ppt/slides/slide19.xml><?xml version="1.0" encoding="utf-8"?>
-<p:sld xmlns:a="http://schemas.openxmlformats.org/drawingml/2006/main" xmlns:r="http://schemas.openxmlformats.org/officeDocument/2006/relationships" xmlns:p="http://schemas.openxmlformats.org/presentationml/2006/main">
-  <p:cSld>
-    <p:spTree>
-      <p:nvGrpSpPr>
-        <p:cNvPr id="1" name=""/>
-        <p:cNvGrpSpPr/>
-        <p:nvPr/>
-      </p:nvGrpSpPr>
-      <p:grpSpPr/>
-      <p:sp>
-        <p:nvSpPr>
-          <p:cNvPr id="7" name="椭圆 6"/>
-          <p:cNvSpPr/>
-          <p:nvPr/>
-        </p:nvSpPr>
-        <p:spPr>
-          <a:xfrm>
-            <a:off x="4008120" y="3082290"/>
-            <a:ext cx="691515" cy="691515"/>
-          </a:xfrm>
-          <a:prstGeom prst="ellipse">
-            <a:avLst/>
-          </a:prstGeom>
-          <a:solidFill>
-            <a:srgbClr val="659594">
-              <a:alpha val="62000"/>
-            </a:srgbClr>
-          </a:solidFill>
-          <a:ln>
-            <a:noFill/>
-          </a:ln>
-        </p:spPr>
-        <p:style>
-          <a:lnRef idx="2">
-            <a:schemeClr val="accent6"/>
-          </a:lnRef>
-          <a:fillRef idx="1">
-            <a:schemeClr val="lt1"/>
-          </a:fillRef>
-          <a:effectRef idx="0">
-            <a:schemeClr val="accent6"/>
-          </a:effectRef>
-          <a:fontRef idx="minor">
-            <a:schemeClr val="dk1"/>
-          </a:fontRef>
-        </p:style>
-        <p:txBody>
-          <a:bodyPr rtlCol="0" anchor="ctr"/>
-          <a:p>
-            <a:pPr algn="ctr"/>
-            <a:r>
-              <a:rPr lang="en-US" altLang="zh-CN" sz="2000">
-                <a:solidFill>
-                  <a:schemeClr val="bg1"/>
-                </a:solidFill>
-                <a:latin typeface="等线 Light" panose="02010600030101010101" charset="-122"/>
-                <a:ea typeface="等线 Light" panose="02010600030101010101" charset="-122"/>
-              </a:rPr>
-              <a:t>05</a:t>
-            </a:r>
-            <a:endParaRPr lang="en-US" altLang="zh-CN" sz="2000">
-              <a:solidFill>
-                <a:schemeClr val="bg1"/>
-              </a:solidFill>
-              <a:latin typeface="等线 Light" panose="02010600030101010101" charset="-122"/>
-              <a:ea typeface="等线 Light" panose="02010600030101010101" charset="-122"/>
-            </a:endParaRPr>
-          </a:p>
-        </p:txBody>
-      </p:sp>
-      <p:sp>
-        <p:nvSpPr>
-          <p:cNvPr id="4" name="文本框 3"/>
-          <p:cNvSpPr txBox="1"/>
-          <p:nvPr/>
-        </p:nvSpPr>
-        <p:spPr>
-          <a:xfrm>
-            <a:off x="4887595" y="3197860"/>
-            <a:ext cx="3760470" cy="460375"/>
-          </a:xfrm>
-          <a:prstGeom prst="rect">
-            <a:avLst/>
-          </a:prstGeom>
-          <a:noFill/>
-        </p:spPr>
-        <p:txBody>
-          <a:bodyPr wrap="square" rtlCol="0">
-            <a:spAutoFit/>
-          </a:bodyPr>
-          <a:p>
-            <a:r>
-              <a:rPr lang="zh-CN" altLang="en-US" sz="2400" b="1" dirty="0">
-                <a:solidFill>
-                  <a:schemeClr val="tx1">
-                    <a:lumMod val="75000"/>
-                    <a:lumOff val="25000"/>
-                  </a:schemeClr>
-                </a:solidFill>
-                <a:latin typeface="等线 Light" panose="02010600030101010101" charset="-122"/>
-                <a:ea typeface="等线 Light" panose="02010600030101010101" charset="-122"/>
-                <a:cs typeface="+mn-ea"/>
-                <a:sym typeface="+mn-lt"/>
-              </a:rPr>
-              <a:t>个人愿景与规划</a:t>
-            </a:r>
-            <a:endParaRPr lang="zh-CN" altLang="en-US" sz="2400" b="1" dirty="0">
-              <a:solidFill>
-                <a:schemeClr val="tx1">
-                  <a:lumMod val="75000"/>
-                  <a:lumOff val="25000"/>
-                </a:schemeClr>
-              </a:solidFill>
-              <a:latin typeface="等线 Light" panose="02010600030101010101" charset="-122"/>
-              <a:ea typeface="等线 Light" panose="02010600030101010101" charset="-122"/>
-              <a:cs typeface="+mn-ea"/>
-              <a:sym typeface="+mn-lt"/>
-            </a:endParaRPr>
-          </a:p>
-        </p:txBody>
-      </p:sp>
     </p:spTree>
   </p:cSld>
   <p:clrMapOvr>
@@ -6266,20 +6461,22 @@
       <p:grpSpPr/>
       <p:sp>
         <p:nvSpPr>
-          <p:cNvPr id="4" name="矩形 3"/>
+          <p:cNvPr id="7" name="椭圆 6"/>
           <p:cNvSpPr/>
           <p:nvPr/>
         </p:nvSpPr>
         <p:spPr>
           <a:xfrm>
-            <a:off x="972185" y="1101090"/>
-            <a:ext cx="1404000" cy="18000"/>
-          </a:xfrm>
-          <a:prstGeom prst="rect">
+            <a:off x="4008120" y="3082290"/>
+            <a:ext cx="691515" cy="691515"/>
+          </a:xfrm>
+          <a:prstGeom prst="ellipse">
             <a:avLst/>
           </a:prstGeom>
           <a:solidFill>
-            <a:srgbClr val="659594"/>
+            <a:srgbClr val="659594">
+              <a:alpha val="62000"/>
+            </a:srgbClr>
           </a:solidFill>
           <a:ln>
             <a:noFill/>
@@ -6303,20 +6500,36 @@
           <a:bodyPr rtlCol="0" anchor="ctr"/>
           <a:p>
             <a:pPr algn="ctr"/>
-            <a:endParaRPr lang="zh-CN" altLang="en-US"/>
-          </a:p>
-        </p:txBody>
-      </p:sp>
-      <p:sp>
-        <p:nvSpPr>
-          <p:cNvPr id="7" name="文本框 6"/>
+            <a:r>
+              <a:rPr lang="en-US" altLang="zh-CN" sz="2000">
+                <a:solidFill>
+                  <a:schemeClr val="bg1"/>
+                </a:solidFill>
+                <a:latin typeface="等线 Light" panose="02010600030101010101" charset="-122"/>
+                <a:ea typeface="等线 Light" panose="02010600030101010101" charset="-122"/>
+              </a:rPr>
+              <a:t>05</a:t>
+            </a:r>
+            <a:endParaRPr lang="en-US" altLang="zh-CN" sz="2000">
+              <a:solidFill>
+                <a:schemeClr val="bg1"/>
+              </a:solidFill>
+              <a:latin typeface="等线 Light" panose="02010600030101010101" charset="-122"/>
+              <a:ea typeface="等线 Light" panose="02010600030101010101" charset="-122"/>
+            </a:endParaRPr>
+          </a:p>
+        </p:txBody>
+      </p:sp>
+      <p:sp>
+        <p:nvSpPr>
+          <p:cNvPr id="4" name="文本框 3"/>
           <p:cNvSpPr txBox="1"/>
           <p:nvPr/>
         </p:nvSpPr>
         <p:spPr>
           <a:xfrm>
-            <a:off x="972185" y="530225"/>
-            <a:ext cx="4893945" cy="460375"/>
+            <a:off x="4887595" y="3197860"/>
+            <a:ext cx="3760470" cy="460375"/>
           </a:xfrm>
           <a:prstGeom prst="rect">
             <a:avLst/>
@@ -6329,43 +6542,106 @@
           </a:bodyPr>
           <a:p>
             <a:r>
-              <a:rPr lang="zh-CN" altLang="en-US" sz="2400" dirty="0">
-                <a:solidFill>
-                  <a:schemeClr val="tx1">
-                    <a:lumMod val="75000"/>
-                    <a:lumOff val="25000"/>
-                  </a:schemeClr>
-                </a:solidFill>
-                <a:latin typeface="等线 Light" panose="02010600030101010101" charset="-122"/>
-                <a:ea typeface="等线 Light" panose="02010600030101010101" charset="-122"/>
-                <a:sym typeface="+mn-ea"/>
-              </a:rPr>
-              <a:t>个人规划</a:t>
-            </a:r>
-            <a:endParaRPr lang="zh-CN" altLang="en-US" sz="2400" dirty="0">
-              <a:solidFill>
-                <a:schemeClr val="tx1">
-                  <a:lumMod val="75000"/>
-                  <a:lumOff val="25000"/>
-                </a:schemeClr>
-              </a:solidFill>
-              <a:latin typeface="等线 Light" panose="02010600030101010101" charset="-122"/>
-              <a:ea typeface="等线 Light" panose="02010600030101010101" charset="-122"/>
-              <a:sym typeface="+mn-ea"/>
-            </a:endParaRPr>
-          </a:p>
-        </p:txBody>
-      </p:sp>
-      <p:sp>
-        <p:nvSpPr>
-          <p:cNvPr id="2" name="文本框 1"/>
+              <a:rPr lang="zh-CN" altLang="en-US" sz="2400" b="1" dirty="0">
+                <a:solidFill>
+                  <a:schemeClr val="tx1">
+                    <a:lumMod val="75000"/>
+                    <a:lumOff val="25000"/>
+                  </a:schemeClr>
+                </a:solidFill>
+                <a:latin typeface="等线 Light" panose="02010600030101010101" charset="-122"/>
+                <a:ea typeface="等线 Light" panose="02010600030101010101" charset="-122"/>
+                <a:cs typeface="+mn-ea"/>
+                <a:sym typeface="+mn-lt"/>
+              </a:rPr>
+              <a:t>个人愿景与规划</a:t>
+            </a:r>
+            <a:endParaRPr lang="zh-CN" altLang="en-US" sz="2400" b="1" dirty="0">
+              <a:solidFill>
+                <a:schemeClr val="tx1">
+                  <a:lumMod val="75000"/>
+                  <a:lumOff val="25000"/>
+                </a:schemeClr>
+              </a:solidFill>
+              <a:latin typeface="等线 Light" panose="02010600030101010101" charset="-122"/>
+              <a:ea typeface="等线 Light" panose="02010600030101010101" charset="-122"/>
+              <a:cs typeface="+mn-ea"/>
+              <a:sym typeface="+mn-lt"/>
+            </a:endParaRPr>
+          </a:p>
+        </p:txBody>
+      </p:sp>
+    </p:spTree>
+  </p:cSld>
+  <p:clrMapOvr>
+    <a:masterClrMapping/>
+  </p:clrMapOvr>
+</p:sld>
+</file>
+
+<file path=ppt/slides/slide21.xml><?xml version="1.0" encoding="utf-8"?>
+<p:sld xmlns:a="http://schemas.openxmlformats.org/drawingml/2006/main" xmlns:r="http://schemas.openxmlformats.org/officeDocument/2006/relationships" xmlns:p="http://schemas.openxmlformats.org/presentationml/2006/main">
+  <p:cSld>
+    <p:spTree>
+      <p:nvGrpSpPr>
+        <p:cNvPr id="1" name=""/>
+        <p:cNvGrpSpPr/>
+        <p:nvPr/>
+      </p:nvGrpSpPr>
+      <p:grpSpPr/>
+      <p:sp>
+        <p:nvSpPr>
+          <p:cNvPr id="4" name="矩形 3"/>
+          <p:cNvSpPr/>
+          <p:nvPr/>
+        </p:nvSpPr>
+        <p:spPr>
+          <a:xfrm>
+            <a:off x="972185" y="1101090"/>
+            <a:ext cx="1404000" cy="18000"/>
+          </a:xfrm>
+          <a:prstGeom prst="rect">
+            <a:avLst/>
+          </a:prstGeom>
+          <a:solidFill>
+            <a:srgbClr val="659594"/>
+          </a:solidFill>
+          <a:ln>
+            <a:noFill/>
+          </a:ln>
+        </p:spPr>
+        <p:style>
+          <a:lnRef idx="2">
+            <a:schemeClr val="accent6"/>
+          </a:lnRef>
+          <a:fillRef idx="1">
+            <a:schemeClr val="lt1"/>
+          </a:fillRef>
+          <a:effectRef idx="0">
+            <a:schemeClr val="accent6"/>
+          </a:effectRef>
+          <a:fontRef idx="minor">
+            <a:schemeClr val="dk1"/>
+          </a:fontRef>
+        </p:style>
+        <p:txBody>
+          <a:bodyPr rtlCol="0" anchor="ctr"/>
+          <a:p>
+            <a:pPr algn="ctr"/>
+            <a:endParaRPr lang="zh-CN" altLang="en-US"/>
+          </a:p>
+        </p:txBody>
+      </p:sp>
+      <p:sp>
+        <p:nvSpPr>
+          <p:cNvPr id="7" name="文本框 6"/>
           <p:cNvSpPr txBox="1"/>
           <p:nvPr/>
         </p:nvSpPr>
         <p:spPr>
           <a:xfrm>
-            <a:off x="972185" y="1805940"/>
-            <a:ext cx="6782435" cy="2061210"/>
+            <a:off x="972185" y="530225"/>
+            <a:ext cx="4893945" cy="460375"/>
           </a:xfrm>
           <a:prstGeom prst="rect">
             <a:avLst/>
@@ -6378,7 +6654,56 @@
           </a:bodyPr>
           <a:p>
             <a:r>
-              <a:rPr lang="zh-CN" altLang="en-US" sz="1600" b="1" dirty="0">
+              <a:rPr lang="zh-CN" altLang="en-US" sz="2400" dirty="0">
+                <a:solidFill>
+                  <a:schemeClr val="tx1">
+                    <a:lumMod val="75000"/>
+                    <a:lumOff val="25000"/>
+                  </a:schemeClr>
+                </a:solidFill>
+                <a:latin typeface="等线 Light" panose="02010600030101010101" charset="-122"/>
+                <a:ea typeface="等线 Light" panose="02010600030101010101" charset="-122"/>
+                <a:sym typeface="+mn-ea"/>
+              </a:rPr>
+              <a:t>个人规划</a:t>
+            </a:r>
+            <a:endParaRPr lang="zh-CN" altLang="en-US" sz="2400" dirty="0">
+              <a:solidFill>
+                <a:schemeClr val="tx1">
+                  <a:lumMod val="75000"/>
+                  <a:lumOff val="25000"/>
+                </a:schemeClr>
+              </a:solidFill>
+              <a:latin typeface="等线 Light" panose="02010600030101010101" charset="-122"/>
+              <a:ea typeface="等线 Light" panose="02010600030101010101" charset="-122"/>
+              <a:sym typeface="+mn-ea"/>
+            </a:endParaRPr>
+          </a:p>
+        </p:txBody>
+      </p:sp>
+      <p:sp>
+        <p:nvSpPr>
+          <p:cNvPr id="2" name="文本框 1"/>
+          <p:cNvSpPr txBox="1"/>
+          <p:nvPr/>
+        </p:nvSpPr>
+        <p:spPr>
+          <a:xfrm>
+            <a:off x="972185" y="1805940"/>
+            <a:ext cx="6038215" cy="1814830"/>
+          </a:xfrm>
+          <a:prstGeom prst="rect">
+            <a:avLst/>
+          </a:prstGeom>
+          <a:noFill/>
+        </p:spPr>
+        <p:txBody>
+          <a:bodyPr wrap="square" rtlCol="0">
+            <a:spAutoFit/>
+          </a:bodyPr>
+          <a:p>
+            <a:r>
+              <a:rPr lang="zh-CN" altLang="en-US" sz="1400" b="1" dirty="0">
                 <a:solidFill>
                   <a:schemeClr val="tx1">
                     <a:lumMod val="75000"/>
@@ -6393,7 +6718,7 @@
               <a:t>一年：熟悉Cmcc业务框架部分模块的开发和维护，理解</a:t>
             </a:r>
             <a:r>
-              <a:rPr lang="en-US" altLang="zh-CN" sz="1600" b="1" dirty="0">
+              <a:rPr lang="en-US" altLang="zh-CN" sz="1400" b="1" dirty="0">
                 <a:solidFill>
                   <a:schemeClr val="tx1">
                     <a:lumMod val="75000"/>
@@ -6407,7 +6732,7 @@
               </a:rPr>
               <a:t>GS框架的具体实现，成为初级开发工程师。</a:t>
             </a:r>
-            <a:endParaRPr lang="en-US" altLang="zh-CN" sz="1600" b="1" dirty="0">
+            <a:endParaRPr lang="en-US" altLang="zh-CN" sz="1400" b="1" dirty="0">
               <a:solidFill>
                 <a:schemeClr val="tx1">
                   <a:lumMod val="75000"/>
@@ -6421,7 +6746,7 @@
             </a:endParaRPr>
           </a:p>
           <a:p>
-            <a:endParaRPr lang="en-US" altLang="zh-CN" sz="1600" b="1" dirty="0">
+            <a:endParaRPr lang="en-US" altLang="zh-CN" sz="1400" b="1" dirty="0">
               <a:solidFill>
                 <a:schemeClr val="tx1">
                   <a:lumMod val="75000"/>
@@ -6436,7 +6761,7 @@
           </a:p>
           <a:p>
             <a:r>
-              <a:rPr lang="zh-CN" altLang="en-US" sz="1600" b="1" dirty="0">
+              <a:rPr lang="zh-CN" altLang="en-US" sz="1400" b="1" dirty="0">
                 <a:solidFill>
                   <a:schemeClr val="tx1">
                     <a:lumMod val="75000"/>
@@ -6450,7 +6775,7 @@
               </a:rPr>
               <a:t>三年：能够快速定位分析自己所负责模块出现的问题，并提出良好解决方案，成为中级开发工程师。</a:t>
             </a:r>
-            <a:endParaRPr lang="zh-CN" altLang="en-US" sz="1600" b="1" dirty="0">
+            <a:endParaRPr lang="zh-CN" altLang="en-US" sz="1400" b="1" dirty="0">
               <a:solidFill>
                 <a:schemeClr val="tx1">
                   <a:lumMod val="75000"/>
@@ -6464,7 +6789,7 @@
             </a:endParaRPr>
           </a:p>
           <a:p>
-            <a:endParaRPr lang="zh-CN" altLang="en-US" sz="1600" b="1" dirty="0">
+            <a:endParaRPr lang="zh-CN" altLang="en-US" sz="1400" b="1" dirty="0">
               <a:solidFill>
                 <a:schemeClr val="tx1">
                   <a:lumMod val="75000"/>
@@ -6479,7 +6804,7 @@
           </a:p>
           <a:p>
             <a:r>
-              <a:rPr lang="zh-CN" altLang="en-US" sz="1600" b="1" dirty="0">
+              <a:rPr lang="zh-CN" altLang="en-US" sz="1400" b="1" dirty="0">
                 <a:solidFill>
                   <a:schemeClr val="tx1">
                     <a:lumMod val="75000"/>
@@ -6493,7 +6818,7 @@
               </a:rPr>
               <a:t>五年：理解公司部分产品的架构开发设计，能够具备架构设计思想，成为高级开发工程师。</a:t>
             </a:r>
-            <a:endParaRPr lang="zh-CN" altLang="en-US" sz="1600" b="1" dirty="0">
+            <a:endParaRPr lang="zh-CN" altLang="en-US" sz="1400" b="1" dirty="0">
               <a:solidFill>
                 <a:schemeClr val="tx1">
                   <a:lumMod val="75000"/>
@@ -6547,7 +6872,7 @@
 </p:sld>
 </file>
 
-<file path=ppt/slides/slide21.xml><?xml version="1.0" encoding="utf-8"?>
+<file path=ppt/slides/slide22.xml><?xml version="1.0" encoding="utf-8"?>
 <p:sld xmlns:a="http://schemas.openxmlformats.org/drawingml/2006/main" xmlns:r="http://schemas.openxmlformats.org/officeDocument/2006/relationships" xmlns:p="http://schemas.openxmlformats.org/presentationml/2006/main">
   <p:cSld>
     <p:spTree>
@@ -6677,7 +7002,7 @@
 </p:sld>
 </file>
 
-<file path=ppt/slides/slide22.xml><?xml version="1.0" encoding="utf-8"?>
+<file path=ppt/slides/slide23.xml><?xml version="1.0" encoding="utf-8"?>
 <p:sld xmlns:a="http://schemas.openxmlformats.org/drawingml/2006/main" xmlns:r="http://schemas.openxmlformats.org/officeDocument/2006/relationships" xmlns:p="http://schemas.openxmlformats.org/presentationml/2006/main">
   <p:cSld>
     <p:spTree>
@@ -6788,7 +7113,7 @@
         <p:spPr>
           <a:xfrm>
             <a:off x="972185" y="1805940"/>
-            <a:ext cx="5149850" cy="2553335"/>
+            <a:ext cx="5149850" cy="1599565"/>
           </a:xfrm>
           <a:prstGeom prst="rect">
             <a:avLst/>
@@ -6801,7 +7126,7 @@
           </a:bodyPr>
           <a:p>
             <a:r>
-              <a:rPr lang="zh-CN" sz="1600" b="1" dirty="0">
+              <a:rPr lang="zh-CN" sz="1400" b="1" dirty="0">
                 <a:solidFill>
                   <a:schemeClr val="tx1">
                     <a:lumMod val="75000"/>
@@ -6816,7 +7141,7 @@
               <a:t>一、</a:t>
             </a:r>
             <a:r>
-              <a:rPr sz="1600" b="1" dirty="0">
+              <a:rPr sz="1400" b="1" dirty="0">
                 <a:solidFill>
                   <a:schemeClr val="tx1">
                     <a:lumMod val="75000"/>
@@ -6830,7 +7155,7 @@
               </a:rPr>
               <a:t>更加注重代码编写规范，开发过程中的冗长无用代码可以去除，另外重要方法添加适当注释，很多代码由于没有注释，造成后期理解和维护困难。</a:t>
             </a:r>
-            <a:endParaRPr sz="1600" b="1" dirty="0">
+            <a:endParaRPr sz="1400" b="1" dirty="0">
               <a:solidFill>
                 <a:schemeClr val="tx1">
                   <a:lumMod val="75000"/>
@@ -6844,7 +7169,7 @@
             </a:endParaRPr>
           </a:p>
           <a:p>
-            <a:endParaRPr sz="1600" b="1" dirty="0">
+            <a:endParaRPr sz="1400" b="1" dirty="0">
               <a:solidFill>
                 <a:schemeClr val="tx1">
                   <a:lumMod val="75000"/>
@@ -6858,50 +7183,22 @@
             </a:endParaRPr>
           </a:p>
           <a:p>
-            <a:endParaRPr sz="1600" b="1" dirty="0">
-              <a:solidFill>
-                <a:schemeClr val="tx1">
-                  <a:lumMod val="75000"/>
-                  <a:lumOff val="25000"/>
-                </a:schemeClr>
-              </a:solidFill>
-              <a:latin typeface="等线 Light" panose="02010600030101010101" charset="-122"/>
-              <a:ea typeface="等线 Light" panose="02010600030101010101" charset="-122"/>
-              <a:cs typeface="等线 Light" panose="02010600030101010101" charset="-122"/>
-              <a:sym typeface="+mn-lt"/>
-            </a:endParaRPr>
-          </a:p>
-          <a:p>
-            <a:endParaRPr sz="1600" b="1" dirty="0">
-              <a:solidFill>
-                <a:schemeClr val="tx1">
-                  <a:lumMod val="75000"/>
-                  <a:lumOff val="25000"/>
-                </a:schemeClr>
-              </a:solidFill>
-              <a:latin typeface="等线 Light" panose="02010600030101010101" charset="-122"/>
-              <a:ea typeface="等线 Light" panose="02010600030101010101" charset="-122"/>
-              <a:cs typeface="等线 Light" panose="02010600030101010101" charset="-122"/>
-              <a:sym typeface="+mn-lt"/>
-            </a:endParaRPr>
-          </a:p>
-          <a:p>
-            <a:r>
-              <a:rPr lang="zh-CN" sz="1600" b="1" dirty="0">
-                <a:solidFill>
-                  <a:schemeClr val="tx1">
-                    <a:lumMod val="75000"/>
-                    <a:lumOff val="25000"/>
-                  </a:schemeClr>
-                </a:solidFill>
-                <a:latin typeface="等线 Light" panose="02010600030101010101" charset="-122"/>
-                <a:ea typeface="等线 Light" panose="02010600030101010101" charset="-122"/>
-                <a:cs typeface="等线 Light" panose="02010600030101010101" charset="-122"/>
-                <a:sym typeface="+mn-lt"/>
-              </a:rPr>
-              <a:t>二、可以在公司内网上建立一个模块，用来介绍杭州部门情况以及部门内部小组具体开发和维护的内容，很多时候不太了解其他部门的职责，希望对公司的产品开发更加了解。</a:t>
-            </a:r>
-            <a:endParaRPr lang="zh-CN" sz="1600" b="1" dirty="0">
+            <a:r>
+              <a:rPr lang="zh-CN" sz="1400" b="1" dirty="0">
+                <a:solidFill>
+                  <a:schemeClr val="tx1">
+                    <a:lumMod val="75000"/>
+                    <a:lumOff val="25000"/>
+                  </a:schemeClr>
+                </a:solidFill>
+                <a:latin typeface="等线 Light" panose="02010600030101010101" charset="-122"/>
+                <a:ea typeface="等线 Light" panose="02010600030101010101" charset="-122"/>
+                <a:cs typeface="等线 Light" panose="02010600030101010101" charset="-122"/>
+                <a:sym typeface="+mn-lt"/>
+              </a:rPr>
+              <a:t>二、可以在公司内网上建立一个模块，用来介绍杭州部门情况以及部门内部小组具体开发和维护的内容，很多时候不太了解其他小组的职责，希望对公司的产品开发更加了解。</a:t>
+            </a:r>
+            <a:endParaRPr lang="zh-CN" sz="1400" b="1" dirty="0">
               <a:solidFill>
                 <a:schemeClr val="tx1">
                   <a:lumMod val="75000"/>
@@ -6955,7 +7252,7 @@
 </p:sld>
 </file>
 
-<file path=ppt/slides/slide23.xml><?xml version="1.0" encoding="utf-8"?>
+<file path=ppt/slides/slide24.xml><?xml version="1.0" encoding="utf-8"?>
 <p:sld xmlns:a="http://schemas.openxmlformats.org/drawingml/2006/main" xmlns:r="http://schemas.openxmlformats.org/officeDocument/2006/relationships" xmlns:p="http://schemas.openxmlformats.org/presentationml/2006/main">
   <p:cSld>
     <p:spTree>
@@ -7168,7 +7465,7 @@
         </p:blipFill>
         <p:spPr>
           <a:xfrm>
-            <a:off x="3338830" y="580390"/>
+            <a:off x="3420110" y="720725"/>
             <a:ext cx="991235" cy="1021080"/>
           </a:xfrm>
           <a:prstGeom prst="rect">
@@ -7184,7 +7481,7 @@
         </p:nvSpPr>
         <p:spPr>
           <a:xfrm>
-            <a:off x="4842510" y="824865"/>
+            <a:off x="4569460" y="908685"/>
             <a:ext cx="3875405" cy="645160"/>
           </a:xfrm>
           <a:prstGeom prst="rect">
@@ -7231,7 +7528,7 @@
         </p:nvSpPr>
         <p:spPr>
           <a:xfrm>
-            <a:off x="3338830" y="2042160"/>
+            <a:off x="3420110" y="2182495"/>
             <a:ext cx="531495" cy="525780"/>
           </a:xfrm>
           <a:prstGeom prst="ellipse">
@@ -7290,7 +7587,7 @@
         </p:nvSpPr>
         <p:spPr>
           <a:xfrm>
-            <a:off x="3338830" y="2711450"/>
+            <a:off x="3420110" y="2851785"/>
             <a:ext cx="538480" cy="538480"/>
           </a:xfrm>
           <a:prstGeom prst="ellipse">
@@ -7349,7 +7646,7 @@
         </p:nvSpPr>
         <p:spPr>
           <a:xfrm>
-            <a:off x="3345815" y="3393440"/>
+            <a:off x="3427095" y="3533775"/>
             <a:ext cx="531495" cy="531495"/>
           </a:xfrm>
           <a:prstGeom prst="ellipse">
@@ -7408,7 +7705,7 @@
         </p:nvSpPr>
         <p:spPr>
           <a:xfrm>
-            <a:off x="4134485" y="2120900"/>
+            <a:off x="4215765" y="2261235"/>
             <a:ext cx="3760470" cy="368300"/>
           </a:xfrm>
           <a:prstGeom prst="rect">
@@ -7459,7 +7756,7 @@
         </p:nvSpPr>
         <p:spPr>
           <a:xfrm>
-            <a:off x="4134485" y="2797810"/>
+            <a:off x="4215765" y="2938145"/>
             <a:ext cx="3760470" cy="368300"/>
           </a:xfrm>
           <a:prstGeom prst="rect">
@@ -7510,7 +7807,7 @@
         </p:nvSpPr>
         <p:spPr>
           <a:xfrm>
-            <a:off x="4134485" y="3474720"/>
+            <a:off x="4215765" y="3615055"/>
             <a:ext cx="3760470" cy="368300"/>
           </a:xfrm>
           <a:prstGeom prst="rect">
@@ -7561,7 +7858,7 @@
         </p:nvSpPr>
         <p:spPr>
           <a:xfrm>
-            <a:off x="3345815" y="4068445"/>
+            <a:off x="3427095" y="4208780"/>
             <a:ext cx="531495" cy="531495"/>
           </a:xfrm>
           <a:prstGeom prst="ellipse">
@@ -7623,7 +7920,7 @@
         </p:nvSpPr>
         <p:spPr>
           <a:xfrm>
-            <a:off x="4134485" y="4151630"/>
+            <a:off x="4215765" y="4291965"/>
             <a:ext cx="3760470" cy="368300"/>
           </a:xfrm>
           <a:prstGeom prst="rect">
@@ -7674,7 +7971,7 @@
         </p:nvSpPr>
         <p:spPr>
           <a:xfrm>
-            <a:off x="3345815" y="4750435"/>
+            <a:off x="3427095" y="4890770"/>
             <a:ext cx="531495" cy="531495"/>
           </a:xfrm>
           <a:prstGeom prst="ellipse">
@@ -7736,7 +8033,7 @@
         </p:nvSpPr>
         <p:spPr>
           <a:xfrm>
-            <a:off x="3338830" y="5418455"/>
+            <a:off x="3420110" y="5558790"/>
             <a:ext cx="531495" cy="531495"/>
           </a:xfrm>
           <a:prstGeom prst="ellipse">
@@ -7798,7 +8095,7 @@
         </p:nvSpPr>
         <p:spPr>
           <a:xfrm>
-            <a:off x="4134485" y="4828540"/>
+            <a:off x="4215765" y="4968875"/>
             <a:ext cx="3760470" cy="368300"/>
           </a:xfrm>
           <a:prstGeom prst="rect">
@@ -7849,7 +8146,7 @@
         </p:nvSpPr>
         <p:spPr>
           <a:xfrm>
-            <a:off x="4134485" y="5455920"/>
+            <a:off x="4215765" y="5596255"/>
             <a:ext cx="3760470" cy="368300"/>
           </a:xfrm>
           <a:prstGeom prst="rect">
@@ -8141,7 +8438,7 @@
         <p:spPr>
           <a:xfrm>
             <a:off x="972185" y="1805940"/>
-            <a:ext cx="7167880" cy="3538220"/>
+            <a:ext cx="6590030" cy="3107690"/>
           </a:xfrm>
           <a:prstGeom prst="rect">
             <a:avLst/>
@@ -8154,7 +8451,7 @@
           </a:bodyPr>
           <a:p>
             <a:r>
-              <a:rPr lang="en-US" altLang="zh-CN" sz="1600" b="1" dirty="0">
+              <a:rPr lang="en-US" altLang="zh-CN" sz="1400" b="1" dirty="0">
                 <a:solidFill>
                   <a:schemeClr val="tx1">
                     <a:lumMod val="75000"/>
@@ -8168,7 +8465,7 @@
               </a:rPr>
               <a:t>1. 安排好自己的工作任务，在接到新的工作任务时根据优先级对它们的完成周期有个明确规划，在规定时间范围之内完成好。</a:t>
             </a:r>
-            <a:endParaRPr lang="en-US" altLang="zh-CN" sz="1600" b="1" dirty="0">
+            <a:endParaRPr lang="en-US" altLang="zh-CN" sz="1400" b="1" dirty="0">
               <a:solidFill>
                 <a:schemeClr val="tx1">
                   <a:lumMod val="75000"/>
@@ -8182,7 +8479,7 @@
             </a:endParaRPr>
           </a:p>
           <a:p>
-            <a:endParaRPr lang="en-US" altLang="zh-CN" sz="1600" b="1" dirty="0">
+            <a:endParaRPr lang="en-US" altLang="zh-CN" sz="1400" b="1" dirty="0">
               <a:solidFill>
                 <a:schemeClr val="tx1">
                   <a:lumMod val="75000"/>
@@ -8197,7 +8494,7 @@
           </a:p>
           <a:p>
             <a:r>
-              <a:rPr lang="en-US" altLang="zh-CN" sz="1600" b="1" dirty="0">
+              <a:rPr lang="en-US" altLang="zh-CN" sz="1400" b="1" dirty="0">
                 <a:solidFill>
                   <a:schemeClr val="tx1">
                     <a:lumMod val="75000"/>
@@ -8211,7 +8508,7 @@
               </a:rPr>
               <a:t>2. 项目开发和故障解决过程中遇到不懂的问题或者难点及时向部门同事提出，沟通问题的解决方案，不能影响项目完成进度。</a:t>
             </a:r>
-            <a:endParaRPr lang="en-US" altLang="zh-CN" sz="1600" b="1" dirty="0">
+            <a:endParaRPr lang="en-US" altLang="zh-CN" sz="1400" b="1" dirty="0">
               <a:solidFill>
                 <a:schemeClr val="tx1">
                   <a:lumMod val="75000"/>
@@ -8225,7 +8522,7 @@
             </a:endParaRPr>
           </a:p>
           <a:p>
-            <a:endParaRPr lang="en-US" altLang="zh-CN" sz="1600" b="1" dirty="0">
+            <a:endParaRPr lang="en-US" altLang="zh-CN" sz="1400" b="1" dirty="0">
               <a:solidFill>
                 <a:schemeClr val="tx1">
                   <a:lumMod val="75000"/>
@@ -8240,7 +8537,7 @@
           </a:p>
           <a:p>
             <a:r>
-              <a:rPr lang="en-US" altLang="zh-CN" sz="1600" b="1" dirty="0">
+              <a:rPr lang="en-US" altLang="zh-CN" sz="1400" b="1" dirty="0">
                 <a:solidFill>
                   <a:schemeClr val="tx1">
                     <a:lumMod val="75000"/>
@@ -8255,7 +8552,7 @@
               <a:t>3. 不断增加自己的知识储备，对于项目中使用到的新的技术点和好的设计方案能够总结记录，通过空余时间去了解这方面的内容，不断提升自己的编码能力</a:t>
             </a:r>
             <a:r>
-              <a:rPr lang="zh-CN" altLang="en-US" sz="1600" b="1" dirty="0">
+              <a:rPr lang="zh-CN" altLang="en-US" sz="1400" b="1" dirty="0">
                 <a:solidFill>
                   <a:schemeClr val="tx1">
                     <a:lumMod val="75000"/>
@@ -8269,7 +8566,7 @@
               </a:rPr>
               <a:t>。</a:t>
             </a:r>
-            <a:endParaRPr lang="zh-CN" altLang="en-US" sz="1600" b="1" dirty="0">
+            <a:endParaRPr lang="zh-CN" altLang="en-US" sz="1400" b="1" dirty="0">
               <a:solidFill>
                 <a:schemeClr val="tx1">
                   <a:lumMod val="75000"/>
@@ -8283,7 +8580,7 @@
             </a:endParaRPr>
           </a:p>
           <a:p>
-            <a:endParaRPr lang="en-US" altLang="zh-CN" sz="1600" b="1" dirty="0">
+            <a:endParaRPr lang="en-US" altLang="zh-CN" sz="1400" b="1" dirty="0">
               <a:solidFill>
                 <a:schemeClr val="tx1">
                   <a:lumMod val="75000"/>
@@ -8298,7 +8595,7 @@
           </a:p>
           <a:p>
             <a:r>
-              <a:rPr lang="en-US" altLang="zh-CN" sz="1600" b="1" dirty="0">
+              <a:rPr lang="en-US" altLang="zh-CN" sz="1400" b="1" dirty="0">
                 <a:solidFill>
                   <a:schemeClr val="tx1">
                     <a:lumMod val="75000"/>
@@ -8312,7 +8609,7 @@
               </a:rPr>
               <a:t>4. 遇到工作相关的问题积极和部门同事沟通，例如解决产品故障后验证不通过，积极和测试部同事交流，有表述不明确的地方及时提出来，直到问题最终解决。</a:t>
             </a:r>
-            <a:endParaRPr lang="en-US" altLang="zh-CN" sz="1600" b="1" dirty="0">
+            <a:endParaRPr lang="en-US" altLang="zh-CN" sz="1400" b="1" dirty="0">
               <a:solidFill>
                 <a:schemeClr val="tx1">
                   <a:lumMod val="75000"/>
@@ -8326,7 +8623,7 @@
             </a:endParaRPr>
           </a:p>
           <a:p>
-            <a:endParaRPr lang="en-US" altLang="zh-CN" sz="1600" b="1" dirty="0">
+            <a:endParaRPr lang="en-US" altLang="zh-CN" sz="1400" b="1" dirty="0">
               <a:solidFill>
                 <a:schemeClr val="tx1">
                   <a:lumMod val="75000"/>
@@ -8341,7 +8638,7 @@
           </a:p>
           <a:p>
             <a:r>
-              <a:rPr lang="en-US" altLang="zh-CN" sz="1600" b="1" dirty="0">
+              <a:rPr lang="en-US" altLang="zh-CN" sz="1400" b="1" dirty="0">
                 <a:solidFill>
                   <a:schemeClr val="tx1">
                     <a:lumMod val="75000"/>
@@ -8355,7 +8652,7 @@
               </a:rPr>
               <a:t>5. 编写代码遵循潮流网络代码规范，变量正确命名以及方法添加适当注释，代码提交写明问题的原因和解决方案，方便后期开发人员维护代码。</a:t>
             </a:r>
-            <a:endParaRPr lang="en-US" altLang="zh-CN" sz="1600" b="1" dirty="0">
+            <a:endParaRPr lang="en-US" altLang="zh-CN" sz="1400" b="1" dirty="0">
               <a:solidFill>
                 <a:schemeClr val="tx1">
                   <a:lumMod val="75000"/>
@@ -8650,7 +8947,7 @@
         <p:spPr>
           <a:xfrm>
             <a:off x="972185" y="1420495"/>
-            <a:ext cx="5090795" cy="368300"/>
+            <a:ext cx="5090795" cy="337185"/>
           </a:xfrm>
           <a:prstGeom prst="rect">
             <a:avLst/>
@@ -8663,7 +8960,7 @@
           </a:bodyPr>
           <a:p>
             <a:r>
-              <a:rPr lang="en-US" altLang="zh-CN" b="1" dirty="0">
+              <a:rPr lang="en-US" altLang="zh-CN" sz="1600" b="1" dirty="0">
                 <a:solidFill>
                   <a:schemeClr val="tx1">
                     <a:lumMod val="75000"/>
@@ -8678,7 +8975,7 @@
               <a:t>03.01-03.06</a:t>
             </a:r>
             <a:r>
-              <a:rPr lang="zh-CN" altLang="en-US" b="1" dirty="0">
+              <a:rPr lang="zh-CN" altLang="en-US" sz="1600" b="1" dirty="0">
                 <a:solidFill>
                   <a:schemeClr val="tx1">
                     <a:lumMod val="75000"/>
@@ -8693,7 +8990,7 @@
               <a:t>，</a:t>
             </a:r>
             <a:r>
-              <a:rPr b="1" dirty="0">
+              <a:rPr sz="1600" b="1" dirty="0">
                 <a:solidFill>
                   <a:schemeClr val="tx1">
                     <a:lumMod val="75000"/>
@@ -8708,7 +9005,7 @@
               <a:t>工作环境搭建及规范学习</a:t>
             </a:r>
             <a:r>
-              <a:rPr lang="zh-CN" altLang="en-US" b="1" dirty="0">
+              <a:rPr lang="zh-CN" altLang="en-US" sz="1600" b="1" dirty="0">
                 <a:solidFill>
                   <a:schemeClr val="tx1">
                     <a:lumMod val="75000"/>
@@ -8722,7 +9019,7 @@
               </a:rPr>
               <a:t>。</a:t>
             </a:r>
-            <a:endParaRPr lang="zh-CN" altLang="en-US" b="1" dirty="0">
+            <a:endParaRPr lang="zh-CN" altLang="en-US" sz="1600" b="1" dirty="0">
               <a:solidFill>
                 <a:schemeClr val="tx1">
                   <a:lumMod val="75000"/>
@@ -9218,7 +9515,7 @@
         <p:spPr>
           <a:xfrm>
             <a:off x="972185" y="1420495"/>
-            <a:ext cx="5752465" cy="368300"/>
+            <a:ext cx="5752465" cy="337185"/>
           </a:xfrm>
           <a:prstGeom prst="rect">
             <a:avLst/>
@@ -9231,7 +9528,7 @@
           </a:bodyPr>
           <a:p>
             <a:r>
-              <a:rPr lang="en-US" altLang="zh-CN" b="1" dirty="0">
+              <a:rPr lang="en-US" altLang="zh-CN" sz="1600" b="1" dirty="0">
                 <a:solidFill>
                   <a:schemeClr val="tx1">
                     <a:lumMod val="75000"/>
@@ -9246,7 +9543,7 @@
               <a:t>03.07-03.13</a:t>
             </a:r>
             <a:r>
-              <a:rPr lang="zh-CN" altLang="en-US" b="1" dirty="0">
+              <a:rPr lang="zh-CN" altLang="en-US" sz="1600" b="1" dirty="0">
                 <a:solidFill>
                   <a:schemeClr val="tx1">
                     <a:lumMod val="75000"/>
@@ -9261,7 +9558,7 @@
               <a:t>，</a:t>
             </a:r>
             <a:r>
-              <a:rPr b="1" dirty="0">
+              <a:rPr sz="1600" b="1" dirty="0">
                 <a:solidFill>
                   <a:schemeClr val="tx1">
                     <a:lumMod val="75000"/>
@@ -9276,7 +9573,7 @@
               <a:t>产品业务熟悉及Linux基础操作学习</a:t>
             </a:r>
             <a:r>
-              <a:rPr lang="zh-CN" altLang="en-US" b="1" dirty="0">
+              <a:rPr lang="zh-CN" altLang="en-US" sz="1600" b="1" dirty="0">
                 <a:solidFill>
                   <a:schemeClr val="tx1">
                     <a:lumMod val="75000"/>
@@ -9290,7 +9587,7 @@
               </a:rPr>
               <a:t>。</a:t>
             </a:r>
-            <a:endParaRPr lang="zh-CN" altLang="en-US" b="1" dirty="0">
+            <a:endParaRPr lang="zh-CN" altLang="en-US" sz="1600" b="1" dirty="0">
               <a:solidFill>
                 <a:schemeClr val="tx1">
                   <a:lumMod val="75000"/>
@@ -9786,7 +10083,7 @@
         <p:spPr>
           <a:xfrm>
             <a:off x="972185" y="1420495"/>
-            <a:ext cx="5616575" cy="368300"/>
+            <a:ext cx="5616575" cy="337185"/>
           </a:xfrm>
           <a:prstGeom prst="rect">
             <a:avLst/>
@@ -9799,7 +10096,7 @@
           </a:bodyPr>
           <a:p>
             <a:r>
-              <a:rPr lang="en-US" altLang="zh-CN" b="1" dirty="0">
+              <a:rPr lang="en-US" altLang="zh-CN" sz="1600" b="1" dirty="0">
                 <a:solidFill>
                   <a:schemeClr val="tx1">
                     <a:lumMod val="75000"/>
@@ -9814,7 +10111,7 @@
               <a:t>03.14-04.20</a:t>
             </a:r>
             <a:r>
-              <a:rPr lang="zh-CN" altLang="en-US" b="1" dirty="0">
+              <a:rPr lang="zh-CN" altLang="en-US" sz="1600" b="1" dirty="0">
                 <a:solidFill>
                   <a:schemeClr val="tx1">
                     <a:lumMod val="75000"/>
@@ -9829,7 +10126,7 @@
               <a:t>，</a:t>
             </a:r>
             <a:r>
-              <a:rPr b="1" dirty="0">
+              <a:rPr sz="1600" b="1" dirty="0">
                 <a:solidFill>
                   <a:schemeClr val="tx1">
                     <a:lumMod val="75000"/>
@@ -9844,7 +10141,7 @@
               <a:t>Android USB镜像传输功能开发</a:t>
             </a:r>
             <a:r>
-              <a:rPr lang="zh-CN" altLang="en-US" b="1" dirty="0">
+              <a:rPr lang="zh-CN" altLang="en-US" sz="1600" b="1" dirty="0">
                 <a:solidFill>
                   <a:schemeClr val="tx1">
                     <a:lumMod val="75000"/>
@@ -9858,7 +10155,7 @@
               </a:rPr>
               <a:t>。</a:t>
             </a:r>
-            <a:endParaRPr lang="zh-CN" altLang="en-US" b="1" dirty="0">
+            <a:endParaRPr lang="zh-CN" altLang="en-US" sz="1600" b="1" dirty="0">
               <a:solidFill>
                 <a:schemeClr val="tx1">
                   <a:lumMod val="75000"/>
@@ -10536,7 +10833,13 @@
 
 <file path=ppt/tags/tag13.xml><?xml version="1.0" encoding="utf-8"?>
 <p:tagLst xmlns:p="http://schemas.openxmlformats.org/presentationml/2006/main">
-  <p:tag name="COMMONDATA" val="eyJjb3VudCI6MTIzLCJoZGlkIjoiMzdiYTY1YzMzNmRhNmE2MDlkOTA3MTBjMWVhMDZkMjQiLCJ1c2VyQ291bnQiOjEyM30="/>
+  <p:tag name="KSO_WM_UNIT_PLACING_PICTURE_USER_VIEWPORT" val="{&quot;height&quot;:6070,&quot;width&quot;:9009}"/>
+</p:tagLst>
+</file>
+
+<file path=ppt/tags/tag14.xml><?xml version="1.0" encoding="utf-8"?>
+<p:tagLst xmlns:p="http://schemas.openxmlformats.org/presentationml/2006/main">
+  <p:tag name="COMMONDATA" val="eyJjb3VudCI6MTQ4LCJoZGlkIjoiMzdiYTY1YzMzNmRhNmE2MDlkOTA3MTBjMWVhMDZkMjQiLCJ1c2VyQ291bnQiOjE0OH0="/>
 </p:tagLst>
 </file>
 
@@ -10584,7 +10887,7 @@
 
 <file path=ppt/tags/tag9.xml><?xml version="1.0" encoding="utf-8"?>
 <p:tagLst xmlns:p="http://schemas.openxmlformats.org/presentationml/2006/main">
-  <p:tag name="KSO_WM_UNIT_PLACING_PICTURE_USER_VIEWPORT" val="{&quot;height&quot;:6070,&quot;width&quot;:9009}"/>
+  <p:tag name="KSO_WM_UNIT_PLACING_PICTURE_USER_VIEWPORT" val="{&quot;height&quot;:5265,&quot;width&quot;:6210}"/>
 </p:tagLst>
 </file>
 

--- a/转正答辩.pptx
+++ b/转正答辩.pptx
@@ -22,18 +22,19 @@
     <p:sldId id="333" r:id="rId17"/>
     <p:sldId id="345" r:id="rId18"/>
     <p:sldId id="334" r:id="rId19"/>
-    <p:sldId id="301" r:id="rId20"/>
-    <p:sldId id="302" r:id="rId21"/>
-    <p:sldId id="303" r:id="rId22"/>
-    <p:sldId id="305" r:id="rId23"/>
-    <p:sldId id="306" r:id="rId24"/>
-    <p:sldId id="307" r:id="rId25"/>
-    <p:sldId id="267" r:id="rId26"/>
+    <p:sldId id="354" r:id="rId20"/>
+    <p:sldId id="301" r:id="rId21"/>
+    <p:sldId id="302" r:id="rId22"/>
+    <p:sldId id="303" r:id="rId23"/>
+    <p:sldId id="305" r:id="rId24"/>
+    <p:sldId id="306" r:id="rId25"/>
+    <p:sldId id="307" r:id="rId26"/>
+    <p:sldId id="267" r:id="rId27"/>
   </p:sldIdLst>
   <p:sldSz cx="12192000" cy="6858000"/>
   <p:notesSz cx="6858000" cy="9144000"/>
   <p:custDataLst>
-    <p:tags r:id="rId30"/>
+    <p:tags r:id="rId31"/>
   </p:custDataLst>
   <p:defaultTextStyle>
     <a:defPPr>
@@ -4593,7 +4594,7 @@
       </p:sp>
       <p:pic>
         <p:nvPicPr>
-          <p:cNvPr id="3" name="图片 2" descr="SDK接口封装"/>
+          <p:cNvPr id="4" name="图片 3" descr="SDK接口封装"/>
           <p:cNvPicPr>
             <a:picLocks noChangeAspect="1"/>
           </p:cNvPicPr>
@@ -4607,8 +4608,8 @@
         </p:blipFill>
         <p:spPr>
           <a:xfrm>
-            <a:off x="0" y="348615"/>
-            <a:ext cx="12192000" cy="6160770"/>
+            <a:off x="0" y="342265"/>
+            <a:ext cx="12192000" cy="6173470"/>
           </a:xfrm>
           <a:prstGeom prst="rect">
             <a:avLst/>
@@ -4739,7 +4740,7 @@
         <p:spPr>
           <a:xfrm>
             <a:off x="972185" y="1805940"/>
-            <a:ext cx="6782435" cy="1168400"/>
+            <a:ext cx="6782435" cy="1383665"/>
           </a:xfrm>
           <a:prstGeom prst="rect">
             <a:avLst/>
@@ -4764,7 +4765,470 @@
                 <a:cs typeface="等线 Light" panose="02010600030101010101" charset="-122"/>
                 <a:sym typeface="+mn-lt"/>
               </a:rPr>
-              <a:t>为了能够让Gs核心业务与交互彻底的分离。设计GsService.apk服务模块，该模块主要实现了核心业务和不同产品直接的兼容性，通过addService将服务添加到系统服务管理中；设计API模块，提供服务功能的不同组合接口，从而达到不同产品可以使用同一套API，该模块通过getService与GsService服务实现连接，从而可以调用内部业务功能。</a:t>
+              <a:t>目的：让</a:t>
+            </a:r>
+            <a:r>
+              <a:rPr lang="en-US" altLang="zh-CN" sz="1400" b="1" dirty="0">
+                <a:solidFill>
+                  <a:schemeClr val="tx1">
+                    <a:lumMod val="75000"/>
+                    <a:lumOff val="25000"/>
+                  </a:schemeClr>
+                </a:solidFill>
+                <a:latin typeface="等线 Light" panose="02010600030101010101" charset="-122"/>
+                <a:ea typeface="等线 Light" panose="02010600030101010101" charset="-122"/>
+                <a:cs typeface="等线 Light" panose="02010600030101010101" charset="-122"/>
+                <a:sym typeface="+mn-lt"/>
+              </a:rPr>
+              <a:t> </a:t>
+            </a:r>
+            <a:r>
+              <a:rPr lang="zh-CN" altLang="en-US" sz="1400" b="1" dirty="0">
+                <a:solidFill>
+                  <a:schemeClr val="tx1">
+                    <a:lumMod val="75000"/>
+                    <a:lumOff val="25000"/>
+                  </a:schemeClr>
+                </a:solidFill>
+                <a:latin typeface="等线 Light" panose="02010600030101010101" charset="-122"/>
+                <a:ea typeface="等线 Light" panose="02010600030101010101" charset="-122"/>
+                <a:cs typeface="等线 Light" panose="02010600030101010101" charset="-122"/>
+                <a:sym typeface="+mn-lt"/>
+              </a:rPr>
+              <a:t>Gs</a:t>
+            </a:r>
+            <a:r>
+              <a:rPr lang="en-US" altLang="zh-CN" sz="1400" b="1" dirty="0">
+                <a:solidFill>
+                  <a:schemeClr val="tx1">
+                    <a:lumMod val="75000"/>
+                    <a:lumOff val="25000"/>
+                  </a:schemeClr>
+                </a:solidFill>
+                <a:latin typeface="等线 Light" panose="02010600030101010101" charset="-122"/>
+                <a:ea typeface="等线 Light" panose="02010600030101010101" charset="-122"/>
+                <a:cs typeface="等线 Light" panose="02010600030101010101" charset="-122"/>
+                <a:sym typeface="+mn-lt"/>
+              </a:rPr>
+              <a:t> </a:t>
+            </a:r>
+            <a:r>
+              <a:rPr lang="zh-CN" altLang="en-US" sz="1400" b="1" dirty="0">
+                <a:solidFill>
+                  <a:schemeClr val="tx1">
+                    <a:lumMod val="75000"/>
+                    <a:lumOff val="25000"/>
+                  </a:schemeClr>
+                </a:solidFill>
+                <a:latin typeface="等线 Light" panose="02010600030101010101" charset="-122"/>
+                <a:ea typeface="等线 Light" panose="02010600030101010101" charset="-122"/>
+                <a:cs typeface="等线 Light" panose="02010600030101010101" charset="-122"/>
+                <a:sym typeface="+mn-lt"/>
+              </a:rPr>
+              <a:t>核心业务与交互彻底的分离。</a:t>
+            </a:r>
+            <a:endParaRPr lang="zh-CN" altLang="en-US" sz="1400" b="1" dirty="0">
+              <a:solidFill>
+                <a:schemeClr val="tx1">
+                  <a:lumMod val="75000"/>
+                  <a:lumOff val="25000"/>
+                </a:schemeClr>
+              </a:solidFill>
+              <a:latin typeface="等线 Light" panose="02010600030101010101" charset="-122"/>
+              <a:ea typeface="等线 Light" panose="02010600030101010101" charset="-122"/>
+              <a:cs typeface="等线 Light" panose="02010600030101010101" charset="-122"/>
+              <a:sym typeface="+mn-lt"/>
+            </a:endParaRPr>
+          </a:p>
+          <a:p>
+            <a:endParaRPr lang="zh-CN" altLang="en-US" sz="1400" b="1" dirty="0">
+              <a:solidFill>
+                <a:schemeClr val="tx1">
+                  <a:lumMod val="75000"/>
+                  <a:lumOff val="25000"/>
+                </a:schemeClr>
+              </a:solidFill>
+              <a:latin typeface="等线 Light" panose="02010600030101010101" charset="-122"/>
+              <a:ea typeface="等线 Light" panose="02010600030101010101" charset="-122"/>
+              <a:cs typeface="等线 Light" panose="02010600030101010101" charset="-122"/>
+              <a:sym typeface="+mn-lt"/>
+            </a:endParaRPr>
+          </a:p>
+          <a:p>
+            <a:r>
+              <a:rPr lang="zh-CN" altLang="en-US" sz="1400" b="1" dirty="0">
+                <a:solidFill>
+                  <a:schemeClr val="tx1">
+                    <a:lumMod val="75000"/>
+                    <a:lumOff val="25000"/>
+                  </a:schemeClr>
+                </a:solidFill>
+                <a:latin typeface="等线 Light" panose="02010600030101010101" charset="-122"/>
+                <a:ea typeface="等线 Light" panose="02010600030101010101" charset="-122"/>
+                <a:cs typeface="等线 Light" panose="02010600030101010101" charset="-122"/>
+                <a:sym typeface="+mn-lt"/>
+              </a:rPr>
+              <a:t>实现：设计</a:t>
+            </a:r>
+            <a:r>
+              <a:rPr lang="en-US" altLang="zh-CN" sz="1400" b="1" dirty="0">
+                <a:solidFill>
+                  <a:schemeClr val="tx1">
+                    <a:lumMod val="75000"/>
+                    <a:lumOff val="25000"/>
+                  </a:schemeClr>
+                </a:solidFill>
+                <a:latin typeface="等线 Light" panose="02010600030101010101" charset="-122"/>
+                <a:ea typeface="等线 Light" panose="02010600030101010101" charset="-122"/>
+                <a:cs typeface="等线 Light" panose="02010600030101010101" charset="-122"/>
+                <a:sym typeface="+mn-lt"/>
+              </a:rPr>
+              <a:t> </a:t>
+            </a:r>
+            <a:r>
+              <a:rPr lang="zh-CN" altLang="en-US" sz="1400" b="1" dirty="0">
+                <a:solidFill>
+                  <a:schemeClr val="tx1">
+                    <a:lumMod val="75000"/>
+                    <a:lumOff val="25000"/>
+                  </a:schemeClr>
+                </a:solidFill>
+                <a:latin typeface="等线 Light" panose="02010600030101010101" charset="-122"/>
+                <a:ea typeface="等线 Light" panose="02010600030101010101" charset="-122"/>
+                <a:cs typeface="等线 Light" panose="02010600030101010101" charset="-122"/>
+                <a:sym typeface="+mn-lt"/>
+              </a:rPr>
+              <a:t>GsService.apk</a:t>
+            </a:r>
+            <a:r>
+              <a:rPr lang="en-US" altLang="zh-CN" sz="1400" b="1" dirty="0">
+                <a:solidFill>
+                  <a:schemeClr val="tx1">
+                    <a:lumMod val="75000"/>
+                    <a:lumOff val="25000"/>
+                  </a:schemeClr>
+                </a:solidFill>
+                <a:latin typeface="等线 Light" panose="02010600030101010101" charset="-122"/>
+                <a:ea typeface="等线 Light" panose="02010600030101010101" charset="-122"/>
+                <a:cs typeface="等线 Light" panose="02010600030101010101" charset="-122"/>
+                <a:sym typeface="+mn-lt"/>
+              </a:rPr>
+              <a:t> </a:t>
+            </a:r>
+            <a:r>
+              <a:rPr lang="zh-CN" altLang="en-US" sz="1400" b="1" dirty="0">
+                <a:solidFill>
+                  <a:schemeClr val="tx1">
+                    <a:lumMod val="75000"/>
+                    <a:lumOff val="25000"/>
+                  </a:schemeClr>
+                </a:solidFill>
+                <a:latin typeface="等线 Light" panose="02010600030101010101" charset="-122"/>
+                <a:ea typeface="等线 Light" panose="02010600030101010101" charset="-122"/>
+                <a:cs typeface="等线 Light" panose="02010600030101010101" charset="-122"/>
+                <a:sym typeface="+mn-lt"/>
+              </a:rPr>
+              <a:t>服务模块，实现了核心业务和不同产品直接的兼容性，通过</a:t>
+            </a:r>
+            <a:r>
+              <a:rPr lang="en-US" altLang="zh-CN" sz="1400" b="1" dirty="0">
+                <a:solidFill>
+                  <a:schemeClr val="tx1">
+                    <a:lumMod val="75000"/>
+                    <a:lumOff val="25000"/>
+                  </a:schemeClr>
+                </a:solidFill>
+                <a:latin typeface="等线 Light" panose="02010600030101010101" charset="-122"/>
+                <a:ea typeface="等线 Light" panose="02010600030101010101" charset="-122"/>
+                <a:cs typeface="等线 Light" panose="02010600030101010101" charset="-122"/>
+                <a:sym typeface="+mn-lt"/>
+              </a:rPr>
+              <a:t> </a:t>
+            </a:r>
+            <a:r>
+              <a:rPr lang="zh-CN" altLang="en-US" sz="1400" b="1" dirty="0">
+                <a:solidFill>
+                  <a:schemeClr val="tx1">
+                    <a:lumMod val="75000"/>
+                    <a:lumOff val="25000"/>
+                  </a:schemeClr>
+                </a:solidFill>
+                <a:latin typeface="等线 Light" panose="02010600030101010101" charset="-122"/>
+                <a:ea typeface="等线 Light" panose="02010600030101010101" charset="-122"/>
+                <a:cs typeface="等线 Light" panose="02010600030101010101" charset="-122"/>
+                <a:sym typeface="+mn-lt"/>
+              </a:rPr>
+              <a:t>addService</a:t>
+            </a:r>
+            <a:r>
+              <a:rPr lang="en-US" altLang="zh-CN" sz="1400" b="1" dirty="0">
+                <a:solidFill>
+                  <a:schemeClr val="tx1">
+                    <a:lumMod val="75000"/>
+                    <a:lumOff val="25000"/>
+                  </a:schemeClr>
+                </a:solidFill>
+                <a:latin typeface="等线 Light" panose="02010600030101010101" charset="-122"/>
+                <a:ea typeface="等线 Light" panose="02010600030101010101" charset="-122"/>
+                <a:cs typeface="等线 Light" panose="02010600030101010101" charset="-122"/>
+                <a:sym typeface="+mn-lt"/>
+              </a:rPr>
+              <a:t> </a:t>
+            </a:r>
+            <a:r>
+              <a:rPr lang="zh-CN" altLang="en-US" sz="1400" b="1" dirty="0">
+                <a:solidFill>
+                  <a:schemeClr val="tx1">
+                    <a:lumMod val="75000"/>
+                    <a:lumOff val="25000"/>
+                  </a:schemeClr>
+                </a:solidFill>
+                <a:latin typeface="等线 Light" panose="02010600030101010101" charset="-122"/>
+                <a:ea typeface="等线 Light" panose="02010600030101010101" charset="-122"/>
+                <a:cs typeface="等线 Light" panose="02010600030101010101" charset="-122"/>
+                <a:sym typeface="+mn-lt"/>
+              </a:rPr>
+              <a:t>将服务添加到系统服务管理中；设计</a:t>
+            </a:r>
+            <a:r>
+              <a:rPr lang="en-US" altLang="zh-CN" sz="1400" b="1" dirty="0">
+                <a:solidFill>
+                  <a:schemeClr val="tx1">
+                    <a:lumMod val="75000"/>
+                    <a:lumOff val="25000"/>
+                  </a:schemeClr>
+                </a:solidFill>
+                <a:latin typeface="等线 Light" panose="02010600030101010101" charset="-122"/>
+                <a:ea typeface="等线 Light" panose="02010600030101010101" charset="-122"/>
+                <a:cs typeface="等线 Light" panose="02010600030101010101" charset="-122"/>
+                <a:sym typeface="+mn-lt"/>
+              </a:rPr>
+              <a:t> </a:t>
+            </a:r>
+            <a:r>
+              <a:rPr lang="zh-CN" altLang="en-US" sz="1400" b="1" dirty="0">
+                <a:solidFill>
+                  <a:schemeClr val="tx1">
+                    <a:lumMod val="75000"/>
+                    <a:lumOff val="25000"/>
+                  </a:schemeClr>
+                </a:solidFill>
+                <a:latin typeface="等线 Light" panose="02010600030101010101" charset="-122"/>
+                <a:ea typeface="等线 Light" panose="02010600030101010101" charset="-122"/>
+                <a:cs typeface="等线 Light" panose="02010600030101010101" charset="-122"/>
+                <a:sym typeface="+mn-lt"/>
+              </a:rPr>
+              <a:t>API</a:t>
+            </a:r>
+            <a:r>
+              <a:rPr lang="en-US" altLang="zh-CN" sz="1400" b="1" dirty="0">
+                <a:solidFill>
+                  <a:schemeClr val="tx1">
+                    <a:lumMod val="75000"/>
+                    <a:lumOff val="25000"/>
+                  </a:schemeClr>
+                </a:solidFill>
+                <a:latin typeface="等线 Light" panose="02010600030101010101" charset="-122"/>
+                <a:ea typeface="等线 Light" panose="02010600030101010101" charset="-122"/>
+                <a:cs typeface="等线 Light" panose="02010600030101010101" charset="-122"/>
+                <a:sym typeface="+mn-lt"/>
+              </a:rPr>
+              <a:t> </a:t>
+            </a:r>
+            <a:r>
+              <a:rPr lang="zh-CN" altLang="en-US" sz="1400" b="1" dirty="0">
+                <a:solidFill>
+                  <a:schemeClr val="tx1">
+                    <a:lumMod val="75000"/>
+                    <a:lumOff val="25000"/>
+                  </a:schemeClr>
+                </a:solidFill>
+                <a:latin typeface="等线 Light" panose="02010600030101010101" charset="-122"/>
+                <a:ea typeface="等线 Light" panose="02010600030101010101" charset="-122"/>
+                <a:cs typeface="等线 Light" panose="02010600030101010101" charset="-122"/>
+                <a:sym typeface="+mn-lt"/>
+              </a:rPr>
+              <a:t>客户端模块，提供服务功能的不同组合接口，从而达到不同产品可以使用同一套</a:t>
+            </a:r>
+            <a:r>
+              <a:rPr lang="en-US" altLang="zh-CN" sz="1400" b="1" dirty="0">
+                <a:solidFill>
+                  <a:schemeClr val="tx1">
+                    <a:lumMod val="75000"/>
+                    <a:lumOff val="25000"/>
+                  </a:schemeClr>
+                </a:solidFill>
+                <a:latin typeface="等线 Light" panose="02010600030101010101" charset="-122"/>
+                <a:ea typeface="等线 Light" panose="02010600030101010101" charset="-122"/>
+                <a:cs typeface="等线 Light" panose="02010600030101010101" charset="-122"/>
+                <a:sym typeface="+mn-lt"/>
+              </a:rPr>
+              <a:t> </a:t>
+            </a:r>
+            <a:r>
+              <a:rPr lang="zh-CN" altLang="en-US" sz="1400" b="1" dirty="0">
+                <a:solidFill>
+                  <a:schemeClr val="tx1">
+                    <a:lumMod val="75000"/>
+                    <a:lumOff val="25000"/>
+                  </a:schemeClr>
+                </a:solidFill>
+                <a:latin typeface="等线 Light" panose="02010600030101010101" charset="-122"/>
+                <a:ea typeface="等线 Light" panose="02010600030101010101" charset="-122"/>
+                <a:cs typeface="等线 Light" panose="02010600030101010101" charset="-122"/>
+                <a:sym typeface="+mn-lt"/>
+              </a:rPr>
+              <a:t>API</a:t>
+            </a:r>
+            <a:r>
+              <a:rPr lang="en-US" altLang="zh-CN" sz="1400" b="1" dirty="0">
+                <a:solidFill>
+                  <a:schemeClr val="tx1">
+                    <a:lumMod val="75000"/>
+                    <a:lumOff val="25000"/>
+                  </a:schemeClr>
+                </a:solidFill>
+                <a:latin typeface="等线 Light" panose="02010600030101010101" charset="-122"/>
+                <a:ea typeface="等线 Light" panose="02010600030101010101" charset="-122"/>
+                <a:cs typeface="等线 Light" panose="02010600030101010101" charset="-122"/>
+                <a:sym typeface="+mn-lt"/>
+              </a:rPr>
+              <a:t> </a:t>
+            </a:r>
+            <a:r>
+              <a:rPr lang="zh-CN" altLang="en-US" sz="1400" b="1" dirty="0">
+                <a:solidFill>
+                  <a:schemeClr val="tx1">
+                    <a:lumMod val="75000"/>
+                    <a:lumOff val="25000"/>
+                  </a:schemeClr>
+                </a:solidFill>
+                <a:latin typeface="等线 Light" panose="02010600030101010101" charset="-122"/>
+                <a:ea typeface="等线 Light" panose="02010600030101010101" charset="-122"/>
+                <a:cs typeface="等线 Light" panose="02010600030101010101" charset="-122"/>
+                <a:sym typeface="+mn-lt"/>
+              </a:rPr>
+              <a:t>，通过</a:t>
+            </a:r>
+            <a:r>
+              <a:rPr lang="en-US" altLang="zh-CN" sz="1400" b="1" dirty="0">
+                <a:solidFill>
+                  <a:schemeClr val="tx1">
+                    <a:lumMod val="75000"/>
+                    <a:lumOff val="25000"/>
+                  </a:schemeClr>
+                </a:solidFill>
+                <a:latin typeface="等线 Light" panose="02010600030101010101" charset="-122"/>
+                <a:ea typeface="等线 Light" panose="02010600030101010101" charset="-122"/>
+                <a:cs typeface="等线 Light" panose="02010600030101010101" charset="-122"/>
+                <a:sym typeface="+mn-lt"/>
+              </a:rPr>
+              <a:t> </a:t>
+            </a:r>
+            <a:r>
+              <a:rPr lang="zh-CN" altLang="en-US" sz="1400" b="1" dirty="0">
+                <a:solidFill>
+                  <a:schemeClr val="tx1">
+                    <a:lumMod val="75000"/>
+                    <a:lumOff val="25000"/>
+                  </a:schemeClr>
+                </a:solidFill>
+                <a:latin typeface="等线 Light" panose="02010600030101010101" charset="-122"/>
+                <a:ea typeface="等线 Light" panose="02010600030101010101" charset="-122"/>
+                <a:cs typeface="等线 Light" panose="02010600030101010101" charset="-122"/>
+                <a:sym typeface="+mn-lt"/>
+              </a:rPr>
+              <a:t>getService</a:t>
+            </a:r>
+            <a:r>
+              <a:rPr lang="en-US" altLang="zh-CN" sz="1400" b="1" dirty="0">
+                <a:solidFill>
+                  <a:schemeClr val="tx1">
+                    <a:lumMod val="75000"/>
+                    <a:lumOff val="25000"/>
+                  </a:schemeClr>
+                </a:solidFill>
+                <a:latin typeface="等线 Light" panose="02010600030101010101" charset="-122"/>
+                <a:ea typeface="等线 Light" panose="02010600030101010101" charset="-122"/>
+                <a:cs typeface="等线 Light" panose="02010600030101010101" charset="-122"/>
+                <a:sym typeface="+mn-lt"/>
+              </a:rPr>
+              <a:t> </a:t>
+            </a:r>
+            <a:r>
+              <a:rPr lang="zh-CN" altLang="en-US" sz="1400" b="1" dirty="0">
+                <a:solidFill>
+                  <a:schemeClr val="tx1">
+                    <a:lumMod val="75000"/>
+                    <a:lumOff val="25000"/>
+                  </a:schemeClr>
+                </a:solidFill>
+                <a:latin typeface="等线 Light" panose="02010600030101010101" charset="-122"/>
+                <a:ea typeface="等线 Light" panose="02010600030101010101" charset="-122"/>
+                <a:cs typeface="等线 Light" panose="02010600030101010101" charset="-122"/>
+                <a:sym typeface="+mn-lt"/>
+              </a:rPr>
+              <a:t>与</a:t>
+            </a:r>
+            <a:r>
+              <a:rPr lang="en-US" altLang="zh-CN" sz="1400" b="1" dirty="0">
+                <a:solidFill>
+                  <a:schemeClr val="tx1">
+                    <a:lumMod val="75000"/>
+                    <a:lumOff val="25000"/>
+                  </a:schemeClr>
+                </a:solidFill>
+                <a:latin typeface="等线 Light" panose="02010600030101010101" charset="-122"/>
+                <a:ea typeface="等线 Light" panose="02010600030101010101" charset="-122"/>
+                <a:cs typeface="等线 Light" panose="02010600030101010101" charset="-122"/>
+                <a:sym typeface="+mn-lt"/>
+              </a:rPr>
+              <a:t> </a:t>
+            </a:r>
+            <a:r>
+              <a:rPr lang="zh-CN" altLang="en-US" sz="1400" b="1" dirty="0">
+                <a:solidFill>
+                  <a:schemeClr val="tx1">
+                    <a:lumMod val="75000"/>
+                    <a:lumOff val="25000"/>
+                  </a:schemeClr>
+                </a:solidFill>
+                <a:latin typeface="等线 Light" panose="02010600030101010101" charset="-122"/>
+                <a:ea typeface="等线 Light" panose="02010600030101010101" charset="-122"/>
+                <a:cs typeface="等线 Light" panose="02010600030101010101" charset="-122"/>
+                <a:sym typeface="+mn-lt"/>
+              </a:rPr>
+              <a:t>GsService</a:t>
+            </a:r>
+            <a:r>
+              <a:rPr lang="en-US" altLang="zh-CN" sz="1400" b="1" dirty="0">
+                <a:solidFill>
+                  <a:schemeClr val="tx1">
+                    <a:lumMod val="75000"/>
+                    <a:lumOff val="25000"/>
+                  </a:schemeClr>
+                </a:solidFill>
+                <a:latin typeface="等线 Light" panose="02010600030101010101" charset="-122"/>
+                <a:ea typeface="等线 Light" panose="02010600030101010101" charset="-122"/>
+                <a:cs typeface="等线 Light" panose="02010600030101010101" charset="-122"/>
+                <a:sym typeface="+mn-lt"/>
+              </a:rPr>
+              <a:t> </a:t>
+            </a:r>
+            <a:r>
+              <a:rPr lang="zh-CN" altLang="en-US" sz="1400" b="1" dirty="0">
+                <a:solidFill>
+                  <a:schemeClr val="tx1">
+                    <a:lumMod val="75000"/>
+                    <a:lumOff val="25000"/>
+                  </a:schemeClr>
+                </a:solidFill>
+                <a:latin typeface="等线 Light" panose="02010600030101010101" charset="-122"/>
+                <a:ea typeface="等线 Light" panose="02010600030101010101" charset="-122"/>
+                <a:cs typeface="等线 Light" panose="02010600030101010101" charset="-122"/>
+                <a:sym typeface="+mn-lt"/>
+              </a:rPr>
+              <a:t>服务实现连接，从而可以调用内部业务功能。</a:t>
             </a:r>
             <a:endParaRPr lang="zh-CN" altLang="en-US" sz="1400" b="1" dirty="0">
               <a:solidFill>
@@ -4832,7 +5296,7 @@
         </p:blipFill>
         <p:spPr>
           <a:xfrm>
-            <a:off x="858520" y="2974340"/>
+            <a:off x="858520" y="3189605"/>
             <a:ext cx="3943350" cy="3343275"/>
           </a:xfrm>
           <a:prstGeom prst="rect">
@@ -4896,7 +5360,7 @@
       </p:sp>
       <p:pic>
         <p:nvPicPr>
-          <p:cNvPr id="3" name="图片 2" descr="GS框架"/>
+          <p:cNvPr id="4" name="图片 3" descr="GS框架"/>
           <p:cNvPicPr>
             <a:picLocks noChangeAspect="1"/>
           </p:cNvPicPr>
@@ -4910,8 +5374,8 @@
         </p:blipFill>
         <p:spPr>
           <a:xfrm>
-            <a:off x="0" y="1204595"/>
-            <a:ext cx="12192000" cy="4448810"/>
+            <a:off x="0" y="427355"/>
+            <a:ext cx="12192000" cy="6002655"/>
           </a:xfrm>
           <a:prstGeom prst="rect">
             <a:avLst/>
@@ -5042,7 +5506,7 @@
         <p:spPr>
           <a:xfrm>
             <a:off x="972185" y="1805940"/>
-            <a:ext cx="6782435" cy="2030095"/>
+            <a:ext cx="6782435" cy="306705"/>
           </a:xfrm>
           <a:prstGeom prst="rect">
             <a:avLst/>
@@ -5055,268 +5519,21 @@
           </a:bodyPr>
           <a:p>
             <a:r>
-              <a:rPr lang="en-US" altLang="zh-CN" sz="1400" b="1" dirty="0">
-                <a:solidFill>
-                  <a:schemeClr val="tx1">
-                    <a:lumMod val="75000"/>
-                    <a:lumOff val="25000"/>
-                  </a:schemeClr>
-                </a:solidFill>
-                <a:latin typeface="等线 Light" panose="02010600030101010101" charset="-122"/>
-                <a:ea typeface="等线 Light" panose="02010600030101010101" charset="-122"/>
-                <a:cs typeface="等线 Light" panose="02010600030101010101" charset="-122"/>
-                <a:sym typeface="+mn-lt"/>
-              </a:rPr>
-              <a:t>1</a:t>
-            </a:r>
-            <a:r>
-              <a:rPr lang="zh-CN" altLang="en-US" sz="1400" b="1" dirty="0">
-                <a:solidFill>
-                  <a:schemeClr val="tx1">
-                    <a:lumMod val="75000"/>
-                    <a:lumOff val="25000"/>
-                  </a:schemeClr>
-                </a:solidFill>
-                <a:latin typeface="等线 Light" panose="02010600030101010101" charset="-122"/>
-                <a:ea typeface="等线 Light" panose="02010600030101010101" charset="-122"/>
-                <a:cs typeface="等线 Light" panose="02010600030101010101" charset="-122"/>
-                <a:sym typeface="+mn-lt"/>
-              </a:rPr>
-              <a:t>、语音唤醒。</a:t>
-            </a:r>
-            <a:endParaRPr lang="zh-CN" altLang="en-US" sz="1400" b="1" dirty="0">
-              <a:solidFill>
-                <a:schemeClr val="tx1">
-                  <a:lumMod val="75000"/>
-                  <a:lumOff val="25000"/>
-                </a:schemeClr>
-              </a:solidFill>
-              <a:latin typeface="等线 Light" panose="02010600030101010101" charset="-122"/>
-              <a:ea typeface="等线 Light" panose="02010600030101010101" charset="-122"/>
-              <a:cs typeface="等线 Light" panose="02010600030101010101" charset="-122"/>
-              <a:sym typeface="+mn-lt"/>
-            </a:endParaRPr>
-          </a:p>
-          <a:p>
-            <a:endParaRPr lang="en-US" altLang="zh-CN" sz="1400" b="1" dirty="0">
-              <a:solidFill>
-                <a:schemeClr val="tx1">
-                  <a:lumMod val="75000"/>
-                  <a:lumOff val="25000"/>
-                </a:schemeClr>
-              </a:solidFill>
-              <a:latin typeface="等线 Light" panose="02010600030101010101" charset="-122"/>
-              <a:ea typeface="等线 Light" panose="02010600030101010101" charset="-122"/>
-              <a:cs typeface="等线 Light" panose="02010600030101010101" charset="-122"/>
-              <a:sym typeface="+mn-lt"/>
-            </a:endParaRPr>
-          </a:p>
-          <a:p>
-            <a:r>
-              <a:rPr lang="en-US" altLang="zh-CN" sz="1400" b="1" dirty="0">
-                <a:solidFill>
-                  <a:schemeClr val="tx1">
-                    <a:lumMod val="75000"/>
-                    <a:lumOff val="25000"/>
-                  </a:schemeClr>
-                </a:solidFill>
-                <a:latin typeface="等线 Light" panose="02010600030101010101" charset="-122"/>
-                <a:ea typeface="等线 Light" panose="02010600030101010101" charset="-122"/>
-                <a:cs typeface="等线 Light" panose="02010600030101010101" charset="-122"/>
-                <a:sym typeface="+mn-lt"/>
-              </a:rPr>
-              <a:t>2</a:t>
-            </a:r>
-            <a:r>
-              <a:rPr lang="zh-CN" altLang="en-US" sz="1400" b="1" dirty="0">
-                <a:solidFill>
-                  <a:schemeClr val="tx1">
-                    <a:lumMod val="75000"/>
-                    <a:lumOff val="25000"/>
-                  </a:schemeClr>
-                </a:solidFill>
-                <a:latin typeface="等线 Light" panose="02010600030101010101" charset="-122"/>
-                <a:ea typeface="等线 Light" panose="02010600030101010101" charset="-122"/>
-                <a:cs typeface="等线 Light" panose="02010600030101010101" charset="-122"/>
-                <a:sym typeface="+mn-lt"/>
-              </a:rPr>
-              <a:t>、语法构建。</a:t>
-            </a:r>
-            <a:endParaRPr lang="zh-CN" altLang="en-US" sz="1400" b="1" dirty="0">
-              <a:solidFill>
-                <a:schemeClr val="tx1">
-                  <a:lumMod val="75000"/>
-                  <a:lumOff val="25000"/>
-                </a:schemeClr>
-              </a:solidFill>
-              <a:latin typeface="等线 Light" panose="02010600030101010101" charset="-122"/>
-              <a:ea typeface="等线 Light" panose="02010600030101010101" charset="-122"/>
-              <a:cs typeface="等线 Light" panose="02010600030101010101" charset="-122"/>
-              <a:sym typeface="+mn-lt"/>
-            </a:endParaRPr>
-          </a:p>
-          <a:p>
-            <a:endParaRPr lang="zh-CN" altLang="en-US" sz="1400" b="1" dirty="0">
-              <a:solidFill>
-                <a:schemeClr val="tx1">
-                  <a:lumMod val="75000"/>
-                  <a:lumOff val="25000"/>
-                </a:schemeClr>
-              </a:solidFill>
-              <a:latin typeface="等线 Light" panose="02010600030101010101" charset="-122"/>
-              <a:ea typeface="等线 Light" panose="02010600030101010101" charset="-122"/>
-              <a:cs typeface="等线 Light" panose="02010600030101010101" charset="-122"/>
-              <a:sym typeface="+mn-lt"/>
-            </a:endParaRPr>
-          </a:p>
-          <a:p>
-            <a:r>
-              <a:rPr lang="en-US" altLang="zh-CN" sz="1400" b="1" dirty="0">
-                <a:solidFill>
-                  <a:schemeClr val="tx1">
-                    <a:lumMod val="75000"/>
-                    <a:lumOff val="25000"/>
-                  </a:schemeClr>
-                </a:solidFill>
-                <a:latin typeface="等线 Light" panose="02010600030101010101" charset="-122"/>
-                <a:ea typeface="等线 Light" panose="02010600030101010101" charset="-122"/>
-                <a:cs typeface="等线 Light" panose="02010600030101010101" charset="-122"/>
-                <a:sym typeface="+mn-lt"/>
-              </a:rPr>
-              <a:t>3</a:t>
-            </a:r>
-            <a:r>
-              <a:rPr lang="zh-CN" altLang="en-US" sz="1400" b="1" dirty="0">
-                <a:solidFill>
-                  <a:schemeClr val="tx1">
-                    <a:lumMod val="75000"/>
-                    <a:lumOff val="25000"/>
-                  </a:schemeClr>
-                </a:solidFill>
-                <a:latin typeface="等线 Light" panose="02010600030101010101" charset="-122"/>
-                <a:ea typeface="等线 Light" panose="02010600030101010101" charset="-122"/>
-                <a:cs typeface="等线 Light" panose="02010600030101010101" charset="-122"/>
-                <a:sym typeface="+mn-lt"/>
-              </a:rPr>
-              <a:t>、语音合成。</a:t>
-            </a:r>
-            <a:endParaRPr lang="zh-CN" altLang="en-US" sz="1400" b="1" dirty="0">
-              <a:solidFill>
-                <a:schemeClr val="tx1">
-                  <a:lumMod val="75000"/>
-                  <a:lumOff val="25000"/>
-                </a:schemeClr>
-              </a:solidFill>
-              <a:latin typeface="等线 Light" panose="02010600030101010101" charset="-122"/>
-              <a:ea typeface="等线 Light" panose="02010600030101010101" charset="-122"/>
-              <a:cs typeface="等线 Light" panose="02010600030101010101" charset="-122"/>
-              <a:sym typeface="+mn-lt"/>
-            </a:endParaRPr>
-          </a:p>
-          <a:p>
-            <a:endParaRPr lang="zh-CN" altLang="en-US" sz="1400" b="1" dirty="0">
-              <a:solidFill>
-                <a:schemeClr val="tx1">
-                  <a:lumMod val="75000"/>
-                  <a:lumOff val="25000"/>
-                </a:schemeClr>
-              </a:solidFill>
-              <a:latin typeface="等线 Light" panose="02010600030101010101" charset="-122"/>
-              <a:ea typeface="等线 Light" panose="02010600030101010101" charset="-122"/>
-              <a:cs typeface="等线 Light" panose="02010600030101010101" charset="-122"/>
-              <a:sym typeface="+mn-lt"/>
-            </a:endParaRPr>
-          </a:p>
-          <a:p>
-            <a:r>
-              <a:rPr lang="en-US" altLang="zh-CN" sz="1400" b="1" dirty="0">
-                <a:solidFill>
-                  <a:schemeClr val="tx1">
-                    <a:lumMod val="75000"/>
-                    <a:lumOff val="25000"/>
-                  </a:schemeClr>
-                </a:solidFill>
-                <a:latin typeface="等线 Light" panose="02010600030101010101" charset="-122"/>
-                <a:ea typeface="等线 Light" panose="02010600030101010101" charset="-122"/>
-                <a:cs typeface="等线 Light" panose="02010600030101010101" charset="-122"/>
-                <a:sym typeface="+mn-lt"/>
-              </a:rPr>
-              <a:t>4</a:t>
-            </a:r>
-            <a:r>
-              <a:rPr lang="zh-CN" altLang="en-US" sz="1400" b="1" dirty="0">
-                <a:solidFill>
-                  <a:schemeClr val="tx1">
-                    <a:lumMod val="75000"/>
-                    <a:lumOff val="25000"/>
-                  </a:schemeClr>
-                </a:solidFill>
-                <a:latin typeface="等线 Light" panose="02010600030101010101" charset="-122"/>
-                <a:ea typeface="等线 Light" panose="02010600030101010101" charset="-122"/>
-                <a:cs typeface="等线 Light" panose="02010600030101010101" charset="-122"/>
-                <a:sym typeface="+mn-lt"/>
-              </a:rPr>
-              <a:t>、语音识别。</a:t>
-            </a:r>
-            <a:endParaRPr lang="zh-CN" altLang="en-US" sz="1400" b="1" dirty="0">
-              <a:solidFill>
-                <a:schemeClr val="tx1">
-                  <a:lumMod val="75000"/>
-                  <a:lumOff val="25000"/>
-                </a:schemeClr>
-              </a:solidFill>
-              <a:latin typeface="等线 Light" panose="02010600030101010101" charset="-122"/>
-              <a:ea typeface="等线 Light" panose="02010600030101010101" charset="-122"/>
-              <a:cs typeface="等线 Light" panose="02010600030101010101" charset="-122"/>
-              <a:sym typeface="+mn-lt"/>
-            </a:endParaRPr>
-          </a:p>
-          <a:p>
-            <a:endParaRPr lang="zh-CN" altLang="en-US" sz="1400" b="1" dirty="0">
-              <a:solidFill>
-                <a:schemeClr val="tx1">
-                  <a:lumMod val="75000"/>
-                  <a:lumOff val="25000"/>
-                </a:schemeClr>
-              </a:solidFill>
-              <a:latin typeface="等线 Light" panose="02010600030101010101" charset="-122"/>
-              <a:ea typeface="等线 Light" panose="02010600030101010101" charset="-122"/>
-              <a:cs typeface="等线 Light" panose="02010600030101010101" charset="-122"/>
-              <a:sym typeface="+mn-lt"/>
-            </a:endParaRPr>
-          </a:p>
-          <a:p>
-            <a:r>
-              <a:rPr lang="en-US" altLang="zh-CN" sz="1400" b="1" dirty="0">
-                <a:solidFill>
-                  <a:schemeClr val="tx1">
-                    <a:lumMod val="75000"/>
-                    <a:lumOff val="25000"/>
-                  </a:schemeClr>
-                </a:solidFill>
-                <a:latin typeface="等线 Light" panose="02010600030101010101" charset="-122"/>
-                <a:ea typeface="等线 Light" panose="02010600030101010101" charset="-122"/>
-                <a:cs typeface="等线 Light" panose="02010600030101010101" charset="-122"/>
-                <a:sym typeface="+mn-lt"/>
-              </a:rPr>
-              <a:t>5</a:t>
-            </a:r>
-            <a:r>
-              <a:rPr lang="zh-CN" altLang="en-US" sz="1400" b="1" dirty="0">
-                <a:solidFill>
-                  <a:schemeClr val="tx1">
-                    <a:lumMod val="75000"/>
-                    <a:lumOff val="25000"/>
-                  </a:schemeClr>
-                </a:solidFill>
-                <a:latin typeface="等线 Light" panose="02010600030101010101" charset="-122"/>
-                <a:ea typeface="等线 Light" panose="02010600030101010101" charset="-122"/>
-                <a:cs typeface="等线 Light" panose="02010600030101010101" charset="-122"/>
-                <a:sym typeface="+mn-lt"/>
-              </a:rPr>
-              <a:t>、音频识别。</a:t>
-            </a:r>
-            <a:endParaRPr lang="zh-CN" altLang="en-US" sz="1400" b="1" dirty="0">
+              <a:rPr lang="zh-CN" sz="1400" b="1" dirty="0">
+                <a:solidFill>
+                  <a:schemeClr val="tx1">
+                    <a:lumMod val="75000"/>
+                    <a:lumOff val="25000"/>
+                  </a:schemeClr>
+                </a:solidFill>
+                <a:latin typeface="等线 Light" panose="02010600030101010101" charset="-122"/>
+                <a:ea typeface="等线 Light" panose="02010600030101010101" charset="-122"/>
+                <a:cs typeface="等线 Light" panose="02010600030101010101" charset="-122"/>
+                <a:sym typeface="+mn-lt"/>
+              </a:rPr>
+              <a:t>以语料控制静音和麦克风为例，语音识别的流程是唤醒、识别、处理。</a:t>
+            </a:r>
+            <a:endParaRPr lang="zh-CN" sz="1400" b="1" dirty="0">
               <a:solidFill>
                 <a:schemeClr val="tx1">
                   <a:lumMod val="75000"/>
@@ -5362,6 +5579,351 @@
           </a:prstGeom>
         </p:spPr>
       </p:pic>
+      <p:pic>
+        <p:nvPicPr>
+          <p:cNvPr id="5" name="图片 4" descr="语音识别流程图"/>
+          <p:cNvPicPr>
+            <a:picLocks noChangeAspect="1"/>
+          </p:cNvPicPr>
+          <p:nvPr>
+            <p:custDataLst>
+              <p:tags r:id="rId3"/>
+            </p:custDataLst>
+          </p:nvPr>
+        </p:nvPicPr>
+        <p:blipFill>
+          <a:blip r:embed="rId4"/>
+          <a:stretch>
+            <a:fillRect/>
+          </a:stretch>
+        </p:blipFill>
+        <p:spPr>
+          <a:xfrm>
+            <a:off x="972185" y="2251710"/>
+            <a:ext cx="8439150" cy="1804035"/>
+          </a:xfrm>
+          <a:prstGeom prst="rect">
+            <a:avLst/>
+          </a:prstGeom>
+        </p:spPr>
+      </p:pic>
+      <p:sp>
+        <p:nvSpPr>
+          <p:cNvPr id="6" name="文本框 5"/>
+          <p:cNvSpPr txBox="1"/>
+          <p:nvPr/>
+        </p:nvSpPr>
+        <p:spPr>
+          <a:xfrm>
+            <a:off x="972185" y="4315460"/>
+            <a:ext cx="8262620" cy="1168400"/>
+          </a:xfrm>
+          <a:prstGeom prst="rect">
+            <a:avLst/>
+          </a:prstGeom>
+          <a:noFill/>
+        </p:spPr>
+        <p:txBody>
+          <a:bodyPr wrap="square" rtlCol="0">
+            <a:spAutoFit/>
+          </a:bodyPr>
+          <a:p>
+            <a:r>
+              <a:rPr lang="zh-CN" altLang="en-US" sz="1400" b="1" dirty="0">
+                <a:solidFill>
+                  <a:schemeClr val="tx1">
+                    <a:lumMod val="75000"/>
+                    <a:lumOff val="25000"/>
+                  </a:schemeClr>
+                </a:solidFill>
+                <a:latin typeface="等线 Light" panose="02010600030101010101" charset="-122"/>
+                <a:ea typeface="等线 Light" panose="02010600030101010101" charset="-122"/>
+                <a:cs typeface="等线 Light" panose="02010600030101010101" charset="-122"/>
+                <a:sym typeface="+mn-lt"/>
+              </a:rPr>
+              <a:t>定义</a:t>
+            </a:r>
+            <a:r>
+              <a:rPr lang="en-US" altLang="zh-CN" sz="1400" b="1" dirty="0">
+                <a:solidFill>
+                  <a:schemeClr val="tx1">
+                    <a:lumMod val="75000"/>
+                    <a:lumOff val="25000"/>
+                  </a:schemeClr>
+                </a:solidFill>
+                <a:latin typeface="等线 Light" panose="02010600030101010101" charset="-122"/>
+                <a:ea typeface="等线 Light" panose="02010600030101010101" charset="-122"/>
+                <a:cs typeface="等线 Light" panose="02010600030101010101" charset="-122"/>
+                <a:sym typeface="+mn-lt"/>
+              </a:rPr>
+              <a:t> bnf </a:t>
+            </a:r>
+            <a:r>
+              <a:rPr lang="zh-CN" altLang="en-US" sz="1400" b="1" dirty="0">
+                <a:solidFill>
+                  <a:schemeClr val="tx1">
+                    <a:lumMod val="75000"/>
+                    <a:lumOff val="25000"/>
+                  </a:schemeClr>
+                </a:solidFill>
+                <a:latin typeface="等线 Light" panose="02010600030101010101" charset="-122"/>
+                <a:ea typeface="等线 Light" panose="02010600030101010101" charset="-122"/>
+                <a:cs typeface="等线 Light" panose="02010600030101010101" charset="-122"/>
+                <a:sym typeface="+mn-lt"/>
+              </a:rPr>
+              <a:t>语法文件构建语法，解析语音识别返回的</a:t>
+            </a:r>
+            <a:r>
+              <a:rPr lang="en-US" altLang="zh-CN" sz="1400" b="1" dirty="0">
+                <a:solidFill>
+                  <a:schemeClr val="tx1">
+                    <a:lumMod val="75000"/>
+                    <a:lumOff val="25000"/>
+                  </a:schemeClr>
+                </a:solidFill>
+                <a:latin typeface="等线 Light" panose="02010600030101010101" charset="-122"/>
+                <a:ea typeface="等线 Light" panose="02010600030101010101" charset="-122"/>
+                <a:cs typeface="等线 Light" panose="02010600030101010101" charset="-122"/>
+                <a:sym typeface="+mn-lt"/>
+              </a:rPr>
+              <a:t> xml </a:t>
+            </a:r>
+            <a:r>
+              <a:rPr lang="zh-CN" altLang="en-US" sz="1400" b="1" dirty="0">
+                <a:solidFill>
+                  <a:schemeClr val="tx1">
+                    <a:lumMod val="75000"/>
+                    <a:lumOff val="25000"/>
+                  </a:schemeClr>
+                </a:solidFill>
+                <a:latin typeface="等线 Light" panose="02010600030101010101" charset="-122"/>
+                <a:ea typeface="等线 Light" panose="02010600030101010101" charset="-122"/>
+                <a:cs typeface="等线 Light" panose="02010600030101010101" charset="-122"/>
+                <a:sym typeface="+mn-lt"/>
+              </a:rPr>
+              <a:t>字符串，调用处理类方法实现语料对应的功能。</a:t>
+            </a:r>
+            <a:endParaRPr lang="zh-CN" sz="1400" b="1" dirty="0">
+              <a:solidFill>
+                <a:schemeClr val="tx1">
+                  <a:lumMod val="75000"/>
+                  <a:lumOff val="25000"/>
+                </a:schemeClr>
+              </a:solidFill>
+              <a:latin typeface="等线 Light" panose="02010600030101010101" charset="-122"/>
+              <a:ea typeface="等线 Light" panose="02010600030101010101" charset="-122"/>
+              <a:cs typeface="等线 Light" panose="02010600030101010101" charset="-122"/>
+              <a:sym typeface="+mn-lt"/>
+            </a:endParaRPr>
+          </a:p>
+          <a:p>
+            <a:endParaRPr lang="zh-CN" sz="1400" b="1" dirty="0">
+              <a:solidFill>
+                <a:schemeClr val="tx1">
+                  <a:lumMod val="75000"/>
+                  <a:lumOff val="25000"/>
+                </a:schemeClr>
+              </a:solidFill>
+              <a:latin typeface="等线 Light" panose="02010600030101010101" charset="-122"/>
+              <a:ea typeface="等线 Light" panose="02010600030101010101" charset="-122"/>
+              <a:cs typeface="等线 Light" panose="02010600030101010101" charset="-122"/>
+              <a:sym typeface="+mn-lt"/>
+            </a:endParaRPr>
+          </a:p>
+          <a:p>
+            <a:r>
+              <a:rPr lang="zh-CN" sz="1400" b="1" dirty="0">
+                <a:solidFill>
+                  <a:schemeClr val="tx1">
+                    <a:lumMod val="75000"/>
+                    <a:lumOff val="25000"/>
+                  </a:schemeClr>
+                </a:solidFill>
+                <a:latin typeface="等线 Light" panose="02010600030101010101" charset="-122"/>
+                <a:ea typeface="等线 Light" panose="02010600030101010101" charset="-122"/>
+                <a:cs typeface="等线 Light" panose="02010600030101010101" charset="-122"/>
+                <a:sym typeface="+mn-lt"/>
+              </a:rPr>
+              <a:t>用到的设计模式是模板模式。抽象的业务处理类</a:t>
+            </a:r>
+            <a:r>
+              <a:rPr lang="en-US" altLang="zh-CN" sz="1400" b="1" dirty="0">
+                <a:solidFill>
+                  <a:schemeClr val="tx1">
+                    <a:lumMod val="75000"/>
+                    <a:lumOff val="25000"/>
+                  </a:schemeClr>
+                </a:solidFill>
+                <a:latin typeface="等线 Light" panose="02010600030101010101" charset="-122"/>
+                <a:ea typeface="等线 Light" panose="02010600030101010101" charset="-122"/>
+                <a:cs typeface="等线 Light" panose="02010600030101010101" charset="-122"/>
+                <a:sym typeface="+mn-lt"/>
+              </a:rPr>
+              <a:t> </a:t>
+            </a:r>
+            <a:r>
+              <a:rPr lang="zh-CN" sz="1400" b="1" i="1" dirty="0">
+                <a:solidFill>
+                  <a:schemeClr val="tx1">
+                    <a:lumMod val="75000"/>
+                    <a:lumOff val="25000"/>
+                  </a:schemeClr>
+                </a:solidFill>
+                <a:latin typeface="等线 Light" panose="02010600030101010101" charset="-122"/>
+                <a:ea typeface="等线 Light" panose="02010600030101010101" charset="-122"/>
+                <a:cs typeface="等线 Light" panose="02010600030101010101" charset="-122"/>
+                <a:sym typeface="+mn-lt"/>
+              </a:rPr>
+              <a:t>AbsBusinessResultHandler</a:t>
+            </a:r>
+            <a:r>
+              <a:rPr lang="en-US" altLang="zh-CN" sz="1400" b="1" i="1" dirty="0">
+                <a:solidFill>
+                  <a:schemeClr val="tx1">
+                    <a:lumMod val="75000"/>
+                    <a:lumOff val="25000"/>
+                  </a:schemeClr>
+                </a:solidFill>
+                <a:latin typeface="等线 Light" panose="02010600030101010101" charset="-122"/>
+                <a:ea typeface="等线 Light" panose="02010600030101010101" charset="-122"/>
+                <a:cs typeface="等线 Light" panose="02010600030101010101" charset="-122"/>
+                <a:sym typeface="+mn-lt"/>
+              </a:rPr>
+              <a:t> </a:t>
+            </a:r>
+            <a:r>
+              <a:rPr lang="zh-CN" sz="1400" b="1" dirty="0">
+                <a:solidFill>
+                  <a:schemeClr val="tx1">
+                    <a:lumMod val="75000"/>
+                    <a:lumOff val="25000"/>
+                  </a:schemeClr>
+                </a:solidFill>
+                <a:latin typeface="等线 Light" panose="02010600030101010101" charset="-122"/>
+                <a:ea typeface="等线 Light" panose="02010600030101010101" charset="-122"/>
+                <a:cs typeface="等线 Light" panose="02010600030101010101" charset="-122"/>
+                <a:sym typeface="+mn-lt"/>
+              </a:rPr>
+              <a:t>定义了处理返回结果的方法</a:t>
+            </a:r>
+            <a:endParaRPr lang="zh-CN" sz="1400" b="1" dirty="0">
+              <a:solidFill>
+                <a:schemeClr val="tx1">
+                  <a:lumMod val="75000"/>
+                  <a:lumOff val="25000"/>
+                </a:schemeClr>
+              </a:solidFill>
+              <a:latin typeface="等线 Light" panose="02010600030101010101" charset="-122"/>
+              <a:ea typeface="等线 Light" panose="02010600030101010101" charset="-122"/>
+              <a:cs typeface="等线 Light" panose="02010600030101010101" charset="-122"/>
+              <a:sym typeface="+mn-lt"/>
+            </a:endParaRPr>
+          </a:p>
+          <a:p>
+            <a:endParaRPr lang="zh-CN" sz="1400" b="1" dirty="0">
+              <a:solidFill>
+                <a:schemeClr val="tx1">
+                  <a:lumMod val="75000"/>
+                  <a:lumOff val="25000"/>
+                </a:schemeClr>
+              </a:solidFill>
+              <a:latin typeface="等线 Light" panose="02010600030101010101" charset="-122"/>
+              <a:ea typeface="等线 Light" panose="02010600030101010101" charset="-122"/>
+              <a:cs typeface="等线 Light" panose="02010600030101010101" charset="-122"/>
+              <a:sym typeface="+mn-lt"/>
+            </a:endParaRPr>
+          </a:p>
+          <a:p>
+            <a:r>
+              <a:rPr lang="zh-CN" sz="1400" b="1" dirty="0">
+                <a:solidFill>
+                  <a:schemeClr val="tx1">
+                    <a:lumMod val="75000"/>
+                    <a:lumOff val="25000"/>
+                  </a:schemeClr>
+                </a:solidFill>
+                <a:latin typeface="等线 Light" panose="02010600030101010101" charset="-122"/>
+                <a:ea typeface="等线 Light" panose="02010600030101010101" charset="-122"/>
+                <a:cs typeface="等线 Light" panose="02010600030101010101" charset="-122"/>
+                <a:sym typeface="+mn-lt"/>
+              </a:rPr>
+              <a:t>模板，具体的业务处理类</a:t>
+            </a:r>
+            <a:r>
+              <a:rPr lang="en-US" altLang="zh-CN" sz="1400" b="1" dirty="0">
+                <a:solidFill>
+                  <a:schemeClr val="tx1">
+                    <a:lumMod val="75000"/>
+                    <a:lumOff val="25000"/>
+                  </a:schemeClr>
+                </a:solidFill>
+                <a:latin typeface="等线 Light" panose="02010600030101010101" charset="-122"/>
+                <a:ea typeface="等线 Light" panose="02010600030101010101" charset="-122"/>
+                <a:cs typeface="等线 Light" panose="02010600030101010101" charset="-122"/>
+                <a:sym typeface="+mn-lt"/>
+              </a:rPr>
+              <a:t> </a:t>
+            </a:r>
+            <a:r>
+              <a:rPr lang="zh-CN" sz="1400" b="1" dirty="0">
+                <a:solidFill>
+                  <a:schemeClr val="tx1">
+                    <a:lumMod val="75000"/>
+                    <a:lumOff val="25000"/>
+                  </a:schemeClr>
+                </a:solidFill>
+                <a:latin typeface="等线 Light" panose="02010600030101010101" charset="-122"/>
+                <a:ea typeface="等线 Light" panose="02010600030101010101" charset="-122"/>
+                <a:cs typeface="等线 Light" panose="02010600030101010101" charset="-122"/>
+                <a:sym typeface="+mn-lt"/>
+              </a:rPr>
+              <a:t>MuteResultHandler</a:t>
+            </a:r>
+            <a:r>
+              <a:rPr lang="en-US" altLang="zh-CN" sz="1400" b="1" i="1" dirty="0">
+                <a:solidFill>
+                  <a:schemeClr val="tx1">
+                    <a:lumMod val="75000"/>
+                    <a:lumOff val="25000"/>
+                  </a:schemeClr>
+                </a:solidFill>
+                <a:latin typeface="等线 Light" panose="02010600030101010101" charset="-122"/>
+                <a:ea typeface="等线 Light" panose="02010600030101010101" charset="-122"/>
+                <a:cs typeface="等线 Light" panose="02010600030101010101" charset="-122"/>
+                <a:sym typeface="+mn-lt"/>
+              </a:rPr>
+              <a:t> </a:t>
+            </a:r>
+            <a:r>
+              <a:rPr lang="zh-CN" sz="1400" b="1" dirty="0">
+                <a:solidFill>
+                  <a:schemeClr val="tx1">
+                    <a:lumMod val="75000"/>
+                    <a:lumOff val="25000"/>
+                  </a:schemeClr>
+                </a:solidFill>
+                <a:latin typeface="等线 Light" panose="02010600030101010101" charset="-122"/>
+                <a:ea typeface="等线 Light" panose="02010600030101010101" charset="-122"/>
+                <a:cs typeface="等线 Light" panose="02010600030101010101" charset="-122"/>
+                <a:sym typeface="+mn-lt"/>
+              </a:rPr>
+              <a:t>实现了定义的模板方法。</a:t>
+            </a:r>
+            <a:endParaRPr lang="zh-CN" sz="1400" b="1" dirty="0">
+              <a:solidFill>
+                <a:schemeClr val="tx1">
+                  <a:lumMod val="75000"/>
+                  <a:lumOff val="25000"/>
+                </a:schemeClr>
+              </a:solidFill>
+              <a:latin typeface="等线 Light" panose="02010600030101010101" charset="-122"/>
+              <a:ea typeface="等线 Light" panose="02010600030101010101" charset="-122"/>
+              <a:cs typeface="等线 Light" panose="02010600030101010101" charset="-122"/>
+              <a:sym typeface="+mn-lt"/>
+            </a:endParaRPr>
+          </a:p>
+        </p:txBody>
+      </p:sp>
     </p:spTree>
   </p:cSld>
   <p:clrMapOvr>
@@ -5382,75 +5944,14 @@
       <p:grpSpPr/>
       <p:sp>
         <p:nvSpPr>
-          <p:cNvPr id="7" name="椭圆 6"/>
-          <p:cNvSpPr/>
-          <p:nvPr/>
-        </p:nvSpPr>
-        <p:spPr>
-          <a:xfrm>
-            <a:off x="4008120" y="3082290"/>
-            <a:ext cx="691515" cy="691515"/>
-          </a:xfrm>
-          <a:prstGeom prst="ellipse">
-            <a:avLst/>
-          </a:prstGeom>
-          <a:solidFill>
-            <a:srgbClr val="659594">
-              <a:alpha val="62000"/>
-            </a:srgbClr>
-          </a:solidFill>
-          <a:ln>
-            <a:noFill/>
-          </a:ln>
-        </p:spPr>
-        <p:style>
-          <a:lnRef idx="2">
-            <a:schemeClr val="accent6"/>
-          </a:lnRef>
-          <a:fillRef idx="1">
-            <a:schemeClr val="lt1"/>
-          </a:fillRef>
-          <a:effectRef idx="0">
-            <a:schemeClr val="accent6"/>
-          </a:effectRef>
-          <a:fontRef idx="minor">
-            <a:schemeClr val="dk1"/>
-          </a:fontRef>
-        </p:style>
-        <p:txBody>
-          <a:bodyPr rtlCol="0" anchor="ctr"/>
-          <a:p>
-            <a:pPr algn="ctr"/>
-            <a:r>
-              <a:rPr lang="en-US" altLang="zh-CN" sz="2000">
-                <a:solidFill>
-                  <a:schemeClr val="bg1"/>
-                </a:solidFill>
-                <a:latin typeface="等线 Light" panose="02010600030101010101" charset="-122"/>
-                <a:ea typeface="等线 Light" panose="02010600030101010101" charset="-122"/>
-              </a:rPr>
-              <a:t>04</a:t>
-            </a:r>
-            <a:endParaRPr lang="en-US" altLang="zh-CN" sz="2000">
-              <a:solidFill>
-                <a:schemeClr val="bg1"/>
-              </a:solidFill>
-              <a:latin typeface="等线 Light" panose="02010600030101010101" charset="-122"/>
-              <a:ea typeface="等线 Light" panose="02010600030101010101" charset="-122"/>
-            </a:endParaRPr>
-          </a:p>
-        </p:txBody>
-      </p:sp>
-      <p:sp>
-        <p:nvSpPr>
-          <p:cNvPr id="4" name="文本框 3"/>
+          <p:cNvPr id="2" name="文本框 1"/>
           <p:cNvSpPr txBox="1"/>
           <p:nvPr/>
         </p:nvSpPr>
         <p:spPr>
           <a:xfrm>
-            <a:off x="4887595" y="3197860"/>
-            <a:ext cx="3760470" cy="460375"/>
+            <a:off x="972185" y="1805940"/>
+            <a:ext cx="6782435" cy="337185"/>
           </a:xfrm>
           <a:prstGeom prst="rect">
             <a:avLst/>
@@ -5462,36 +5963,45 @@
             <a:spAutoFit/>
           </a:bodyPr>
           <a:p>
-            <a:r>
-              <a:rPr lang="zh-CN" altLang="en-US" sz="2400" b="1" dirty="0">
-                <a:solidFill>
-                  <a:schemeClr val="tx1">
-                    <a:lumMod val="75000"/>
-                    <a:lumOff val="25000"/>
-                  </a:schemeClr>
-                </a:solidFill>
-                <a:latin typeface="等线 Light" panose="02010600030101010101" charset="-122"/>
-                <a:ea typeface="等线 Light" panose="02010600030101010101" charset="-122"/>
-                <a:cs typeface="+mn-ea"/>
-                <a:sym typeface="+mn-lt"/>
-              </a:rPr>
-              <a:t>自身不足与改进</a:t>
-            </a:r>
-            <a:endParaRPr lang="zh-CN" altLang="en-US" sz="2400" b="1" dirty="0">
-              <a:solidFill>
-                <a:schemeClr val="tx1">
-                  <a:lumMod val="75000"/>
-                  <a:lumOff val="25000"/>
-                </a:schemeClr>
-              </a:solidFill>
-              <a:latin typeface="等线 Light" panose="02010600030101010101" charset="-122"/>
-              <a:ea typeface="等线 Light" panose="02010600030101010101" charset="-122"/>
-              <a:cs typeface="+mn-ea"/>
+            <a:endParaRPr lang="zh-CN" altLang="en-US" sz="1600" b="1" dirty="0">
+              <a:solidFill>
+                <a:schemeClr val="tx1">
+                  <a:lumMod val="75000"/>
+                  <a:lumOff val="25000"/>
+                </a:schemeClr>
+              </a:solidFill>
+              <a:latin typeface="等线 Light" panose="02010600030101010101" charset="-122"/>
+              <a:ea typeface="等线 Light" panose="02010600030101010101" charset="-122"/>
+              <a:cs typeface="等线 Light" panose="02010600030101010101" charset="-122"/>
               <a:sym typeface="+mn-lt"/>
             </a:endParaRPr>
           </a:p>
         </p:txBody>
       </p:sp>
+      <p:pic>
+        <p:nvPicPr>
+          <p:cNvPr id="4" name="图片 3" descr="迅飞语音识别"/>
+          <p:cNvPicPr>
+            <a:picLocks noChangeAspect="1"/>
+          </p:cNvPicPr>
+          <p:nvPr/>
+        </p:nvPicPr>
+        <p:blipFill>
+          <a:blip r:embed="rId1"/>
+          <a:stretch>
+            <a:fillRect/>
+          </a:stretch>
+        </p:blipFill>
+        <p:spPr>
+          <a:xfrm>
+            <a:off x="0" y="584200"/>
+            <a:ext cx="12192000" cy="5688965"/>
+          </a:xfrm>
+          <a:prstGeom prst="rect">
+            <a:avLst/>
+          </a:prstGeom>
+        </p:spPr>
+      </p:pic>
     </p:spTree>
   </p:cSld>
   <p:clrMapOvr>
@@ -5512,20 +6022,22 @@
       <p:grpSpPr/>
       <p:sp>
         <p:nvSpPr>
-          <p:cNvPr id="4" name="矩形 3"/>
+          <p:cNvPr id="7" name="椭圆 6"/>
           <p:cNvSpPr/>
           <p:nvPr/>
         </p:nvSpPr>
         <p:spPr>
           <a:xfrm>
-            <a:off x="972185" y="1101090"/>
-            <a:ext cx="1404000" cy="18000"/>
-          </a:xfrm>
-          <a:prstGeom prst="rect">
+            <a:off x="4008120" y="3082290"/>
+            <a:ext cx="691515" cy="691515"/>
+          </a:xfrm>
+          <a:prstGeom prst="ellipse">
             <a:avLst/>
           </a:prstGeom>
           <a:solidFill>
-            <a:srgbClr val="659594"/>
+            <a:srgbClr val="659594">
+              <a:alpha val="62000"/>
+            </a:srgbClr>
           </a:solidFill>
           <a:ln>
             <a:noFill/>
@@ -5549,20 +6061,36 @@
           <a:bodyPr rtlCol="0" anchor="ctr"/>
           <a:p>
             <a:pPr algn="ctr"/>
-            <a:endParaRPr lang="zh-CN" altLang="en-US"/>
-          </a:p>
-        </p:txBody>
-      </p:sp>
-      <p:sp>
-        <p:nvSpPr>
-          <p:cNvPr id="7" name="文本框 6"/>
+            <a:r>
+              <a:rPr lang="en-US" altLang="zh-CN" sz="2000">
+                <a:solidFill>
+                  <a:schemeClr val="bg1"/>
+                </a:solidFill>
+                <a:latin typeface="等线 Light" panose="02010600030101010101" charset="-122"/>
+                <a:ea typeface="等线 Light" panose="02010600030101010101" charset="-122"/>
+              </a:rPr>
+              <a:t>04</a:t>
+            </a:r>
+            <a:endParaRPr lang="en-US" altLang="zh-CN" sz="2000">
+              <a:solidFill>
+                <a:schemeClr val="bg1"/>
+              </a:solidFill>
+              <a:latin typeface="等线 Light" panose="02010600030101010101" charset="-122"/>
+              <a:ea typeface="等线 Light" panose="02010600030101010101" charset="-122"/>
+            </a:endParaRPr>
+          </a:p>
+        </p:txBody>
+      </p:sp>
+      <p:sp>
+        <p:nvSpPr>
+          <p:cNvPr id="4" name="文本框 3"/>
           <p:cNvSpPr txBox="1"/>
           <p:nvPr/>
         </p:nvSpPr>
         <p:spPr>
           <a:xfrm>
-            <a:off x="972185" y="530225"/>
-            <a:ext cx="4893945" cy="460375"/>
+            <a:off x="4887595" y="3197860"/>
+            <a:ext cx="3760470" cy="460375"/>
           </a:xfrm>
           <a:prstGeom prst="rect">
             <a:avLst/>
@@ -5575,430 +6103,35 @@
           </a:bodyPr>
           <a:p>
             <a:r>
-              <a:rPr lang="zh-CN" altLang="en-US" sz="2400" dirty="0">
-                <a:solidFill>
-                  <a:schemeClr val="tx1">
-                    <a:lumMod val="75000"/>
-                    <a:lumOff val="25000"/>
-                  </a:schemeClr>
-                </a:solidFill>
-                <a:latin typeface="等线 Light" panose="02010600030101010101" charset="-122"/>
-                <a:ea typeface="等线 Light" panose="02010600030101010101" charset="-122"/>
-                <a:sym typeface="+mn-ea"/>
-              </a:rPr>
-              <a:t>自身不足</a:t>
-            </a:r>
-            <a:endParaRPr lang="zh-CN" altLang="en-US" sz="2400" dirty="0">
-              <a:solidFill>
-                <a:schemeClr val="tx1">
-                  <a:lumMod val="75000"/>
-                  <a:lumOff val="25000"/>
-                </a:schemeClr>
-              </a:solidFill>
-              <a:latin typeface="等线 Light" panose="02010600030101010101" charset="-122"/>
-              <a:ea typeface="等线 Light" panose="02010600030101010101" charset="-122"/>
-              <a:sym typeface="+mn-ea"/>
-            </a:endParaRPr>
-          </a:p>
-        </p:txBody>
-      </p:sp>
-      <p:sp>
-        <p:nvSpPr>
-          <p:cNvPr id="2" name="文本框 1"/>
-          <p:cNvSpPr txBox="1"/>
-          <p:nvPr/>
-        </p:nvSpPr>
-        <p:spPr>
-          <a:xfrm>
-            <a:off x="972185" y="1370330"/>
-            <a:ext cx="6257290" cy="1599565"/>
-          </a:xfrm>
-          <a:prstGeom prst="rect">
-            <a:avLst/>
-          </a:prstGeom>
-          <a:noFill/>
-        </p:spPr>
-        <p:txBody>
-          <a:bodyPr wrap="square" rtlCol="0">
-            <a:spAutoFit/>
-          </a:bodyPr>
-          <a:p>
-            <a:r>
-              <a:rPr lang="en-US" altLang="zh-CN" sz="1400" b="1" dirty="0">
-                <a:solidFill>
-                  <a:schemeClr val="tx1">
-                    <a:lumMod val="75000"/>
-                    <a:lumOff val="25000"/>
-                  </a:schemeClr>
-                </a:solidFill>
-                <a:latin typeface="等线 Light" panose="02010600030101010101" charset="-122"/>
-                <a:ea typeface="等线 Light" panose="02010600030101010101" charset="-122"/>
-                <a:cs typeface="等线 Light" panose="02010600030101010101" charset="-122"/>
-                <a:sym typeface="+mn-lt"/>
-              </a:rPr>
-              <a:t>1、对开发过程中技术的理解不够深入，通常只是停留在会用的阶段，很多原理没有进一步去了解。</a:t>
-            </a:r>
-            <a:endParaRPr lang="en-US" altLang="zh-CN" sz="1400" b="1" dirty="0">
-              <a:solidFill>
-                <a:schemeClr val="tx1">
-                  <a:lumMod val="75000"/>
-                  <a:lumOff val="25000"/>
-                </a:schemeClr>
-              </a:solidFill>
-              <a:latin typeface="等线 Light" panose="02010600030101010101" charset="-122"/>
-              <a:ea typeface="等线 Light" panose="02010600030101010101" charset="-122"/>
-              <a:cs typeface="等线 Light" panose="02010600030101010101" charset="-122"/>
+              <a:rPr lang="zh-CN" altLang="en-US" sz="2400" b="1" dirty="0">
+                <a:solidFill>
+                  <a:schemeClr val="tx1">
+                    <a:lumMod val="75000"/>
+                    <a:lumOff val="25000"/>
+                  </a:schemeClr>
+                </a:solidFill>
+                <a:latin typeface="等线 Light" panose="02010600030101010101" charset="-122"/>
+                <a:ea typeface="等线 Light" panose="02010600030101010101" charset="-122"/>
+                <a:cs typeface="+mn-ea"/>
+                <a:sym typeface="+mn-lt"/>
+              </a:rPr>
+              <a:t>自身不足与改进</a:t>
+            </a:r>
+            <a:endParaRPr lang="zh-CN" altLang="en-US" sz="2400" b="1" dirty="0">
+              <a:solidFill>
+                <a:schemeClr val="tx1">
+                  <a:lumMod val="75000"/>
+                  <a:lumOff val="25000"/>
+                </a:schemeClr>
+              </a:solidFill>
+              <a:latin typeface="等线 Light" panose="02010600030101010101" charset="-122"/>
+              <a:ea typeface="等线 Light" panose="02010600030101010101" charset="-122"/>
+              <a:cs typeface="+mn-ea"/>
               <a:sym typeface="+mn-lt"/>
             </a:endParaRPr>
           </a:p>
-          <a:p>
-            <a:endParaRPr lang="en-US" altLang="zh-CN" sz="1400" b="1" dirty="0">
-              <a:solidFill>
-                <a:schemeClr val="tx1">
-                  <a:lumMod val="75000"/>
-                  <a:lumOff val="25000"/>
-                </a:schemeClr>
-              </a:solidFill>
-              <a:latin typeface="等线 Light" panose="02010600030101010101" charset="-122"/>
-              <a:ea typeface="等线 Light" panose="02010600030101010101" charset="-122"/>
-              <a:cs typeface="等线 Light" panose="02010600030101010101" charset="-122"/>
-              <a:sym typeface="+mn-lt"/>
-            </a:endParaRPr>
-          </a:p>
-          <a:p>
-            <a:r>
-              <a:rPr lang="en-US" altLang="zh-CN" sz="1400" b="1" dirty="0">
-                <a:solidFill>
-                  <a:schemeClr val="tx1">
-                    <a:lumMod val="75000"/>
-                    <a:lumOff val="25000"/>
-                  </a:schemeClr>
-                </a:solidFill>
-                <a:latin typeface="等线 Light" panose="02010600030101010101" charset="-122"/>
-                <a:ea typeface="等线 Light" panose="02010600030101010101" charset="-122"/>
-                <a:cs typeface="等线 Light" panose="02010600030101010101" charset="-122"/>
-                <a:sym typeface="+mn-lt"/>
-              </a:rPr>
-              <a:t>2、工作过程中沟通较少，沟通能力存在不足，对问题的表述这方面不是很好。</a:t>
-            </a:r>
-            <a:endParaRPr lang="en-US" altLang="zh-CN" sz="1400" b="1" dirty="0">
-              <a:solidFill>
-                <a:schemeClr val="tx1">
-                  <a:lumMod val="75000"/>
-                  <a:lumOff val="25000"/>
-                </a:schemeClr>
-              </a:solidFill>
-              <a:latin typeface="等线 Light" panose="02010600030101010101" charset="-122"/>
-              <a:ea typeface="等线 Light" panose="02010600030101010101" charset="-122"/>
-              <a:cs typeface="等线 Light" panose="02010600030101010101" charset="-122"/>
-              <a:sym typeface="+mn-lt"/>
-            </a:endParaRPr>
-          </a:p>
-          <a:p>
-            <a:endParaRPr lang="en-US" altLang="zh-CN" sz="1400" b="1" dirty="0">
-              <a:solidFill>
-                <a:schemeClr val="tx1">
-                  <a:lumMod val="75000"/>
-                  <a:lumOff val="25000"/>
-                </a:schemeClr>
-              </a:solidFill>
-              <a:latin typeface="等线 Light" panose="02010600030101010101" charset="-122"/>
-              <a:ea typeface="等线 Light" panose="02010600030101010101" charset="-122"/>
-              <a:cs typeface="等线 Light" panose="02010600030101010101" charset="-122"/>
-              <a:sym typeface="+mn-lt"/>
-            </a:endParaRPr>
-          </a:p>
-          <a:p>
-            <a:r>
-              <a:rPr lang="en-US" altLang="zh-CN" sz="1400" b="1" dirty="0">
-                <a:solidFill>
-                  <a:schemeClr val="tx1">
-                    <a:lumMod val="75000"/>
-                    <a:lumOff val="25000"/>
-                  </a:schemeClr>
-                </a:solidFill>
-                <a:latin typeface="等线 Light" panose="02010600030101010101" charset="-122"/>
-                <a:ea typeface="等线 Light" panose="02010600030101010101" charset="-122"/>
-                <a:cs typeface="等线 Light" panose="02010600030101010101" charset="-122"/>
-                <a:sym typeface="+mn-lt"/>
-              </a:rPr>
-              <a:t>3、处理任务过于着急，在接到新的任务时只是一心想完成好，并没有很好的规划。</a:t>
-            </a:r>
-            <a:endParaRPr lang="en-US" altLang="zh-CN" sz="1400" b="1" dirty="0">
-              <a:solidFill>
-                <a:schemeClr val="tx1">
-                  <a:lumMod val="75000"/>
-                  <a:lumOff val="25000"/>
-                </a:schemeClr>
-              </a:solidFill>
-              <a:latin typeface="等线 Light" panose="02010600030101010101" charset="-122"/>
-              <a:ea typeface="等线 Light" panose="02010600030101010101" charset="-122"/>
-              <a:cs typeface="等线 Light" panose="02010600030101010101" charset="-122"/>
-              <a:sym typeface="+mn-lt"/>
-            </a:endParaRPr>
-          </a:p>
-        </p:txBody>
-      </p:sp>
-      <p:sp>
-        <p:nvSpPr>
-          <p:cNvPr id="3" name="文本框 2"/>
-          <p:cNvSpPr txBox="1"/>
-          <p:nvPr/>
-        </p:nvSpPr>
-        <p:spPr>
-          <a:xfrm>
-            <a:off x="972185" y="3592830"/>
-            <a:ext cx="4893945" cy="460375"/>
-          </a:xfrm>
-          <a:prstGeom prst="rect">
-            <a:avLst/>
-          </a:prstGeom>
-          <a:noFill/>
-        </p:spPr>
-        <p:txBody>
-          <a:bodyPr wrap="square" rtlCol="0">
-            <a:spAutoFit/>
-          </a:bodyPr>
-          <a:p>
-            <a:r>
-              <a:rPr lang="zh-CN" altLang="en-US" sz="2400" dirty="0">
-                <a:solidFill>
-                  <a:schemeClr val="tx1">
-                    <a:lumMod val="75000"/>
-                    <a:lumOff val="25000"/>
-                  </a:schemeClr>
-                </a:solidFill>
-                <a:latin typeface="等线 Light" panose="02010600030101010101" charset="-122"/>
-                <a:ea typeface="等线 Light" panose="02010600030101010101" charset="-122"/>
-                <a:sym typeface="+mn-ea"/>
-              </a:rPr>
-              <a:t>改进措施</a:t>
-            </a:r>
-            <a:endParaRPr lang="zh-CN" altLang="en-US" sz="2400" dirty="0">
-              <a:solidFill>
-                <a:schemeClr val="tx1">
-                  <a:lumMod val="75000"/>
-                  <a:lumOff val="25000"/>
-                </a:schemeClr>
-              </a:solidFill>
-              <a:latin typeface="等线 Light" panose="02010600030101010101" charset="-122"/>
-              <a:ea typeface="等线 Light" panose="02010600030101010101" charset="-122"/>
-              <a:sym typeface="+mn-ea"/>
-            </a:endParaRPr>
-          </a:p>
-        </p:txBody>
-      </p:sp>
-      <p:sp>
-        <p:nvSpPr>
-          <p:cNvPr id="5" name="文本框 4"/>
-          <p:cNvSpPr txBox="1"/>
-          <p:nvPr/>
-        </p:nvSpPr>
-        <p:spPr>
-          <a:xfrm>
-            <a:off x="972185" y="4393565"/>
-            <a:ext cx="6257290" cy="1814830"/>
-          </a:xfrm>
-          <a:prstGeom prst="rect">
-            <a:avLst/>
-          </a:prstGeom>
-          <a:noFill/>
-        </p:spPr>
-        <p:txBody>
-          <a:bodyPr wrap="square" rtlCol="0">
-            <a:spAutoFit/>
-          </a:bodyPr>
-          <a:p>
-            <a:r>
-              <a:rPr lang="en-US" altLang="zh-CN" sz="1400" b="1" dirty="0">
-                <a:solidFill>
-                  <a:schemeClr val="tx1">
-                    <a:lumMod val="75000"/>
-                    <a:lumOff val="25000"/>
-                  </a:schemeClr>
-                </a:solidFill>
-                <a:latin typeface="等线 Light" panose="02010600030101010101" charset="-122"/>
-                <a:ea typeface="等线 Light" panose="02010600030101010101" charset="-122"/>
-                <a:cs typeface="等线 Light" panose="02010600030101010101" charset="-122"/>
-                <a:sym typeface="+mn-lt"/>
-              </a:rPr>
-              <a:t>1、在工作之余努力提升自身水平，借助技术博客、官方文档来扩充自己的知识库，养成阅读源码的习惯。</a:t>
-            </a:r>
-            <a:endParaRPr lang="en-US" altLang="zh-CN" sz="1400" b="1" dirty="0">
-              <a:solidFill>
-                <a:schemeClr val="tx1">
-                  <a:lumMod val="75000"/>
-                  <a:lumOff val="25000"/>
-                </a:schemeClr>
-              </a:solidFill>
-              <a:latin typeface="等线 Light" panose="02010600030101010101" charset="-122"/>
-              <a:ea typeface="等线 Light" panose="02010600030101010101" charset="-122"/>
-              <a:cs typeface="等线 Light" panose="02010600030101010101" charset="-122"/>
-              <a:sym typeface="+mn-lt"/>
-            </a:endParaRPr>
-          </a:p>
-          <a:p>
-            <a:endParaRPr lang="en-US" altLang="zh-CN" sz="1400" b="1" dirty="0">
-              <a:solidFill>
-                <a:schemeClr val="tx1">
-                  <a:lumMod val="75000"/>
-                  <a:lumOff val="25000"/>
-                </a:schemeClr>
-              </a:solidFill>
-              <a:latin typeface="等线 Light" panose="02010600030101010101" charset="-122"/>
-              <a:ea typeface="等线 Light" panose="02010600030101010101" charset="-122"/>
-              <a:cs typeface="等线 Light" panose="02010600030101010101" charset="-122"/>
-              <a:sym typeface="+mn-lt"/>
-            </a:endParaRPr>
-          </a:p>
-          <a:p>
-            <a:r>
-              <a:rPr lang="en-US" altLang="zh-CN" sz="1400" b="1" dirty="0">
-                <a:solidFill>
-                  <a:schemeClr val="tx1">
-                    <a:lumMod val="75000"/>
-                    <a:lumOff val="25000"/>
-                  </a:schemeClr>
-                </a:solidFill>
-                <a:latin typeface="等线 Light" panose="02010600030101010101" charset="-122"/>
-                <a:ea typeface="等线 Light" panose="02010600030101010101" charset="-122"/>
-                <a:cs typeface="等线 Light" panose="02010600030101010101" charset="-122"/>
-                <a:sym typeface="+mn-lt"/>
-              </a:rPr>
-              <a:t>2、处理不了的工作问题及时和部门同事沟通，沟通解决方案，加强对问题的表述能力。</a:t>
-            </a:r>
-            <a:endParaRPr lang="en-US" altLang="zh-CN" sz="1400" b="1" dirty="0">
-              <a:solidFill>
-                <a:schemeClr val="tx1">
-                  <a:lumMod val="75000"/>
-                  <a:lumOff val="25000"/>
-                </a:schemeClr>
-              </a:solidFill>
-              <a:latin typeface="等线 Light" panose="02010600030101010101" charset="-122"/>
-              <a:ea typeface="等线 Light" panose="02010600030101010101" charset="-122"/>
-              <a:cs typeface="等线 Light" panose="02010600030101010101" charset="-122"/>
-              <a:sym typeface="+mn-lt"/>
-            </a:endParaRPr>
-          </a:p>
-          <a:p>
-            <a:endParaRPr lang="en-US" altLang="zh-CN" sz="1400" b="1" dirty="0">
-              <a:solidFill>
-                <a:schemeClr val="tx1">
-                  <a:lumMod val="75000"/>
-                  <a:lumOff val="25000"/>
-                </a:schemeClr>
-              </a:solidFill>
-              <a:latin typeface="等线 Light" panose="02010600030101010101" charset="-122"/>
-              <a:ea typeface="等线 Light" panose="02010600030101010101" charset="-122"/>
-              <a:cs typeface="等线 Light" panose="02010600030101010101" charset="-122"/>
-              <a:sym typeface="+mn-lt"/>
-            </a:endParaRPr>
-          </a:p>
-          <a:p>
-            <a:r>
-              <a:rPr lang="en-US" altLang="zh-CN" sz="1400" b="1" dirty="0">
-                <a:solidFill>
-                  <a:schemeClr val="tx1">
-                    <a:lumMod val="75000"/>
-                    <a:lumOff val="25000"/>
-                  </a:schemeClr>
-                </a:solidFill>
-                <a:latin typeface="等线 Light" panose="02010600030101010101" charset="-122"/>
-                <a:ea typeface="等线 Light" panose="02010600030101010101" charset="-122"/>
-                <a:cs typeface="等线 Light" panose="02010600030101010101" charset="-122"/>
-                <a:sym typeface="+mn-lt"/>
-              </a:rPr>
-              <a:t>3、不管是处理需求还是解决故障，都应该静下心来，先仔细分析好任务的具体流程，做到不急不躁。</a:t>
-            </a:r>
-            <a:endParaRPr lang="en-US" altLang="zh-CN" sz="1400" b="1" dirty="0">
-              <a:solidFill>
-                <a:schemeClr val="tx1">
-                  <a:lumMod val="75000"/>
-                  <a:lumOff val="25000"/>
-                </a:schemeClr>
-              </a:solidFill>
-              <a:latin typeface="等线 Light" panose="02010600030101010101" charset="-122"/>
-              <a:ea typeface="等线 Light" panose="02010600030101010101" charset="-122"/>
-              <a:cs typeface="等线 Light" panose="02010600030101010101" charset="-122"/>
-              <a:sym typeface="+mn-lt"/>
-            </a:endParaRPr>
-          </a:p>
-        </p:txBody>
-      </p:sp>
-      <p:sp>
-        <p:nvSpPr>
-          <p:cNvPr id="6" name="矩形 5"/>
-          <p:cNvSpPr/>
-          <p:nvPr/>
-        </p:nvSpPr>
-        <p:spPr>
-          <a:xfrm>
-            <a:off x="972185" y="4214495"/>
-            <a:ext cx="1404000" cy="18000"/>
-          </a:xfrm>
-          <a:prstGeom prst="rect">
-            <a:avLst/>
-          </a:prstGeom>
-          <a:solidFill>
-            <a:srgbClr val="659594"/>
-          </a:solidFill>
-          <a:ln>
-            <a:noFill/>
-          </a:ln>
-        </p:spPr>
-        <p:style>
-          <a:lnRef idx="2">
-            <a:schemeClr val="accent6"/>
-          </a:lnRef>
-          <a:fillRef idx="1">
-            <a:schemeClr val="lt1"/>
-          </a:fillRef>
-          <a:effectRef idx="0">
-            <a:schemeClr val="accent6"/>
-          </a:effectRef>
-          <a:fontRef idx="minor">
-            <a:schemeClr val="dk1"/>
-          </a:fontRef>
-        </p:style>
-        <p:txBody>
-          <a:bodyPr rtlCol="0" anchor="ctr"/>
-          <a:p>
-            <a:pPr algn="ctr"/>
-            <a:endParaRPr lang="zh-CN" altLang="en-US"/>
-          </a:p>
-        </p:txBody>
-      </p:sp>
-      <p:pic>
-        <p:nvPicPr>
-          <p:cNvPr id="8" name="图片 7" descr="c216c8765727774aa9342bbc185b1845"/>
-          <p:cNvPicPr>
-            <a:picLocks noChangeAspect="1"/>
-          </p:cNvPicPr>
-          <p:nvPr>
-            <p:custDataLst>
-              <p:tags r:id="rId1"/>
-            </p:custDataLst>
-          </p:nvPr>
-        </p:nvPicPr>
-        <p:blipFill>
-          <a:blip r:embed="rId2">
-            <a:lum bright="24000" contrast="-30000"/>
-          </a:blip>
-          <a:srcRect l="-2021" r="2425" b="74848"/>
-          <a:stretch>
-            <a:fillRect/>
-          </a:stretch>
-        </p:blipFill>
-        <p:spPr>
-          <a:xfrm>
-            <a:off x="6471285" y="0"/>
-            <a:ext cx="5720715" cy="3854450"/>
-          </a:xfrm>
-          <a:prstGeom prst="rect">
-            <a:avLst/>
-          </a:prstGeom>
-        </p:spPr>
-      </p:pic>
+        </p:txBody>
+      </p:sp>
     </p:spTree>
   </p:cSld>
   <p:clrMapOvr>
@@ -6461,22 +6594,20 @@
       <p:grpSpPr/>
       <p:sp>
         <p:nvSpPr>
-          <p:cNvPr id="7" name="椭圆 6"/>
+          <p:cNvPr id="4" name="矩形 3"/>
           <p:cNvSpPr/>
           <p:nvPr/>
         </p:nvSpPr>
         <p:spPr>
           <a:xfrm>
-            <a:off x="4008120" y="3082290"/>
-            <a:ext cx="691515" cy="691515"/>
-          </a:xfrm>
-          <a:prstGeom prst="ellipse">
+            <a:off x="972185" y="1101090"/>
+            <a:ext cx="1404000" cy="18000"/>
+          </a:xfrm>
+          <a:prstGeom prst="rect">
             <a:avLst/>
           </a:prstGeom>
           <a:solidFill>
-            <a:srgbClr val="659594">
-              <a:alpha val="62000"/>
-            </a:srgbClr>
+            <a:srgbClr val="659594"/>
           </a:solidFill>
           <a:ln>
             <a:noFill/>
@@ -6500,36 +6631,20 @@
           <a:bodyPr rtlCol="0" anchor="ctr"/>
           <a:p>
             <a:pPr algn="ctr"/>
-            <a:r>
-              <a:rPr lang="en-US" altLang="zh-CN" sz="2000">
-                <a:solidFill>
-                  <a:schemeClr val="bg1"/>
-                </a:solidFill>
-                <a:latin typeface="等线 Light" panose="02010600030101010101" charset="-122"/>
-                <a:ea typeface="等线 Light" panose="02010600030101010101" charset="-122"/>
-              </a:rPr>
-              <a:t>05</a:t>
-            </a:r>
-            <a:endParaRPr lang="en-US" altLang="zh-CN" sz="2000">
-              <a:solidFill>
-                <a:schemeClr val="bg1"/>
-              </a:solidFill>
-              <a:latin typeface="等线 Light" panose="02010600030101010101" charset="-122"/>
-              <a:ea typeface="等线 Light" panose="02010600030101010101" charset="-122"/>
-            </a:endParaRPr>
-          </a:p>
-        </p:txBody>
-      </p:sp>
-      <p:sp>
-        <p:nvSpPr>
-          <p:cNvPr id="4" name="文本框 3"/>
+            <a:endParaRPr lang="zh-CN" altLang="en-US"/>
+          </a:p>
+        </p:txBody>
+      </p:sp>
+      <p:sp>
+        <p:nvSpPr>
+          <p:cNvPr id="7" name="文本框 6"/>
           <p:cNvSpPr txBox="1"/>
           <p:nvPr/>
         </p:nvSpPr>
         <p:spPr>
           <a:xfrm>
-            <a:off x="4887595" y="3197860"/>
-            <a:ext cx="3760470" cy="460375"/>
+            <a:off x="972185" y="530225"/>
+            <a:ext cx="4893945" cy="460375"/>
           </a:xfrm>
           <a:prstGeom prst="rect">
             <a:avLst/>
@@ -6542,35 +6657,430 @@
           </a:bodyPr>
           <a:p>
             <a:r>
-              <a:rPr lang="zh-CN" altLang="en-US" sz="2400" b="1" dirty="0">
-                <a:solidFill>
-                  <a:schemeClr val="tx1">
-                    <a:lumMod val="75000"/>
-                    <a:lumOff val="25000"/>
-                  </a:schemeClr>
-                </a:solidFill>
-                <a:latin typeface="等线 Light" panose="02010600030101010101" charset="-122"/>
-                <a:ea typeface="等线 Light" panose="02010600030101010101" charset="-122"/>
-                <a:cs typeface="+mn-ea"/>
-                <a:sym typeface="+mn-lt"/>
-              </a:rPr>
-              <a:t>个人愿景与规划</a:t>
-            </a:r>
-            <a:endParaRPr lang="zh-CN" altLang="en-US" sz="2400" b="1" dirty="0">
-              <a:solidFill>
-                <a:schemeClr val="tx1">
-                  <a:lumMod val="75000"/>
-                  <a:lumOff val="25000"/>
-                </a:schemeClr>
-              </a:solidFill>
-              <a:latin typeface="等线 Light" panose="02010600030101010101" charset="-122"/>
-              <a:ea typeface="等线 Light" panose="02010600030101010101" charset="-122"/>
-              <a:cs typeface="+mn-ea"/>
+              <a:rPr lang="zh-CN" altLang="en-US" sz="2400" dirty="0">
+                <a:solidFill>
+                  <a:schemeClr val="tx1">
+                    <a:lumMod val="75000"/>
+                    <a:lumOff val="25000"/>
+                  </a:schemeClr>
+                </a:solidFill>
+                <a:latin typeface="等线 Light" panose="02010600030101010101" charset="-122"/>
+                <a:ea typeface="等线 Light" panose="02010600030101010101" charset="-122"/>
+                <a:sym typeface="+mn-ea"/>
+              </a:rPr>
+              <a:t>自身不足</a:t>
+            </a:r>
+            <a:endParaRPr lang="zh-CN" altLang="en-US" sz="2400" dirty="0">
+              <a:solidFill>
+                <a:schemeClr val="tx1">
+                  <a:lumMod val="75000"/>
+                  <a:lumOff val="25000"/>
+                </a:schemeClr>
+              </a:solidFill>
+              <a:latin typeface="等线 Light" panose="02010600030101010101" charset="-122"/>
+              <a:ea typeface="等线 Light" panose="02010600030101010101" charset="-122"/>
+              <a:sym typeface="+mn-ea"/>
+            </a:endParaRPr>
+          </a:p>
+        </p:txBody>
+      </p:sp>
+      <p:sp>
+        <p:nvSpPr>
+          <p:cNvPr id="2" name="文本框 1"/>
+          <p:cNvSpPr txBox="1"/>
+          <p:nvPr/>
+        </p:nvSpPr>
+        <p:spPr>
+          <a:xfrm>
+            <a:off x="972185" y="1370330"/>
+            <a:ext cx="6257290" cy="1599565"/>
+          </a:xfrm>
+          <a:prstGeom prst="rect">
+            <a:avLst/>
+          </a:prstGeom>
+          <a:noFill/>
+        </p:spPr>
+        <p:txBody>
+          <a:bodyPr wrap="square" rtlCol="0">
+            <a:spAutoFit/>
+          </a:bodyPr>
+          <a:p>
+            <a:r>
+              <a:rPr lang="en-US" altLang="zh-CN" sz="1400" b="1" dirty="0">
+                <a:solidFill>
+                  <a:schemeClr val="tx1">
+                    <a:lumMod val="75000"/>
+                    <a:lumOff val="25000"/>
+                  </a:schemeClr>
+                </a:solidFill>
+                <a:latin typeface="等线 Light" panose="02010600030101010101" charset="-122"/>
+                <a:ea typeface="等线 Light" panose="02010600030101010101" charset="-122"/>
+                <a:cs typeface="等线 Light" panose="02010600030101010101" charset="-122"/>
+                <a:sym typeface="+mn-lt"/>
+              </a:rPr>
+              <a:t>1、对开发过程中技术的理解不够深入，通常只是停留在会用的阶段，很多原理没有进一步去了解。</a:t>
+            </a:r>
+            <a:endParaRPr lang="en-US" altLang="zh-CN" sz="1400" b="1" dirty="0">
+              <a:solidFill>
+                <a:schemeClr val="tx1">
+                  <a:lumMod val="75000"/>
+                  <a:lumOff val="25000"/>
+                </a:schemeClr>
+              </a:solidFill>
+              <a:latin typeface="等线 Light" panose="02010600030101010101" charset="-122"/>
+              <a:ea typeface="等线 Light" panose="02010600030101010101" charset="-122"/>
+              <a:cs typeface="等线 Light" panose="02010600030101010101" charset="-122"/>
               <a:sym typeface="+mn-lt"/>
             </a:endParaRPr>
           </a:p>
-        </p:txBody>
-      </p:sp>
+          <a:p>
+            <a:endParaRPr lang="en-US" altLang="zh-CN" sz="1400" b="1" dirty="0">
+              <a:solidFill>
+                <a:schemeClr val="tx1">
+                  <a:lumMod val="75000"/>
+                  <a:lumOff val="25000"/>
+                </a:schemeClr>
+              </a:solidFill>
+              <a:latin typeface="等线 Light" panose="02010600030101010101" charset="-122"/>
+              <a:ea typeface="等线 Light" panose="02010600030101010101" charset="-122"/>
+              <a:cs typeface="等线 Light" panose="02010600030101010101" charset="-122"/>
+              <a:sym typeface="+mn-lt"/>
+            </a:endParaRPr>
+          </a:p>
+          <a:p>
+            <a:r>
+              <a:rPr lang="en-US" altLang="zh-CN" sz="1400" b="1" dirty="0">
+                <a:solidFill>
+                  <a:schemeClr val="tx1">
+                    <a:lumMod val="75000"/>
+                    <a:lumOff val="25000"/>
+                  </a:schemeClr>
+                </a:solidFill>
+                <a:latin typeface="等线 Light" panose="02010600030101010101" charset="-122"/>
+                <a:ea typeface="等线 Light" panose="02010600030101010101" charset="-122"/>
+                <a:cs typeface="等线 Light" panose="02010600030101010101" charset="-122"/>
+                <a:sym typeface="+mn-lt"/>
+              </a:rPr>
+              <a:t>2、工作过程中沟通较少，沟通能力存在不足，对问题的表述这方面不是很好。</a:t>
+            </a:r>
+            <a:endParaRPr lang="en-US" altLang="zh-CN" sz="1400" b="1" dirty="0">
+              <a:solidFill>
+                <a:schemeClr val="tx1">
+                  <a:lumMod val="75000"/>
+                  <a:lumOff val="25000"/>
+                </a:schemeClr>
+              </a:solidFill>
+              <a:latin typeface="等线 Light" panose="02010600030101010101" charset="-122"/>
+              <a:ea typeface="等线 Light" panose="02010600030101010101" charset="-122"/>
+              <a:cs typeface="等线 Light" panose="02010600030101010101" charset="-122"/>
+              <a:sym typeface="+mn-lt"/>
+            </a:endParaRPr>
+          </a:p>
+          <a:p>
+            <a:endParaRPr lang="en-US" altLang="zh-CN" sz="1400" b="1" dirty="0">
+              <a:solidFill>
+                <a:schemeClr val="tx1">
+                  <a:lumMod val="75000"/>
+                  <a:lumOff val="25000"/>
+                </a:schemeClr>
+              </a:solidFill>
+              <a:latin typeface="等线 Light" panose="02010600030101010101" charset="-122"/>
+              <a:ea typeface="等线 Light" panose="02010600030101010101" charset="-122"/>
+              <a:cs typeface="等线 Light" panose="02010600030101010101" charset="-122"/>
+              <a:sym typeface="+mn-lt"/>
+            </a:endParaRPr>
+          </a:p>
+          <a:p>
+            <a:r>
+              <a:rPr lang="en-US" altLang="zh-CN" sz="1400" b="1" dirty="0">
+                <a:solidFill>
+                  <a:schemeClr val="tx1">
+                    <a:lumMod val="75000"/>
+                    <a:lumOff val="25000"/>
+                  </a:schemeClr>
+                </a:solidFill>
+                <a:latin typeface="等线 Light" panose="02010600030101010101" charset="-122"/>
+                <a:ea typeface="等线 Light" panose="02010600030101010101" charset="-122"/>
+                <a:cs typeface="等线 Light" panose="02010600030101010101" charset="-122"/>
+                <a:sym typeface="+mn-lt"/>
+              </a:rPr>
+              <a:t>3、处理任务过于着急，在接到新的任务时只是一心想完成好，并没有很好的规划。</a:t>
+            </a:r>
+            <a:endParaRPr lang="en-US" altLang="zh-CN" sz="1400" b="1" dirty="0">
+              <a:solidFill>
+                <a:schemeClr val="tx1">
+                  <a:lumMod val="75000"/>
+                  <a:lumOff val="25000"/>
+                </a:schemeClr>
+              </a:solidFill>
+              <a:latin typeface="等线 Light" panose="02010600030101010101" charset="-122"/>
+              <a:ea typeface="等线 Light" panose="02010600030101010101" charset="-122"/>
+              <a:cs typeface="等线 Light" panose="02010600030101010101" charset="-122"/>
+              <a:sym typeface="+mn-lt"/>
+            </a:endParaRPr>
+          </a:p>
+        </p:txBody>
+      </p:sp>
+      <p:sp>
+        <p:nvSpPr>
+          <p:cNvPr id="3" name="文本框 2"/>
+          <p:cNvSpPr txBox="1"/>
+          <p:nvPr/>
+        </p:nvSpPr>
+        <p:spPr>
+          <a:xfrm>
+            <a:off x="972185" y="3592830"/>
+            <a:ext cx="4893945" cy="460375"/>
+          </a:xfrm>
+          <a:prstGeom prst="rect">
+            <a:avLst/>
+          </a:prstGeom>
+          <a:noFill/>
+        </p:spPr>
+        <p:txBody>
+          <a:bodyPr wrap="square" rtlCol="0">
+            <a:spAutoFit/>
+          </a:bodyPr>
+          <a:p>
+            <a:r>
+              <a:rPr lang="zh-CN" altLang="en-US" sz="2400" dirty="0">
+                <a:solidFill>
+                  <a:schemeClr val="tx1">
+                    <a:lumMod val="75000"/>
+                    <a:lumOff val="25000"/>
+                  </a:schemeClr>
+                </a:solidFill>
+                <a:latin typeface="等线 Light" panose="02010600030101010101" charset="-122"/>
+                <a:ea typeface="等线 Light" panose="02010600030101010101" charset="-122"/>
+                <a:sym typeface="+mn-ea"/>
+              </a:rPr>
+              <a:t>改进措施</a:t>
+            </a:r>
+            <a:endParaRPr lang="zh-CN" altLang="en-US" sz="2400" dirty="0">
+              <a:solidFill>
+                <a:schemeClr val="tx1">
+                  <a:lumMod val="75000"/>
+                  <a:lumOff val="25000"/>
+                </a:schemeClr>
+              </a:solidFill>
+              <a:latin typeface="等线 Light" panose="02010600030101010101" charset="-122"/>
+              <a:ea typeface="等线 Light" panose="02010600030101010101" charset="-122"/>
+              <a:sym typeface="+mn-ea"/>
+            </a:endParaRPr>
+          </a:p>
+        </p:txBody>
+      </p:sp>
+      <p:sp>
+        <p:nvSpPr>
+          <p:cNvPr id="5" name="文本框 4"/>
+          <p:cNvSpPr txBox="1"/>
+          <p:nvPr/>
+        </p:nvSpPr>
+        <p:spPr>
+          <a:xfrm>
+            <a:off x="972185" y="4393565"/>
+            <a:ext cx="6257290" cy="1814830"/>
+          </a:xfrm>
+          <a:prstGeom prst="rect">
+            <a:avLst/>
+          </a:prstGeom>
+          <a:noFill/>
+        </p:spPr>
+        <p:txBody>
+          <a:bodyPr wrap="square" rtlCol="0">
+            <a:spAutoFit/>
+          </a:bodyPr>
+          <a:p>
+            <a:r>
+              <a:rPr lang="en-US" altLang="zh-CN" sz="1400" b="1" dirty="0">
+                <a:solidFill>
+                  <a:schemeClr val="tx1">
+                    <a:lumMod val="75000"/>
+                    <a:lumOff val="25000"/>
+                  </a:schemeClr>
+                </a:solidFill>
+                <a:latin typeface="等线 Light" panose="02010600030101010101" charset="-122"/>
+                <a:ea typeface="等线 Light" panose="02010600030101010101" charset="-122"/>
+                <a:cs typeface="等线 Light" panose="02010600030101010101" charset="-122"/>
+                <a:sym typeface="+mn-lt"/>
+              </a:rPr>
+              <a:t>1、在工作之余努力提升自身水平，借助技术博客、官方文档来扩充自己的知识库，养成阅读源码的习惯。</a:t>
+            </a:r>
+            <a:endParaRPr lang="en-US" altLang="zh-CN" sz="1400" b="1" dirty="0">
+              <a:solidFill>
+                <a:schemeClr val="tx1">
+                  <a:lumMod val="75000"/>
+                  <a:lumOff val="25000"/>
+                </a:schemeClr>
+              </a:solidFill>
+              <a:latin typeface="等线 Light" panose="02010600030101010101" charset="-122"/>
+              <a:ea typeface="等线 Light" panose="02010600030101010101" charset="-122"/>
+              <a:cs typeface="等线 Light" panose="02010600030101010101" charset="-122"/>
+              <a:sym typeface="+mn-lt"/>
+            </a:endParaRPr>
+          </a:p>
+          <a:p>
+            <a:endParaRPr lang="en-US" altLang="zh-CN" sz="1400" b="1" dirty="0">
+              <a:solidFill>
+                <a:schemeClr val="tx1">
+                  <a:lumMod val="75000"/>
+                  <a:lumOff val="25000"/>
+                </a:schemeClr>
+              </a:solidFill>
+              <a:latin typeface="等线 Light" panose="02010600030101010101" charset="-122"/>
+              <a:ea typeface="等线 Light" panose="02010600030101010101" charset="-122"/>
+              <a:cs typeface="等线 Light" panose="02010600030101010101" charset="-122"/>
+              <a:sym typeface="+mn-lt"/>
+            </a:endParaRPr>
+          </a:p>
+          <a:p>
+            <a:r>
+              <a:rPr lang="en-US" altLang="zh-CN" sz="1400" b="1" dirty="0">
+                <a:solidFill>
+                  <a:schemeClr val="tx1">
+                    <a:lumMod val="75000"/>
+                    <a:lumOff val="25000"/>
+                  </a:schemeClr>
+                </a:solidFill>
+                <a:latin typeface="等线 Light" panose="02010600030101010101" charset="-122"/>
+                <a:ea typeface="等线 Light" panose="02010600030101010101" charset="-122"/>
+                <a:cs typeface="等线 Light" panose="02010600030101010101" charset="-122"/>
+                <a:sym typeface="+mn-lt"/>
+              </a:rPr>
+              <a:t>2、处理不了的工作问题及时和部门同事沟通，沟通解决方案，加强对问题的表述能力。</a:t>
+            </a:r>
+            <a:endParaRPr lang="en-US" altLang="zh-CN" sz="1400" b="1" dirty="0">
+              <a:solidFill>
+                <a:schemeClr val="tx1">
+                  <a:lumMod val="75000"/>
+                  <a:lumOff val="25000"/>
+                </a:schemeClr>
+              </a:solidFill>
+              <a:latin typeface="等线 Light" panose="02010600030101010101" charset="-122"/>
+              <a:ea typeface="等线 Light" panose="02010600030101010101" charset="-122"/>
+              <a:cs typeface="等线 Light" panose="02010600030101010101" charset="-122"/>
+              <a:sym typeface="+mn-lt"/>
+            </a:endParaRPr>
+          </a:p>
+          <a:p>
+            <a:endParaRPr lang="en-US" altLang="zh-CN" sz="1400" b="1" dirty="0">
+              <a:solidFill>
+                <a:schemeClr val="tx1">
+                  <a:lumMod val="75000"/>
+                  <a:lumOff val="25000"/>
+                </a:schemeClr>
+              </a:solidFill>
+              <a:latin typeface="等线 Light" panose="02010600030101010101" charset="-122"/>
+              <a:ea typeface="等线 Light" panose="02010600030101010101" charset="-122"/>
+              <a:cs typeface="等线 Light" panose="02010600030101010101" charset="-122"/>
+              <a:sym typeface="+mn-lt"/>
+            </a:endParaRPr>
+          </a:p>
+          <a:p>
+            <a:r>
+              <a:rPr lang="en-US" altLang="zh-CN" sz="1400" b="1" dirty="0">
+                <a:solidFill>
+                  <a:schemeClr val="tx1">
+                    <a:lumMod val="75000"/>
+                    <a:lumOff val="25000"/>
+                  </a:schemeClr>
+                </a:solidFill>
+                <a:latin typeface="等线 Light" panose="02010600030101010101" charset="-122"/>
+                <a:ea typeface="等线 Light" panose="02010600030101010101" charset="-122"/>
+                <a:cs typeface="等线 Light" panose="02010600030101010101" charset="-122"/>
+                <a:sym typeface="+mn-lt"/>
+              </a:rPr>
+              <a:t>3、不管是处理需求还是解决故障，都应该静下心来，先仔细分析好任务的具体流程，做到不急不躁。</a:t>
+            </a:r>
+            <a:endParaRPr lang="en-US" altLang="zh-CN" sz="1400" b="1" dirty="0">
+              <a:solidFill>
+                <a:schemeClr val="tx1">
+                  <a:lumMod val="75000"/>
+                  <a:lumOff val="25000"/>
+                </a:schemeClr>
+              </a:solidFill>
+              <a:latin typeface="等线 Light" panose="02010600030101010101" charset="-122"/>
+              <a:ea typeface="等线 Light" panose="02010600030101010101" charset="-122"/>
+              <a:cs typeface="等线 Light" panose="02010600030101010101" charset="-122"/>
+              <a:sym typeface="+mn-lt"/>
+            </a:endParaRPr>
+          </a:p>
+        </p:txBody>
+      </p:sp>
+      <p:sp>
+        <p:nvSpPr>
+          <p:cNvPr id="6" name="矩形 5"/>
+          <p:cNvSpPr/>
+          <p:nvPr/>
+        </p:nvSpPr>
+        <p:spPr>
+          <a:xfrm>
+            <a:off x="972185" y="4214495"/>
+            <a:ext cx="1404000" cy="18000"/>
+          </a:xfrm>
+          <a:prstGeom prst="rect">
+            <a:avLst/>
+          </a:prstGeom>
+          <a:solidFill>
+            <a:srgbClr val="659594"/>
+          </a:solidFill>
+          <a:ln>
+            <a:noFill/>
+          </a:ln>
+        </p:spPr>
+        <p:style>
+          <a:lnRef idx="2">
+            <a:schemeClr val="accent6"/>
+          </a:lnRef>
+          <a:fillRef idx="1">
+            <a:schemeClr val="lt1"/>
+          </a:fillRef>
+          <a:effectRef idx="0">
+            <a:schemeClr val="accent6"/>
+          </a:effectRef>
+          <a:fontRef idx="minor">
+            <a:schemeClr val="dk1"/>
+          </a:fontRef>
+        </p:style>
+        <p:txBody>
+          <a:bodyPr rtlCol="0" anchor="ctr"/>
+          <a:p>
+            <a:pPr algn="ctr"/>
+            <a:endParaRPr lang="zh-CN" altLang="en-US"/>
+          </a:p>
+        </p:txBody>
+      </p:sp>
+      <p:pic>
+        <p:nvPicPr>
+          <p:cNvPr id="8" name="图片 7" descr="c216c8765727774aa9342bbc185b1845"/>
+          <p:cNvPicPr>
+            <a:picLocks noChangeAspect="1"/>
+          </p:cNvPicPr>
+          <p:nvPr>
+            <p:custDataLst>
+              <p:tags r:id="rId1"/>
+            </p:custDataLst>
+          </p:nvPr>
+        </p:nvPicPr>
+        <p:blipFill>
+          <a:blip r:embed="rId2">
+            <a:lum bright="24000" contrast="-30000"/>
+          </a:blip>
+          <a:srcRect l="-2021" r="2425" b="74848"/>
+          <a:stretch>
+            <a:fillRect/>
+          </a:stretch>
+        </p:blipFill>
+        <p:spPr>
+          <a:xfrm>
+            <a:off x="6471285" y="0"/>
+            <a:ext cx="5720715" cy="3854450"/>
+          </a:xfrm>
+          <a:prstGeom prst="rect">
+            <a:avLst/>
+          </a:prstGeom>
+        </p:spPr>
+      </p:pic>
     </p:spTree>
   </p:cSld>
   <p:clrMapOvr>
@@ -6580,6 +7090,136 @@
 </file>
 
 <file path=ppt/slides/slide21.xml><?xml version="1.0" encoding="utf-8"?>
+<p:sld xmlns:a="http://schemas.openxmlformats.org/drawingml/2006/main" xmlns:r="http://schemas.openxmlformats.org/officeDocument/2006/relationships" xmlns:p="http://schemas.openxmlformats.org/presentationml/2006/main">
+  <p:cSld>
+    <p:spTree>
+      <p:nvGrpSpPr>
+        <p:cNvPr id="1" name=""/>
+        <p:cNvGrpSpPr/>
+        <p:nvPr/>
+      </p:nvGrpSpPr>
+      <p:grpSpPr/>
+      <p:sp>
+        <p:nvSpPr>
+          <p:cNvPr id="7" name="椭圆 6"/>
+          <p:cNvSpPr/>
+          <p:nvPr/>
+        </p:nvSpPr>
+        <p:spPr>
+          <a:xfrm>
+            <a:off x="4008120" y="3082290"/>
+            <a:ext cx="691515" cy="691515"/>
+          </a:xfrm>
+          <a:prstGeom prst="ellipse">
+            <a:avLst/>
+          </a:prstGeom>
+          <a:solidFill>
+            <a:srgbClr val="659594">
+              <a:alpha val="62000"/>
+            </a:srgbClr>
+          </a:solidFill>
+          <a:ln>
+            <a:noFill/>
+          </a:ln>
+        </p:spPr>
+        <p:style>
+          <a:lnRef idx="2">
+            <a:schemeClr val="accent6"/>
+          </a:lnRef>
+          <a:fillRef idx="1">
+            <a:schemeClr val="lt1"/>
+          </a:fillRef>
+          <a:effectRef idx="0">
+            <a:schemeClr val="accent6"/>
+          </a:effectRef>
+          <a:fontRef idx="minor">
+            <a:schemeClr val="dk1"/>
+          </a:fontRef>
+        </p:style>
+        <p:txBody>
+          <a:bodyPr rtlCol="0" anchor="ctr"/>
+          <a:p>
+            <a:pPr algn="ctr"/>
+            <a:r>
+              <a:rPr lang="en-US" altLang="zh-CN" sz="2000">
+                <a:solidFill>
+                  <a:schemeClr val="bg1"/>
+                </a:solidFill>
+                <a:latin typeface="等线 Light" panose="02010600030101010101" charset="-122"/>
+                <a:ea typeface="等线 Light" panose="02010600030101010101" charset="-122"/>
+              </a:rPr>
+              <a:t>05</a:t>
+            </a:r>
+            <a:endParaRPr lang="en-US" altLang="zh-CN" sz="2000">
+              <a:solidFill>
+                <a:schemeClr val="bg1"/>
+              </a:solidFill>
+              <a:latin typeface="等线 Light" panose="02010600030101010101" charset="-122"/>
+              <a:ea typeface="等线 Light" panose="02010600030101010101" charset="-122"/>
+            </a:endParaRPr>
+          </a:p>
+        </p:txBody>
+      </p:sp>
+      <p:sp>
+        <p:nvSpPr>
+          <p:cNvPr id="4" name="文本框 3"/>
+          <p:cNvSpPr txBox="1"/>
+          <p:nvPr/>
+        </p:nvSpPr>
+        <p:spPr>
+          <a:xfrm>
+            <a:off x="4887595" y="3197860"/>
+            <a:ext cx="3760470" cy="460375"/>
+          </a:xfrm>
+          <a:prstGeom prst="rect">
+            <a:avLst/>
+          </a:prstGeom>
+          <a:noFill/>
+        </p:spPr>
+        <p:txBody>
+          <a:bodyPr wrap="square" rtlCol="0">
+            <a:spAutoFit/>
+          </a:bodyPr>
+          <a:p>
+            <a:r>
+              <a:rPr lang="zh-CN" altLang="en-US" sz="2400" b="1" dirty="0">
+                <a:solidFill>
+                  <a:schemeClr val="tx1">
+                    <a:lumMod val="75000"/>
+                    <a:lumOff val="25000"/>
+                  </a:schemeClr>
+                </a:solidFill>
+                <a:latin typeface="等线 Light" panose="02010600030101010101" charset="-122"/>
+                <a:ea typeface="等线 Light" panose="02010600030101010101" charset="-122"/>
+                <a:cs typeface="+mn-ea"/>
+                <a:sym typeface="+mn-lt"/>
+              </a:rPr>
+              <a:t>个人愿景与规划</a:t>
+            </a:r>
+            <a:endParaRPr lang="zh-CN" altLang="en-US" sz="2400" b="1" dirty="0">
+              <a:solidFill>
+                <a:schemeClr val="tx1">
+                  <a:lumMod val="75000"/>
+                  <a:lumOff val="25000"/>
+                </a:schemeClr>
+              </a:solidFill>
+              <a:latin typeface="等线 Light" panose="02010600030101010101" charset="-122"/>
+              <a:ea typeface="等线 Light" panose="02010600030101010101" charset="-122"/>
+              <a:cs typeface="+mn-ea"/>
+              <a:sym typeface="+mn-lt"/>
+            </a:endParaRPr>
+          </a:p>
+        </p:txBody>
+      </p:sp>
+    </p:spTree>
+  </p:cSld>
+  <p:clrMapOvr>
+    <a:masterClrMapping/>
+  </p:clrMapOvr>
+</p:sld>
+</file>
+
+<file path=ppt/slides/slide22.xml><?xml version="1.0" encoding="utf-8"?>
 <p:sld xmlns:a="http://schemas.openxmlformats.org/drawingml/2006/main" xmlns:r="http://schemas.openxmlformats.org/officeDocument/2006/relationships" xmlns:p="http://schemas.openxmlformats.org/presentationml/2006/main">
   <p:cSld>
     <p:spTree>
@@ -6872,7 +7512,7 @@
 </p:sld>
 </file>
 
-<file path=ppt/slides/slide22.xml><?xml version="1.0" encoding="utf-8"?>
+<file path=ppt/slides/slide23.xml><?xml version="1.0" encoding="utf-8"?>
 <p:sld xmlns:a="http://schemas.openxmlformats.org/drawingml/2006/main" xmlns:r="http://schemas.openxmlformats.org/officeDocument/2006/relationships" xmlns:p="http://schemas.openxmlformats.org/presentationml/2006/main">
   <p:cSld>
     <p:spTree>
@@ -7002,7 +7642,7 @@
 </p:sld>
 </file>
 
-<file path=ppt/slides/slide23.xml><?xml version="1.0" encoding="utf-8"?>
+<file path=ppt/slides/slide24.xml><?xml version="1.0" encoding="utf-8"?>
 <p:sld xmlns:a="http://schemas.openxmlformats.org/drawingml/2006/main" xmlns:r="http://schemas.openxmlformats.org/officeDocument/2006/relationships" xmlns:p="http://schemas.openxmlformats.org/presentationml/2006/main">
   <p:cSld>
     <p:spTree>
@@ -7252,7 +7892,7 @@
 </p:sld>
 </file>
 
-<file path=ppt/slides/slide24.xml><?xml version="1.0" encoding="utf-8"?>
+<file path=ppt/slides/slide25.xml><?xml version="1.0" encoding="utf-8"?>
 <p:sld xmlns:a="http://schemas.openxmlformats.org/drawingml/2006/main" xmlns:r="http://schemas.openxmlformats.org/officeDocument/2006/relationships" xmlns:p="http://schemas.openxmlformats.org/presentationml/2006/main">
   <p:cSld>
     <p:spTree>
@@ -10821,7 +11461,7 @@
 
 <file path=ppt/tags/tag11.xml><?xml version="1.0" encoding="utf-8"?>
 <p:tagLst xmlns:p="http://schemas.openxmlformats.org/presentationml/2006/main">
-  <p:tag name="KSO_WM_UNIT_PLACING_PICTURE_USER_VIEWPORT" val="{&quot;height&quot;:6070,&quot;width&quot;:9009}"/>
+  <p:tag name="KSO_WM_UNIT_PLACING_PICTURE_USER_VIEWPORT" val="{&quot;height&quot;:4104,&quot;width&quot;:19200}"/>
 </p:tagLst>
 </file>
 
@@ -10839,7 +11479,13 @@
 
 <file path=ppt/tags/tag14.xml><?xml version="1.0" encoding="utf-8"?>
 <p:tagLst xmlns:p="http://schemas.openxmlformats.org/presentationml/2006/main">
-  <p:tag name="COMMONDATA" val="eyJjb3VudCI6MTQ4LCJoZGlkIjoiMzdiYTY1YzMzNmRhNmE2MDlkOTA3MTBjMWVhMDZkMjQiLCJ1c2VyQ291bnQiOjE0OH0="/>
+  <p:tag name="KSO_WM_UNIT_PLACING_PICTURE_USER_VIEWPORT" val="{&quot;height&quot;:6070,&quot;width&quot;:9009}"/>
+</p:tagLst>
+</file>
+
+<file path=ppt/tags/tag15.xml><?xml version="1.0" encoding="utf-8"?>
+<p:tagLst xmlns:p="http://schemas.openxmlformats.org/presentationml/2006/main">
+  <p:tag name="COMMONDATA" val="eyJjb3VudCI6MTU5LCJoZGlkIjoiMzdiYTY1YzMzNmRhNmE2MDlkOTA3MTBjMWVhMDZkMjQiLCJ1c2VyQ291bnQiOjE1OX0="/>
 </p:tagLst>
 </file>
 

--- a/转正答辩.pptx
+++ b/转正答辩.pptx
@@ -18,23 +18,24 @@
     <p:sldId id="299" r:id="rId13"/>
     <p:sldId id="331" r:id="rId14"/>
     <p:sldId id="332" r:id="rId15"/>
-    <p:sldId id="335" r:id="rId16"/>
-    <p:sldId id="333" r:id="rId17"/>
-    <p:sldId id="345" r:id="rId18"/>
-    <p:sldId id="334" r:id="rId19"/>
-    <p:sldId id="354" r:id="rId20"/>
-    <p:sldId id="301" r:id="rId21"/>
-    <p:sldId id="302" r:id="rId22"/>
-    <p:sldId id="303" r:id="rId23"/>
-    <p:sldId id="305" r:id="rId24"/>
-    <p:sldId id="306" r:id="rId25"/>
-    <p:sldId id="307" r:id="rId26"/>
-    <p:sldId id="267" r:id="rId27"/>
+    <p:sldId id="362" r:id="rId16"/>
+    <p:sldId id="335" r:id="rId17"/>
+    <p:sldId id="333" r:id="rId18"/>
+    <p:sldId id="345" r:id="rId19"/>
+    <p:sldId id="334" r:id="rId20"/>
+    <p:sldId id="354" r:id="rId21"/>
+    <p:sldId id="301" r:id="rId22"/>
+    <p:sldId id="302" r:id="rId23"/>
+    <p:sldId id="303" r:id="rId24"/>
+    <p:sldId id="305" r:id="rId25"/>
+    <p:sldId id="306" r:id="rId26"/>
+    <p:sldId id="307" r:id="rId27"/>
+    <p:sldId id="267" r:id="rId28"/>
   </p:sldIdLst>
   <p:sldSz cx="12192000" cy="6858000"/>
   <p:notesSz cx="6858000" cy="9144000"/>
   <p:custDataLst>
-    <p:tags r:id="rId31"/>
+    <p:tags r:id="rId32"/>
   </p:custDataLst>
   <p:defaultTextStyle>
     <a:defPPr>
@@ -2676,7 +2677,7 @@
         <a:spcBef>
           <a:spcPts val="1000"/>
         </a:spcBef>
-        <a:buFont typeface="Arial" panose="020B0604020202020204" pitchFamily="34" charset="0"/>
+        <a:buFont typeface="Arial" panose="02080604020202020204" pitchFamily="34" charset="0"/>
         <a:buChar char="•"/>
         <a:defRPr sz="2800" kern="1200">
           <a:solidFill>
@@ -2694,7 +2695,7 @@
         <a:spcBef>
           <a:spcPts val="500"/>
         </a:spcBef>
-        <a:buFont typeface="Arial" panose="020B0604020202020204" pitchFamily="34" charset="0"/>
+        <a:buFont typeface="Arial" panose="02080604020202020204" pitchFamily="34" charset="0"/>
         <a:buChar char="•"/>
         <a:defRPr sz="2400" kern="1200">
           <a:solidFill>
@@ -2712,7 +2713,7 @@
         <a:spcBef>
           <a:spcPts val="500"/>
         </a:spcBef>
-        <a:buFont typeface="Arial" panose="020B0604020202020204" pitchFamily="34" charset="0"/>
+        <a:buFont typeface="Arial" panose="02080604020202020204" pitchFamily="34" charset="0"/>
         <a:buChar char="•"/>
         <a:defRPr sz="2000" kern="1200">
           <a:solidFill>
@@ -2730,7 +2731,7 @@
         <a:spcBef>
           <a:spcPts val="500"/>
         </a:spcBef>
-        <a:buFont typeface="Arial" panose="020B0604020202020204" pitchFamily="34" charset="0"/>
+        <a:buFont typeface="Arial" panose="02080604020202020204" pitchFamily="34" charset="0"/>
         <a:buChar char="•"/>
         <a:defRPr sz="1800" kern="1200">
           <a:solidFill>
@@ -2748,7 +2749,7 @@
         <a:spcBef>
           <a:spcPts val="500"/>
         </a:spcBef>
-        <a:buFont typeface="Arial" panose="020B0604020202020204" pitchFamily="34" charset="0"/>
+        <a:buFont typeface="Arial" panose="02080604020202020204" pitchFamily="34" charset="0"/>
         <a:buChar char="•"/>
         <a:defRPr sz="1800" kern="1200">
           <a:solidFill>
@@ -2766,7 +2767,7 @@
         <a:spcBef>
           <a:spcPts val="500"/>
         </a:spcBef>
-        <a:buFont typeface="Arial" panose="020B0604020202020204" pitchFamily="34" charset="0"/>
+        <a:buFont typeface="Arial" panose="02080604020202020204" pitchFamily="34" charset="0"/>
         <a:buChar char="•"/>
         <a:defRPr sz="1800" kern="1200">
           <a:solidFill>
@@ -2784,7 +2785,7 @@
         <a:spcBef>
           <a:spcPts val="500"/>
         </a:spcBef>
-        <a:buFont typeface="Arial" panose="020B0604020202020204" pitchFamily="34" charset="0"/>
+        <a:buFont typeface="Arial" panose="02080604020202020204" pitchFamily="34" charset="0"/>
         <a:buChar char="•"/>
         <a:defRPr sz="1800" kern="1200">
           <a:solidFill>
@@ -2802,7 +2803,7 @@
         <a:spcBef>
           <a:spcPts val="500"/>
         </a:spcBef>
-        <a:buFont typeface="Arial" panose="020B0604020202020204" pitchFamily="34" charset="0"/>
+        <a:buFont typeface="Arial" panose="02080604020202020204" pitchFamily="34" charset="0"/>
         <a:buChar char="•"/>
         <a:defRPr sz="1800" kern="1200">
           <a:solidFill>
@@ -2820,7 +2821,7 @@
         <a:spcBef>
           <a:spcPts val="500"/>
         </a:spcBef>
-        <a:buFont typeface="Arial" panose="020B0604020202020204" pitchFamily="34" charset="0"/>
+        <a:buFont typeface="Arial" panose="02080604020202020204" pitchFamily="34" charset="0"/>
         <a:buChar char="•"/>
         <a:defRPr sz="1800" kern="1200">
           <a:solidFill>
@@ -4448,7 +4449,7 @@
         <p:spPr>
           <a:xfrm>
             <a:off x="972185" y="1805940"/>
-            <a:ext cx="4023995" cy="1383665"/>
+            <a:ext cx="4023995" cy="1168400"/>
           </a:xfrm>
           <a:prstGeom prst="rect">
             <a:avLst/>
@@ -4461,21 +4462,171 @@
           </a:bodyPr>
           <a:p>
             <a:r>
-              <a:rPr sz="1400" b="1" dirty="0">
-                <a:solidFill>
-                  <a:schemeClr val="tx1">
-                    <a:lumMod val="75000"/>
-                    <a:lumOff val="25000"/>
-                  </a:schemeClr>
-                </a:solidFill>
-                <a:latin typeface="等线 Light" panose="02010600030101010101" charset="-122"/>
-                <a:ea typeface="等线 Light" panose="02010600030101010101" charset="-122"/>
-                <a:cs typeface="等线 Light" panose="02010600030101010101" charset="-122"/>
-                <a:sym typeface="+mn-lt"/>
-              </a:rPr>
-              <a:t>CG03 充当 USB 摄像头，使用 HDMI - USB 转接线连接到机顶盒，机顶盒再通过显示器输出 CG03 画面内容。使用安卓 Camera2 以及 AudioRecord 和 AudioTrack 完成视频和音频的传输；通过 GPUImage 对相机预览画面添加锐化效果，改善图像质量。</a:t>
-            </a:r>
-            <a:endParaRPr sz="1400" b="1" dirty="0">
+              <a:rPr lang="zh-CN" sz="1400" b="1" dirty="0">
+                <a:solidFill>
+                  <a:schemeClr val="tx1">
+                    <a:lumMod val="75000"/>
+                    <a:lumOff val="25000"/>
+                  </a:schemeClr>
+                </a:solidFill>
+                <a:latin typeface="等线 Light" panose="02010600030101010101" charset="-122"/>
+                <a:ea typeface="等线 Light" panose="02010600030101010101" charset="-122"/>
+                <a:cs typeface="等线 Light" panose="02010600030101010101" charset="-122"/>
+                <a:sym typeface="+mn-lt"/>
+              </a:rPr>
+              <a:t>将</a:t>
+            </a:r>
+            <a:r>
+              <a:rPr lang="en-US" altLang="zh-CN" sz="1400" b="1" dirty="0">
+                <a:solidFill>
+                  <a:schemeClr val="tx1">
+                    <a:lumMod val="75000"/>
+                    <a:lumOff val="25000"/>
+                  </a:schemeClr>
+                </a:solidFill>
+                <a:latin typeface="等线 Light" panose="02010600030101010101" charset="-122"/>
+                <a:ea typeface="等线 Light" panose="02010600030101010101" charset="-122"/>
+                <a:cs typeface="等线 Light" panose="02010600030101010101" charset="-122"/>
+                <a:sym typeface="+mn-lt"/>
+              </a:rPr>
+              <a:t> USB </a:t>
+            </a:r>
+            <a:r>
+              <a:rPr lang="zh-CN" altLang="en-US" sz="1400" b="1" dirty="0">
+                <a:solidFill>
+                  <a:schemeClr val="tx1">
+                    <a:lumMod val="75000"/>
+                    <a:lumOff val="25000"/>
+                  </a:schemeClr>
+                </a:solidFill>
+                <a:latin typeface="等线 Light" panose="02010600030101010101" charset="-122"/>
+                <a:ea typeface="等线 Light" panose="02010600030101010101" charset="-122"/>
+                <a:cs typeface="等线 Light" panose="02010600030101010101" charset="-122"/>
+                <a:sym typeface="+mn-lt"/>
+              </a:rPr>
+              <a:t>镜像传输开发</a:t>
+            </a:r>
+            <a:r>
+              <a:rPr lang="zh-CN" altLang="en-US" sz="1400" b="1" dirty="0">
+                <a:solidFill>
+                  <a:schemeClr val="tx1">
+                    <a:lumMod val="75000"/>
+                    <a:lumOff val="25000"/>
+                  </a:schemeClr>
+                </a:solidFill>
+                <a:latin typeface="等线 Light" panose="02010600030101010101" charset="-122"/>
+                <a:ea typeface="等线 Light" panose="02010600030101010101" charset="-122"/>
+                <a:cs typeface="等线 Light" panose="02010600030101010101" charset="-122"/>
+                <a:sym typeface="+mn-lt"/>
+              </a:rPr>
+              <a:t>功能</a:t>
+            </a:r>
+            <a:r>
+              <a:rPr lang="zh-CN" altLang="en-US" sz="1400" b="1" dirty="0">
+                <a:solidFill>
+                  <a:schemeClr val="tx1">
+                    <a:lumMod val="75000"/>
+                    <a:lumOff val="25000"/>
+                  </a:schemeClr>
+                </a:solidFill>
+                <a:latin typeface="等线 Light" panose="02010600030101010101" charset="-122"/>
+                <a:ea typeface="等线 Light" panose="02010600030101010101" charset="-122"/>
+                <a:cs typeface="等线 Light" panose="02010600030101010101" charset="-122"/>
+                <a:sym typeface="+mn-lt"/>
+              </a:rPr>
+              <a:t>封装成</a:t>
+            </a:r>
+            <a:r>
+              <a:rPr lang="en-US" altLang="zh-CN" sz="1400" b="1" dirty="0">
+                <a:solidFill>
+                  <a:schemeClr val="tx1">
+                    <a:lumMod val="75000"/>
+                    <a:lumOff val="25000"/>
+                  </a:schemeClr>
+                </a:solidFill>
+                <a:latin typeface="等线 Light" panose="02010600030101010101" charset="-122"/>
+                <a:ea typeface="等线 Light" panose="02010600030101010101" charset="-122"/>
+                <a:cs typeface="等线 Light" panose="02010600030101010101" charset="-122"/>
+                <a:sym typeface="+mn-lt"/>
+              </a:rPr>
+              <a:t> SDK </a:t>
+            </a:r>
+            <a:r>
+              <a:rPr lang="zh-CN" altLang="en-US" sz="1400" b="1" dirty="0">
+                <a:solidFill>
+                  <a:schemeClr val="tx1">
+                    <a:lumMod val="75000"/>
+                    <a:lumOff val="25000"/>
+                  </a:schemeClr>
+                </a:solidFill>
+                <a:latin typeface="等线 Light" panose="02010600030101010101" charset="-122"/>
+                <a:ea typeface="等线 Light" panose="02010600030101010101" charset="-122"/>
+                <a:cs typeface="等线 Light" panose="02010600030101010101" charset="-122"/>
+                <a:sym typeface="+mn-lt"/>
+              </a:rPr>
+              <a:t>，提供给开发人员使用。</a:t>
+            </a:r>
+            <a:r>
+              <a:rPr lang="en-US" altLang="zh-CN" sz="1400" b="1" dirty="0">
+                <a:solidFill>
+                  <a:schemeClr val="tx1">
+                    <a:lumMod val="75000"/>
+                    <a:lumOff val="25000"/>
+                  </a:schemeClr>
+                </a:solidFill>
+                <a:latin typeface="等线 Light" panose="02010600030101010101" charset="-122"/>
+                <a:ea typeface="等线 Light" panose="02010600030101010101" charset="-122"/>
+                <a:cs typeface="等线 Light" panose="02010600030101010101" charset="-122"/>
+                <a:sym typeface="+mn-lt"/>
+              </a:rPr>
+              <a:t>SDK </a:t>
+            </a:r>
+            <a:r>
+              <a:rPr lang="zh-CN" altLang="en-US" sz="1400" b="1" dirty="0">
+                <a:solidFill>
+                  <a:schemeClr val="tx1">
+                    <a:lumMod val="75000"/>
+                    <a:lumOff val="25000"/>
+                  </a:schemeClr>
+                </a:solidFill>
+                <a:latin typeface="等线 Light" panose="02010600030101010101" charset="-122"/>
+                <a:ea typeface="等线 Light" panose="02010600030101010101" charset="-122"/>
+                <a:cs typeface="等线 Light" panose="02010600030101010101" charset="-122"/>
+                <a:sym typeface="+mn-lt"/>
+              </a:rPr>
+              <a:t>接口提供静态方式调用，使用前需要传入</a:t>
+            </a:r>
+            <a:r>
+              <a:rPr lang="en-US" altLang="zh-CN" sz="1400" b="1" dirty="0">
+                <a:solidFill>
+                  <a:schemeClr val="tx1">
+                    <a:lumMod val="75000"/>
+                    <a:lumOff val="25000"/>
+                  </a:schemeClr>
+                </a:solidFill>
+                <a:latin typeface="等线 Light" panose="02010600030101010101" charset="-122"/>
+                <a:ea typeface="等线 Light" panose="02010600030101010101" charset="-122"/>
+                <a:cs typeface="等线 Light" panose="02010600030101010101" charset="-122"/>
+                <a:sym typeface="+mn-lt"/>
+              </a:rPr>
+              <a:t> UsbCameraConfig </a:t>
+            </a:r>
+            <a:r>
+              <a:rPr lang="zh-CN" altLang="en-US" sz="1400" b="1" dirty="0">
+                <a:solidFill>
+                  <a:schemeClr val="tx1">
+                    <a:lumMod val="75000"/>
+                    <a:lumOff val="25000"/>
+                  </a:schemeClr>
+                </a:solidFill>
+                <a:latin typeface="等线 Light" panose="02010600030101010101" charset="-122"/>
+                <a:ea typeface="等线 Light" panose="02010600030101010101" charset="-122"/>
+                <a:cs typeface="等线 Light" panose="02010600030101010101" charset="-122"/>
+                <a:sym typeface="+mn-lt"/>
+              </a:rPr>
+              <a:t>配置对象，通过构建者模式生成，初始化后可以开启摄像头预览和关闭摄像头预览。</a:t>
+            </a:r>
+            <a:endParaRPr lang="zh-CN" altLang="en-US" sz="1400" b="1" dirty="0">
               <a:solidFill>
                 <a:schemeClr val="tx1">
                   <a:lumMod val="75000"/>
@@ -4558,84 +4709,6 @@
       <p:grpSpPr/>
       <p:sp>
         <p:nvSpPr>
-          <p:cNvPr id="2" name="文本框 1"/>
-          <p:cNvSpPr txBox="1"/>
-          <p:nvPr/>
-        </p:nvSpPr>
-        <p:spPr>
-          <a:xfrm>
-            <a:off x="972185" y="1805940"/>
-            <a:ext cx="6782435" cy="337185"/>
-          </a:xfrm>
-          <a:prstGeom prst="rect">
-            <a:avLst/>
-          </a:prstGeom>
-          <a:noFill/>
-        </p:spPr>
-        <p:txBody>
-          <a:bodyPr wrap="square" rtlCol="0">
-            <a:spAutoFit/>
-          </a:bodyPr>
-          <a:p>
-            <a:endParaRPr lang="zh-CN" altLang="en-US" sz="1600" b="1" dirty="0">
-              <a:solidFill>
-                <a:schemeClr val="tx1">
-                  <a:lumMod val="75000"/>
-                  <a:lumOff val="25000"/>
-                </a:schemeClr>
-              </a:solidFill>
-              <a:latin typeface="等线 Light" panose="02010600030101010101" charset="-122"/>
-              <a:ea typeface="等线 Light" panose="02010600030101010101" charset="-122"/>
-              <a:cs typeface="等线 Light" panose="02010600030101010101" charset="-122"/>
-              <a:sym typeface="+mn-lt"/>
-            </a:endParaRPr>
-          </a:p>
-        </p:txBody>
-      </p:sp>
-      <p:pic>
-        <p:nvPicPr>
-          <p:cNvPr id="4" name="图片 3" descr="SDK接口封装"/>
-          <p:cNvPicPr>
-            <a:picLocks noChangeAspect="1"/>
-          </p:cNvPicPr>
-          <p:nvPr/>
-        </p:nvPicPr>
-        <p:blipFill>
-          <a:blip r:embed="rId1"/>
-          <a:stretch>
-            <a:fillRect/>
-          </a:stretch>
-        </p:blipFill>
-        <p:spPr>
-          <a:xfrm>
-            <a:off x="0" y="342265"/>
-            <a:ext cx="12192000" cy="6173470"/>
-          </a:xfrm>
-          <a:prstGeom prst="rect">
-            <a:avLst/>
-          </a:prstGeom>
-        </p:spPr>
-      </p:pic>
-    </p:spTree>
-  </p:cSld>
-  <p:clrMapOvr>
-    <a:masterClrMapping/>
-  </p:clrMapOvr>
-</p:sld>
-</file>
-
-<file path=ppt/slides/slide15.xml><?xml version="1.0" encoding="utf-8"?>
-<p:sld xmlns:a="http://schemas.openxmlformats.org/drawingml/2006/main" xmlns:r="http://schemas.openxmlformats.org/officeDocument/2006/relationships" xmlns:p="http://schemas.openxmlformats.org/presentationml/2006/main">
-  <p:cSld>
-    <p:spTree>
-      <p:nvGrpSpPr>
-        <p:cNvPr id="1" name=""/>
-        <p:cNvGrpSpPr/>
-        <p:nvPr/>
-      </p:nvGrpSpPr>
-      <p:grpSpPr/>
-      <p:sp>
-        <p:nvSpPr>
           <p:cNvPr id="4" name="矩形 3"/>
           <p:cNvSpPr/>
           <p:nvPr/>
@@ -4643,7 +4716,7 @@
         <p:spPr>
           <a:xfrm>
             <a:off x="972185" y="1101090"/>
-            <a:ext cx="1764000" cy="18000"/>
+            <a:ext cx="1404000" cy="18000"/>
           </a:xfrm>
           <a:prstGeom prst="rect">
             <a:avLst/>
@@ -4698,11 +4771,6 @@
             <a:spAutoFit/>
           </a:bodyPr>
           <a:p>
-            <a:pPr algn="l">
-              <a:buClrTx/>
-              <a:buSzTx/>
-              <a:buFontTx/>
-            </a:pPr>
             <a:r>
               <a:rPr lang="zh-CN" altLang="en-US" sz="2400" dirty="0">
                 <a:solidFill>
@@ -4713,9 +4781,9 @@
                 </a:solidFill>
                 <a:latin typeface="等线 Light" panose="02010600030101010101" charset="-122"/>
                 <a:ea typeface="等线 Light" panose="02010600030101010101" charset="-122"/>
-                <a:sym typeface="+mn-lt"/>
-              </a:rPr>
-              <a:t>GS框架学习</a:t>
+                <a:sym typeface="+mn-ea"/>
+              </a:rPr>
+              <a:t>运行效果</a:t>
             </a:r>
             <a:endParaRPr lang="zh-CN" altLang="en-US" sz="2400" dirty="0">
               <a:solidFill>
@@ -4727,520 +4795,6 @@
               <a:latin typeface="等线 Light" panose="02010600030101010101" charset="-122"/>
               <a:ea typeface="等线 Light" panose="02010600030101010101" charset="-122"/>
               <a:sym typeface="+mn-ea"/>
-            </a:endParaRPr>
-          </a:p>
-        </p:txBody>
-      </p:sp>
-      <p:sp>
-        <p:nvSpPr>
-          <p:cNvPr id="2" name="文本框 1"/>
-          <p:cNvSpPr txBox="1"/>
-          <p:nvPr/>
-        </p:nvSpPr>
-        <p:spPr>
-          <a:xfrm>
-            <a:off x="972185" y="1805940"/>
-            <a:ext cx="6782435" cy="1383665"/>
-          </a:xfrm>
-          <a:prstGeom prst="rect">
-            <a:avLst/>
-          </a:prstGeom>
-          <a:noFill/>
-        </p:spPr>
-        <p:txBody>
-          <a:bodyPr wrap="square" rtlCol="0">
-            <a:spAutoFit/>
-          </a:bodyPr>
-          <a:p>
-            <a:r>
-              <a:rPr lang="zh-CN" altLang="en-US" sz="1400" b="1" dirty="0">
-                <a:solidFill>
-                  <a:schemeClr val="tx1">
-                    <a:lumMod val="75000"/>
-                    <a:lumOff val="25000"/>
-                  </a:schemeClr>
-                </a:solidFill>
-                <a:latin typeface="等线 Light" panose="02010600030101010101" charset="-122"/>
-                <a:ea typeface="等线 Light" panose="02010600030101010101" charset="-122"/>
-                <a:cs typeface="等线 Light" panose="02010600030101010101" charset="-122"/>
-                <a:sym typeface="+mn-lt"/>
-              </a:rPr>
-              <a:t>目的：让</a:t>
-            </a:r>
-            <a:r>
-              <a:rPr lang="en-US" altLang="zh-CN" sz="1400" b="1" dirty="0">
-                <a:solidFill>
-                  <a:schemeClr val="tx1">
-                    <a:lumMod val="75000"/>
-                    <a:lumOff val="25000"/>
-                  </a:schemeClr>
-                </a:solidFill>
-                <a:latin typeface="等线 Light" panose="02010600030101010101" charset="-122"/>
-                <a:ea typeface="等线 Light" panose="02010600030101010101" charset="-122"/>
-                <a:cs typeface="等线 Light" panose="02010600030101010101" charset="-122"/>
-                <a:sym typeface="+mn-lt"/>
-              </a:rPr>
-              <a:t> </a:t>
-            </a:r>
-            <a:r>
-              <a:rPr lang="zh-CN" altLang="en-US" sz="1400" b="1" dirty="0">
-                <a:solidFill>
-                  <a:schemeClr val="tx1">
-                    <a:lumMod val="75000"/>
-                    <a:lumOff val="25000"/>
-                  </a:schemeClr>
-                </a:solidFill>
-                <a:latin typeface="等线 Light" panose="02010600030101010101" charset="-122"/>
-                <a:ea typeface="等线 Light" panose="02010600030101010101" charset="-122"/>
-                <a:cs typeface="等线 Light" panose="02010600030101010101" charset="-122"/>
-                <a:sym typeface="+mn-lt"/>
-              </a:rPr>
-              <a:t>Gs</a:t>
-            </a:r>
-            <a:r>
-              <a:rPr lang="en-US" altLang="zh-CN" sz="1400" b="1" dirty="0">
-                <a:solidFill>
-                  <a:schemeClr val="tx1">
-                    <a:lumMod val="75000"/>
-                    <a:lumOff val="25000"/>
-                  </a:schemeClr>
-                </a:solidFill>
-                <a:latin typeface="等线 Light" panose="02010600030101010101" charset="-122"/>
-                <a:ea typeface="等线 Light" panose="02010600030101010101" charset="-122"/>
-                <a:cs typeface="等线 Light" panose="02010600030101010101" charset="-122"/>
-                <a:sym typeface="+mn-lt"/>
-              </a:rPr>
-              <a:t> </a:t>
-            </a:r>
-            <a:r>
-              <a:rPr lang="zh-CN" altLang="en-US" sz="1400" b="1" dirty="0">
-                <a:solidFill>
-                  <a:schemeClr val="tx1">
-                    <a:lumMod val="75000"/>
-                    <a:lumOff val="25000"/>
-                  </a:schemeClr>
-                </a:solidFill>
-                <a:latin typeface="等线 Light" panose="02010600030101010101" charset="-122"/>
-                <a:ea typeface="等线 Light" panose="02010600030101010101" charset="-122"/>
-                <a:cs typeface="等线 Light" panose="02010600030101010101" charset="-122"/>
-                <a:sym typeface="+mn-lt"/>
-              </a:rPr>
-              <a:t>核心业务与交互彻底的分离。</a:t>
-            </a:r>
-            <a:endParaRPr lang="zh-CN" altLang="en-US" sz="1400" b="1" dirty="0">
-              <a:solidFill>
-                <a:schemeClr val="tx1">
-                  <a:lumMod val="75000"/>
-                  <a:lumOff val="25000"/>
-                </a:schemeClr>
-              </a:solidFill>
-              <a:latin typeface="等线 Light" panose="02010600030101010101" charset="-122"/>
-              <a:ea typeface="等线 Light" panose="02010600030101010101" charset="-122"/>
-              <a:cs typeface="等线 Light" panose="02010600030101010101" charset="-122"/>
-              <a:sym typeface="+mn-lt"/>
-            </a:endParaRPr>
-          </a:p>
-          <a:p>
-            <a:endParaRPr lang="zh-CN" altLang="en-US" sz="1400" b="1" dirty="0">
-              <a:solidFill>
-                <a:schemeClr val="tx1">
-                  <a:lumMod val="75000"/>
-                  <a:lumOff val="25000"/>
-                </a:schemeClr>
-              </a:solidFill>
-              <a:latin typeface="等线 Light" panose="02010600030101010101" charset="-122"/>
-              <a:ea typeface="等线 Light" panose="02010600030101010101" charset="-122"/>
-              <a:cs typeface="等线 Light" panose="02010600030101010101" charset="-122"/>
-              <a:sym typeface="+mn-lt"/>
-            </a:endParaRPr>
-          </a:p>
-          <a:p>
-            <a:r>
-              <a:rPr lang="zh-CN" altLang="en-US" sz="1400" b="1" dirty="0">
-                <a:solidFill>
-                  <a:schemeClr val="tx1">
-                    <a:lumMod val="75000"/>
-                    <a:lumOff val="25000"/>
-                  </a:schemeClr>
-                </a:solidFill>
-                <a:latin typeface="等线 Light" panose="02010600030101010101" charset="-122"/>
-                <a:ea typeface="等线 Light" panose="02010600030101010101" charset="-122"/>
-                <a:cs typeface="等线 Light" panose="02010600030101010101" charset="-122"/>
-                <a:sym typeface="+mn-lt"/>
-              </a:rPr>
-              <a:t>实现：设计</a:t>
-            </a:r>
-            <a:r>
-              <a:rPr lang="en-US" altLang="zh-CN" sz="1400" b="1" dirty="0">
-                <a:solidFill>
-                  <a:schemeClr val="tx1">
-                    <a:lumMod val="75000"/>
-                    <a:lumOff val="25000"/>
-                  </a:schemeClr>
-                </a:solidFill>
-                <a:latin typeface="等线 Light" panose="02010600030101010101" charset="-122"/>
-                <a:ea typeface="等线 Light" panose="02010600030101010101" charset="-122"/>
-                <a:cs typeface="等线 Light" panose="02010600030101010101" charset="-122"/>
-                <a:sym typeface="+mn-lt"/>
-              </a:rPr>
-              <a:t> </a:t>
-            </a:r>
-            <a:r>
-              <a:rPr lang="zh-CN" altLang="en-US" sz="1400" b="1" dirty="0">
-                <a:solidFill>
-                  <a:schemeClr val="tx1">
-                    <a:lumMod val="75000"/>
-                    <a:lumOff val="25000"/>
-                  </a:schemeClr>
-                </a:solidFill>
-                <a:latin typeface="等线 Light" panose="02010600030101010101" charset="-122"/>
-                <a:ea typeface="等线 Light" panose="02010600030101010101" charset="-122"/>
-                <a:cs typeface="等线 Light" panose="02010600030101010101" charset="-122"/>
-                <a:sym typeface="+mn-lt"/>
-              </a:rPr>
-              <a:t>GsService.apk</a:t>
-            </a:r>
-            <a:r>
-              <a:rPr lang="en-US" altLang="zh-CN" sz="1400" b="1" dirty="0">
-                <a:solidFill>
-                  <a:schemeClr val="tx1">
-                    <a:lumMod val="75000"/>
-                    <a:lumOff val="25000"/>
-                  </a:schemeClr>
-                </a:solidFill>
-                <a:latin typeface="等线 Light" panose="02010600030101010101" charset="-122"/>
-                <a:ea typeface="等线 Light" panose="02010600030101010101" charset="-122"/>
-                <a:cs typeface="等线 Light" panose="02010600030101010101" charset="-122"/>
-                <a:sym typeface="+mn-lt"/>
-              </a:rPr>
-              <a:t> </a:t>
-            </a:r>
-            <a:r>
-              <a:rPr lang="zh-CN" altLang="en-US" sz="1400" b="1" dirty="0">
-                <a:solidFill>
-                  <a:schemeClr val="tx1">
-                    <a:lumMod val="75000"/>
-                    <a:lumOff val="25000"/>
-                  </a:schemeClr>
-                </a:solidFill>
-                <a:latin typeface="等线 Light" panose="02010600030101010101" charset="-122"/>
-                <a:ea typeface="等线 Light" panose="02010600030101010101" charset="-122"/>
-                <a:cs typeface="等线 Light" panose="02010600030101010101" charset="-122"/>
-                <a:sym typeface="+mn-lt"/>
-              </a:rPr>
-              <a:t>服务模块，实现了核心业务和不同产品直接的兼容性，通过</a:t>
-            </a:r>
-            <a:r>
-              <a:rPr lang="en-US" altLang="zh-CN" sz="1400" b="1" dirty="0">
-                <a:solidFill>
-                  <a:schemeClr val="tx1">
-                    <a:lumMod val="75000"/>
-                    <a:lumOff val="25000"/>
-                  </a:schemeClr>
-                </a:solidFill>
-                <a:latin typeface="等线 Light" panose="02010600030101010101" charset="-122"/>
-                <a:ea typeface="等线 Light" panose="02010600030101010101" charset="-122"/>
-                <a:cs typeface="等线 Light" panose="02010600030101010101" charset="-122"/>
-                <a:sym typeface="+mn-lt"/>
-              </a:rPr>
-              <a:t> </a:t>
-            </a:r>
-            <a:r>
-              <a:rPr lang="zh-CN" altLang="en-US" sz="1400" b="1" dirty="0">
-                <a:solidFill>
-                  <a:schemeClr val="tx1">
-                    <a:lumMod val="75000"/>
-                    <a:lumOff val="25000"/>
-                  </a:schemeClr>
-                </a:solidFill>
-                <a:latin typeface="等线 Light" panose="02010600030101010101" charset="-122"/>
-                <a:ea typeface="等线 Light" panose="02010600030101010101" charset="-122"/>
-                <a:cs typeface="等线 Light" panose="02010600030101010101" charset="-122"/>
-                <a:sym typeface="+mn-lt"/>
-              </a:rPr>
-              <a:t>addService</a:t>
-            </a:r>
-            <a:r>
-              <a:rPr lang="en-US" altLang="zh-CN" sz="1400" b="1" dirty="0">
-                <a:solidFill>
-                  <a:schemeClr val="tx1">
-                    <a:lumMod val="75000"/>
-                    <a:lumOff val="25000"/>
-                  </a:schemeClr>
-                </a:solidFill>
-                <a:latin typeface="等线 Light" panose="02010600030101010101" charset="-122"/>
-                <a:ea typeface="等线 Light" panose="02010600030101010101" charset="-122"/>
-                <a:cs typeface="等线 Light" panose="02010600030101010101" charset="-122"/>
-                <a:sym typeface="+mn-lt"/>
-              </a:rPr>
-              <a:t> </a:t>
-            </a:r>
-            <a:r>
-              <a:rPr lang="zh-CN" altLang="en-US" sz="1400" b="1" dirty="0">
-                <a:solidFill>
-                  <a:schemeClr val="tx1">
-                    <a:lumMod val="75000"/>
-                    <a:lumOff val="25000"/>
-                  </a:schemeClr>
-                </a:solidFill>
-                <a:latin typeface="等线 Light" panose="02010600030101010101" charset="-122"/>
-                <a:ea typeface="等线 Light" panose="02010600030101010101" charset="-122"/>
-                <a:cs typeface="等线 Light" panose="02010600030101010101" charset="-122"/>
-                <a:sym typeface="+mn-lt"/>
-              </a:rPr>
-              <a:t>将服务添加到系统服务管理中；设计</a:t>
-            </a:r>
-            <a:r>
-              <a:rPr lang="en-US" altLang="zh-CN" sz="1400" b="1" dirty="0">
-                <a:solidFill>
-                  <a:schemeClr val="tx1">
-                    <a:lumMod val="75000"/>
-                    <a:lumOff val="25000"/>
-                  </a:schemeClr>
-                </a:solidFill>
-                <a:latin typeface="等线 Light" panose="02010600030101010101" charset="-122"/>
-                <a:ea typeface="等线 Light" panose="02010600030101010101" charset="-122"/>
-                <a:cs typeface="等线 Light" panose="02010600030101010101" charset="-122"/>
-                <a:sym typeface="+mn-lt"/>
-              </a:rPr>
-              <a:t> </a:t>
-            </a:r>
-            <a:r>
-              <a:rPr lang="zh-CN" altLang="en-US" sz="1400" b="1" dirty="0">
-                <a:solidFill>
-                  <a:schemeClr val="tx1">
-                    <a:lumMod val="75000"/>
-                    <a:lumOff val="25000"/>
-                  </a:schemeClr>
-                </a:solidFill>
-                <a:latin typeface="等线 Light" panose="02010600030101010101" charset="-122"/>
-                <a:ea typeface="等线 Light" panose="02010600030101010101" charset="-122"/>
-                <a:cs typeface="等线 Light" panose="02010600030101010101" charset="-122"/>
-                <a:sym typeface="+mn-lt"/>
-              </a:rPr>
-              <a:t>API</a:t>
-            </a:r>
-            <a:r>
-              <a:rPr lang="en-US" altLang="zh-CN" sz="1400" b="1" dirty="0">
-                <a:solidFill>
-                  <a:schemeClr val="tx1">
-                    <a:lumMod val="75000"/>
-                    <a:lumOff val="25000"/>
-                  </a:schemeClr>
-                </a:solidFill>
-                <a:latin typeface="等线 Light" panose="02010600030101010101" charset="-122"/>
-                <a:ea typeface="等线 Light" panose="02010600030101010101" charset="-122"/>
-                <a:cs typeface="等线 Light" panose="02010600030101010101" charset="-122"/>
-                <a:sym typeface="+mn-lt"/>
-              </a:rPr>
-              <a:t> </a:t>
-            </a:r>
-            <a:r>
-              <a:rPr lang="zh-CN" altLang="en-US" sz="1400" b="1" dirty="0">
-                <a:solidFill>
-                  <a:schemeClr val="tx1">
-                    <a:lumMod val="75000"/>
-                    <a:lumOff val="25000"/>
-                  </a:schemeClr>
-                </a:solidFill>
-                <a:latin typeface="等线 Light" panose="02010600030101010101" charset="-122"/>
-                <a:ea typeface="等线 Light" panose="02010600030101010101" charset="-122"/>
-                <a:cs typeface="等线 Light" panose="02010600030101010101" charset="-122"/>
-                <a:sym typeface="+mn-lt"/>
-              </a:rPr>
-              <a:t>客户端模块，提供服务功能的不同组合接口，从而达到不同产品可以使用同一套</a:t>
-            </a:r>
-            <a:r>
-              <a:rPr lang="en-US" altLang="zh-CN" sz="1400" b="1" dirty="0">
-                <a:solidFill>
-                  <a:schemeClr val="tx1">
-                    <a:lumMod val="75000"/>
-                    <a:lumOff val="25000"/>
-                  </a:schemeClr>
-                </a:solidFill>
-                <a:latin typeface="等线 Light" panose="02010600030101010101" charset="-122"/>
-                <a:ea typeface="等线 Light" panose="02010600030101010101" charset="-122"/>
-                <a:cs typeface="等线 Light" panose="02010600030101010101" charset="-122"/>
-                <a:sym typeface="+mn-lt"/>
-              </a:rPr>
-              <a:t> </a:t>
-            </a:r>
-            <a:r>
-              <a:rPr lang="zh-CN" altLang="en-US" sz="1400" b="1" dirty="0">
-                <a:solidFill>
-                  <a:schemeClr val="tx1">
-                    <a:lumMod val="75000"/>
-                    <a:lumOff val="25000"/>
-                  </a:schemeClr>
-                </a:solidFill>
-                <a:latin typeface="等线 Light" panose="02010600030101010101" charset="-122"/>
-                <a:ea typeface="等线 Light" panose="02010600030101010101" charset="-122"/>
-                <a:cs typeface="等线 Light" panose="02010600030101010101" charset="-122"/>
-                <a:sym typeface="+mn-lt"/>
-              </a:rPr>
-              <a:t>API</a:t>
-            </a:r>
-            <a:r>
-              <a:rPr lang="en-US" altLang="zh-CN" sz="1400" b="1" dirty="0">
-                <a:solidFill>
-                  <a:schemeClr val="tx1">
-                    <a:lumMod val="75000"/>
-                    <a:lumOff val="25000"/>
-                  </a:schemeClr>
-                </a:solidFill>
-                <a:latin typeface="等线 Light" panose="02010600030101010101" charset="-122"/>
-                <a:ea typeface="等线 Light" panose="02010600030101010101" charset="-122"/>
-                <a:cs typeface="等线 Light" panose="02010600030101010101" charset="-122"/>
-                <a:sym typeface="+mn-lt"/>
-              </a:rPr>
-              <a:t> </a:t>
-            </a:r>
-            <a:r>
-              <a:rPr lang="zh-CN" altLang="en-US" sz="1400" b="1" dirty="0">
-                <a:solidFill>
-                  <a:schemeClr val="tx1">
-                    <a:lumMod val="75000"/>
-                    <a:lumOff val="25000"/>
-                  </a:schemeClr>
-                </a:solidFill>
-                <a:latin typeface="等线 Light" panose="02010600030101010101" charset="-122"/>
-                <a:ea typeface="等线 Light" panose="02010600030101010101" charset="-122"/>
-                <a:cs typeface="等线 Light" panose="02010600030101010101" charset="-122"/>
-                <a:sym typeface="+mn-lt"/>
-              </a:rPr>
-              <a:t>，通过</a:t>
-            </a:r>
-            <a:r>
-              <a:rPr lang="en-US" altLang="zh-CN" sz="1400" b="1" dirty="0">
-                <a:solidFill>
-                  <a:schemeClr val="tx1">
-                    <a:lumMod val="75000"/>
-                    <a:lumOff val="25000"/>
-                  </a:schemeClr>
-                </a:solidFill>
-                <a:latin typeface="等线 Light" panose="02010600030101010101" charset="-122"/>
-                <a:ea typeface="等线 Light" panose="02010600030101010101" charset="-122"/>
-                <a:cs typeface="等线 Light" panose="02010600030101010101" charset="-122"/>
-                <a:sym typeface="+mn-lt"/>
-              </a:rPr>
-              <a:t> </a:t>
-            </a:r>
-            <a:r>
-              <a:rPr lang="zh-CN" altLang="en-US" sz="1400" b="1" dirty="0">
-                <a:solidFill>
-                  <a:schemeClr val="tx1">
-                    <a:lumMod val="75000"/>
-                    <a:lumOff val="25000"/>
-                  </a:schemeClr>
-                </a:solidFill>
-                <a:latin typeface="等线 Light" panose="02010600030101010101" charset="-122"/>
-                <a:ea typeface="等线 Light" panose="02010600030101010101" charset="-122"/>
-                <a:cs typeface="等线 Light" panose="02010600030101010101" charset="-122"/>
-                <a:sym typeface="+mn-lt"/>
-              </a:rPr>
-              <a:t>getService</a:t>
-            </a:r>
-            <a:r>
-              <a:rPr lang="en-US" altLang="zh-CN" sz="1400" b="1" dirty="0">
-                <a:solidFill>
-                  <a:schemeClr val="tx1">
-                    <a:lumMod val="75000"/>
-                    <a:lumOff val="25000"/>
-                  </a:schemeClr>
-                </a:solidFill>
-                <a:latin typeface="等线 Light" panose="02010600030101010101" charset="-122"/>
-                <a:ea typeface="等线 Light" panose="02010600030101010101" charset="-122"/>
-                <a:cs typeface="等线 Light" panose="02010600030101010101" charset="-122"/>
-                <a:sym typeface="+mn-lt"/>
-              </a:rPr>
-              <a:t> </a:t>
-            </a:r>
-            <a:r>
-              <a:rPr lang="zh-CN" altLang="en-US" sz="1400" b="1" dirty="0">
-                <a:solidFill>
-                  <a:schemeClr val="tx1">
-                    <a:lumMod val="75000"/>
-                    <a:lumOff val="25000"/>
-                  </a:schemeClr>
-                </a:solidFill>
-                <a:latin typeface="等线 Light" panose="02010600030101010101" charset="-122"/>
-                <a:ea typeface="等线 Light" panose="02010600030101010101" charset="-122"/>
-                <a:cs typeface="等线 Light" panose="02010600030101010101" charset="-122"/>
-                <a:sym typeface="+mn-lt"/>
-              </a:rPr>
-              <a:t>与</a:t>
-            </a:r>
-            <a:r>
-              <a:rPr lang="en-US" altLang="zh-CN" sz="1400" b="1" dirty="0">
-                <a:solidFill>
-                  <a:schemeClr val="tx1">
-                    <a:lumMod val="75000"/>
-                    <a:lumOff val="25000"/>
-                  </a:schemeClr>
-                </a:solidFill>
-                <a:latin typeface="等线 Light" panose="02010600030101010101" charset="-122"/>
-                <a:ea typeface="等线 Light" panose="02010600030101010101" charset="-122"/>
-                <a:cs typeface="等线 Light" panose="02010600030101010101" charset="-122"/>
-                <a:sym typeface="+mn-lt"/>
-              </a:rPr>
-              <a:t> </a:t>
-            </a:r>
-            <a:r>
-              <a:rPr lang="zh-CN" altLang="en-US" sz="1400" b="1" dirty="0">
-                <a:solidFill>
-                  <a:schemeClr val="tx1">
-                    <a:lumMod val="75000"/>
-                    <a:lumOff val="25000"/>
-                  </a:schemeClr>
-                </a:solidFill>
-                <a:latin typeface="等线 Light" panose="02010600030101010101" charset="-122"/>
-                <a:ea typeface="等线 Light" panose="02010600030101010101" charset="-122"/>
-                <a:cs typeface="等线 Light" panose="02010600030101010101" charset="-122"/>
-                <a:sym typeface="+mn-lt"/>
-              </a:rPr>
-              <a:t>GsService</a:t>
-            </a:r>
-            <a:r>
-              <a:rPr lang="en-US" altLang="zh-CN" sz="1400" b="1" dirty="0">
-                <a:solidFill>
-                  <a:schemeClr val="tx1">
-                    <a:lumMod val="75000"/>
-                    <a:lumOff val="25000"/>
-                  </a:schemeClr>
-                </a:solidFill>
-                <a:latin typeface="等线 Light" panose="02010600030101010101" charset="-122"/>
-                <a:ea typeface="等线 Light" panose="02010600030101010101" charset="-122"/>
-                <a:cs typeface="等线 Light" panose="02010600030101010101" charset="-122"/>
-                <a:sym typeface="+mn-lt"/>
-              </a:rPr>
-              <a:t> </a:t>
-            </a:r>
-            <a:r>
-              <a:rPr lang="zh-CN" altLang="en-US" sz="1400" b="1" dirty="0">
-                <a:solidFill>
-                  <a:schemeClr val="tx1">
-                    <a:lumMod val="75000"/>
-                    <a:lumOff val="25000"/>
-                  </a:schemeClr>
-                </a:solidFill>
-                <a:latin typeface="等线 Light" panose="02010600030101010101" charset="-122"/>
-                <a:ea typeface="等线 Light" panose="02010600030101010101" charset="-122"/>
-                <a:cs typeface="等线 Light" panose="02010600030101010101" charset="-122"/>
-                <a:sym typeface="+mn-lt"/>
-              </a:rPr>
-              <a:t>服务实现连接，从而可以调用内部业务功能。</a:t>
-            </a:r>
-            <a:endParaRPr lang="zh-CN" altLang="en-US" sz="1400" b="1" dirty="0">
-              <a:solidFill>
-                <a:schemeClr val="tx1">
-                  <a:lumMod val="75000"/>
-                  <a:lumOff val="25000"/>
-                </a:schemeClr>
-              </a:solidFill>
-              <a:latin typeface="等线 Light" panose="02010600030101010101" charset="-122"/>
-              <a:ea typeface="等线 Light" panose="02010600030101010101" charset="-122"/>
-              <a:cs typeface="等线 Light" panose="02010600030101010101" charset="-122"/>
-              <a:sym typeface="+mn-lt"/>
             </a:endParaRPr>
           </a:p>
         </p:txBody>
@@ -5278,15 +4832,35 @@
       </p:pic>
       <p:pic>
         <p:nvPicPr>
-          <p:cNvPr id="5" name="图片 4" descr="GS应用层架构"/>
+          <p:cNvPr id="6" name="图片 5" descr="screen02"/>
           <p:cNvPicPr>
             <a:picLocks noChangeAspect="1"/>
           </p:cNvPicPr>
-          <p:nvPr>
-            <p:custDataLst>
-              <p:tags r:id="rId3"/>
-            </p:custDataLst>
-          </p:nvPr>
+          <p:nvPr/>
+        </p:nvPicPr>
+        <p:blipFill>
+          <a:blip r:embed="rId3"/>
+          <a:stretch>
+            <a:fillRect/>
+          </a:stretch>
+        </p:blipFill>
+        <p:spPr>
+          <a:xfrm>
+            <a:off x="972185" y="3350260"/>
+            <a:ext cx="4467225" cy="2513330"/>
+          </a:xfrm>
+          <a:prstGeom prst="rect">
+            <a:avLst/>
+          </a:prstGeom>
+        </p:spPr>
+      </p:pic>
+      <p:pic>
+        <p:nvPicPr>
+          <p:cNvPr id="8" name="图片 7" descr="screen03"/>
+          <p:cNvPicPr>
+            <a:picLocks noChangeAspect="1"/>
+          </p:cNvPicPr>
+          <p:nvPr/>
         </p:nvPicPr>
         <p:blipFill>
           <a:blip r:embed="rId4"/>
@@ -5296,8 +4870,227 @@
         </p:blipFill>
         <p:spPr>
           <a:xfrm>
-            <a:off x="858520" y="3189605"/>
-            <a:ext cx="3943350" cy="3343275"/>
+            <a:off x="5866130" y="3355340"/>
+            <a:ext cx="4458335" cy="2508250"/>
+          </a:xfrm>
+          <a:prstGeom prst="rect">
+            <a:avLst/>
+          </a:prstGeom>
+        </p:spPr>
+      </p:pic>
+      <p:sp>
+        <p:nvSpPr>
+          <p:cNvPr id="10" name="文本框 9"/>
+          <p:cNvSpPr txBox="1"/>
+          <p:nvPr/>
+        </p:nvSpPr>
+        <p:spPr>
+          <a:xfrm>
+            <a:off x="972185" y="1805940"/>
+            <a:ext cx="6782435" cy="521970"/>
+          </a:xfrm>
+          <a:prstGeom prst="rect">
+            <a:avLst/>
+          </a:prstGeom>
+          <a:noFill/>
+        </p:spPr>
+        <p:txBody>
+          <a:bodyPr wrap="square" rtlCol="0">
+            <a:spAutoFit/>
+          </a:bodyPr>
+          <a:p>
+            <a:r>
+              <a:rPr lang="zh-CN" altLang="en-US" sz="1400" b="1" dirty="0">
+                <a:solidFill>
+                  <a:schemeClr val="tx1">
+                    <a:lumMod val="75000"/>
+                    <a:lumOff val="25000"/>
+                  </a:schemeClr>
+                </a:solidFill>
+                <a:latin typeface="等线 Light" panose="02010600030101010101" charset="-122"/>
+                <a:ea typeface="等线 Light" panose="02010600030101010101" charset="-122"/>
+                <a:cs typeface="等线 Light" panose="02010600030101010101" charset="-122"/>
+                <a:sym typeface="+mn-lt"/>
+              </a:rPr>
+              <a:t>使用</a:t>
+            </a:r>
+            <a:r>
+              <a:rPr lang="en-US" altLang="zh-CN" sz="1400" b="1" dirty="0">
+                <a:solidFill>
+                  <a:schemeClr val="tx1">
+                    <a:lumMod val="75000"/>
+                    <a:lumOff val="25000"/>
+                  </a:schemeClr>
+                </a:solidFill>
+                <a:latin typeface="等线 Light" panose="02010600030101010101" charset="-122"/>
+                <a:ea typeface="等线 Light" panose="02010600030101010101" charset="-122"/>
+                <a:cs typeface="等线 Light" panose="02010600030101010101" charset="-122"/>
+                <a:sym typeface="+mn-lt"/>
+              </a:rPr>
+              <a:t> HDMI - USB </a:t>
+            </a:r>
+            <a:r>
+              <a:rPr lang="zh-CN" altLang="en-US" sz="1400" b="1" dirty="0">
+                <a:solidFill>
+                  <a:schemeClr val="tx1">
+                    <a:lumMod val="75000"/>
+                    <a:lumOff val="25000"/>
+                  </a:schemeClr>
+                </a:solidFill>
+                <a:latin typeface="等线 Light" panose="02010600030101010101" charset="-122"/>
+                <a:ea typeface="等线 Light" panose="02010600030101010101" charset="-122"/>
+                <a:cs typeface="等线 Light" panose="02010600030101010101" charset="-122"/>
+                <a:sym typeface="+mn-lt"/>
+              </a:rPr>
+              <a:t>转接线连接</a:t>
+            </a:r>
+            <a:r>
+              <a:rPr lang="en-US" altLang="zh-CN" sz="1400" b="1" dirty="0">
+                <a:solidFill>
+                  <a:schemeClr val="tx1">
+                    <a:lumMod val="75000"/>
+                    <a:lumOff val="25000"/>
+                  </a:schemeClr>
+                </a:solidFill>
+                <a:latin typeface="等线 Light" panose="02010600030101010101" charset="-122"/>
+                <a:ea typeface="等线 Light" panose="02010600030101010101" charset="-122"/>
+                <a:cs typeface="等线 Light" panose="02010600030101010101" charset="-122"/>
+                <a:sym typeface="+mn-lt"/>
+              </a:rPr>
+              <a:t> CG03 </a:t>
+            </a:r>
+            <a:r>
+              <a:rPr lang="zh-CN" altLang="en-US" sz="1400" b="1" dirty="0">
+                <a:solidFill>
+                  <a:schemeClr val="tx1">
+                    <a:lumMod val="75000"/>
+                    <a:lumOff val="25000"/>
+                  </a:schemeClr>
+                </a:solidFill>
+                <a:latin typeface="等线 Light" panose="02010600030101010101" charset="-122"/>
+                <a:ea typeface="等线 Light" panose="02010600030101010101" charset="-122"/>
+                <a:cs typeface="等线 Light" panose="02010600030101010101" charset="-122"/>
+                <a:sym typeface="+mn-lt"/>
+              </a:rPr>
+              <a:t>设备和移动机顶盒，机顶盒通过显示器输出 C</a:t>
+            </a:r>
+            <a:r>
+              <a:rPr lang="en-US" altLang="zh-CN" sz="1400" b="1" dirty="0">
+                <a:solidFill>
+                  <a:schemeClr val="tx1">
+                    <a:lumMod val="75000"/>
+                    <a:lumOff val="25000"/>
+                  </a:schemeClr>
+                </a:solidFill>
+                <a:latin typeface="等线 Light" panose="02010600030101010101" charset="-122"/>
+                <a:ea typeface="等线 Light" panose="02010600030101010101" charset="-122"/>
+                <a:cs typeface="等线 Light" panose="02010600030101010101" charset="-122"/>
+                <a:sym typeface="+mn-lt"/>
+              </a:rPr>
+              <a:t>G</a:t>
+            </a:r>
+            <a:r>
+              <a:rPr lang="zh-CN" altLang="en-US" sz="1400" b="1" dirty="0">
+                <a:solidFill>
+                  <a:schemeClr val="tx1">
+                    <a:lumMod val="75000"/>
+                    <a:lumOff val="25000"/>
+                  </a:schemeClr>
+                </a:solidFill>
+                <a:latin typeface="等线 Light" panose="02010600030101010101" charset="-122"/>
+                <a:ea typeface="等线 Light" panose="02010600030101010101" charset="-122"/>
+                <a:cs typeface="等线 Light" panose="02010600030101010101" charset="-122"/>
+                <a:sym typeface="+mn-lt"/>
+              </a:rPr>
+              <a:t>03 画面内容。下图为小屏预览和大屏预览效果图。</a:t>
+            </a:r>
+            <a:endParaRPr lang="zh-CN" altLang="en-US" sz="1400" b="1" dirty="0">
+              <a:solidFill>
+                <a:schemeClr val="tx1">
+                  <a:lumMod val="75000"/>
+                  <a:lumOff val="25000"/>
+                </a:schemeClr>
+              </a:solidFill>
+              <a:latin typeface="等线 Light" panose="02010600030101010101" charset="-122"/>
+              <a:ea typeface="等线 Light" panose="02010600030101010101" charset="-122"/>
+              <a:cs typeface="等线 Light" panose="02010600030101010101" charset="-122"/>
+              <a:sym typeface="+mn-lt"/>
+            </a:endParaRPr>
+          </a:p>
+        </p:txBody>
+      </p:sp>
+    </p:spTree>
+  </p:cSld>
+  <p:clrMapOvr>
+    <a:masterClrMapping/>
+  </p:clrMapOvr>
+</p:sld>
+</file>
+
+<file path=ppt/slides/slide15.xml><?xml version="1.0" encoding="utf-8"?>
+<p:sld xmlns:a="http://schemas.openxmlformats.org/drawingml/2006/main" xmlns:r="http://schemas.openxmlformats.org/officeDocument/2006/relationships" xmlns:p="http://schemas.openxmlformats.org/presentationml/2006/main">
+  <p:cSld>
+    <p:spTree>
+      <p:nvGrpSpPr>
+        <p:cNvPr id="1" name=""/>
+        <p:cNvGrpSpPr/>
+        <p:nvPr/>
+      </p:nvGrpSpPr>
+      <p:grpSpPr/>
+      <p:sp>
+        <p:nvSpPr>
+          <p:cNvPr id="2" name="文本框 1"/>
+          <p:cNvSpPr txBox="1"/>
+          <p:nvPr/>
+        </p:nvSpPr>
+        <p:spPr>
+          <a:xfrm>
+            <a:off x="972185" y="1805940"/>
+            <a:ext cx="6782435" cy="337185"/>
+          </a:xfrm>
+          <a:prstGeom prst="rect">
+            <a:avLst/>
+          </a:prstGeom>
+          <a:noFill/>
+        </p:spPr>
+        <p:txBody>
+          <a:bodyPr wrap="square" rtlCol="0">
+            <a:spAutoFit/>
+          </a:bodyPr>
+          <a:p>
+            <a:endParaRPr lang="zh-CN" altLang="en-US" sz="1600" b="1" dirty="0">
+              <a:solidFill>
+                <a:schemeClr val="tx1">
+                  <a:lumMod val="75000"/>
+                  <a:lumOff val="25000"/>
+                </a:schemeClr>
+              </a:solidFill>
+              <a:latin typeface="等线 Light" panose="02010600030101010101" charset="-122"/>
+              <a:ea typeface="等线 Light" panose="02010600030101010101" charset="-122"/>
+              <a:cs typeface="等线 Light" panose="02010600030101010101" charset="-122"/>
+              <a:sym typeface="+mn-lt"/>
+            </a:endParaRPr>
+          </a:p>
+        </p:txBody>
+      </p:sp>
+      <p:pic>
+        <p:nvPicPr>
+          <p:cNvPr id="4" name="图片 3" descr="SDK接口封装"/>
+          <p:cNvPicPr>
+            <a:picLocks noChangeAspect="1"/>
+          </p:cNvPicPr>
+          <p:nvPr/>
+        </p:nvPicPr>
+        <p:blipFill>
+          <a:blip r:embed="rId1"/>
+          <a:stretch>
+            <a:fillRect/>
+          </a:stretch>
+        </p:blipFill>
+        <p:spPr>
+          <a:xfrm>
+            <a:off x="0" y="342265"/>
+            <a:ext cx="12192000" cy="6173470"/>
           </a:xfrm>
           <a:prstGeom prst="rect">
             <a:avLst/>
@@ -5324,84 +5117,6 @@
       <p:grpSpPr/>
       <p:sp>
         <p:nvSpPr>
-          <p:cNvPr id="2" name="文本框 1"/>
-          <p:cNvSpPr txBox="1"/>
-          <p:nvPr/>
-        </p:nvSpPr>
-        <p:spPr>
-          <a:xfrm>
-            <a:off x="972185" y="1805940"/>
-            <a:ext cx="6782435" cy="337185"/>
-          </a:xfrm>
-          <a:prstGeom prst="rect">
-            <a:avLst/>
-          </a:prstGeom>
-          <a:noFill/>
-        </p:spPr>
-        <p:txBody>
-          <a:bodyPr wrap="square" rtlCol="0">
-            <a:spAutoFit/>
-          </a:bodyPr>
-          <a:p>
-            <a:endParaRPr lang="zh-CN" altLang="en-US" sz="1600" b="1" dirty="0">
-              <a:solidFill>
-                <a:schemeClr val="tx1">
-                  <a:lumMod val="75000"/>
-                  <a:lumOff val="25000"/>
-                </a:schemeClr>
-              </a:solidFill>
-              <a:latin typeface="等线 Light" panose="02010600030101010101" charset="-122"/>
-              <a:ea typeface="等线 Light" panose="02010600030101010101" charset="-122"/>
-              <a:cs typeface="等线 Light" panose="02010600030101010101" charset="-122"/>
-              <a:sym typeface="+mn-lt"/>
-            </a:endParaRPr>
-          </a:p>
-        </p:txBody>
-      </p:sp>
-      <p:pic>
-        <p:nvPicPr>
-          <p:cNvPr id="4" name="图片 3" descr="GS框架"/>
-          <p:cNvPicPr>
-            <a:picLocks noChangeAspect="1"/>
-          </p:cNvPicPr>
-          <p:nvPr/>
-        </p:nvPicPr>
-        <p:blipFill>
-          <a:blip r:embed="rId1"/>
-          <a:stretch>
-            <a:fillRect/>
-          </a:stretch>
-        </p:blipFill>
-        <p:spPr>
-          <a:xfrm>
-            <a:off x="0" y="427355"/>
-            <a:ext cx="12192000" cy="6002655"/>
-          </a:xfrm>
-          <a:prstGeom prst="rect">
-            <a:avLst/>
-          </a:prstGeom>
-        </p:spPr>
-      </p:pic>
-    </p:spTree>
-  </p:cSld>
-  <p:clrMapOvr>
-    <a:masterClrMapping/>
-  </p:clrMapOvr>
-</p:sld>
-</file>
-
-<file path=ppt/slides/slide17.xml><?xml version="1.0" encoding="utf-8"?>
-<p:sld xmlns:a="http://schemas.openxmlformats.org/drawingml/2006/main" xmlns:r="http://schemas.openxmlformats.org/officeDocument/2006/relationships" xmlns:p="http://schemas.openxmlformats.org/presentationml/2006/main">
-  <p:cSld>
-    <p:spTree>
-      <p:nvGrpSpPr>
-        <p:cNvPr id="1" name=""/>
-        <p:cNvGrpSpPr/>
-        <p:nvPr/>
-      </p:nvGrpSpPr>
-      <p:grpSpPr/>
-      <p:sp>
-        <p:nvSpPr>
           <p:cNvPr id="4" name="矩形 3"/>
           <p:cNvSpPr/>
           <p:nvPr/>
@@ -5409,7 +5124,7 @@
         <p:spPr>
           <a:xfrm>
             <a:off x="972185" y="1101090"/>
-            <a:ext cx="2664000" cy="18000"/>
+            <a:ext cx="1764000" cy="18000"/>
           </a:xfrm>
           <a:prstGeom prst="rect">
             <a:avLst/>
@@ -5481,7 +5196,7 @@
                 <a:ea typeface="等线 Light" panose="02010600030101010101" charset="-122"/>
                 <a:sym typeface="+mn-lt"/>
               </a:rPr>
-              <a:t>科大讯飞语音识别</a:t>
+              <a:t>GS框架学习</a:t>
             </a:r>
             <a:endParaRPr lang="zh-CN" altLang="en-US" sz="2400" dirty="0">
               <a:solidFill>
@@ -5506,7 +5221,7 @@
         <p:spPr>
           <a:xfrm>
             <a:off x="972185" y="1805940"/>
-            <a:ext cx="6782435" cy="306705"/>
+            <a:ext cx="6782435" cy="1599565"/>
           </a:xfrm>
           <a:prstGeom prst="rect">
             <a:avLst/>
@@ -5519,21 +5234,424 @@
           </a:bodyPr>
           <a:p>
             <a:r>
-              <a:rPr lang="zh-CN" sz="1400" b="1" dirty="0">
-                <a:solidFill>
-                  <a:schemeClr val="tx1">
-                    <a:lumMod val="75000"/>
-                    <a:lumOff val="25000"/>
-                  </a:schemeClr>
-                </a:solidFill>
-                <a:latin typeface="等线 Light" panose="02010600030101010101" charset="-122"/>
-                <a:ea typeface="等线 Light" panose="02010600030101010101" charset="-122"/>
-                <a:cs typeface="等线 Light" panose="02010600030101010101" charset="-122"/>
-                <a:sym typeface="+mn-lt"/>
-              </a:rPr>
-              <a:t>以语料控制静音和麦克风为例，语音识别的流程是唤醒、识别、处理。</a:t>
-            </a:r>
-            <a:endParaRPr lang="zh-CN" sz="1400" b="1" dirty="0">
+              <a:rPr lang="zh-CN" altLang="en-US" sz="1400" b="1" dirty="0">
+                <a:solidFill>
+                  <a:schemeClr val="tx1">
+                    <a:lumMod val="75000"/>
+                    <a:lumOff val="25000"/>
+                  </a:schemeClr>
+                </a:solidFill>
+                <a:latin typeface="等线 Light" panose="02010600030101010101" charset="-122"/>
+                <a:ea typeface="等线 Light" panose="02010600030101010101" charset="-122"/>
+                <a:cs typeface="等线 Light" panose="02010600030101010101" charset="-122"/>
+                <a:sym typeface="+mn-lt"/>
+              </a:rPr>
+              <a:t>目的：让</a:t>
+            </a:r>
+            <a:r>
+              <a:rPr lang="en-US" altLang="zh-CN" sz="1400" b="1" dirty="0">
+                <a:solidFill>
+                  <a:schemeClr val="tx1">
+                    <a:lumMod val="75000"/>
+                    <a:lumOff val="25000"/>
+                  </a:schemeClr>
+                </a:solidFill>
+                <a:latin typeface="等线 Light" panose="02010600030101010101" charset="-122"/>
+                <a:ea typeface="等线 Light" panose="02010600030101010101" charset="-122"/>
+                <a:cs typeface="等线 Light" panose="02010600030101010101" charset="-122"/>
+                <a:sym typeface="+mn-lt"/>
+              </a:rPr>
+              <a:t> </a:t>
+            </a:r>
+            <a:r>
+              <a:rPr lang="zh-CN" altLang="en-US" sz="1400" b="1" dirty="0">
+                <a:solidFill>
+                  <a:schemeClr val="tx1">
+                    <a:lumMod val="75000"/>
+                    <a:lumOff val="25000"/>
+                  </a:schemeClr>
+                </a:solidFill>
+                <a:latin typeface="等线 Light" panose="02010600030101010101" charset="-122"/>
+                <a:ea typeface="等线 Light" panose="02010600030101010101" charset="-122"/>
+                <a:cs typeface="等线 Light" panose="02010600030101010101" charset="-122"/>
+                <a:sym typeface="+mn-lt"/>
+              </a:rPr>
+              <a:t>Gs</a:t>
+            </a:r>
+            <a:r>
+              <a:rPr lang="en-US" altLang="zh-CN" sz="1400" b="1" dirty="0">
+                <a:solidFill>
+                  <a:schemeClr val="tx1">
+                    <a:lumMod val="75000"/>
+                    <a:lumOff val="25000"/>
+                  </a:schemeClr>
+                </a:solidFill>
+                <a:latin typeface="等线 Light" panose="02010600030101010101" charset="-122"/>
+                <a:ea typeface="等线 Light" panose="02010600030101010101" charset="-122"/>
+                <a:cs typeface="等线 Light" panose="02010600030101010101" charset="-122"/>
+                <a:sym typeface="+mn-lt"/>
+              </a:rPr>
+              <a:t> </a:t>
+            </a:r>
+            <a:r>
+              <a:rPr lang="zh-CN" altLang="en-US" sz="1400" b="1" dirty="0">
+                <a:solidFill>
+                  <a:schemeClr val="tx1">
+                    <a:lumMod val="75000"/>
+                    <a:lumOff val="25000"/>
+                  </a:schemeClr>
+                </a:solidFill>
+                <a:latin typeface="等线 Light" panose="02010600030101010101" charset="-122"/>
+                <a:ea typeface="等线 Light" panose="02010600030101010101" charset="-122"/>
+                <a:cs typeface="等线 Light" panose="02010600030101010101" charset="-122"/>
+                <a:sym typeface="+mn-lt"/>
+              </a:rPr>
+              <a:t>核心业务与交互彻底的分离。</a:t>
+            </a:r>
+            <a:endParaRPr lang="zh-CN" altLang="en-US" sz="1400" b="1" dirty="0">
+              <a:solidFill>
+                <a:schemeClr val="tx1">
+                  <a:lumMod val="75000"/>
+                  <a:lumOff val="25000"/>
+                </a:schemeClr>
+              </a:solidFill>
+              <a:latin typeface="等线 Light" panose="02010600030101010101" charset="-122"/>
+              <a:ea typeface="等线 Light" panose="02010600030101010101" charset="-122"/>
+              <a:cs typeface="等线 Light" panose="02010600030101010101" charset="-122"/>
+              <a:sym typeface="+mn-lt"/>
+            </a:endParaRPr>
+          </a:p>
+          <a:p>
+            <a:endParaRPr lang="zh-CN" altLang="en-US" sz="1400" b="1" dirty="0">
+              <a:solidFill>
+                <a:schemeClr val="tx1">
+                  <a:lumMod val="75000"/>
+                  <a:lumOff val="25000"/>
+                </a:schemeClr>
+              </a:solidFill>
+              <a:latin typeface="等线 Light" panose="02010600030101010101" charset="-122"/>
+              <a:ea typeface="等线 Light" panose="02010600030101010101" charset="-122"/>
+              <a:cs typeface="等线 Light" panose="02010600030101010101" charset="-122"/>
+              <a:sym typeface="+mn-lt"/>
+            </a:endParaRPr>
+          </a:p>
+          <a:p>
+            <a:r>
+              <a:rPr lang="zh-CN" altLang="en-US" sz="1400" b="1" dirty="0">
+                <a:solidFill>
+                  <a:schemeClr val="tx1">
+                    <a:lumMod val="75000"/>
+                    <a:lumOff val="25000"/>
+                  </a:schemeClr>
+                </a:solidFill>
+                <a:latin typeface="等线 Light" panose="02010600030101010101" charset="-122"/>
+                <a:ea typeface="等线 Light" panose="02010600030101010101" charset="-122"/>
+                <a:cs typeface="等线 Light" panose="02010600030101010101" charset="-122"/>
+                <a:sym typeface="+mn-lt"/>
+              </a:rPr>
+              <a:t>实现：</a:t>
+            </a:r>
+            <a:r>
+              <a:rPr lang="en-US" altLang="zh-CN" sz="1400" b="1" dirty="0">
+                <a:solidFill>
+                  <a:schemeClr val="tx1">
+                    <a:lumMod val="75000"/>
+                    <a:lumOff val="25000"/>
+                  </a:schemeClr>
+                </a:solidFill>
+                <a:latin typeface="等线 Light" panose="02010600030101010101" charset="-122"/>
+                <a:ea typeface="等线 Light" panose="02010600030101010101" charset="-122"/>
+                <a:cs typeface="等线 Light" panose="02010600030101010101" charset="-122"/>
+                <a:sym typeface="+mn-lt"/>
+              </a:rPr>
+              <a:t>GsService.apk </a:t>
+            </a:r>
+            <a:r>
+              <a:rPr lang="zh-CN" altLang="en-US" sz="1400" b="1" dirty="0">
+                <a:solidFill>
+                  <a:schemeClr val="tx1">
+                    <a:lumMod val="75000"/>
+                    <a:lumOff val="25000"/>
+                  </a:schemeClr>
+                </a:solidFill>
+                <a:latin typeface="等线 Light" panose="02010600030101010101" charset="-122"/>
+                <a:ea typeface="等线 Light" panose="02010600030101010101" charset="-122"/>
+                <a:cs typeface="等线 Light" panose="02010600030101010101" charset="-122"/>
+                <a:sym typeface="+mn-lt"/>
+              </a:rPr>
+              <a:t>服务模块通过</a:t>
+            </a:r>
+            <a:r>
+              <a:rPr lang="en-US" altLang="zh-CN" sz="1400" b="1" dirty="0">
+                <a:solidFill>
+                  <a:schemeClr val="tx1">
+                    <a:lumMod val="75000"/>
+                    <a:lumOff val="25000"/>
+                  </a:schemeClr>
+                </a:solidFill>
+                <a:latin typeface="等线 Light" panose="02010600030101010101" charset="-122"/>
+                <a:ea typeface="等线 Light" panose="02010600030101010101" charset="-122"/>
+                <a:cs typeface="等线 Light" panose="02010600030101010101" charset="-122"/>
+                <a:sym typeface="+mn-lt"/>
+              </a:rPr>
+              <a:t> addService </a:t>
+            </a:r>
+            <a:r>
+              <a:rPr lang="zh-CN" altLang="en-US" sz="1400" b="1" dirty="0">
+                <a:solidFill>
+                  <a:schemeClr val="tx1">
+                    <a:lumMod val="75000"/>
+                    <a:lumOff val="25000"/>
+                  </a:schemeClr>
+                </a:solidFill>
+                <a:latin typeface="等线 Light" panose="02010600030101010101" charset="-122"/>
+                <a:ea typeface="等线 Light" panose="02010600030101010101" charset="-122"/>
+                <a:cs typeface="等线 Light" panose="02010600030101010101" charset="-122"/>
+                <a:sym typeface="+mn-lt"/>
+              </a:rPr>
+              <a:t>将</a:t>
+            </a:r>
+            <a:r>
+              <a:rPr lang="en-US" altLang="zh-CN" sz="1400" b="1" dirty="0">
+                <a:solidFill>
+                  <a:schemeClr val="tx1">
+                    <a:lumMod val="75000"/>
+                    <a:lumOff val="25000"/>
+                  </a:schemeClr>
+                </a:solidFill>
+                <a:latin typeface="等线 Light" panose="02010600030101010101" charset="-122"/>
+                <a:ea typeface="等线 Light" panose="02010600030101010101" charset="-122"/>
+                <a:cs typeface="等线 Light" panose="02010600030101010101" charset="-122"/>
+                <a:sym typeface="+mn-lt"/>
+              </a:rPr>
+              <a:t> Gs </a:t>
+            </a:r>
+            <a:r>
+              <a:rPr lang="zh-CN" altLang="en-US" sz="1400" b="1" dirty="0">
+                <a:solidFill>
+                  <a:schemeClr val="tx1">
+                    <a:lumMod val="75000"/>
+                    <a:lumOff val="25000"/>
+                  </a:schemeClr>
+                </a:solidFill>
+                <a:latin typeface="等线 Light" panose="02010600030101010101" charset="-122"/>
+                <a:ea typeface="等线 Light" panose="02010600030101010101" charset="-122"/>
+                <a:cs typeface="等线 Light" panose="02010600030101010101" charset="-122"/>
+                <a:sym typeface="+mn-lt"/>
+              </a:rPr>
+              <a:t>服务添加到系统服务管理中，</a:t>
+            </a:r>
+            <a:r>
+              <a:rPr lang="en-US" altLang="zh-CN" sz="1400" b="1" dirty="0">
+                <a:solidFill>
+                  <a:schemeClr val="tx1">
+                    <a:lumMod val="75000"/>
+                    <a:lumOff val="25000"/>
+                  </a:schemeClr>
+                </a:solidFill>
+                <a:latin typeface="等线 Light" panose="02010600030101010101" charset="-122"/>
+                <a:ea typeface="等线 Light" panose="02010600030101010101" charset="-122"/>
+                <a:cs typeface="等线 Light" panose="02010600030101010101" charset="-122"/>
+                <a:sym typeface="+mn-lt"/>
+              </a:rPr>
+              <a:t>API </a:t>
+            </a:r>
+            <a:r>
+              <a:rPr lang="zh-CN" altLang="en-US" sz="1400" b="1" dirty="0">
+                <a:solidFill>
+                  <a:schemeClr val="tx1">
+                    <a:lumMod val="75000"/>
+                    <a:lumOff val="25000"/>
+                  </a:schemeClr>
+                </a:solidFill>
+                <a:latin typeface="等线 Light" panose="02010600030101010101" charset="-122"/>
+                <a:ea typeface="等线 Light" panose="02010600030101010101" charset="-122"/>
+                <a:cs typeface="等线 Light" panose="02010600030101010101" charset="-122"/>
+                <a:sym typeface="+mn-lt"/>
+              </a:rPr>
+              <a:t>客户端模块通过</a:t>
+            </a:r>
+            <a:r>
+              <a:rPr lang="en-US" altLang="zh-CN" sz="1400" b="1" dirty="0">
+                <a:solidFill>
+                  <a:schemeClr val="tx1">
+                    <a:lumMod val="75000"/>
+                    <a:lumOff val="25000"/>
+                  </a:schemeClr>
+                </a:solidFill>
+                <a:latin typeface="等线 Light" panose="02010600030101010101" charset="-122"/>
+                <a:ea typeface="等线 Light" panose="02010600030101010101" charset="-122"/>
+                <a:cs typeface="等线 Light" panose="02010600030101010101" charset="-122"/>
+                <a:sym typeface="+mn-lt"/>
+              </a:rPr>
+              <a:t> getService </a:t>
+            </a:r>
+            <a:r>
+              <a:rPr lang="zh-CN" altLang="en-US" sz="1400" b="1" dirty="0">
+                <a:solidFill>
+                  <a:schemeClr val="tx1">
+                    <a:lumMod val="75000"/>
+                    <a:lumOff val="25000"/>
+                  </a:schemeClr>
+                </a:solidFill>
+                <a:latin typeface="等线 Light" panose="02010600030101010101" charset="-122"/>
+                <a:ea typeface="等线 Light" panose="02010600030101010101" charset="-122"/>
+                <a:cs typeface="等线 Light" panose="02010600030101010101" charset="-122"/>
+                <a:sym typeface="+mn-lt"/>
+              </a:rPr>
+              <a:t>与</a:t>
+            </a:r>
+            <a:r>
+              <a:rPr lang="en-US" altLang="zh-CN" sz="1400" b="1" dirty="0">
+                <a:solidFill>
+                  <a:schemeClr val="tx1">
+                    <a:lumMod val="75000"/>
+                    <a:lumOff val="25000"/>
+                  </a:schemeClr>
+                </a:solidFill>
+                <a:latin typeface="等线 Light" panose="02010600030101010101" charset="-122"/>
+                <a:ea typeface="等线 Light" panose="02010600030101010101" charset="-122"/>
+                <a:cs typeface="等线 Light" panose="02010600030101010101" charset="-122"/>
+                <a:sym typeface="+mn-lt"/>
+              </a:rPr>
+              <a:t> Gs </a:t>
+            </a:r>
+            <a:r>
+              <a:rPr lang="zh-CN" altLang="en-US" sz="1400" b="1" dirty="0">
+                <a:solidFill>
+                  <a:schemeClr val="tx1">
+                    <a:lumMod val="75000"/>
+                    <a:lumOff val="25000"/>
+                  </a:schemeClr>
+                </a:solidFill>
+                <a:latin typeface="等线 Light" panose="02010600030101010101" charset="-122"/>
+                <a:ea typeface="等线 Light" panose="02010600030101010101" charset="-122"/>
+                <a:cs typeface="等线 Light" panose="02010600030101010101" charset="-122"/>
+                <a:sym typeface="+mn-lt"/>
+              </a:rPr>
+              <a:t>服务实现连接，提供静态方法调用内部业务功能。</a:t>
+            </a:r>
+            <a:r>
+              <a:rPr lang="en-US" altLang="zh-CN" sz="1400" b="1" dirty="0">
+                <a:solidFill>
+                  <a:schemeClr val="tx1">
+                    <a:lumMod val="75000"/>
+                    <a:lumOff val="25000"/>
+                  </a:schemeClr>
+                </a:solidFill>
+                <a:latin typeface="等线 Light" panose="02010600030101010101" charset="-122"/>
+                <a:ea typeface="等线 Light" panose="02010600030101010101" charset="-122"/>
+                <a:cs typeface="等线 Light" panose="02010600030101010101" charset="-122"/>
+                <a:sym typeface="+mn-lt"/>
+              </a:rPr>
+              <a:t>ApiClient </a:t>
+            </a:r>
+            <a:r>
+              <a:rPr lang="zh-CN" altLang="en-US" sz="1400" b="1" dirty="0">
+                <a:solidFill>
+                  <a:schemeClr val="tx1">
+                    <a:lumMod val="75000"/>
+                    <a:lumOff val="25000"/>
+                  </a:schemeClr>
+                </a:solidFill>
+                <a:latin typeface="等线 Light" panose="02010600030101010101" charset="-122"/>
+                <a:ea typeface="等线 Light" panose="02010600030101010101" charset="-122"/>
+                <a:cs typeface="等线 Light" panose="02010600030101010101" charset="-122"/>
+                <a:sym typeface="+mn-lt"/>
+              </a:rPr>
+              <a:t>服务定位器将服务标识</a:t>
+            </a:r>
+            <a:r>
+              <a:rPr lang="en-US" altLang="zh-CN" sz="1400" b="1" dirty="0">
+                <a:solidFill>
+                  <a:schemeClr val="tx1">
+                    <a:lumMod val="75000"/>
+                    <a:lumOff val="25000"/>
+                  </a:schemeClr>
+                </a:solidFill>
+                <a:latin typeface="等线 Light" panose="02010600030101010101" charset="-122"/>
+                <a:ea typeface="等线 Light" panose="02010600030101010101" charset="-122"/>
+                <a:cs typeface="等线 Light" panose="02010600030101010101" charset="-122"/>
+                <a:sym typeface="+mn-lt"/>
+              </a:rPr>
+              <a:t> id </a:t>
+            </a:r>
+            <a:r>
+              <a:rPr lang="zh-CN" altLang="en-US" sz="1400" b="1" dirty="0">
+                <a:solidFill>
+                  <a:schemeClr val="tx1">
+                    <a:lumMod val="75000"/>
+                    <a:lumOff val="25000"/>
+                  </a:schemeClr>
+                </a:solidFill>
+                <a:latin typeface="等线 Light" panose="02010600030101010101" charset="-122"/>
+                <a:ea typeface="等线 Light" panose="02010600030101010101" charset="-122"/>
+                <a:cs typeface="等线 Light" panose="02010600030101010101" charset="-122"/>
+                <a:sym typeface="+mn-lt"/>
+              </a:rPr>
+              <a:t>和服务以键值对的形式注册到</a:t>
+            </a:r>
+            <a:r>
+              <a:rPr lang="en-US" altLang="zh-CN" sz="1400" b="1" dirty="0">
+                <a:solidFill>
+                  <a:schemeClr val="tx1">
+                    <a:lumMod val="75000"/>
+                    <a:lumOff val="25000"/>
+                  </a:schemeClr>
+                </a:solidFill>
+                <a:latin typeface="等线 Light" panose="02010600030101010101" charset="-122"/>
+                <a:ea typeface="等线 Light" panose="02010600030101010101" charset="-122"/>
+                <a:cs typeface="等线 Light" panose="02010600030101010101" charset="-122"/>
+                <a:sym typeface="+mn-lt"/>
+              </a:rPr>
+              <a:t> map </a:t>
+            </a:r>
+            <a:r>
+              <a:rPr lang="zh-CN" altLang="en-US" sz="1400" b="1" dirty="0">
+                <a:solidFill>
+                  <a:schemeClr val="tx1">
+                    <a:lumMod val="75000"/>
+                    <a:lumOff val="25000"/>
+                  </a:schemeClr>
+                </a:solidFill>
+                <a:latin typeface="等线 Light" panose="02010600030101010101" charset="-122"/>
+                <a:ea typeface="等线 Light" panose="02010600030101010101" charset="-122"/>
+                <a:cs typeface="等线 Light" panose="02010600030101010101" charset="-122"/>
+                <a:sym typeface="+mn-lt"/>
+              </a:rPr>
+              <a:t>中，具体使用通过服务</a:t>
+            </a:r>
+            <a:r>
+              <a:rPr lang="en-US" altLang="zh-CN" sz="1400" b="1" dirty="0">
+                <a:solidFill>
+                  <a:schemeClr val="tx1">
+                    <a:lumMod val="75000"/>
+                    <a:lumOff val="25000"/>
+                  </a:schemeClr>
+                </a:solidFill>
+                <a:latin typeface="等线 Light" panose="02010600030101010101" charset="-122"/>
+                <a:ea typeface="等线 Light" panose="02010600030101010101" charset="-122"/>
+                <a:cs typeface="等线 Light" panose="02010600030101010101" charset="-122"/>
+                <a:sym typeface="+mn-lt"/>
+              </a:rPr>
+              <a:t> id </a:t>
+            </a:r>
+            <a:r>
+              <a:rPr lang="zh-CN" altLang="en-US" sz="1400" b="1" dirty="0">
+                <a:solidFill>
+                  <a:schemeClr val="tx1">
+                    <a:lumMod val="75000"/>
+                    <a:lumOff val="25000"/>
+                  </a:schemeClr>
+                </a:solidFill>
+                <a:latin typeface="等线 Light" panose="02010600030101010101" charset="-122"/>
+                <a:ea typeface="等线 Light" panose="02010600030101010101" charset="-122"/>
+                <a:cs typeface="等线 Light" panose="02010600030101010101" charset="-122"/>
+                <a:sym typeface="+mn-lt"/>
+              </a:rPr>
+              <a:t>获取到服务，然后调用服务内部方法，服务定位器模式将服务实现和服务使用解耦。</a:t>
+            </a:r>
+            <a:endParaRPr lang="zh-CN" altLang="en-US" sz="1400" b="1" dirty="0">
               <a:solidFill>
                 <a:schemeClr val="tx1">
                   <a:lumMod val="75000"/>
@@ -5581,7 +5699,7 @@
       </p:pic>
       <p:pic>
         <p:nvPicPr>
-          <p:cNvPr id="5" name="图片 4" descr="语音识别流程图"/>
+          <p:cNvPr id="5" name="图片 4" descr="GS应用层架构"/>
           <p:cNvPicPr>
             <a:picLocks noChangeAspect="1"/>
           </p:cNvPicPr>
@@ -5599,24 +5717,66 @@
         </p:blipFill>
         <p:spPr>
           <a:xfrm>
-            <a:off x="972185" y="2251710"/>
-            <a:ext cx="8439150" cy="1804035"/>
+            <a:off x="858520" y="3189605"/>
+            <a:ext cx="3943350" cy="3343275"/>
           </a:xfrm>
           <a:prstGeom prst="rect">
             <a:avLst/>
           </a:prstGeom>
         </p:spPr>
       </p:pic>
-      <p:sp>
-        <p:nvSpPr>
-          <p:cNvPr id="6" name="文本框 5"/>
+      <p:pic>
+        <p:nvPicPr>
+          <p:cNvPr id="11" name="图片 10"/>
+          <p:cNvPicPr>
+            <a:picLocks noChangeAspect="1"/>
+          </p:cNvPicPr>
+          <p:nvPr/>
+        </p:nvPicPr>
+        <p:blipFill>
+          <a:blip r:embed="rId5"/>
+          <a:stretch>
+            <a:fillRect/>
+          </a:stretch>
+        </p:blipFill>
+        <p:spPr>
+          <a:xfrm>
+            <a:off x="5040630" y="3913505"/>
+            <a:ext cx="6257925" cy="1895475"/>
+          </a:xfrm>
+          <a:prstGeom prst="rect">
+            <a:avLst/>
+          </a:prstGeom>
+        </p:spPr>
+      </p:pic>
+    </p:spTree>
+  </p:cSld>
+  <p:clrMapOvr>
+    <a:masterClrMapping/>
+  </p:clrMapOvr>
+</p:sld>
+</file>
+
+<file path=ppt/slides/slide17.xml><?xml version="1.0" encoding="utf-8"?>
+<p:sld xmlns:a="http://schemas.openxmlformats.org/drawingml/2006/main" xmlns:r="http://schemas.openxmlformats.org/officeDocument/2006/relationships" xmlns:p="http://schemas.openxmlformats.org/presentationml/2006/main">
+  <p:cSld>
+    <p:spTree>
+      <p:nvGrpSpPr>
+        <p:cNvPr id="1" name=""/>
+        <p:cNvGrpSpPr/>
+        <p:nvPr/>
+      </p:nvGrpSpPr>
+      <p:grpSpPr/>
+      <p:sp>
+        <p:nvSpPr>
+          <p:cNvPr id="2" name="文本框 1"/>
           <p:cNvSpPr txBox="1"/>
           <p:nvPr/>
         </p:nvSpPr>
         <p:spPr>
           <a:xfrm>
-            <a:off x="972185" y="4315460"/>
-            <a:ext cx="8262620" cy="1168400"/>
+            <a:off x="972185" y="1805940"/>
+            <a:ext cx="6782435" cy="337185"/>
           </a:xfrm>
           <a:prstGeom prst="rect">
             <a:avLst/>
@@ -5628,82 +5788,7 @@
             <a:spAutoFit/>
           </a:bodyPr>
           <a:p>
-            <a:r>
-              <a:rPr lang="zh-CN" altLang="en-US" sz="1400" b="1" dirty="0">
-                <a:solidFill>
-                  <a:schemeClr val="tx1">
-                    <a:lumMod val="75000"/>
-                    <a:lumOff val="25000"/>
-                  </a:schemeClr>
-                </a:solidFill>
-                <a:latin typeface="等线 Light" panose="02010600030101010101" charset="-122"/>
-                <a:ea typeface="等线 Light" panose="02010600030101010101" charset="-122"/>
-                <a:cs typeface="等线 Light" panose="02010600030101010101" charset="-122"/>
-                <a:sym typeface="+mn-lt"/>
-              </a:rPr>
-              <a:t>定义</a:t>
-            </a:r>
-            <a:r>
-              <a:rPr lang="en-US" altLang="zh-CN" sz="1400" b="1" dirty="0">
-                <a:solidFill>
-                  <a:schemeClr val="tx1">
-                    <a:lumMod val="75000"/>
-                    <a:lumOff val="25000"/>
-                  </a:schemeClr>
-                </a:solidFill>
-                <a:latin typeface="等线 Light" panose="02010600030101010101" charset="-122"/>
-                <a:ea typeface="等线 Light" panose="02010600030101010101" charset="-122"/>
-                <a:cs typeface="等线 Light" panose="02010600030101010101" charset="-122"/>
-                <a:sym typeface="+mn-lt"/>
-              </a:rPr>
-              <a:t> bnf </a:t>
-            </a:r>
-            <a:r>
-              <a:rPr lang="zh-CN" altLang="en-US" sz="1400" b="1" dirty="0">
-                <a:solidFill>
-                  <a:schemeClr val="tx1">
-                    <a:lumMod val="75000"/>
-                    <a:lumOff val="25000"/>
-                  </a:schemeClr>
-                </a:solidFill>
-                <a:latin typeface="等线 Light" panose="02010600030101010101" charset="-122"/>
-                <a:ea typeface="等线 Light" panose="02010600030101010101" charset="-122"/>
-                <a:cs typeface="等线 Light" panose="02010600030101010101" charset="-122"/>
-                <a:sym typeface="+mn-lt"/>
-              </a:rPr>
-              <a:t>语法文件构建语法，解析语音识别返回的</a:t>
-            </a:r>
-            <a:r>
-              <a:rPr lang="en-US" altLang="zh-CN" sz="1400" b="1" dirty="0">
-                <a:solidFill>
-                  <a:schemeClr val="tx1">
-                    <a:lumMod val="75000"/>
-                    <a:lumOff val="25000"/>
-                  </a:schemeClr>
-                </a:solidFill>
-                <a:latin typeface="等线 Light" panose="02010600030101010101" charset="-122"/>
-                <a:ea typeface="等线 Light" panose="02010600030101010101" charset="-122"/>
-                <a:cs typeface="等线 Light" panose="02010600030101010101" charset="-122"/>
-                <a:sym typeface="+mn-lt"/>
-              </a:rPr>
-              <a:t> xml </a:t>
-            </a:r>
-            <a:r>
-              <a:rPr lang="zh-CN" altLang="en-US" sz="1400" b="1" dirty="0">
-                <a:solidFill>
-                  <a:schemeClr val="tx1">
-                    <a:lumMod val="75000"/>
-                    <a:lumOff val="25000"/>
-                  </a:schemeClr>
-                </a:solidFill>
-                <a:latin typeface="等线 Light" panose="02010600030101010101" charset="-122"/>
-                <a:ea typeface="等线 Light" panose="02010600030101010101" charset="-122"/>
-                <a:cs typeface="等线 Light" panose="02010600030101010101" charset="-122"/>
-                <a:sym typeface="+mn-lt"/>
-              </a:rPr>
-              <a:t>字符串，调用处理类方法实现语料对应的功能。</a:t>
-            </a:r>
-            <a:endParaRPr lang="zh-CN" sz="1400" b="1" dirty="0">
+            <a:endParaRPr lang="zh-CN" altLang="en-US" sz="1600" b="1" dirty="0">
               <a:solidFill>
                 <a:schemeClr val="tx1">
                   <a:lumMod val="75000"/>
@@ -5716,214 +5801,32 @@
               <a:sym typeface="+mn-lt"/>
             </a:endParaRPr>
           </a:p>
-          <a:p>
-            <a:endParaRPr lang="zh-CN" sz="1400" b="1" dirty="0">
-              <a:solidFill>
-                <a:schemeClr val="tx1">
-                  <a:lumMod val="75000"/>
-                  <a:lumOff val="25000"/>
-                </a:schemeClr>
-              </a:solidFill>
-              <a:latin typeface="等线 Light" panose="02010600030101010101" charset="-122"/>
-              <a:ea typeface="等线 Light" panose="02010600030101010101" charset="-122"/>
-              <a:cs typeface="等线 Light" panose="02010600030101010101" charset="-122"/>
-              <a:sym typeface="+mn-lt"/>
-            </a:endParaRPr>
-          </a:p>
-          <a:p>
-            <a:r>
-              <a:rPr lang="zh-CN" sz="1400" b="1" dirty="0">
-                <a:solidFill>
-                  <a:schemeClr val="tx1">
-                    <a:lumMod val="75000"/>
-                    <a:lumOff val="25000"/>
-                  </a:schemeClr>
-                </a:solidFill>
-                <a:latin typeface="等线 Light" panose="02010600030101010101" charset="-122"/>
-                <a:ea typeface="等线 Light" panose="02010600030101010101" charset="-122"/>
-                <a:cs typeface="等线 Light" panose="02010600030101010101" charset="-122"/>
-                <a:sym typeface="+mn-lt"/>
-              </a:rPr>
-              <a:t>用到的设计模式是模板模式。抽象的业务处理类</a:t>
-            </a:r>
-            <a:r>
-              <a:rPr lang="en-US" altLang="zh-CN" sz="1400" b="1" dirty="0">
-                <a:solidFill>
-                  <a:schemeClr val="tx1">
-                    <a:lumMod val="75000"/>
-                    <a:lumOff val="25000"/>
-                  </a:schemeClr>
-                </a:solidFill>
-                <a:latin typeface="等线 Light" panose="02010600030101010101" charset="-122"/>
-                <a:ea typeface="等线 Light" panose="02010600030101010101" charset="-122"/>
-                <a:cs typeface="等线 Light" panose="02010600030101010101" charset="-122"/>
-                <a:sym typeface="+mn-lt"/>
-              </a:rPr>
-              <a:t> </a:t>
-            </a:r>
-            <a:r>
-              <a:rPr lang="zh-CN" sz="1400" b="1" i="1" dirty="0">
-                <a:solidFill>
-                  <a:schemeClr val="tx1">
-                    <a:lumMod val="75000"/>
-                    <a:lumOff val="25000"/>
-                  </a:schemeClr>
-                </a:solidFill>
-                <a:latin typeface="等线 Light" panose="02010600030101010101" charset="-122"/>
-                <a:ea typeface="等线 Light" panose="02010600030101010101" charset="-122"/>
-                <a:cs typeface="等线 Light" panose="02010600030101010101" charset="-122"/>
-                <a:sym typeface="+mn-lt"/>
-              </a:rPr>
-              <a:t>AbsBusinessResultHandler</a:t>
-            </a:r>
-            <a:r>
-              <a:rPr lang="en-US" altLang="zh-CN" sz="1400" b="1" i="1" dirty="0">
-                <a:solidFill>
-                  <a:schemeClr val="tx1">
-                    <a:lumMod val="75000"/>
-                    <a:lumOff val="25000"/>
-                  </a:schemeClr>
-                </a:solidFill>
-                <a:latin typeface="等线 Light" panose="02010600030101010101" charset="-122"/>
-                <a:ea typeface="等线 Light" panose="02010600030101010101" charset="-122"/>
-                <a:cs typeface="等线 Light" panose="02010600030101010101" charset="-122"/>
-                <a:sym typeface="+mn-lt"/>
-              </a:rPr>
-              <a:t> </a:t>
-            </a:r>
-            <a:r>
-              <a:rPr lang="zh-CN" sz="1400" b="1" dirty="0">
-                <a:solidFill>
-                  <a:schemeClr val="tx1">
-                    <a:lumMod val="75000"/>
-                    <a:lumOff val="25000"/>
-                  </a:schemeClr>
-                </a:solidFill>
-                <a:latin typeface="等线 Light" panose="02010600030101010101" charset="-122"/>
-                <a:ea typeface="等线 Light" panose="02010600030101010101" charset="-122"/>
-                <a:cs typeface="等线 Light" panose="02010600030101010101" charset="-122"/>
-                <a:sym typeface="+mn-lt"/>
-              </a:rPr>
-              <a:t>定义了处理返回结果的方法</a:t>
-            </a:r>
-            <a:endParaRPr lang="zh-CN" sz="1400" b="1" dirty="0">
-              <a:solidFill>
-                <a:schemeClr val="tx1">
-                  <a:lumMod val="75000"/>
-                  <a:lumOff val="25000"/>
-                </a:schemeClr>
-              </a:solidFill>
-              <a:latin typeface="等线 Light" panose="02010600030101010101" charset="-122"/>
-              <a:ea typeface="等线 Light" panose="02010600030101010101" charset="-122"/>
-              <a:cs typeface="等线 Light" panose="02010600030101010101" charset="-122"/>
-              <a:sym typeface="+mn-lt"/>
-            </a:endParaRPr>
-          </a:p>
-          <a:p>
-            <a:endParaRPr lang="zh-CN" sz="1400" b="1" dirty="0">
-              <a:solidFill>
-                <a:schemeClr val="tx1">
-                  <a:lumMod val="75000"/>
-                  <a:lumOff val="25000"/>
-                </a:schemeClr>
-              </a:solidFill>
-              <a:latin typeface="等线 Light" panose="02010600030101010101" charset="-122"/>
-              <a:ea typeface="等线 Light" panose="02010600030101010101" charset="-122"/>
-              <a:cs typeface="等线 Light" panose="02010600030101010101" charset="-122"/>
-              <a:sym typeface="+mn-lt"/>
-            </a:endParaRPr>
-          </a:p>
-          <a:p>
-            <a:r>
-              <a:rPr lang="zh-CN" sz="1400" b="1" dirty="0">
-                <a:solidFill>
-                  <a:schemeClr val="tx1">
-                    <a:lumMod val="75000"/>
-                    <a:lumOff val="25000"/>
-                  </a:schemeClr>
-                </a:solidFill>
-                <a:latin typeface="等线 Light" panose="02010600030101010101" charset="-122"/>
-                <a:ea typeface="等线 Light" panose="02010600030101010101" charset="-122"/>
-                <a:cs typeface="等线 Light" panose="02010600030101010101" charset="-122"/>
-                <a:sym typeface="+mn-lt"/>
-              </a:rPr>
-              <a:t>模板，具体的业务处理类</a:t>
-            </a:r>
-            <a:r>
-              <a:rPr lang="en-US" altLang="zh-CN" sz="1400" b="1" dirty="0">
-                <a:solidFill>
-                  <a:schemeClr val="tx1">
-                    <a:lumMod val="75000"/>
-                    <a:lumOff val="25000"/>
-                  </a:schemeClr>
-                </a:solidFill>
-                <a:latin typeface="等线 Light" panose="02010600030101010101" charset="-122"/>
-                <a:ea typeface="等线 Light" panose="02010600030101010101" charset="-122"/>
-                <a:cs typeface="等线 Light" panose="02010600030101010101" charset="-122"/>
-                <a:sym typeface="+mn-lt"/>
-              </a:rPr>
-              <a:t> </a:t>
-            </a:r>
-            <a:r>
-              <a:rPr lang="zh-CN" sz="1400" b="1" dirty="0">
-                <a:solidFill>
-                  <a:schemeClr val="tx1">
-                    <a:lumMod val="75000"/>
-                    <a:lumOff val="25000"/>
-                  </a:schemeClr>
-                </a:solidFill>
-                <a:latin typeface="等线 Light" panose="02010600030101010101" charset="-122"/>
-                <a:ea typeface="等线 Light" panose="02010600030101010101" charset="-122"/>
-                <a:cs typeface="等线 Light" panose="02010600030101010101" charset="-122"/>
-                <a:sym typeface="+mn-lt"/>
-              </a:rPr>
-              <a:t>MuteResultHandler</a:t>
-            </a:r>
-            <a:r>
-              <a:rPr lang="en-US" altLang="zh-CN" sz="1400" b="1" i="1" dirty="0">
-                <a:solidFill>
-                  <a:schemeClr val="tx1">
-                    <a:lumMod val="75000"/>
-                    <a:lumOff val="25000"/>
-                  </a:schemeClr>
-                </a:solidFill>
-                <a:latin typeface="等线 Light" panose="02010600030101010101" charset="-122"/>
-                <a:ea typeface="等线 Light" panose="02010600030101010101" charset="-122"/>
-                <a:cs typeface="等线 Light" panose="02010600030101010101" charset="-122"/>
-                <a:sym typeface="+mn-lt"/>
-              </a:rPr>
-              <a:t> </a:t>
-            </a:r>
-            <a:r>
-              <a:rPr lang="zh-CN" sz="1400" b="1" dirty="0">
-                <a:solidFill>
-                  <a:schemeClr val="tx1">
-                    <a:lumMod val="75000"/>
-                    <a:lumOff val="25000"/>
-                  </a:schemeClr>
-                </a:solidFill>
-                <a:latin typeface="等线 Light" panose="02010600030101010101" charset="-122"/>
-                <a:ea typeface="等线 Light" panose="02010600030101010101" charset="-122"/>
-                <a:cs typeface="等线 Light" panose="02010600030101010101" charset="-122"/>
-                <a:sym typeface="+mn-lt"/>
-              </a:rPr>
-              <a:t>实现了定义的模板方法。</a:t>
-            </a:r>
-            <a:endParaRPr lang="zh-CN" sz="1400" b="1" dirty="0">
-              <a:solidFill>
-                <a:schemeClr val="tx1">
-                  <a:lumMod val="75000"/>
-                  <a:lumOff val="25000"/>
-                </a:schemeClr>
-              </a:solidFill>
-              <a:latin typeface="等线 Light" panose="02010600030101010101" charset="-122"/>
-              <a:ea typeface="等线 Light" panose="02010600030101010101" charset="-122"/>
-              <a:cs typeface="等线 Light" panose="02010600030101010101" charset="-122"/>
-              <a:sym typeface="+mn-lt"/>
-            </a:endParaRPr>
-          </a:p>
-        </p:txBody>
-      </p:sp>
+        </p:txBody>
+      </p:sp>
+      <p:pic>
+        <p:nvPicPr>
+          <p:cNvPr id="4" name="图片 3" descr="GS框架"/>
+          <p:cNvPicPr>
+            <a:picLocks noChangeAspect="1"/>
+          </p:cNvPicPr>
+          <p:nvPr/>
+        </p:nvPicPr>
+        <p:blipFill>
+          <a:blip r:embed="rId1"/>
+          <a:stretch>
+            <a:fillRect/>
+          </a:stretch>
+        </p:blipFill>
+        <p:spPr>
+          <a:xfrm>
+            <a:off x="0" y="427355"/>
+            <a:ext cx="12192000" cy="6002655"/>
+          </a:xfrm>
+          <a:prstGeom prst="rect">
+            <a:avLst/>
+          </a:prstGeom>
+        </p:spPr>
+      </p:pic>
     </p:spTree>
   </p:cSld>
   <p:clrMapOvr>
@@ -5944,14 +5847,57 @@
       <p:grpSpPr/>
       <p:sp>
         <p:nvSpPr>
-          <p:cNvPr id="2" name="文本框 1"/>
+          <p:cNvPr id="4" name="矩形 3"/>
+          <p:cNvSpPr/>
+          <p:nvPr/>
+        </p:nvSpPr>
+        <p:spPr>
+          <a:xfrm>
+            <a:off x="972185" y="1101090"/>
+            <a:ext cx="2664000" cy="18000"/>
+          </a:xfrm>
+          <a:prstGeom prst="rect">
+            <a:avLst/>
+          </a:prstGeom>
+          <a:solidFill>
+            <a:srgbClr val="659594"/>
+          </a:solidFill>
+          <a:ln>
+            <a:noFill/>
+          </a:ln>
+        </p:spPr>
+        <p:style>
+          <a:lnRef idx="2">
+            <a:schemeClr val="accent6"/>
+          </a:lnRef>
+          <a:fillRef idx="1">
+            <a:schemeClr val="lt1"/>
+          </a:fillRef>
+          <a:effectRef idx="0">
+            <a:schemeClr val="accent6"/>
+          </a:effectRef>
+          <a:fontRef idx="minor">
+            <a:schemeClr val="dk1"/>
+          </a:fontRef>
+        </p:style>
+        <p:txBody>
+          <a:bodyPr rtlCol="0" anchor="ctr"/>
+          <a:p>
+            <a:pPr algn="ctr"/>
+            <a:endParaRPr lang="zh-CN" altLang="en-US"/>
+          </a:p>
+        </p:txBody>
+      </p:sp>
+      <p:sp>
+        <p:nvSpPr>
+          <p:cNvPr id="7" name="文本框 6"/>
           <p:cNvSpPr txBox="1"/>
           <p:nvPr/>
         </p:nvSpPr>
         <p:spPr>
           <a:xfrm>
-            <a:off x="972185" y="1805940"/>
-            <a:ext cx="6782435" cy="337185"/>
+            <a:off x="972185" y="530225"/>
+            <a:ext cx="4893945" cy="460375"/>
           </a:xfrm>
           <a:prstGeom prst="rect">
             <a:avLst/>
@@ -5963,7 +5909,76 @@
             <a:spAutoFit/>
           </a:bodyPr>
           <a:p>
-            <a:endParaRPr lang="zh-CN" altLang="en-US" sz="1600" b="1" dirty="0">
+            <a:pPr algn="l">
+              <a:buClrTx/>
+              <a:buSzTx/>
+              <a:buFontTx/>
+            </a:pPr>
+            <a:r>
+              <a:rPr lang="zh-CN" altLang="en-US" sz="2400" dirty="0">
+                <a:solidFill>
+                  <a:schemeClr val="tx1">
+                    <a:lumMod val="75000"/>
+                    <a:lumOff val="25000"/>
+                  </a:schemeClr>
+                </a:solidFill>
+                <a:latin typeface="等线 Light" panose="02010600030101010101" charset="-122"/>
+                <a:ea typeface="等线 Light" panose="02010600030101010101" charset="-122"/>
+                <a:sym typeface="+mn-lt"/>
+              </a:rPr>
+              <a:t>科大讯飞语音识别</a:t>
+            </a:r>
+            <a:endParaRPr lang="zh-CN" altLang="en-US" sz="2400" dirty="0">
+              <a:solidFill>
+                <a:schemeClr val="tx1">
+                  <a:lumMod val="75000"/>
+                  <a:lumOff val="25000"/>
+                </a:schemeClr>
+              </a:solidFill>
+              <a:latin typeface="等线 Light" panose="02010600030101010101" charset="-122"/>
+              <a:ea typeface="等线 Light" panose="02010600030101010101" charset="-122"/>
+              <a:sym typeface="+mn-ea"/>
+            </a:endParaRPr>
+          </a:p>
+        </p:txBody>
+      </p:sp>
+      <p:sp>
+        <p:nvSpPr>
+          <p:cNvPr id="2" name="文本框 1"/>
+          <p:cNvSpPr txBox="1"/>
+          <p:nvPr/>
+        </p:nvSpPr>
+        <p:spPr>
+          <a:xfrm>
+            <a:off x="972185" y="1805940"/>
+            <a:ext cx="6782435" cy="306705"/>
+          </a:xfrm>
+          <a:prstGeom prst="rect">
+            <a:avLst/>
+          </a:prstGeom>
+          <a:noFill/>
+        </p:spPr>
+        <p:txBody>
+          <a:bodyPr wrap="square" rtlCol="0">
+            <a:spAutoFit/>
+          </a:bodyPr>
+          <a:p>
+            <a:r>
+              <a:rPr lang="zh-CN" sz="1400" b="1" dirty="0">
+                <a:solidFill>
+                  <a:schemeClr val="tx1">
+                    <a:lumMod val="75000"/>
+                    <a:lumOff val="25000"/>
+                  </a:schemeClr>
+                </a:solidFill>
+                <a:latin typeface="等线 Light" panose="02010600030101010101" charset="-122"/>
+                <a:ea typeface="等线 Light" panose="02010600030101010101" charset="-122"/>
+                <a:cs typeface="等线 Light" panose="02010600030101010101" charset="-122"/>
+                <a:sym typeface="+mn-lt"/>
+              </a:rPr>
+              <a:t>以语料控制静音和麦克风为例，语音识别的流程是唤醒、识别、处理。</a:t>
+            </a:r>
+            <a:endParaRPr lang="zh-CN" sz="1400" b="1" dirty="0">
               <a:solidFill>
                 <a:schemeClr val="tx1">
                   <a:lumMod val="75000"/>
@@ -5980,28 +5995,380 @@
       </p:sp>
       <p:pic>
         <p:nvPicPr>
-          <p:cNvPr id="4" name="图片 3" descr="迅飞语音识别"/>
+          <p:cNvPr id="3" name="图片 2" descr="c216c8765727774aa9342bbc185b1845"/>
           <p:cNvPicPr>
             <a:picLocks noChangeAspect="1"/>
           </p:cNvPicPr>
-          <p:nvPr/>
+          <p:nvPr>
+            <p:custDataLst>
+              <p:tags r:id="rId1"/>
+            </p:custDataLst>
+          </p:nvPr>
         </p:nvPicPr>
         <p:blipFill>
-          <a:blip r:embed="rId1"/>
+          <a:blip r:embed="rId2">
+            <a:lum bright="24000" contrast="-30000"/>
+          </a:blip>
+          <a:srcRect l="-2021" r="2425" b="74848"/>
           <a:stretch>
             <a:fillRect/>
           </a:stretch>
         </p:blipFill>
         <p:spPr>
           <a:xfrm>
-            <a:off x="0" y="584200"/>
-            <a:ext cx="12192000" cy="5688965"/>
+            <a:off x="6471285" y="0"/>
+            <a:ext cx="5720715" cy="3854450"/>
           </a:xfrm>
           <a:prstGeom prst="rect">
             <a:avLst/>
           </a:prstGeom>
         </p:spPr>
       </p:pic>
+      <p:pic>
+        <p:nvPicPr>
+          <p:cNvPr id="5" name="图片 4" descr="语音识别流程图"/>
+          <p:cNvPicPr>
+            <a:picLocks noChangeAspect="1"/>
+          </p:cNvPicPr>
+          <p:nvPr>
+            <p:custDataLst>
+              <p:tags r:id="rId3"/>
+            </p:custDataLst>
+          </p:nvPr>
+        </p:nvPicPr>
+        <p:blipFill>
+          <a:blip r:embed="rId4"/>
+          <a:stretch>
+            <a:fillRect/>
+          </a:stretch>
+        </p:blipFill>
+        <p:spPr>
+          <a:xfrm>
+            <a:off x="972185" y="2251710"/>
+            <a:ext cx="8439150" cy="1804035"/>
+          </a:xfrm>
+          <a:prstGeom prst="rect">
+            <a:avLst/>
+          </a:prstGeom>
+        </p:spPr>
+      </p:pic>
+      <p:sp>
+        <p:nvSpPr>
+          <p:cNvPr id="6" name="文本框 5"/>
+          <p:cNvSpPr txBox="1"/>
+          <p:nvPr/>
+        </p:nvSpPr>
+        <p:spPr>
+          <a:xfrm>
+            <a:off x="972185" y="4315460"/>
+            <a:ext cx="8262620" cy="1168400"/>
+          </a:xfrm>
+          <a:prstGeom prst="rect">
+            <a:avLst/>
+          </a:prstGeom>
+          <a:noFill/>
+        </p:spPr>
+        <p:txBody>
+          <a:bodyPr wrap="square" rtlCol="0">
+            <a:spAutoFit/>
+          </a:bodyPr>
+          <a:p>
+            <a:r>
+              <a:rPr lang="zh-CN" altLang="en-US" sz="1400" b="1" dirty="0">
+                <a:solidFill>
+                  <a:schemeClr val="tx1">
+                    <a:lumMod val="75000"/>
+                    <a:lumOff val="25000"/>
+                  </a:schemeClr>
+                </a:solidFill>
+                <a:latin typeface="等线 Light" panose="02010600030101010101" charset="-122"/>
+                <a:ea typeface="等线 Light" panose="02010600030101010101" charset="-122"/>
+                <a:cs typeface="等线 Light" panose="02010600030101010101" charset="-122"/>
+                <a:sym typeface="+mn-lt"/>
+              </a:rPr>
+              <a:t>定义</a:t>
+            </a:r>
+            <a:r>
+              <a:rPr lang="en-US" altLang="zh-CN" sz="1400" b="1" dirty="0">
+                <a:solidFill>
+                  <a:schemeClr val="tx1">
+                    <a:lumMod val="75000"/>
+                    <a:lumOff val="25000"/>
+                  </a:schemeClr>
+                </a:solidFill>
+                <a:latin typeface="等线 Light" panose="02010600030101010101" charset="-122"/>
+                <a:ea typeface="等线 Light" panose="02010600030101010101" charset="-122"/>
+                <a:cs typeface="等线 Light" panose="02010600030101010101" charset="-122"/>
+                <a:sym typeface="+mn-lt"/>
+              </a:rPr>
+              <a:t> bnf </a:t>
+            </a:r>
+            <a:r>
+              <a:rPr lang="zh-CN" altLang="en-US" sz="1400" b="1" dirty="0">
+                <a:solidFill>
+                  <a:schemeClr val="tx1">
+                    <a:lumMod val="75000"/>
+                    <a:lumOff val="25000"/>
+                  </a:schemeClr>
+                </a:solidFill>
+                <a:latin typeface="等线 Light" panose="02010600030101010101" charset="-122"/>
+                <a:ea typeface="等线 Light" panose="02010600030101010101" charset="-122"/>
+                <a:cs typeface="等线 Light" panose="02010600030101010101" charset="-122"/>
+                <a:sym typeface="+mn-lt"/>
+              </a:rPr>
+              <a:t>语法文件构建语法，解析语音识别返回的</a:t>
+            </a:r>
+            <a:r>
+              <a:rPr lang="en-US" altLang="zh-CN" sz="1400" b="1" dirty="0">
+                <a:solidFill>
+                  <a:schemeClr val="tx1">
+                    <a:lumMod val="75000"/>
+                    <a:lumOff val="25000"/>
+                  </a:schemeClr>
+                </a:solidFill>
+                <a:latin typeface="等线 Light" panose="02010600030101010101" charset="-122"/>
+                <a:ea typeface="等线 Light" panose="02010600030101010101" charset="-122"/>
+                <a:cs typeface="等线 Light" panose="02010600030101010101" charset="-122"/>
+                <a:sym typeface="+mn-lt"/>
+              </a:rPr>
+              <a:t> xml </a:t>
+            </a:r>
+            <a:r>
+              <a:rPr lang="zh-CN" altLang="en-US" sz="1400" b="1" dirty="0">
+                <a:solidFill>
+                  <a:schemeClr val="tx1">
+                    <a:lumMod val="75000"/>
+                    <a:lumOff val="25000"/>
+                  </a:schemeClr>
+                </a:solidFill>
+                <a:latin typeface="等线 Light" panose="02010600030101010101" charset="-122"/>
+                <a:ea typeface="等线 Light" panose="02010600030101010101" charset="-122"/>
+                <a:cs typeface="等线 Light" panose="02010600030101010101" charset="-122"/>
+                <a:sym typeface="+mn-lt"/>
+              </a:rPr>
+              <a:t>字符串，调用处理类方法实现语料对应的功能。</a:t>
+            </a:r>
+            <a:endParaRPr lang="zh-CN" sz="1400" b="1" dirty="0">
+              <a:solidFill>
+                <a:schemeClr val="tx1">
+                  <a:lumMod val="75000"/>
+                  <a:lumOff val="25000"/>
+                </a:schemeClr>
+              </a:solidFill>
+              <a:latin typeface="等线 Light" panose="02010600030101010101" charset="-122"/>
+              <a:ea typeface="等线 Light" panose="02010600030101010101" charset="-122"/>
+              <a:cs typeface="等线 Light" panose="02010600030101010101" charset="-122"/>
+              <a:sym typeface="+mn-lt"/>
+            </a:endParaRPr>
+          </a:p>
+          <a:p>
+            <a:endParaRPr lang="zh-CN" sz="1400" b="1" dirty="0">
+              <a:solidFill>
+                <a:schemeClr val="tx1">
+                  <a:lumMod val="75000"/>
+                  <a:lumOff val="25000"/>
+                </a:schemeClr>
+              </a:solidFill>
+              <a:latin typeface="等线 Light" panose="02010600030101010101" charset="-122"/>
+              <a:ea typeface="等线 Light" panose="02010600030101010101" charset="-122"/>
+              <a:cs typeface="等线 Light" panose="02010600030101010101" charset="-122"/>
+              <a:sym typeface="+mn-lt"/>
+            </a:endParaRPr>
+          </a:p>
+          <a:p>
+            <a:r>
+              <a:rPr lang="zh-CN" sz="1400" b="1" dirty="0">
+                <a:solidFill>
+                  <a:schemeClr val="tx1">
+                    <a:lumMod val="75000"/>
+                    <a:lumOff val="25000"/>
+                  </a:schemeClr>
+                </a:solidFill>
+                <a:latin typeface="等线 Light" panose="02010600030101010101" charset="-122"/>
+                <a:ea typeface="等线 Light" panose="02010600030101010101" charset="-122"/>
+                <a:cs typeface="等线 Light" panose="02010600030101010101" charset="-122"/>
+                <a:sym typeface="+mn-lt"/>
+              </a:rPr>
+              <a:t>用到的设计模式是模板模式。抽象的业务处理类</a:t>
+            </a:r>
+            <a:r>
+              <a:rPr lang="en-US" altLang="zh-CN" sz="1400" b="1" dirty="0">
+                <a:solidFill>
+                  <a:schemeClr val="tx1">
+                    <a:lumMod val="75000"/>
+                    <a:lumOff val="25000"/>
+                  </a:schemeClr>
+                </a:solidFill>
+                <a:latin typeface="等线 Light" panose="02010600030101010101" charset="-122"/>
+                <a:ea typeface="等线 Light" panose="02010600030101010101" charset="-122"/>
+                <a:cs typeface="等线 Light" panose="02010600030101010101" charset="-122"/>
+                <a:sym typeface="+mn-lt"/>
+              </a:rPr>
+              <a:t> </a:t>
+            </a:r>
+            <a:r>
+              <a:rPr lang="zh-CN" sz="1400" b="1" i="1" dirty="0">
+                <a:solidFill>
+                  <a:schemeClr val="tx1">
+                    <a:lumMod val="75000"/>
+                    <a:lumOff val="25000"/>
+                  </a:schemeClr>
+                </a:solidFill>
+                <a:latin typeface="等线 Light" panose="02010600030101010101" charset="-122"/>
+                <a:ea typeface="等线 Light" panose="02010600030101010101" charset="-122"/>
+                <a:cs typeface="等线 Light" panose="02010600030101010101" charset="-122"/>
+                <a:sym typeface="+mn-lt"/>
+              </a:rPr>
+              <a:t>AbsBusinessResultHandler</a:t>
+            </a:r>
+            <a:r>
+              <a:rPr lang="en-US" altLang="zh-CN" sz="1400" b="1" i="1" dirty="0">
+                <a:solidFill>
+                  <a:schemeClr val="tx1">
+                    <a:lumMod val="75000"/>
+                    <a:lumOff val="25000"/>
+                  </a:schemeClr>
+                </a:solidFill>
+                <a:latin typeface="等线 Light" panose="02010600030101010101" charset="-122"/>
+                <a:ea typeface="等线 Light" panose="02010600030101010101" charset="-122"/>
+                <a:cs typeface="等线 Light" panose="02010600030101010101" charset="-122"/>
+                <a:sym typeface="+mn-lt"/>
+              </a:rPr>
+              <a:t> </a:t>
+            </a:r>
+            <a:r>
+              <a:rPr lang="zh-CN" sz="1400" b="1" dirty="0">
+                <a:solidFill>
+                  <a:schemeClr val="tx1">
+                    <a:lumMod val="75000"/>
+                    <a:lumOff val="25000"/>
+                  </a:schemeClr>
+                </a:solidFill>
+                <a:latin typeface="等线 Light" panose="02010600030101010101" charset="-122"/>
+                <a:ea typeface="等线 Light" panose="02010600030101010101" charset="-122"/>
+                <a:cs typeface="等线 Light" panose="02010600030101010101" charset="-122"/>
+                <a:sym typeface="+mn-lt"/>
+              </a:rPr>
+              <a:t>定义了处理返回结果的方法</a:t>
+            </a:r>
+            <a:endParaRPr lang="zh-CN" sz="1400" b="1" dirty="0">
+              <a:solidFill>
+                <a:schemeClr val="tx1">
+                  <a:lumMod val="75000"/>
+                  <a:lumOff val="25000"/>
+                </a:schemeClr>
+              </a:solidFill>
+              <a:latin typeface="等线 Light" panose="02010600030101010101" charset="-122"/>
+              <a:ea typeface="等线 Light" panose="02010600030101010101" charset="-122"/>
+              <a:cs typeface="等线 Light" panose="02010600030101010101" charset="-122"/>
+              <a:sym typeface="+mn-lt"/>
+            </a:endParaRPr>
+          </a:p>
+          <a:p>
+            <a:endParaRPr lang="zh-CN" sz="1400" b="1" dirty="0">
+              <a:solidFill>
+                <a:schemeClr val="tx1">
+                  <a:lumMod val="75000"/>
+                  <a:lumOff val="25000"/>
+                </a:schemeClr>
+              </a:solidFill>
+              <a:latin typeface="等线 Light" panose="02010600030101010101" charset="-122"/>
+              <a:ea typeface="等线 Light" panose="02010600030101010101" charset="-122"/>
+              <a:cs typeface="等线 Light" panose="02010600030101010101" charset="-122"/>
+              <a:sym typeface="+mn-lt"/>
+            </a:endParaRPr>
+          </a:p>
+          <a:p>
+            <a:r>
+              <a:rPr lang="zh-CN" sz="1400" b="1" dirty="0">
+                <a:solidFill>
+                  <a:schemeClr val="tx1">
+                    <a:lumMod val="75000"/>
+                    <a:lumOff val="25000"/>
+                  </a:schemeClr>
+                </a:solidFill>
+                <a:latin typeface="等线 Light" panose="02010600030101010101" charset="-122"/>
+                <a:ea typeface="等线 Light" panose="02010600030101010101" charset="-122"/>
+                <a:cs typeface="等线 Light" panose="02010600030101010101" charset="-122"/>
+                <a:sym typeface="+mn-lt"/>
+              </a:rPr>
+              <a:t>模板，具体的业务处理类</a:t>
+            </a:r>
+            <a:r>
+              <a:rPr lang="en-US" altLang="zh-CN" sz="1400" b="1" dirty="0">
+                <a:solidFill>
+                  <a:schemeClr val="tx1">
+                    <a:lumMod val="75000"/>
+                    <a:lumOff val="25000"/>
+                  </a:schemeClr>
+                </a:solidFill>
+                <a:latin typeface="等线 Light" panose="02010600030101010101" charset="-122"/>
+                <a:ea typeface="等线 Light" panose="02010600030101010101" charset="-122"/>
+                <a:cs typeface="等线 Light" panose="02010600030101010101" charset="-122"/>
+                <a:sym typeface="+mn-lt"/>
+              </a:rPr>
+              <a:t> </a:t>
+            </a:r>
+            <a:r>
+              <a:rPr lang="zh-CN" sz="1400" b="1" dirty="0">
+                <a:solidFill>
+                  <a:schemeClr val="tx1">
+                    <a:lumMod val="75000"/>
+                    <a:lumOff val="25000"/>
+                  </a:schemeClr>
+                </a:solidFill>
+                <a:latin typeface="等线 Light" panose="02010600030101010101" charset="-122"/>
+                <a:ea typeface="等线 Light" panose="02010600030101010101" charset="-122"/>
+                <a:cs typeface="等线 Light" panose="02010600030101010101" charset="-122"/>
+                <a:sym typeface="+mn-lt"/>
+              </a:rPr>
+              <a:t>MuteResultHandler</a:t>
+            </a:r>
+            <a:r>
+              <a:rPr lang="en-US" altLang="zh-CN" sz="1400" b="1" i="1" dirty="0">
+                <a:solidFill>
+                  <a:schemeClr val="tx1">
+                    <a:lumMod val="75000"/>
+                    <a:lumOff val="25000"/>
+                  </a:schemeClr>
+                </a:solidFill>
+                <a:latin typeface="等线 Light" panose="02010600030101010101" charset="-122"/>
+                <a:ea typeface="等线 Light" panose="02010600030101010101" charset="-122"/>
+                <a:cs typeface="等线 Light" panose="02010600030101010101" charset="-122"/>
+                <a:sym typeface="+mn-lt"/>
+              </a:rPr>
+              <a:t> </a:t>
+            </a:r>
+            <a:r>
+              <a:rPr lang="zh-CN" sz="1400" b="1" dirty="0">
+                <a:solidFill>
+                  <a:schemeClr val="tx1">
+                    <a:lumMod val="75000"/>
+                    <a:lumOff val="25000"/>
+                  </a:schemeClr>
+                </a:solidFill>
+                <a:latin typeface="等线 Light" panose="02010600030101010101" charset="-122"/>
+                <a:ea typeface="等线 Light" panose="02010600030101010101" charset="-122"/>
+                <a:cs typeface="等线 Light" panose="02010600030101010101" charset="-122"/>
+                <a:sym typeface="+mn-lt"/>
+              </a:rPr>
+              <a:t>实现了定义的模板方法。</a:t>
+            </a:r>
+            <a:endParaRPr lang="zh-CN" sz="1400" b="1" dirty="0">
+              <a:solidFill>
+                <a:schemeClr val="tx1">
+                  <a:lumMod val="75000"/>
+                  <a:lumOff val="25000"/>
+                </a:schemeClr>
+              </a:solidFill>
+              <a:latin typeface="等线 Light" panose="02010600030101010101" charset="-122"/>
+              <a:ea typeface="等线 Light" panose="02010600030101010101" charset="-122"/>
+              <a:cs typeface="等线 Light" panose="02010600030101010101" charset="-122"/>
+              <a:sym typeface="+mn-lt"/>
+            </a:endParaRPr>
+          </a:p>
+        </p:txBody>
+      </p:sp>
     </p:spTree>
   </p:cSld>
   <p:clrMapOvr>
@@ -6022,75 +6389,14 @@
       <p:grpSpPr/>
       <p:sp>
         <p:nvSpPr>
-          <p:cNvPr id="7" name="椭圆 6"/>
-          <p:cNvSpPr/>
-          <p:nvPr/>
-        </p:nvSpPr>
-        <p:spPr>
-          <a:xfrm>
-            <a:off x="4008120" y="3082290"/>
-            <a:ext cx="691515" cy="691515"/>
-          </a:xfrm>
-          <a:prstGeom prst="ellipse">
-            <a:avLst/>
-          </a:prstGeom>
-          <a:solidFill>
-            <a:srgbClr val="659594">
-              <a:alpha val="62000"/>
-            </a:srgbClr>
-          </a:solidFill>
-          <a:ln>
-            <a:noFill/>
-          </a:ln>
-        </p:spPr>
-        <p:style>
-          <a:lnRef idx="2">
-            <a:schemeClr val="accent6"/>
-          </a:lnRef>
-          <a:fillRef idx="1">
-            <a:schemeClr val="lt1"/>
-          </a:fillRef>
-          <a:effectRef idx="0">
-            <a:schemeClr val="accent6"/>
-          </a:effectRef>
-          <a:fontRef idx="minor">
-            <a:schemeClr val="dk1"/>
-          </a:fontRef>
-        </p:style>
-        <p:txBody>
-          <a:bodyPr rtlCol="0" anchor="ctr"/>
-          <a:p>
-            <a:pPr algn="ctr"/>
-            <a:r>
-              <a:rPr lang="en-US" altLang="zh-CN" sz="2000">
-                <a:solidFill>
-                  <a:schemeClr val="bg1"/>
-                </a:solidFill>
-                <a:latin typeface="等线 Light" panose="02010600030101010101" charset="-122"/>
-                <a:ea typeface="等线 Light" panose="02010600030101010101" charset="-122"/>
-              </a:rPr>
-              <a:t>04</a:t>
-            </a:r>
-            <a:endParaRPr lang="en-US" altLang="zh-CN" sz="2000">
-              <a:solidFill>
-                <a:schemeClr val="bg1"/>
-              </a:solidFill>
-              <a:latin typeface="等线 Light" panose="02010600030101010101" charset="-122"/>
-              <a:ea typeface="等线 Light" panose="02010600030101010101" charset="-122"/>
-            </a:endParaRPr>
-          </a:p>
-        </p:txBody>
-      </p:sp>
-      <p:sp>
-        <p:nvSpPr>
-          <p:cNvPr id="4" name="文本框 3"/>
+          <p:cNvPr id="2" name="文本框 1"/>
           <p:cNvSpPr txBox="1"/>
           <p:nvPr/>
         </p:nvSpPr>
         <p:spPr>
           <a:xfrm>
-            <a:off x="4887595" y="3197860"/>
-            <a:ext cx="3760470" cy="460375"/>
+            <a:off x="972185" y="1805940"/>
+            <a:ext cx="6782435" cy="337185"/>
           </a:xfrm>
           <a:prstGeom prst="rect">
             <a:avLst/>
@@ -6102,36 +6408,45 @@
             <a:spAutoFit/>
           </a:bodyPr>
           <a:p>
-            <a:r>
-              <a:rPr lang="zh-CN" altLang="en-US" sz="2400" b="1" dirty="0">
-                <a:solidFill>
-                  <a:schemeClr val="tx1">
-                    <a:lumMod val="75000"/>
-                    <a:lumOff val="25000"/>
-                  </a:schemeClr>
-                </a:solidFill>
-                <a:latin typeface="等线 Light" panose="02010600030101010101" charset="-122"/>
-                <a:ea typeface="等线 Light" panose="02010600030101010101" charset="-122"/>
-                <a:cs typeface="+mn-ea"/>
-                <a:sym typeface="+mn-lt"/>
-              </a:rPr>
-              <a:t>自身不足与改进</a:t>
-            </a:r>
-            <a:endParaRPr lang="zh-CN" altLang="en-US" sz="2400" b="1" dirty="0">
-              <a:solidFill>
-                <a:schemeClr val="tx1">
-                  <a:lumMod val="75000"/>
-                  <a:lumOff val="25000"/>
-                </a:schemeClr>
-              </a:solidFill>
-              <a:latin typeface="等线 Light" panose="02010600030101010101" charset="-122"/>
-              <a:ea typeface="等线 Light" panose="02010600030101010101" charset="-122"/>
-              <a:cs typeface="+mn-ea"/>
+            <a:endParaRPr lang="zh-CN" altLang="en-US" sz="1600" b="1" dirty="0">
+              <a:solidFill>
+                <a:schemeClr val="tx1">
+                  <a:lumMod val="75000"/>
+                  <a:lumOff val="25000"/>
+                </a:schemeClr>
+              </a:solidFill>
+              <a:latin typeface="等线 Light" panose="02010600030101010101" charset="-122"/>
+              <a:ea typeface="等线 Light" panose="02010600030101010101" charset="-122"/>
+              <a:cs typeface="等线 Light" panose="02010600030101010101" charset="-122"/>
               <a:sym typeface="+mn-lt"/>
             </a:endParaRPr>
           </a:p>
         </p:txBody>
       </p:sp>
+      <p:pic>
+        <p:nvPicPr>
+          <p:cNvPr id="4" name="图片 3" descr="迅飞语音识别"/>
+          <p:cNvPicPr>
+            <a:picLocks noChangeAspect="1"/>
+          </p:cNvPicPr>
+          <p:nvPr/>
+        </p:nvPicPr>
+        <p:blipFill>
+          <a:blip r:embed="rId1"/>
+          <a:stretch>
+            <a:fillRect/>
+          </a:stretch>
+        </p:blipFill>
+        <p:spPr>
+          <a:xfrm>
+            <a:off x="0" y="584200"/>
+            <a:ext cx="12192000" cy="5688965"/>
+          </a:xfrm>
+          <a:prstGeom prst="rect">
+            <a:avLst/>
+          </a:prstGeom>
+        </p:spPr>
+      </p:pic>
     </p:spTree>
   </p:cSld>
   <p:clrMapOvr>
@@ -6594,6 +6909,136 @@
       <p:grpSpPr/>
       <p:sp>
         <p:nvSpPr>
+          <p:cNvPr id="7" name="椭圆 6"/>
+          <p:cNvSpPr/>
+          <p:nvPr/>
+        </p:nvSpPr>
+        <p:spPr>
+          <a:xfrm>
+            <a:off x="4008120" y="3082290"/>
+            <a:ext cx="691515" cy="691515"/>
+          </a:xfrm>
+          <a:prstGeom prst="ellipse">
+            <a:avLst/>
+          </a:prstGeom>
+          <a:solidFill>
+            <a:srgbClr val="659594">
+              <a:alpha val="62000"/>
+            </a:srgbClr>
+          </a:solidFill>
+          <a:ln>
+            <a:noFill/>
+          </a:ln>
+        </p:spPr>
+        <p:style>
+          <a:lnRef idx="2">
+            <a:schemeClr val="accent6"/>
+          </a:lnRef>
+          <a:fillRef idx="1">
+            <a:schemeClr val="lt1"/>
+          </a:fillRef>
+          <a:effectRef idx="0">
+            <a:schemeClr val="accent6"/>
+          </a:effectRef>
+          <a:fontRef idx="minor">
+            <a:schemeClr val="dk1"/>
+          </a:fontRef>
+        </p:style>
+        <p:txBody>
+          <a:bodyPr rtlCol="0" anchor="ctr"/>
+          <a:p>
+            <a:pPr algn="ctr"/>
+            <a:r>
+              <a:rPr lang="en-US" altLang="zh-CN" sz="2000">
+                <a:solidFill>
+                  <a:schemeClr val="bg1"/>
+                </a:solidFill>
+                <a:latin typeface="等线 Light" panose="02010600030101010101" charset="-122"/>
+                <a:ea typeface="等线 Light" panose="02010600030101010101" charset="-122"/>
+              </a:rPr>
+              <a:t>04</a:t>
+            </a:r>
+            <a:endParaRPr lang="en-US" altLang="zh-CN" sz="2000">
+              <a:solidFill>
+                <a:schemeClr val="bg1"/>
+              </a:solidFill>
+              <a:latin typeface="等线 Light" panose="02010600030101010101" charset="-122"/>
+              <a:ea typeface="等线 Light" panose="02010600030101010101" charset="-122"/>
+            </a:endParaRPr>
+          </a:p>
+        </p:txBody>
+      </p:sp>
+      <p:sp>
+        <p:nvSpPr>
+          <p:cNvPr id="4" name="文本框 3"/>
+          <p:cNvSpPr txBox="1"/>
+          <p:nvPr/>
+        </p:nvSpPr>
+        <p:spPr>
+          <a:xfrm>
+            <a:off x="4887595" y="3197860"/>
+            <a:ext cx="3760470" cy="460375"/>
+          </a:xfrm>
+          <a:prstGeom prst="rect">
+            <a:avLst/>
+          </a:prstGeom>
+          <a:noFill/>
+        </p:spPr>
+        <p:txBody>
+          <a:bodyPr wrap="square" rtlCol="0">
+            <a:spAutoFit/>
+          </a:bodyPr>
+          <a:p>
+            <a:r>
+              <a:rPr lang="zh-CN" altLang="en-US" sz="2400" b="1" dirty="0">
+                <a:solidFill>
+                  <a:schemeClr val="tx1">
+                    <a:lumMod val="75000"/>
+                    <a:lumOff val="25000"/>
+                  </a:schemeClr>
+                </a:solidFill>
+                <a:latin typeface="等线 Light" panose="02010600030101010101" charset="-122"/>
+                <a:ea typeface="等线 Light" panose="02010600030101010101" charset="-122"/>
+                <a:cs typeface="+mn-ea"/>
+                <a:sym typeface="+mn-lt"/>
+              </a:rPr>
+              <a:t>自身不足与改进</a:t>
+            </a:r>
+            <a:endParaRPr lang="zh-CN" altLang="en-US" sz="2400" b="1" dirty="0">
+              <a:solidFill>
+                <a:schemeClr val="tx1">
+                  <a:lumMod val="75000"/>
+                  <a:lumOff val="25000"/>
+                </a:schemeClr>
+              </a:solidFill>
+              <a:latin typeface="等线 Light" panose="02010600030101010101" charset="-122"/>
+              <a:ea typeface="等线 Light" panose="02010600030101010101" charset="-122"/>
+              <a:cs typeface="+mn-ea"/>
+              <a:sym typeface="+mn-lt"/>
+            </a:endParaRPr>
+          </a:p>
+        </p:txBody>
+      </p:sp>
+    </p:spTree>
+  </p:cSld>
+  <p:clrMapOvr>
+    <a:masterClrMapping/>
+  </p:clrMapOvr>
+</p:sld>
+</file>
+
+<file path=ppt/slides/slide21.xml><?xml version="1.0" encoding="utf-8"?>
+<p:sld xmlns:a="http://schemas.openxmlformats.org/drawingml/2006/main" xmlns:r="http://schemas.openxmlformats.org/officeDocument/2006/relationships" xmlns:p="http://schemas.openxmlformats.org/presentationml/2006/main">
+  <p:cSld>
+    <p:spTree>
+      <p:nvGrpSpPr>
+        <p:cNvPr id="1" name=""/>
+        <p:cNvGrpSpPr/>
+        <p:nvPr/>
+      </p:nvGrpSpPr>
+      <p:grpSpPr/>
+      <p:sp>
+        <p:nvSpPr>
           <p:cNvPr id="4" name="矩形 3"/>
           <p:cNvSpPr/>
           <p:nvPr/>
@@ -7089,7 +7534,7 @@
 </p:sld>
 </file>
 
-<file path=ppt/slides/slide21.xml><?xml version="1.0" encoding="utf-8"?>
+<file path=ppt/slides/slide22.xml><?xml version="1.0" encoding="utf-8"?>
 <p:sld xmlns:a="http://schemas.openxmlformats.org/drawingml/2006/main" xmlns:r="http://schemas.openxmlformats.org/officeDocument/2006/relationships" xmlns:p="http://schemas.openxmlformats.org/presentationml/2006/main">
   <p:cSld>
     <p:spTree>
@@ -7219,7 +7664,7 @@
 </p:sld>
 </file>
 
-<file path=ppt/slides/slide22.xml><?xml version="1.0" encoding="utf-8"?>
+<file path=ppt/slides/slide23.xml><?xml version="1.0" encoding="utf-8"?>
 <p:sld xmlns:a="http://schemas.openxmlformats.org/drawingml/2006/main" xmlns:r="http://schemas.openxmlformats.org/officeDocument/2006/relationships" xmlns:p="http://schemas.openxmlformats.org/presentationml/2006/main">
   <p:cSld>
     <p:spTree>
@@ -7305,7 +7750,7 @@
                 <a:ea typeface="等线 Light" panose="02010600030101010101" charset="-122"/>
                 <a:sym typeface="+mn-ea"/>
               </a:rPr>
-              <a:t>个人规划</a:t>
+              <a:t>个人愿景</a:t>
             </a:r>
             <a:endParaRPr lang="zh-CN" altLang="en-US" sz="2400" dirty="0">
               <a:solidFill>
@@ -7355,7 +7800,7 @@
                 <a:cs typeface="等线 Light" panose="02010600030101010101" charset="-122"/>
                 <a:sym typeface="+mn-lt"/>
               </a:rPr>
-              <a:t>一年：熟悉Cmcc业务框架部分模块的开发和维护，理解</a:t>
+              <a:t>一、熟悉</a:t>
             </a:r>
             <a:r>
               <a:rPr lang="en-US" altLang="zh-CN" sz="1400" b="1" dirty="0">
@@ -7370,9 +7815,54 @@
                 <a:cs typeface="等线 Light" panose="02010600030101010101" charset="-122"/>
                 <a:sym typeface="+mn-lt"/>
               </a:rPr>
-              <a:t>GS框架的具体实现，成为初级开发工程师。</a:t>
-            </a:r>
-            <a:endParaRPr lang="en-US" altLang="zh-CN" sz="1400" b="1" dirty="0">
+              <a:t> </a:t>
+            </a:r>
+            <a:r>
+              <a:rPr lang="zh-CN" altLang="en-US" sz="1400" b="1" dirty="0">
+                <a:solidFill>
+                  <a:schemeClr val="tx1">
+                    <a:lumMod val="75000"/>
+                    <a:lumOff val="25000"/>
+                  </a:schemeClr>
+                </a:solidFill>
+                <a:latin typeface="等线 Light" panose="02010600030101010101" charset="-122"/>
+                <a:ea typeface="等线 Light" panose="02010600030101010101" charset="-122"/>
+                <a:cs typeface="等线 Light" panose="02010600030101010101" charset="-122"/>
+                <a:sym typeface="+mn-lt"/>
+              </a:rPr>
+              <a:t>Cmcc</a:t>
+            </a:r>
+            <a:r>
+              <a:rPr lang="en-US" altLang="zh-CN" sz="1400" b="1" dirty="0">
+                <a:solidFill>
+                  <a:schemeClr val="tx1">
+                    <a:lumMod val="75000"/>
+                    <a:lumOff val="25000"/>
+                  </a:schemeClr>
+                </a:solidFill>
+                <a:latin typeface="等线 Light" panose="02010600030101010101" charset="-122"/>
+                <a:ea typeface="等线 Light" panose="02010600030101010101" charset="-122"/>
+                <a:cs typeface="等线 Light" panose="02010600030101010101" charset="-122"/>
+                <a:sym typeface="+mn-lt"/>
+              </a:rPr>
+              <a:t> </a:t>
+            </a:r>
+            <a:r>
+              <a:rPr lang="zh-CN" altLang="en-US" sz="1400" b="1" dirty="0">
+                <a:solidFill>
+                  <a:schemeClr val="tx1">
+                    <a:lumMod val="75000"/>
+                    <a:lumOff val="25000"/>
+                  </a:schemeClr>
+                </a:solidFill>
+                <a:latin typeface="等线 Light" panose="02010600030101010101" charset="-122"/>
+                <a:ea typeface="等线 Light" panose="02010600030101010101" charset="-122"/>
+                <a:cs typeface="等线 Light" panose="02010600030101010101" charset="-122"/>
+                <a:sym typeface="+mn-lt"/>
+              </a:rPr>
+              <a:t>业务框架部分模块的开发和维护，能够快速定位分析自己所负责模块出现的问题，并提出良好解决方案。</a:t>
+            </a:r>
+            <a:endParaRPr lang="zh-CN" altLang="en-US" sz="1400" b="1" dirty="0">
               <a:solidFill>
                 <a:schemeClr val="tx1">
                   <a:lumMod val="75000"/>
@@ -7386,7 +7876,7 @@
             </a:endParaRPr>
           </a:p>
           <a:p>
-            <a:endParaRPr lang="en-US" altLang="zh-CN" sz="1400" b="1" dirty="0">
+            <a:endParaRPr lang="zh-CN" altLang="en-US" sz="1400" b="1" dirty="0">
               <a:solidFill>
                 <a:schemeClr val="tx1">
                   <a:lumMod val="75000"/>
@@ -7413,7 +7903,37 @@
                 <a:cs typeface="等线 Light" panose="02010600030101010101" charset="-122"/>
                 <a:sym typeface="+mn-lt"/>
               </a:rPr>
-              <a:t>三年：能够快速定位分析自己所负责模块出现的问题，并提出良好解决方案，成为中级开发工程师。</a:t>
+              <a:t>二、阅读安卓开发文档，学习</a:t>
+            </a:r>
+            <a:r>
+              <a:rPr lang="en-US" altLang="zh-CN" sz="1400" b="1" dirty="0">
+                <a:solidFill>
+                  <a:schemeClr val="tx1">
+                    <a:lumMod val="75000"/>
+                    <a:lumOff val="25000"/>
+                  </a:schemeClr>
+                </a:solidFill>
+                <a:latin typeface="等线 Light" panose="02010600030101010101" charset="-122"/>
+                <a:ea typeface="等线 Light" panose="02010600030101010101" charset="-122"/>
+                <a:cs typeface="等线 Light" panose="02010600030101010101" charset="-122"/>
+                <a:sym typeface="+mn-lt"/>
+              </a:rPr>
+              <a:t> Jetpack </a:t>
+            </a:r>
+            <a:r>
+              <a:rPr lang="zh-CN" altLang="en-US" sz="1400" b="1" dirty="0">
+                <a:solidFill>
+                  <a:schemeClr val="tx1">
+                    <a:lumMod val="75000"/>
+                    <a:lumOff val="25000"/>
+                  </a:schemeClr>
+                </a:solidFill>
+                <a:latin typeface="等线 Light" panose="02010600030101010101" charset="-122"/>
+                <a:ea typeface="等线 Light" panose="02010600030101010101" charset="-122"/>
+                <a:cs typeface="等线 Light" panose="02010600030101010101" charset="-122"/>
+                <a:sym typeface="+mn-lt"/>
+              </a:rPr>
+              <a:t>组件库的使用，应用到项目中，重构代码，提升代码质量和开发效率。</a:t>
             </a:r>
             <a:endParaRPr lang="zh-CN" altLang="en-US" sz="1400" b="1" dirty="0">
               <a:solidFill>
@@ -7456,7 +7976,127 @@
                 <a:cs typeface="等线 Light" panose="02010600030101010101" charset="-122"/>
                 <a:sym typeface="+mn-lt"/>
               </a:rPr>
-              <a:t>五年：理解公司部分产品的架构开发设计，能够具备架构设计思想，成为高级开发工程师。</a:t>
+              <a:t>三、除了应用层的开发和维护，还要了解安卓</a:t>
+            </a:r>
+            <a:r>
+              <a:rPr lang="en-US" altLang="zh-CN" sz="1400" b="1" dirty="0">
+                <a:solidFill>
+                  <a:schemeClr val="tx1">
+                    <a:lumMod val="75000"/>
+                    <a:lumOff val="25000"/>
+                  </a:schemeClr>
+                </a:solidFill>
+                <a:latin typeface="等线 Light" panose="02010600030101010101" charset="-122"/>
+                <a:ea typeface="等线 Light" panose="02010600030101010101" charset="-122"/>
+                <a:cs typeface="等线 Light" panose="02010600030101010101" charset="-122"/>
+                <a:sym typeface="+mn-lt"/>
+              </a:rPr>
+              <a:t> </a:t>
+            </a:r>
+            <a:r>
+              <a:rPr lang="zh-CN" altLang="en-US" sz="1400" b="1" dirty="0">
+                <a:solidFill>
+                  <a:schemeClr val="tx1">
+                    <a:lumMod val="75000"/>
+                    <a:lumOff val="25000"/>
+                  </a:schemeClr>
+                </a:solidFill>
+                <a:latin typeface="等线 Light" panose="02010600030101010101" charset="-122"/>
+                <a:ea typeface="等线 Light" panose="02010600030101010101" charset="-122"/>
+                <a:cs typeface="等线 Light" panose="02010600030101010101" charset="-122"/>
+                <a:sym typeface="+mn-lt"/>
+              </a:rPr>
+              <a:t>Framework</a:t>
+            </a:r>
+            <a:r>
+              <a:rPr lang="en-US" altLang="zh-CN" sz="1400" b="1" dirty="0">
+                <a:solidFill>
+                  <a:schemeClr val="tx1">
+                    <a:lumMod val="75000"/>
+                    <a:lumOff val="25000"/>
+                  </a:schemeClr>
+                </a:solidFill>
+                <a:latin typeface="等线 Light" panose="02010600030101010101" charset="-122"/>
+                <a:ea typeface="等线 Light" panose="02010600030101010101" charset="-122"/>
+                <a:cs typeface="等线 Light" panose="02010600030101010101" charset="-122"/>
+                <a:sym typeface="+mn-lt"/>
+              </a:rPr>
+              <a:t> </a:t>
+            </a:r>
+            <a:r>
+              <a:rPr lang="zh-CN" altLang="en-US" sz="1400" b="1" dirty="0">
+                <a:solidFill>
+                  <a:schemeClr val="tx1">
+                    <a:lumMod val="75000"/>
+                    <a:lumOff val="25000"/>
+                  </a:schemeClr>
+                </a:solidFill>
+                <a:latin typeface="等线 Light" panose="02010600030101010101" charset="-122"/>
+                <a:ea typeface="等线 Light" panose="02010600030101010101" charset="-122"/>
+                <a:cs typeface="等线 Light" panose="02010600030101010101" charset="-122"/>
+                <a:sym typeface="+mn-lt"/>
+              </a:rPr>
+              <a:t>框架层知识，对整个</a:t>
+            </a:r>
+            <a:r>
+              <a:rPr lang="en-US" altLang="zh-CN" sz="1400" b="1" dirty="0">
+                <a:solidFill>
+                  <a:schemeClr val="tx1">
+                    <a:lumMod val="75000"/>
+                    <a:lumOff val="25000"/>
+                  </a:schemeClr>
+                </a:solidFill>
+                <a:latin typeface="等线 Light" panose="02010600030101010101" charset="-122"/>
+                <a:ea typeface="等线 Light" panose="02010600030101010101" charset="-122"/>
+                <a:cs typeface="等线 Light" panose="02010600030101010101" charset="-122"/>
+                <a:sym typeface="+mn-lt"/>
+              </a:rPr>
+              <a:t> </a:t>
+            </a:r>
+            <a:r>
+              <a:rPr lang="zh-CN" altLang="en-US" sz="1400" b="1" dirty="0">
+                <a:solidFill>
+                  <a:schemeClr val="tx1">
+                    <a:lumMod val="75000"/>
+                    <a:lumOff val="25000"/>
+                  </a:schemeClr>
+                </a:solidFill>
+                <a:latin typeface="等线 Light" panose="02010600030101010101" charset="-122"/>
+                <a:ea typeface="等线 Light" panose="02010600030101010101" charset="-122"/>
+                <a:cs typeface="等线 Light" panose="02010600030101010101" charset="-122"/>
+                <a:sym typeface="+mn-lt"/>
+              </a:rPr>
+              <a:t>android</a:t>
+            </a:r>
+            <a:r>
+              <a:rPr lang="en-US" altLang="zh-CN" sz="1400" b="1" dirty="0">
+                <a:solidFill>
+                  <a:schemeClr val="tx1">
+                    <a:lumMod val="75000"/>
+                    <a:lumOff val="25000"/>
+                  </a:schemeClr>
+                </a:solidFill>
+                <a:latin typeface="等线 Light" panose="02010600030101010101" charset="-122"/>
+                <a:ea typeface="等线 Light" panose="02010600030101010101" charset="-122"/>
+                <a:cs typeface="等线 Light" panose="02010600030101010101" charset="-122"/>
+                <a:sym typeface="+mn-lt"/>
+              </a:rPr>
+              <a:t> </a:t>
+            </a:r>
+            <a:r>
+              <a:rPr lang="zh-CN" altLang="en-US" sz="1400" b="1" dirty="0">
+                <a:solidFill>
+                  <a:schemeClr val="tx1">
+                    <a:lumMod val="75000"/>
+                    <a:lumOff val="25000"/>
+                  </a:schemeClr>
+                </a:solidFill>
+                <a:latin typeface="等线 Light" panose="02010600030101010101" charset="-122"/>
+                <a:ea typeface="等线 Light" panose="02010600030101010101" charset="-122"/>
+                <a:cs typeface="等线 Light" panose="02010600030101010101" charset="-122"/>
+                <a:sym typeface="+mn-lt"/>
+              </a:rPr>
+              <a:t>系统架构有个比较完整的了解。</a:t>
             </a:r>
             <a:endParaRPr lang="zh-CN" altLang="en-US" sz="1400" b="1" dirty="0">
               <a:solidFill>
@@ -7512,7 +8152,7 @@
 </p:sld>
 </file>
 
-<file path=ppt/slides/slide23.xml><?xml version="1.0" encoding="utf-8"?>
+<file path=ppt/slides/slide24.xml><?xml version="1.0" encoding="utf-8"?>
 <p:sld xmlns:a="http://schemas.openxmlformats.org/drawingml/2006/main" xmlns:r="http://schemas.openxmlformats.org/officeDocument/2006/relationships" xmlns:p="http://schemas.openxmlformats.org/presentationml/2006/main">
   <p:cSld>
     <p:spTree>
@@ -7642,7 +8282,7 @@
 </p:sld>
 </file>
 
-<file path=ppt/slides/slide24.xml><?xml version="1.0" encoding="utf-8"?>
+<file path=ppt/slides/slide25.xml><?xml version="1.0" encoding="utf-8"?>
 <p:sld xmlns:a="http://schemas.openxmlformats.org/drawingml/2006/main" xmlns:r="http://schemas.openxmlformats.org/officeDocument/2006/relationships" xmlns:p="http://schemas.openxmlformats.org/presentationml/2006/main">
   <p:cSld>
     <p:spTree>
@@ -7753,7 +8393,7 @@
         <p:spPr>
           <a:xfrm>
             <a:off x="972185" y="1805940"/>
-            <a:ext cx="5149850" cy="1599565"/>
+            <a:ext cx="5149850" cy="737235"/>
           </a:xfrm>
           <a:prstGeom prst="rect">
             <a:avLst/>
@@ -7778,7 +8418,7 @@
                 <a:cs typeface="等线 Light" panose="02010600030101010101" charset="-122"/>
                 <a:sym typeface="+mn-lt"/>
               </a:rPr>
-              <a:t>一、</a:t>
+              <a:t>一、去除项目中</a:t>
             </a:r>
             <a:r>
               <a:rPr sz="1400" b="1" dirty="0">
@@ -7793,9 +8433,24 @@
                 <a:cs typeface="等线 Light" panose="02010600030101010101" charset="-122"/>
                 <a:sym typeface="+mn-lt"/>
               </a:rPr>
-              <a:t>更加注重代码编写规范，开发过程中的冗长无用代码可以去除，另外重要方法添加适当注释，很多代码由于没有注释，造成后期理解和维护困难。</a:t>
-            </a:r>
-            <a:endParaRPr sz="1400" b="1" dirty="0">
+              <a:t>冗长无用代码</a:t>
+            </a:r>
+            <a:r>
+              <a:rPr lang="zh-CN" sz="1400" b="1" dirty="0">
+                <a:solidFill>
+                  <a:schemeClr val="tx1">
+                    <a:lumMod val="75000"/>
+                    <a:lumOff val="25000"/>
+                  </a:schemeClr>
+                </a:solidFill>
+                <a:latin typeface="等线 Light" panose="02010600030101010101" charset="-122"/>
+                <a:ea typeface="等线 Light" panose="02010600030101010101" charset="-122"/>
+                <a:cs typeface="等线 Light" panose="02010600030101010101" charset="-122"/>
+                <a:sym typeface="+mn-lt"/>
+              </a:rPr>
+              <a:t>，重要方法添加注释。</a:t>
+            </a:r>
+            <a:endParaRPr lang="zh-CN" sz="1400" b="1" dirty="0">
               <a:solidFill>
                 <a:schemeClr val="tx1">
                   <a:lumMod val="75000"/>
@@ -7809,7 +8464,7 @@
             </a:endParaRPr>
           </a:p>
           <a:p>
-            <a:endParaRPr sz="1400" b="1" dirty="0">
+            <a:endParaRPr lang="zh-CN" sz="1400" b="1" dirty="0">
               <a:solidFill>
                 <a:schemeClr val="tx1">
                   <a:lumMod val="75000"/>
@@ -7836,7 +8491,7 @@
                 <a:cs typeface="等线 Light" panose="02010600030101010101" charset="-122"/>
                 <a:sym typeface="+mn-lt"/>
               </a:rPr>
-              <a:t>二、可以在公司内网上建立一个模块，用来介绍杭州部门情况以及部门内部小组具体开发和维护的内容，很多时候不太了解其他小组的职责，希望对公司的产品开发更加了解。</a:t>
+              <a:t>二、有文档介绍部门内部小组开发和维护的工作内容。</a:t>
             </a:r>
             <a:endParaRPr lang="zh-CN" sz="1400" b="1" dirty="0">
               <a:solidFill>
@@ -7892,7 +8547,7 @@
 </p:sld>
 </file>
 
-<file path=ppt/slides/slide25.xml><?xml version="1.0" encoding="utf-8"?>
+<file path=ppt/slides/slide26.xml><?xml version="1.0" encoding="utf-8"?>
 <p:sld xmlns:a="http://schemas.openxmlformats.org/drawingml/2006/main" xmlns:r="http://schemas.openxmlformats.org/officeDocument/2006/relationships" xmlns:p="http://schemas.openxmlformats.org/presentationml/2006/main">
   <p:cSld>
     <p:spTree>
@@ -11455,19 +12110,19 @@
 
 <file path=ppt/tags/tag10.xml><?xml version="1.0" encoding="utf-8"?>
 <p:tagLst xmlns:p="http://schemas.openxmlformats.org/presentationml/2006/main">
-  <p:tag name="KSO_WM_UNIT_PLACING_PICTURE_USER_VIEWPORT" val="{&quot;height&quot;:6070,&quot;width&quot;:9009}"/>
+  <p:tag name="KSO_WM_UNIT_PLACING_PICTURE_USER_VIEWPORT" val="{&quot;height&quot;:5265,&quot;width&quot;:6210}"/>
 </p:tagLst>
 </file>
 
 <file path=ppt/tags/tag11.xml><?xml version="1.0" encoding="utf-8"?>
 <p:tagLst xmlns:p="http://schemas.openxmlformats.org/presentationml/2006/main">
-  <p:tag name="KSO_WM_UNIT_PLACING_PICTURE_USER_VIEWPORT" val="{&quot;height&quot;:4104,&quot;width&quot;:19200}"/>
+  <p:tag name="KSO_WM_UNIT_PLACING_PICTURE_USER_VIEWPORT" val="{&quot;height&quot;:6070,&quot;width&quot;:9009}"/>
 </p:tagLst>
 </file>
 
 <file path=ppt/tags/tag12.xml><?xml version="1.0" encoding="utf-8"?>
 <p:tagLst xmlns:p="http://schemas.openxmlformats.org/presentationml/2006/main">
-  <p:tag name="KSO_WM_UNIT_PLACING_PICTURE_USER_VIEWPORT" val="{&quot;height&quot;:6070,&quot;width&quot;:9009}"/>
+  <p:tag name="KSO_WM_UNIT_PLACING_PICTURE_USER_VIEWPORT" val="{&quot;height&quot;:4104,&quot;width&quot;:19200}"/>
 </p:tagLst>
 </file>
 
@@ -11484,6 +12139,12 @@
 </file>
 
 <file path=ppt/tags/tag15.xml><?xml version="1.0" encoding="utf-8"?>
+<p:tagLst xmlns:p="http://schemas.openxmlformats.org/presentationml/2006/main">
+  <p:tag name="KSO_WM_UNIT_PLACING_PICTURE_USER_VIEWPORT" val="{&quot;height&quot;:6070,&quot;width&quot;:9009}"/>
+</p:tagLst>
+</file>
+
+<file path=ppt/tags/tag16.xml><?xml version="1.0" encoding="utf-8"?>
 <p:tagLst xmlns:p="http://schemas.openxmlformats.org/presentationml/2006/main">
   <p:tag name="COMMONDATA" val="eyJjb3VudCI6MTU5LCJoZGlkIjoiMzdiYTY1YzMzNmRhNmE2MDlkOTA3MTBjMWVhMDZkMjQiLCJ1c2VyQ291bnQiOjE1OX0="/>
 </p:tagLst>
@@ -11533,7 +12194,7 @@
 
 <file path=ppt/tags/tag9.xml><?xml version="1.0" encoding="utf-8"?>
 <p:tagLst xmlns:p="http://schemas.openxmlformats.org/presentationml/2006/main">
-  <p:tag name="KSO_WM_UNIT_PLACING_PICTURE_USER_VIEWPORT" val="{&quot;height&quot;:5265,&quot;width&quot;:6210}"/>
+  <p:tag name="KSO_WM_UNIT_PLACING_PICTURE_USER_VIEWPORT" val="{&quot;height&quot;:6070,&quot;width&quot;:9009}"/>
 </p:tagLst>
 </file>
 
